--- a/project proposal.pptx
+++ b/project proposal.pptx
@@ -7,8 +7,18 @@
   <p:sldIdLst>
     <p:sldId id="256" r:id="rId2"/>
     <p:sldId id="259" r:id="rId3"/>
-    <p:sldId id="258" r:id="rId4"/>
-    <p:sldId id="257" r:id="rId5"/>
+    <p:sldId id="273" r:id="rId4"/>
+    <p:sldId id="258" r:id="rId5"/>
+    <p:sldId id="260" r:id="rId6"/>
+    <p:sldId id="265" r:id="rId7"/>
+    <p:sldId id="270" r:id="rId8"/>
+    <p:sldId id="264" r:id="rId9"/>
+    <p:sldId id="266" r:id="rId10"/>
+    <p:sldId id="268" r:id="rId11"/>
+    <p:sldId id="271" r:id="rId12"/>
+    <p:sldId id="272" r:id="rId13"/>
+    <p:sldId id="274" r:id="rId14"/>
+    <p:sldId id="257" r:id="rId15"/>
   </p:sldIdLst>
   <p:sldSz cx="12192000" cy="6858000"/>
   <p:notesSz cx="6858000" cy="9144000"/>
@@ -107,6 +117,11 @@
       </a:defRPr>
     </a:lvl9pPr>
   </p:defaultTextStyle>
+  <p:extLst>
+    <p:ext uri="{EFAFB233-063F-42B5-8137-9DF3F51BA10A}">
+      <p15:sldGuideLst xmlns:p15="http://schemas.microsoft.com/office/powerpoint/2012/main"/>
+    </p:ext>
+  </p:extLst>
 </p:presentation>
 </file>
 
@@ -257,7 +272,7 @@
           <a:p>
             <a:fld id="{49A5E4FC-89D0-4339-892C-A891E8BB8202}" type="datetimeFigureOut">
               <a:rPr lang="de-DE" smtClean="0"/>
-              <a:t>09.05.2023</a:t>
+              <a:t>14.05.2023</a:t>
             </a:fld>
             <a:endParaRPr lang="de-DE"/>
           </a:p>
@@ -455,7 +470,7 @@
           <a:p>
             <a:fld id="{49A5E4FC-89D0-4339-892C-A891E8BB8202}" type="datetimeFigureOut">
               <a:rPr lang="de-DE" smtClean="0"/>
-              <a:t>09.05.2023</a:t>
+              <a:t>14.05.2023</a:t>
             </a:fld>
             <a:endParaRPr lang="de-DE"/>
           </a:p>
@@ -663,7 +678,7 @@
           <a:p>
             <a:fld id="{49A5E4FC-89D0-4339-892C-A891E8BB8202}" type="datetimeFigureOut">
               <a:rPr lang="de-DE" smtClean="0"/>
-              <a:t>09.05.2023</a:t>
+              <a:t>14.05.2023</a:t>
             </a:fld>
             <a:endParaRPr lang="de-DE"/>
           </a:p>
@@ -882,7 +897,7 @@
           <a:p>
             <a:fld id="{49A5E4FC-89D0-4339-892C-A891E8BB8202}" type="datetimeFigureOut">
               <a:rPr lang="de-DE" smtClean="0"/>
-              <a:t>09.05.2023</a:t>
+              <a:t>14.05.2023</a:t>
             </a:fld>
             <a:endParaRPr lang="de-DE"/>
           </a:p>
@@ -1172,7 +1187,7 @@
           <a:p>
             <a:fld id="{49A5E4FC-89D0-4339-892C-A891E8BB8202}" type="datetimeFigureOut">
               <a:rPr lang="de-DE" smtClean="0"/>
-              <a:t>09.05.2023</a:t>
+              <a:t>14.05.2023</a:t>
             </a:fld>
             <a:endParaRPr lang="de-DE"/>
           </a:p>
@@ -1437,7 +1452,7 @@
           <a:p>
             <a:fld id="{49A5E4FC-89D0-4339-892C-A891E8BB8202}" type="datetimeFigureOut">
               <a:rPr lang="de-DE" smtClean="0"/>
-              <a:t>09.05.2023</a:t>
+              <a:t>14.05.2023</a:t>
             </a:fld>
             <a:endParaRPr lang="de-DE"/>
           </a:p>
@@ -1849,7 +1864,7 @@
           <a:p>
             <a:fld id="{49A5E4FC-89D0-4339-892C-A891E8BB8202}" type="datetimeFigureOut">
               <a:rPr lang="de-DE" smtClean="0"/>
-              <a:t>09.05.2023</a:t>
+              <a:t>14.05.2023</a:t>
             </a:fld>
             <a:endParaRPr lang="de-DE"/>
           </a:p>
@@ -1990,7 +2005,7 @@
           <a:p>
             <a:fld id="{49A5E4FC-89D0-4339-892C-A891E8BB8202}" type="datetimeFigureOut">
               <a:rPr lang="de-DE" smtClean="0"/>
-              <a:t>09.05.2023</a:t>
+              <a:t>14.05.2023</a:t>
             </a:fld>
             <a:endParaRPr lang="de-DE"/>
           </a:p>
@@ -2103,7 +2118,7 @@
           <a:p>
             <a:fld id="{49A5E4FC-89D0-4339-892C-A891E8BB8202}" type="datetimeFigureOut">
               <a:rPr lang="de-DE" smtClean="0"/>
-              <a:t>09.05.2023</a:t>
+              <a:t>14.05.2023</a:t>
             </a:fld>
             <a:endParaRPr lang="de-DE"/>
           </a:p>
@@ -2414,7 +2429,7 @@
           <a:p>
             <a:fld id="{49A5E4FC-89D0-4339-892C-A891E8BB8202}" type="datetimeFigureOut">
               <a:rPr lang="de-DE" smtClean="0"/>
-              <a:t>09.05.2023</a:t>
+              <a:t>14.05.2023</a:t>
             </a:fld>
             <a:endParaRPr lang="de-DE"/>
           </a:p>
@@ -2702,7 +2717,7 @@
           <a:p>
             <a:fld id="{49A5E4FC-89D0-4339-892C-A891E8BB8202}" type="datetimeFigureOut">
               <a:rPr lang="de-DE" smtClean="0"/>
-              <a:t>09.05.2023</a:t>
+              <a:t>14.05.2023</a:t>
             </a:fld>
             <a:endParaRPr lang="de-DE"/>
           </a:p>
@@ -2943,7 +2958,7 @@
           <a:p>
             <a:fld id="{49A5E4FC-89D0-4339-892C-A891E8BB8202}" type="datetimeFigureOut">
               <a:rPr lang="de-DE" smtClean="0"/>
-              <a:t>09.05.2023</a:t>
+              <a:t>14.05.2023</a:t>
             </a:fld>
             <a:endParaRPr lang="de-DE"/>
           </a:p>
@@ -3576,6 +3591,1140 @@
 </p:sld>
 </file>
 
+<file path=ppt/slides/slide10.xml><?xml version="1.0" encoding="utf-8"?>
+<p:sld xmlns:a="http://schemas.openxmlformats.org/drawingml/2006/main" xmlns:r="http://schemas.openxmlformats.org/officeDocument/2006/relationships" xmlns:p="http://schemas.openxmlformats.org/presentationml/2006/main">
+  <p:cSld>
+    <p:spTree>
+      <p:nvGrpSpPr>
+        <p:cNvPr id="1" name=""/>
+        <p:cNvGrpSpPr/>
+        <p:nvPr/>
+      </p:nvGrpSpPr>
+      <p:grpSpPr>
+        <a:xfrm>
+          <a:off x="0" y="0"/>
+          <a:ext cx="0" cy="0"/>
+          <a:chOff x="0" y="0"/>
+          <a:chExt cx="0" cy="0"/>
+        </a:xfrm>
+      </p:grpSpPr>
+      <p:sp>
+        <p:nvSpPr>
+          <p:cNvPr id="6" name="Inhaltsplatzhalter 5">
+            <a:extLst>
+              <a:ext uri="{FF2B5EF4-FFF2-40B4-BE49-F238E27FC236}">
+                <a16:creationId xmlns:a16="http://schemas.microsoft.com/office/drawing/2014/main" id="{7D15C65D-A841-0033-CC2A-8DA537F3A15D}"/>
+              </a:ext>
+            </a:extLst>
+          </p:cNvPr>
+          <p:cNvSpPr>
+            <a:spLocks noGrp="1"/>
+          </p:cNvSpPr>
+          <p:nvPr>
+            <p:ph idx="1"/>
+          </p:nvPr>
+        </p:nvSpPr>
+        <p:spPr/>
+        <p:txBody>
+          <a:bodyPr/>
+          <a:lstStyle/>
+          <a:p>
+            <a:pPr marL="0" indent="0">
+              <a:buNone/>
+            </a:pPr>
+            <a:r>
+              <a:rPr lang="de-DE" dirty="0"/>
+              <a:t> </a:t>
+            </a:r>
+          </a:p>
+        </p:txBody>
+      </p:sp>
+      <p:sp>
+        <p:nvSpPr>
+          <p:cNvPr id="2" name="Titel 1">
+            <a:extLst>
+              <a:ext uri="{FF2B5EF4-FFF2-40B4-BE49-F238E27FC236}">
+                <a16:creationId xmlns:a16="http://schemas.microsoft.com/office/drawing/2014/main" id="{EA79D227-51F1-8762-A9A1-4CEE300E4BEB}"/>
+              </a:ext>
+            </a:extLst>
+          </p:cNvPr>
+          <p:cNvSpPr>
+            <a:spLocks noGrp="1"/>
+          </p:cNvSpPr>
+          <p:nvPr>
+            <p:ph type="title"/>
+          </p:nvPr>
+        </p:nvSpPr>
+        <p:spPr/>
+        <p:txBody>
+          <a:bodyPr/>
+          <a:lstStyle/>
+          <a:p>
+            <a:r>
+              <a:rPr lang="de-DE" dirty="0" err="1"/>
+              <a:t>prism.drug.means</a:t>
+            </a:r>
+            <a:endParaRPr lang="de-DE" dirty="0"/>
+          </a:p>
+        </p:txBody>
+      </p:sp>
+      <p:graphicFrame>
+        <p:nvGraphicFramePr>
+          <p:cNvPr id="7" name="Inhaltsplatzhalter 7">
+            <a:extLst>
+              <a:ext uri="{FF2B5EF4-FFF2-40B4-BE49-F238E27FC236}">
+                <a16:creationId xmlns:a16="http://schemas.microsoft.com/office/drawing/2014/main" id="{E998CCA8-6D09-5153-71D3-930CD39606E7}"/>
+              </a:ext>
+            </a:extLst>
+          </p:cNvPr>
+          <p:cNvGraphicFramePr>
+            <a:graphicFrameLocks/>
+          </p:cNvGraphicFramePr>
+          <p:nvPr/>
+        </p:nvGraphicFramePr>
+        <p:xfrm>
+          <a:off x="838200" y="1556238"/>
+          <a:ext cx="4396273" cy="741680"/>
+        </p:xfrm>
+        <a:graphic>
+          <a:graphicData uri="http://schemas.openxmlformats.org/drawingml/2006/table">
+            <a:tbl>
+              <a:tblPr firstRow="1" bandRow="1">
+                <a:tableStyleId>{F5AB1C69-6EDB-4FF4-983F-18BD219EF322}</a:tableStyleId>
+              </a:tblPr>
+              <a:tblGrid>
+                <a:gridCol w="1427445">
+                  <a:extLst>
+                    <a:ext uri="{9D8B030D-6E8A-4147-A177-3AD203B41FA5}">
+                      <a16:colId xmlns:a16="http://schemas.microsoft.com/office/drawing/2014/main" val="1690613930"/>
+                    </a:ext>
+                  </a:extLst>
+                </a:gridCol>
+                <a:gridCol w="2968828">
+                  <a:extLst>
+                    <a:ext uri="{9D8B030D-6E8A-4147-A177-3AD203B41FA5}">
+                      <a16:colId xmlns:a16="http://schemas.microsoft.com/office/drawing/2014/main" val="981900185"/>
+                    </a:ext>
+                  </a:extLst>
+                </a:gridCol>
+              </a:tblGrid>
+              <a:tr h="370840">
+                <a:tc>
+                  <a:txBody>
+                    <a:bodyPr/>
+                    <a:lstStyle/>
+                    <a:p>
+                      <a:endParaRPr lang="de-DE" dirty="0"/>
+                    </a:p>
+                  </a:txBody>
+                  <a:tcPr/>
+                </a:tc>
+                <a:tc>
+                  <a:txBody>
+                    <a:bodyPr/>
+                    <a:lstStyle/>
+                    <a:p>
+                      <a:r>
+                        <a:rPr lang="de-DE" dirty="0"/>
+                        <a:t>Treatment </a:t>
+                      </a:r>
+                      <a:r>
+                        <a:rPr lang="de-DE" dirty="0" err="1"/>
+                        <a:t>mean</a:t>
+                      </a:r>
+                      <a:endParaRPr lang="de-DE" dirty="0"/>
+                    </a:p>
+                  </a:txBody>
+                  <a:tcPr/>
+                </a:tc>
+                <a:extLst>
+                  <a:ext uri="{0D108BD9-81ED-4DB2-BD59-A6C34878D82A}">
+                    <a16:rowId xmlns:a16="http://schemas.microsoft.com/office/drawing/2014/main" val="1940948449"/>
+                  </a:ext>
+                </a:extLst>
+              </a:tr>
+              <a:tr h="370840">
+                <a:tc>
+                  <a:txBody>
+                    <a:bodyPr/>
+                    <a:lstStyle/>
+                    <a:p>
+                      <a:r>
+                        <a:rPr lang="de-DE" b="1" dirty="0" err="1">
+                          <a:solidFill>
+                            <a:schemeClr val="bg1"/>
+                          </a:solidFill>
+                        </a:rPr>
+                        <a:t>Cell</a:t>
+                      </a:r>
+                      <a:r>
+                        <a:rPr lang="de-DE" b="1" dirty="0">
+                          <a:solidFill>
+                            <a:schemeClr val="bg1"/>
+                          </a:solidFill>
+                        </a:rPr>
+                        <a:t> </a:t>
+                      </a:r>
+                      <a:r>
+                        <a:rPr lang="de-DE" b="1" dirty="0" err="1">
+                          <a:solidFill>
+                            <a:schemeClr val="bg1"/>
+                          </a:solidFill>
+                        </a:rPr>
+                        <a:t>lines</a:t>
+                      </a:r>
+                      <a:endParaRPr lang="de-DE" b="1" dirty="0">
+                        <a:solidFill>
+                          <a:schemeClr val="bg1"/>
+                        </a:solidFill>
+                      </a:endParaRPr>
+                    </a:p>
+                  </a:txBody>
+                  <a:tcPr>
+                    <a:solidFill>
+                      <a:schemeClr val="bg1">
+                        <a:lumMod val="65000"/>
+                      </a:schemeClr>
+                    </a:solidFill>
+                  </a:tcPr>
+                </a:tc>
+                <a:tc>
+                  <a:txBody>
+                    <a:bodyPr/>
+                    <a:lstStyle/>
+                    <a:p>
+                      <a:endParaRPr lang="de-DE" dirty="0"/>
+                    </a:p>
+                  </a:txBody>
+                  <a:tcPr/>
+                </a:tc>
+                <a:extLst>
+                  <a:ext uri="{0D108BD9-81ED-4DB2-BD59-A6C34878D82A}">
+                    <a16:rowId xmlns:a16="http://schemas.microsoft.com/office/drawing/2014/main" val="3913900156"/>
+                  </a:ext>
+                </a:extLst>
+              </a:tr>
+            </a:tbl>
+          </a:graphicData>
+        </a:graphic>
+      </p:graphicFrame>
+      <p:pic>
+        <p:nvPicPr>
+          <p:cNvPr id="3" name="Grafik 2">
+            <a:extLst>
+              <a:ext uri="{FF2B5EF4-FFF2-40B4-BE49-F238E27FC236}">
+                <a16:creationId xmlns:a16="http://schemas.microsoft.com/office/drawing/2014/main" id="{D6F101C9-C1FF-F1EF-91FD-2DCB58A412E2}"/>
+              </a:ext>
+            </a:extLst>
+          </p:cNvPr>
+          <p:cNvPicPr>
+            <a:picLocks noChangeAspect="1"/>
+          </p:cNvPicPr>
+          <p:nvPr/>
+        </p:nvPicPr>
+        <p:blipFill rotWithShape="1">
+          <a:blip r:embed="rId2">
+            <a:extLst>
+              <a:ext uri="{28A0092B-C50C-407E-A947-70E740481C1C}">
+                <a14:useLocalDpi xmlns:a14="http://schemas.microsoft.com/office/drawing/2010/main" val="0"/>
+              </a:ext>
+            </a:extLst>
+          </a:blip>
+          <a:srcRect t="7647" r="7708" b="5498"/>
+          <a:stretch/>
+        </p:blipFill>
+        <p:spPr>
+          <a:xfrm>
+            <a:off x="6422571" y="1315894"/>
+            <a:ext cx="4782861" cy="2781402"/>
+          </a:xfrm>
+          <a:prstGeom prst="rect">
+            <a:avLst/>
+          </a:prstGeom>
+        </p:spPr>
+      </p:pic>
+      <p:pic>
+        <p:nvPicPr>
+          <p:cNvPr id="15" name="Grafik 14">
+            <a:extLst>
+              <a:ext uri="{FF2B5EF4-FFF2-40B4-BE49-F238E27FC236}">
+                <a16:creationId xmlns:a16="http://schemas.microsoft.com/office/drawing/2014/main" id="{CFFA6EC4-FF90-CABA-81A9-ABE22FDE6F99}"/>
+              </a:ext>
+            </a:extLst>
+          </p:cNvPr>
+          <p:cNvPicPr>
+            <a:picLocks noChangeAspect="1"/>
+          </p:cNvPicPr>
+          <p:nvPr/>
+        </p:nvPicPr>
+        <p:blipFill rotWithShape="1">
+          <a:blip r:embed="rId3">
+            <a:extLst>
+              <a:ext uri="{28A0092B-C50C-407E-A947-70E740481C1C}">
+                <a14:useLocalDpi xmlns:a14="http://schemas.microsoft.com/office/drawing/2010/main" val="0"/>
+              </a:ext>
+            </a:extLst>
+          </a:blip>
+          <a:srcRect t="7208" b="4583"/>
+          <a:stretch/>
+        </p:blipFill>
+        <p:spPr>
+          <a:xfrm>
+            <a:off x="6422571" y="4127090"/>
+            <a:ext cx="4862497" cy="2730910"/>
+          </a:xfrm>
+          <a:prstGeom prst="rect">
+            <a:avLst/>
+          </a:prstGeom>
+        </p:spPr>
+      </p:pic>
+      <p:pic>
+        <p:nvPicPr>
+          <p:cNvPr id="17" name="Grafik 16">
+            <a:extLst>
+              <a:ext uri="{FF2B5EF4-FFF2-40B4-BE49-F238E27FC236}">
+                <a16:creationId xmlns:a16="http://schemas.microsoft.com/office/drawing/2014/main" id="{7EF79848-3131-0A03-9896-8D020676B3E4}"/>
+              </a:ext>
+            </a:extLst>
+          </p:cNvPr>
+          <p:cNvPicPr>
+            <a:picLocks noChangeAspect="1"/>
+          </p:cNvPicPr>
+          <p:nvPr/>
+        </p:nvPicPr>
+        <p:blipFill rotWithShape="1">
+          <a:blip r:embed="rId4">
+            <a:extLst>
+              <a:ext uri="{28A0092B-C50C-407E-A947-70E740481C1C}">
+                <a14:useLocalDpi xmlns:a14="http://schemas.microsoft.com/office/drawing/2010/main" val="0"/>
+              </a:ext>
+            </a:extLst>
+          </a:blip>
+          <a:srcRect t="7730" b="4380"/>
+          <a:stretch/>
+        </p:blipFill>
+        <p:spPr>
+          <a:xfrm>
+            <a:off x="479201" y="4217437"/>
+            <a:ext cx="4862496" cy="2640563"/>
+          </a:xfrm>
+          <a:prstGeom prst="rect">
+            <a:avLst/>
+          </a:prstGeom>
+        </p:spPr>
+      </p:pic>
+    </p:spTree>
+    <p:extLst>
+      <p:ext uri="{BB962C8B-B14F-4D97-AF65-F5344CB8AC3E}">
+        <p14:creationId xmlns:p14="http://schemas.microsoft.com/office/powerpoint/2010/main" val="4090310443"/>
+      </p:ext>
+    </p:extLst>
+  </p:cSld>
+  <p:clrMapOvr>
+    <a:masterClrMapping/>
+  </p:clrMapOvr>
+</p:sld>
+</file>
+
+<file path=ppt/slides/slide11.xml><?xml version="1.0" encoding="utf-8"?>
+<p:sld xmlns:a="http://schemas.openxmlformats.org/drawingml/2006/main" xmlns:r="http://schemas.openxmlformats.org/officeDocument/2006/relationships" xmlns:p="http://schemas.openxmlformats.org/presentationml/2006/main">
+  <p:cSld>
+    <p:spTree>
+      <p:nvGrpSpPr>
+        <p:cNvPr id="1" name=""/>
+        <p:cNvGrpSpPr/>
+        <p:nvPr/>
+      </p:nvGrpSpPr>
+      <p:grpSpPr>
+        <a:xfrm>
+          <a:off x="0" y="0"/>
+          <a:ext cx="0" cy="0"/>
+          <a:chOff x="0" y="0"/>
+          <a:chExt cx="0" cy="0"/>
+        </a:xfrm>
+      </p:grpSpPr>
+      <p:sp>
+        <p:nvSpPr>
+          <p:cNvPr id="6" name="Inhaltsplatzhalter 5">
+            <a:extLst>
+              <a:ext uri="{FF2B5EF4-FFF2-40B4-BE49-F238E27FC236}">
+                <a16:creationId xmlns:a16="http://schemas.microsoft.com/office/drawing/2014/main" id="{7D15C65D-A841-0033-CC2A-8DA537F3A15D}"/>
+              </a:ext>
+            </a:extLst>
+          </p:cNvPr>
+          <p:cNvSpPr>
+            <a:spLocks noGrp="1"/>
+          </p:cNvSpPr>
+          <p:nvPr>
+            <p:ph idx="1"/>
+          </p:nvPr>
+        </p:nvSpPr>
+        <p:spPr/>
+        <p:txBody>
+          <a:bodyPr/>
+          <a:lstStyle/>
+          <a:p>
+            <a:pPr marL="0" indent="0">
+              <a:buNone/>
+            </a:pPr>
+            <a:r>
+              <a:rPr lang="de-DE" dirty="0"/>
+              <a:t> </a:t>
+            </a:r>
+          </a:p>
+        </p:txBody>
+      </p:sp>
+      <p:sp>
+        <p:nvSpPr>
+          <p:cNvPr id="2" name="Titel 1">
+            <a:extLst>
+              <a:ext uri="{FF2B5EF4-FFF2-40B4-BE49-F238E27FC236}">
+                <a16:creationId xmlns:a16="http://schemas.microsoft.com/office/drawing/2014/main" id="{EA79D227-51F1-8762-A9A1-4CEE300E4BEB}"/>
+              </a:ext>
+            </a:extLst>
+          </p:cNvPr>
+          <p:cNvSpPr>
+            <a:spLocks noGrp="1"/>
+          </p:cNvSpPr>
+          <p:nvPr>
+            <p:ph type="title"/>
+          </p:nvPr>
+        </p:nvSpPr>
+        <p:spPr/>
+        <p:txBody>
+          <a:bodyPr/>
+          <a:lstStyle/>
+          <a:p>
+            <a:r>
+              <a:rPr lang="de-DE" dirty="0" err="1"/>
+              <a:t>prism.drug.means</a:t>
+            </a:r>
+            <a:endParaRPr lang="de-DE" dirty="0"/>
+          </a:p>
+        </p:txBody>
+      </p:sp>
+      <p:graphicFrame>
+        <p:nvGraphicFramePr>
+          <p:cNvPr id="7" name="Inhaltsplatzhalter 7">
+            <a:extLst>
+              <a:ext uri="{FF2B5EF4-FFF2-40B4-BE49-F238E27FC236}">
+                <a16:creationId xmlns:a16="http://schemas.microsoft.com/office/drawing/2014/main" id="{E998CCA8-6D09-5153-71D3-930CD39606E7}"/>
+              </a:ext>
+            </a:extLst>
+          </p:cNvPr>
+          <p:cNvGraphicFramePr>
+            <a:graphicFrameLocks/>
+          </p:cNvGraphicFramePr>
+          <p:nvPr/>
+        </p:nvGraphicFramePr>
+        <p:xfrm>
+          <a:off x="838200" y="1556238"/>
+          <a:ext cx="4396273" cy="741680"/>
+        </p:xfrm>
+        <a:graphic>
+          <a:graphicData uri="http://schemas.openxmlformats.org/drawingml/2006/table">
+            <a:tbl>
+              <a:tblPr firstRow="1" bandRow="1">
+                <a:tableStyleId>{F5AB1C69-6EDB-4FF4-983F-18BD219EF322}</a:tableStyleId>
+              </a:tblPr>
+              <a:tblGrid>
+                <a:gridCol w="1427445">
+                  <a:extLst>
+                    <a:ext uri="{9D8B030D-6E8A-4147-A177-3AD203B41FA5}">
+                      <a16:colId xmlns:a16="http://schemas.microsoft.com/office/drawing/2014/main" val="1690613930"/>
+                    </a:ext>
+                  </a:extLst>
+                </a:gridCol>
+                <a:gridCol w="2968828">
+                  <a:extLst>
+                    <a:ext uri="{9D8B030D-6E8A-4147-A177-3AD203B41FA5}">
+                      <a16:colId xmlns:a16="http://schemas.microsoft.com/office/drawing/2014/main" val="981900185"/>
+                    </a:ext>
+                  </a:extLst>
+                </a:gridCol>
+              </a:tblGrid>
+              <a:tr h="370840">
+                <a:tc>
+                  <a:txBody>
+                    <a:bodyPr/>
+                    <a:lstStyle/>
+                    <a:p>
+                      <a:endParaRPr lang="de-DE" dirty="0"/>
+                    </a:p>
+                  </a:txBody>
+                  <a:tcPr/>
+                </a:tc>
+                <a:tc>
+                  <a:txBody>
+                    <a:bodyPr/>
+                    <a:lstStyle/>
+                    <a:p>
+                      <a:r>
+                        <a:rPr lang="de-DE" dirty="0"/>
+                        <a:t>Treatment </a:t>
+                      </a:r>
+                      <a:r>
+                        <a:rPr lang="de-DE" dirty="0" err="1"/>
+                        <a:t>mean</a:t>
+                      </a:r>
+                      <a:endParaRPr lang="de-DE" dirty="0"/>
+                    </a:p>
+                  </a:txBody>
+                  <a:tcPr/>
+                </a:tc>
+                <a:extLst>
+                  <a:ext uri="{0D108BD9-81ED-4DB2-BD59-A6C34878D82A}">
+                    <a16:rowId xmlns:a16="http://schemas.microsoft.com/office/drawing/2014/main" val="1940948449"/>
+                  </a:ext>
+                </a:extLst>
+              </a:tr>
+              <a:tr h="370840">
+                <a:tc>
+                  <a:txBody>
+                    <a:bodyPr/>
+                    <a:lstStyle/>
+                    <a:p>
+                      <a:r>
+                        <a:rPr lang="de-DE" b="1" dirty="0" err="1">
+                          <a:solidFill>
+                            <a:schemeClr val="bg1"/>
+                          </a:solidFill>
+                        </a:rPr>
+                        <a:t>Cell</a:t>
+                      </a:r>
+                      <a:r>
+                        <a:rPr lang="de-DE" b="1" dirty="0">
+                          <a:solidFill>
+                            <a:schemeClr val="bg1"/>
+                          </a:solidFill>
+                        </a:rPr>
+                        <a:t> </a:t>
+                      </a:r>
+                      <a:r>
+                        <a:rPr lang="de-DE" b="1" dirty="0" err="1">
+                          <a:solidFill>
+                            <a:schemeClr val="bg1"/>
+                          </a:solidFill>
+                        </a:rPr>
+                        <a:t>lines</a:t>
+                      </a:r>
+                      <a:endParaRPr lang="de-DE" b="1" dirty="0">
+                        <a:solidFill>
+                          <a:schemeClr val="bg1"/>
+                        </a:solidFill>
+                      </a:endParaRPr>
+                    </a:p>
+                  </a:txBody>
+                  <a:tcPr>
+                    <a:solidFill>
+                      <a:schemeClr val="bg1">
+                        <a:lumMod val="65000"/>
+                      </a:schemeClr>
+                    </a:solidFill>
+                  </a:tcPr>
+                </a:tc>
+                <a:tc>
+                  <a:txBody>
+                    <a:bodyPr/>
+                    <a:lstStyle/>
+                    <a:p>
+                      <a:endParaRPr lang="de-DE" dirty="0"/>
+                    </a:p>
+                  </a:txBody>
+                  <a:tcPr/>
+                </a:tc>
+                <a:extLst>
+                  <a:ext uri="{0D108BD9-81ED-4DB2-BD59-A6C34878D82A}">
+                    <a16:rowId xmlns:a16="http://schemas.microsoft.com/office/drawing/2014/main" val="3913900156"/>
+                  </a:ext>
+                </a:extLst>
+              </a:tr>
+            </a:tbl>
+          </a:graphicData>
+        </a:graphic>
+      </p:graphicFrame>
+      <p:pic>
+        <p:nvPicPr>
+          <p:cNvPr id="13" name="Grafik 12">
+            <a:extLst>
+              <a:ext uri="{FF2B5EF4-FFF2-40B4-BE49-F238E27FC236}">
+                <a16:creationId xmlns:a16="http://schemas.microsoft.com/office/drawing/2014/main" id="{698E27CB-413A-5ED1-13D4-EF3DFE3941D8}"/>
+              </a:ext>
+            </a:extLst>
+          </p:cNvPr>
+          <p:cNvPicPr>
+            <a:picLocks noChangeAspect="1"/>
+          </p:cNvPicPr>
+          <p:nvPr/>
+        </p:nvPicPr>
+        <p:blipFill rotWithShape="1">
+          <a:blip r:embed="rId2">
+            <a:extLst>
+              <a:ext uri="{28A0092B-C50C-407E-A947-70E740481C1C}">
+                <a14:useLocalDpi xmlns:a14="http://schemas.microsoft.com/office/drawing/2010/main" val="0"/>
+              </a:ext>
+            </a:extLst>
+          </a:blip>
+          <a:srcRect t="10524" b="6390"/>
+          <a:stretch/>
+        </p:blipFill>
+        <p:spPr>
+          <a:xfrm>
+            <a:off x="6616354" y="4315197"/>
+            <a:ext cx="4959047" cy="2542803"/>
+          </a:xfrm>
+          <a:prstGeom prst="rect">
+            <a:avLst/>
+          </a:prstGeom>
+        </p:spPr>
+      </p:pic>
+      <p:pic>
+        <p:nvPicPr>
+          <p:cNvPr id="17" name="Grafik 16">
+            <a:extLst>
+              <a:ext uri="{FF2B5EF4-FFF2-40B4-BE49-F238E27FC236}">
+                <a16:creationId xmlns:a16="http://schemas.microsoft.com/office/drawing/2014/main" id="{BBBF5660-D06F-81E9-4EA8-0E909E113DE2}"/>
+              </a:ext>
+            </a:extLst>
+          </p:cNvPr>
+          <p:cNvPicPr>
+            <a:picLocks noChangeAspect="1"/>
+          </p:cNvPicPr>
+          <p:nvPr/>
+        </p:nvPicPr>
+        <p:blipFill rotWithShape="1">
+          <a:blip r:embed="rId3">
+            <a:extLst>
+              <a:ext uri="{28A0092B-C50C-407E-A947-70E740481C1C}">
+                <a14:useLocalDpi xmlns:a14="http://schemas.microsoft.com/office/drawing/2010/main" val="0"/>
+              </a:ext>
+            </a:extLst>
+          </a:blip>
+          <a:srcRect t="10642" b="5049"/>
+          <a:stretch/>
+        </p:blipFill>
+        <p:spPr>
+          <a:xfrm>
+            <a:off x="6318895" y="1219694"/>
+            <a:ext cx="5256506" cy="2735019"/>
+          </a:xfrm>
+          <a:prstGeom prst="rect">
+            <a:avLst/>
+          </a:prstGeom>
+        </p:spPr>
+      </p:pic>
+      <p:pic>
+        <p:nvPicPr>
+          <p:cNvPr id="18" name="Inhaltsplatzhalter 20">
+            <a:extLst>
+              <a:ext uri="{FF2B5EF4-FFF2-40B4-BE49-F238E27FC236}">
+                <a16:creationId xmlns:a16="http://schemas.microsoft.com/office/drawing/2014/main" id="{D01650D2-44C1-0132-4E9E-8B406952A4AB}"/>
+              </a:ext>
+            </a:extLst>
+          </p:cNvPr>
+          <p:cNvPicPr>
+            <a:picLocks noChangeAspect="1"/>
+          </p:cNvPicPr>
+          <p:nvPr/>
+        </p:nvPicPr>
+        <p:blipFill rotWithShape="1">
+          <a:blip r:embed="rId4">
+            <a:extLst>
+              <a:ext uri="{28A0092B-C50C-407E-A947-70E740481C1C}">
+                <a14:useLocalDpi xmlns:a14="http://schemas.microsoft.com/office/drawing/2010/main" val="0"/>
+              </a:ext>
+            </a:extLst>
+          </a:blip>
+          <a:srcRect t="7836" r="3350" b="4725"/>
+          <a:stretch/>
+        </p:blipFill>
+        <p:spPr>
+          <a:xfrm>
+            <a:off x="616600" y="4041980"/>
+            <a:ext cx="5037752" cy="2816020"/>
+          </a:xfrm>
+          <a:prstGeom prst="rect">
+            <a:avLst/>
+          </a:prstGeom>
+        </p:spPr>
+      </p:pic>
+    </p:spTree>
+    <p:extLst>
+      <p:ext uri="{BB962C8B-B14F-4D97-AF65-F5344CB8AC3E}">
+        <p14:creationId xmlns:p14="http://schemas.microsoft.com/office/powerpoint/2010/main" val="1161058074"/>
+      </p:ext>
+    </p:extLst>
+  </p:cSld>
+  <p:clrMapOvr>
+    <a:masterClrMapping/>
+  </p:clrMapOvr>
+</p:sld>
+</file>
+
+<file path=ppt/slides/slide12.xml><?xml version="1.0" encoding="utf-8"?>
+<p:sld xmlns:a="http://schemas.openxmlformats.org/drawingml/2006/main" xmlns:r="http://schemas.openxmlformats.org/officeDocument/2006/relationships" xmlns:p="http://schemas.openxmlformats.org/presentationml/2006/main">
+  <p:cSld>
+    <p:spTree>
+      <p:nvGrpSpPr>
+        <p:cNvPr id="1" name=""/>
+        <p:cNvGrpSpPr/>
+        <p:nvPr/>
+      </p:nvGrpSpPr>
+      <p:grpSpPr>
+        <a:xfrm>
+          <a:off x="0" y="0"/>
+          <a:ext cx="0" cy="0"/>
+          <a:chOff x="0" y="0"/>
+          <a:chExt cx="0" cy="0"/>
+        </a:xfrm>
+      </p:grpSpPr>
+      <p:sp>
+        <p:nvSpPr>
+          <p:cNvPr id="6" name="Inhaltsplatzhalter 5">
+            <a:extLst>
+              <a:ext uri="{FF2B5EF4-FFF2-40B4-BE49-F238E27FC236}">
+                <a16:creationId xmlns:a16="http://schemas.microsoft.com/office/drawing/2014/main" id="{7D15C65D-A841-0033-CC2A-8DA537F3A15D}"/>
+              </a:ext>
+            </a:extLst>
+          </p:cNvPr>
+          <p:cNvSpPr>
+            <a:spLocks noGrp="1"/>
+          </p:cNvSpPr>
+          <p:nvPr>
+            <p:ph idx="1"/>
+          </p:nvPr>
+        </p:nvSpPr>
+        <p:spPr/>
+        <p:txBody>
+          <a:bodyPr/>
+          <a:lstStyle/>
+          <a:p>
+            <a:pPr marL="0" indent="0">
+              <a:buNone/>
+            </a:pPr>
+            <a:r>
+              <a:rPr lang="de-DE" dirty="0"/>
+              <a:t> </a:t>
+            </a:r>
+          </a:p>
+        </p:txBody>
+      </p:sp>
+      <p:sp>
+        <p:nvSpPr>
+          <p:cNvPr id="2" name="Titel 1">
+            <a:extLst>
+              <a:ext uri="{FF2B5EF4-FFF2-40B4-BE49-F238E27FC236}">
+                <a16:creationId xmlns:a16="http://schemas.microsoft.com/office/drawing/2014/main" id="{EA79D227-51F1-8762-A9A1-4CEE300E4BEB}"/>
+              </a:ext>
+            </a:extLst>
+          </p:cNvPr>
+          <p:cNvSpPr>
+            <a:spLocks noGrp="1"/>
+          </p:cNvSpPr>
+          <p:nvPr>
+            <p:ph type="title"/>
+          </p:nvPr>
+        </p:nvSpPr>
+        <p:spPr/>
+        <p:txBody>
+          <a:bodyPr/>
+          <a:lstStyle/>
+          <a:p>
+            <a:r>
+              <a:rPr lang="de-DE" dirty="0"/>
+              <a:t>prism.cl</a:t>
+            </a:r>
+          </a:p>
+        </p:txBody>
+      </p:sp>
+      <p:pic>
+        <p:nvPicPr>
+          <p:cNvPr id="4" name="Grafik 3">
+            <a:extLst>
+              <a:ext uri="{FF2B5EF4-FFF2-40B4-BE49-F238E27FC236}">
+                <a16:creationId xmlns:a16="http://schemas.microsoft.com/office/drawing/2014/main" id="{D41CB430-154F-DDD8-0AA5-870903DC1FA4}"/>
+              </a:ext>
+            </a:extLst>
+          </p:cNvPr>
+          <p:cNvPicPr>
+            <a:picLocks noChangeAspect="1"/>
+          </p:cNvPicPr>
+          <p:nvPr/>
+        </p:nvPicPr>
+        <p:blipFill rotWithShape="1">
+          <a:blip r:embed="rId2"/>
+          <a:srcRect b="64035"/>
+          <a:stretch/>
+        </p:blipFill>
+        <p:spPr>
+          <a:xfrm>
+            <a:off x="271603" y="1431849"/>
+            <a:ext cx="11648793" cy="2542991"/>
+          </a:xfrm>
+          <a:prstGeom prst="rect">
+            <a:avLst/>
+          </a:prstGeom>
+        </p:spPr>
+      </p:pic>
+    </p:spTree>
+    <p:extLst>
+      <p:ext uri="{BB962C8B-B14F-4D97-AF65-F5344CB8AC3E}">
+        <p14:creationId xmlns:p14="http://schemas.microsoft.com/office/powerpoint/2010/main" val="2255992652"/>
+      </p:ext>
+    </p:extLst>
+  </p:cSld>
+  <p:clrMapOvr>
+    <a:masterClrMapping/>
+  </p:clrMapOvr>
+</p:sld>
+</file>
+
+<file path=ppt/slides/slide13.xml><?xml version="1.0" encoding="utf-8"?>
+<p:sld xmlns:a="http://schemas.openxmlformats.org/drawingml/2006/main" xmlns:r="http://schemas.openxmlformats.org/officeDocument/2006/relationships" xmlns:p="http://schemas.openxmlformats.org/presentationml/2006/main">
+  <p:cSld>
+    <p:spTree>
+      <p:nvGrpSpPr>
+        <p:cNvPr id="1" name=""/>
+        <p:cNvGrpSpPr/>
+        <p:nvPr/>
+      </p:nvGrpSpPr>
+      <p:grpSpPr>
+        <a:xfrm>
+          <a:off x="0" y="0"/>
+          <a:ext cx="0" cy="0"/>
+          <a:chOff x="0" y="0"/>
+          <a:chExt cx="0" cy="0"/>
+        </a:xfrm>
+      </p:grpSpPr>
+      <p:sp>
+        <p:nvSpPr>
+          <p:cNvPr id="6" name="Inhaltsplatzhalter 5">
+            <a:extLst>
+              <a:ext uri="{FF2B5EF4-FFF2-40B4-BE49-F238E27FC236}">
+                <a16:creationId xmlns:a16="http://schemas.microsoft.com/office/drawing/2014/main" id="{7D15C65D-A841-0033-CC2A-8DA537F3A15D}"/>
+              </a:ext>
+            </a:extLst>
+          </p:cNvPr>
+          <p:cNvSpPr>
+            <a:spLocks noGrp="1"/>
+          </p:cNvSpPr>
+          <p:nvPr>
+            <p:ph idx="1"/>
+          </p:nvPr>
+        </p:nvSpPr>
+        <p:spPr/>
+        <p:txBody>
+          <a:bodyPr/>
+          <a:lstStyle/>
+          <a:p>
+            <a:pPr marL="0" indent="0">
+              <a:buNone/>
+            </a:pPr>
+            <a:r>
+              <a:rPr lang="de-DE" dirty="0"/>
+              <a:t> </a:t>
+            </a:r>
+          </a:p>
+        </p:txBody>
+      </p:sp>
+      <p:sp>
+        <p:nvSpPr>
+          <p:cNvPr id="2" name="Titel 1">
+            <a:extLst>
+              <a:ext uri="{FF2B5EF4-FFF2-40B4-BE49-F238E27FC236}">
+                <a16:creationId xmlns:a16="http://schemas.microsoft.com/office/drawing/2014/main" id="{EA79D227-51F1-8762-A9A1-4CEE300E4BEB}"/>
+              </a:ext>
+            </a:extLst>
+          </p:cNvPr>
+          <p:cNvSpPr>
+            <a:spLocks noGrp="1"/>
+          </p:cNvSpPr>
+          <p:nvPr>
+            <p:ph type="title"/>
+          </p:nvPr>
+        </p:nvSpPr>
+        <p:spPr/>
+        <p:txBody>
+          <a:bodyPr/>
+          <a:lstStyle/>
+          <a:p>
+            <a:r>
+              <a:rPr lang="de-DE" dirty="0" err="1"/>
+              <a:t>prism.cnv</a:t>
+            </a:r>
+            <a:endParaRPr lang="de-DE" dirty="0"/>
+          </a:p>
+        </p:txBody>
+      </p:sp>
+      <p:graphicFrame>
+        <p:nvGraphicFramePr>
+          <p:cNvPr id="3" name="Inhaltsplatzhalter 7">
+            <a:extLst>
+              <a:ext uri="{FF2B5EF4-FFF2-40B4-BE49-F238E27FC236}">
+                <a16:creationId xmlns:a16="http://schemas.microsoft.com/office/drawing/2014/main" id="{DF6F0DF2-A40B-0306-733D-2450899FC00C}"/>
+              </a:ext>
+            </a:extLst>
+          </p:cNvPr>
+          <p:cNvGraphicFramePr>
+            <a:graphicFrameLocks/>
+          </p:cNvGraphicFramePr>
+          <p:nvPr>
+            <p:extLst>
+              <p:ext uri="{D42A27DB-BD31-4B8C-83A1-F6EECF244321}">
+                <p14:modId xmlns:p14="http://schemas.microsoft.com/office/powerpoint/2010/main" val="3599237483"/>
+              </p:ext>
+            </p:extLst>
+          </p:nvPr>
+        </p:nvGraphicFramePr>
+        <p:xfrm>
+          <a:off x="838200" y="1556238"/>
+          <a:ext cx="4396273" cy="741680"/>
+        </p:xfrm>
+        <a:graphic>
+          <a:graphicData uri="http://schemas.openxmlformats.org/drawingml/2006/table">
+            <a:tbl>
+              <a:tblPr firstRow="1" bandRow="1">
+                <a:tableStyleId>{F5AB1C69-6EDB-4FF4-983F-18BD219EF322}</a:tableStyleId>
+              </a:tblPr>
+              <a:tblGrid>
+                <a:gridCol w="1427445">
+                  <a:extLst>
+                    <a:ext uri="{9D8B030D-6E8A-4147-A177-3AD203B41FA5}">
+                      <a16:colId xmlns:a16="http://schemas.microsoft.com/office/drawing/2014/main" val="1690613930"/>
+                    </a:ext>
+                  </a:extLst>
+                </a:gridCol>
+                <a:gridCol w="2968828">
+                  <a:extLst>
+                    <a:ext uri="{9D8B030D-6E8A-4147-A177-3AD203B41FA5}">
+                      <a16:colId xmlns:a16="http://schemas.microsoft.com/office/drawing/2014/main" val="981900185"/>
+                    </a:ext>
+                  </a:extLst>
+                </a:gridCol>
+              </a:tblGrid>
+              <a:tr h="370840">
+                <a:tc>
+                  <a:txBody>
+                    <a:bodyPr/>
+                    <a:lstStyle/>
+                    <a:p>
+                      <a:endParaRPr lang="de-DE" dirty="0"/>
+                    </a:p>
+                  </a:txBody>
+                  <a:tcPr/>
+                </a:tc>
+                <a:tc>
+                  <a:txBody>
+                    <a:bodyPr/>
+                    <a:lstStyle/>
+                    <a:p>
+                      <a:r>
+                        <a:rPr lang="de-DE" dirty="0"/>
+                        <a:t>genes</a:t>
+                      </a:r>
+                    </a:p>
+                  </a:txBody>
+                  <a:tcPr/>
+                </a:tc>
+                <a:extLst>
+                  <a:ext uri="{0D108BD9-81ED-4DB2-BD59-A6C34878D82A}">
+                    <a16:rowId xmlns:a16="http://schemas.microsoft.com/office/drawing/2014/main" val="1940948449"/>
+                  </a:ext>
+                </a:extLst>
+              </a:tr>
+              <a:tr h="370840">
+                <a:tc>
+                  <a:txBody>
+                    <a:bodyPr/>
+                    <a:lstStyle/>
+                    <a:p>
+                      <a:r>
+                        <a:rPr lang="de-DE" b="1" dirty="0" err="1">
+                          <a:solidFill>
+                            <a:schemeClr val="bg1"/>
+                          </a:solidFill>
+                        </a:rPr>
+                        <a:t>Cell</a:t>
+                      </a:r>
+                      <a:r>
+                        <a:rPr lang="de-DE" b="1" dirty="0">
+                          <a:solidFill>
+                            <a:schemeClr val="bg1"/>
+                          </a:solidFill>
+                        </a:rPr>
+                        <a:t> </a:t>
+                      </a:r>
+                      <a:r>
+                        <a:rPr lang="de-DE" b="1" dirty="0" err="1">
+                          <a:solidFill>
+                            <a:schemeClr val="bg1"/>
+                          </a:solidFill>
+                        </a:rPr>
+                        <a:t>lines</a:t>
+                      </a:r>
+                      <a:endParaRPr lang="de-DE" b="1" dirty="0">
+                        <a:solidFill>
+                          <a:schemeClr val="bg1"/>
+                        </a:solidFill>
+                      </a:endParaRPr>
+                    </a:p>
+                  </a:txBody>
+                  <a:tcPr>
+                    <a:solidFill>
+                      <a:schemeClr val="bg1">
+                        <a:lumMod val="65000"/>
+                      </a:schemeClr>
+                    </a:solidFill>
+                  </a:tcPr>
+                </a:tc>
+                <a:tc>
+                  <a:txBody>
+                    <a:bodyPr/>
+                    <a:lstStyle/>
+                    <a:p>
+                      <a:r>
+                        <a:rPr lang="en-US" dirty="0"/>
+                        <a:t>Copy number</a:t>
+                      </a:r>
+                      <a:endParaRPr lang="de-DE" dirty="0"/>
+                    </a:p>
+                  </a:txBody>
+                  <a:tcPr/>
+                </a:tc>
+                <a:extLst>
+                  <a:ext uri="{0D108BD9-81ED-4DB2-BD59-A6C34878D82A}">
+                    <a16:rowId xmlns:a16="http://schemas.microsoft.com/office/drawing/2014/main" val="3913900156"/>
+                  </a:ext>
+                </a:extLst>
+              </a:tr>
+            </a:tbl>
+          </a:graphicData>
+        </a:graphic>
+      </p:graphicFrame>
+    </p:spTree>
+    <p:extLst>
+      <p:ext uri="{BB962C8B-B14F-4D97-AF65-F5344CB8AC3E}">
+        <p14:creationId xmlns:p14="http://schemas.microsoft.com/office/powerpoint/2010/main" val="1356933874"/>
+      </p:ext>
+    </p:extLst>
+  </p:cSld>
+  <p:clrMapOvr>
+    <a:masterClrMapping/>
+  </p:clrMapOvr>
+</p:sld>
+</file>
+
+<file path=ppt/slides/slide14.xml><?xml version="1.0" encoding="utf-8"?>
+<p:sld xmlns:a="http://schemas.openxmlformats.org/drawingml/2006/main" xmlns:r="http://schemas.openxmlformats.org/officeDocument/2006/relationships" xmlns:p="http://schemas.openxmlformats.org/presentationml/2006/main">
+  <p:cSld>
+    <p:spTree>
+      <p:nvGrpSpPr>
+        <p:cNvPr id="1" name=""/>
+        <p:cNvGrpSpPr/>
+        <p:nvPr/>
+      </p:nvGrpSpPr>
+      <p:grpSpPr>
+        <a:xfrm>
+          <a:off x="0" y="0"/>
+          <a:ext cx="0" cy="0"/>
+          <a:chOff x="0" y="0"/>
+          <a:chExt cx="0" cy="0"/>
+        </a:xfrm>
+      </p:grpSpPr>
+      <p:sp>
+        <p:nvSpPr>
+          <p:cNvPr id="2" name="Titel 1">
+            <a:extLst>
+              <a:ext uri="{FF2B5EF4-FFF2-40B4-BE49-F238E27FC236}">
+                <a16:creationId xmlns:a16="http://schemas.microsoft.com/office/drawing/2014/main" id="{61926039-D716-204B-58CA-7FF5C48B4B0C}"/>
+              </a:ext>
+            </a:extLst>
+          </p:cNvPr>
+          <p:cNvSpPr>
+            <a:spLocks noGrp="1"/>
+          </p:cNvSpPr>
+          <p:nvPr>
+            <p:ph type="title"/>
+          </p:nvPr>
+        </p:nvSpPr>
+        <p:spPr/>
+        <p:txBody>
+          <a:bodyPr/>
+          <a:lstStyle/>
+          <a:p>
+            <a:endParaRPr lang="de-DE"/>
+          </a:p>
+        </p:txBody>
+      </p:sp>
+      <p:sp>
+        <p:nvSpPr>
+          <p:cNvPr id="5" name="Inhaltsplatzhalter 4">
+            <a:extLst>
+              <a:ext uri="{FF2B5EF4-FFF2-40B4-BE49-F238E27FC236}">
+                <a16:creationId xmlns:a16="http://schemas.microsoft.com/office/drawing/2014/main" id="{65565279-C0F2-3021-6746-0AA82515B082}"/>
+              </a:ext>
+            </a:extLst>
+          </p:cNvPr>
+          <p:cNvSpPr txBox="1">
+            <a:spLocks noGrp="1"/>
+          </p:cNvSpPr>
+          <p:nvPr>
+            <p:ph idx="1"/>
+          </p:nvPr>
+        </p:nvSpPr>
+        <p:spPr>
+          <a:xfrm>
+            <a:off x="838200" y="1825625"/>
+            <a:ext cx="10515600" cy="4351338"/>
+          </a:xfrm>
+          <a:prstGeom prst="rect">
+            <a:avLst/>
+          </a:prstGeom>
+          <a:noFill/>
+        </p:spPr>
+        <p:txBody>
+          <a:bodyPr wrap="square" rtlCol="0">
+            <a:spAutoFit/>
+          </a:bodyPr>
+          <a:lstStyle/>
+          <a:p>
+            <a:r>
+              <a:rPr lang="de-DE" sz="900"/>
+              <a:t>"</a:t>
+            </a:r>
+            <a:r>
+              <a:rPr lang="de-DE" sz="900">
+                <a:hlinkClick r:id="rId2" tooltip="http://www.emdocs.net/acute-kidney-injury-pearls-and-pitfalls/"/>
+              </a:rPr>
+              <a:t>Dieses Foto</a:t>
+            </a:r>
+            <a:r>
+              <a:rPr lang="de-DE" sz="900"/>
+              <a:t>" von Unbekannter Autor ist lizenziert gemäß </a:t>
+            </a:r>
+            <a:r>
+              <a:rPr lang="de-DE" sz="900">
+                <a:hlinkClick r:id="rId3" tooltip="https://creativecommons.org/licenses/by/3.0/"/>
+              </a:rPr>
+              <a:t>CC BY</a:t>
+            </a:r>
+            <a:endParaRPr lang="de-DE" sz="900"/>
+          </a:p>
+        </p:txBody>
+      </p:sp>
+    </p:spTree>
+    <p:extLst>
+      <p:ext uri="{BB962C8B-B14F-4D97-AF65-F5344CB8AC3E}">
+        <p14:creationId xmlns:p14="http://schemas.microsoft.com/office/powerpoint/2010/main" val="2407188837"/>
+      </p:ext>
+    </p:extLst>
+  </p:cSld>
+  <p:clrMapOvr>
+    <a:masterClrMapping/>
+  </p:clrMapOvr>
+</p:sld>
+</file>
+
 <file path=ppt/slides/slide2.xml><?xml version="1.0" encoding="utf-8"?>
 <p:sld xmlns:a="http://schemas.openxmlformats.org/drawingml/2006/main" xmlns:r="http://schemas.openxmlformats.org/officeDocument/2006/relationships" xmlns:p="http://schemas.openxmlformats.org/presentationml/2006/main">
   <p:cSld>
@@ -3647,6 +4796,42 @@
           <a:bodyPr/>
           <a:lstStyle/>
           <a:p>
+            <a:r>
+              <a:rPr lang="de-DE" dirty="0" err="1"/>
+              <a:t>Identification</a:t>
+            </a:r>
+            <a:r>
+              <a:rPr lang="de-DE" dirty="0"/>
+              <a:t> </a:t>
+            </a:r>
+            <a:r>
+              <a:rPr lang="de-DE" dirty="0" err="1"/>
+              <a:t>of</a:t>
+            </a:r>
+            <a:r>
+              <a:rPr lang="de-DE" dirty="0"/>
+              <a:t> </a:t>
+            </a:r>
+            <a:r>
+              <a:rPr lang="de-DE" dirty="0" err="1"/>
+              <a:t>kidney</a:t>
+            </a:r>
+            <a:r>
+              <a:rPr lang="de-DE" dirty="0"/>
+              <a:t> </a:t>
+            </a:r>
+            <a:r>
+              <a:rPr lang="de-DE" dirty="0" err="1"/>
+              <a:t>cancer</a:t>
+            </a:r>
+            <a:r>
+              <a:rPr lang="de-DE" dirty="0"/>
+              <a:t> </a:t>
+            </a:r>
+            <a:r>
+              <a:rPr lang="de-DE" dirty="0" err="1"/>
+              <a:t>drugs</a:t>
+            </a:r>
             <a:endParaRPr lang="de-DE" dirty="0"/>
           </a:p>
         </p:txBody>
@@ -3665,6 +4850,393 @@
 </file>
 
 <file path=ppt/slides/slide3.xml><?xml version="1.0" encoding="utf-8"?>
+<p:sld xmlns:a="http://schemas.openxmlformats.org/drawingml/2006/main" xmlns:r="http://schemas.openxmlformats.org/officeDocument/2006/relationships" xmlns:p="http://schemas.openxmlformats.org/presentationml/2006/main">
+  <p:cSld>
+    <p:spTree>
+      <p:nvGrpSpPr>
+        <p:cNvPr id="1" name=""/>
+        <p:cNvGrpSpPr/>
+        <p:nvPr/>
+      </p:nvGrpSpPr>
+      <p:grpSpPr>
+        <a:xfrm>
+          <a:off x="0" y="0"/>
+          <a:ext cx="0" cy="0"/>
+          <a:chOff x="0" y="0"/>
+          <a:chExt cx="0" cy="0"/>
+        </a:xfrm>
+      </p:grpSpPr>
+      <p:sp>
+        <p:nvSpPr>
+          <p:cNvPr id="2" name="Titel 1">
+            <a:extLst>
+              <a:ext uri="{FF2B5EF4-FFF2-40B4-BE49-F238E27FC236}">
+                <a16:creationId xmlns:a16="http://schemas.microsoft.com/office/drawing/2014/main" id="{C45EEC0D-DFF6-9EFA-1948-E75345E5F82E}"/>
+              </a:ext>
+            </a:extLst>
+          </p:cNvPr>
+          <p:cNvSpPr>
+            <a:spLocks noGrp="1"/>
+          </p:cNvSpPr>
+          <p:nvPr>
+            <p:ph type="title"/>
+          </p:nvPr>
+        </p:nvSpPr>
+        <p:spPr/>
+        <p:txBody>
+          <a:bodyPr/>
+          <a:lstStyle/>
+          <a:p>
+            <a:r>
+              <a:rPr lang="de-DE" dirty="0"/>
+              <a:t>Next </a:t>
+            </a:r>
+            <a:r>
+              <a:rPr lang="de-DE" dirty="0" err="1"/>
+              <a:t>steps</a:t>
+            </a:r>
+            <a:endParaRPr lang="de-DE" dirty="0"/>
+          </a:p>
+        </p:txBody>
+      </p:sp>
+      <p:sp>
+        <p:nvSpPr>
+          <p:cNvPr id="3" name="Inhaltsplatzhalter 2">
+            <a:extLst>
+              <a:ext uri="{FF2B5EF4-FFF2-40B4-BE49-F238E27FC236}">
+                <a16:creationId xmlns:a16="http://schemas.microsoft.com/office/drawing/2014/main" id="{4A6F4B08-1CFC-D72D-9BC9-79D8B61CBDC3}"/>
+              </a:ext>
+            </a:extLst>
+          </p:cNvPr>
+          <p:cNvSpPr>
+            <a:spLocks noGrp="1"/>
+          </p:cNvSpPr>
+          <p:nvPr>
+            <p:ph idx="1"/>
+          </p:nvPr>
+        </p:nvSpPr>
+        <p:spPr/>
+        <p:txBody>
+          <a:bodyPr/>
+          <a:lstStyle/>
+          <a:p>
+            <a:pPr marL="514350" indent="-514350">
+              <a:buFont typeface="+mj-lt"/>
+              <a:buAutoNum type="arabicPeriod"/>
+            </a:pPr>
+            <a:r>
+              <a:rPr lang="de-DE" dirty="0"/>
+              <a:t>Loss </a:t>
+            </a:r>
+            <a:r>
+              <a:rPr lang="de-DE" dirty="0" err="1"/>
+              <a:t>of</a:t>
+            </a:r>
+            <a:r>
+              <a:rPr lang="de-DE" dirty="0"/>
+              <a:t> </a:t>
+            </a:r>
+            <a:r>
+              <a:rPr lang="de-DE" dirty="0" err="1"/>
+              <a:t>information</a:t>
+            </a:r>
+            <a:r>
+              <a:rPr lang="de-DE" dirty="0"/>
+              <a:t> </a:t>
+            </a:r>
+            <a:r>
+              <a:rPr lang="de-DE" dirty="0" err="1"/>
+              <a:t>if</a:t>
+            </a:r>
+            <a:r>
+              <a:rPr lang="de-DE" dirty="0"/>
+              <a:t> </a:t>
+            </a:r>
+            <a:r>
+              <a:rPr lang="de-DE" dirty="0" err="1"/>
+              <a:t>we</a:t>
+            </a:r>
+            <a:r>
+              <a:rPr lang="de-DE" dirty="0"/>
+              <a:t> </a:t>
+            </a:r>
+            <a:r>
+              <a:rPr lang="de-DE" dirty="0" err="1"/>
+              <a:t>condense</a:t>
+            </a:r>
+            <a:r>
+              <a:rPr lang="de-DE" dirty="0"/>
+              <a:t> </a:t>
+            </a:r>
+            <a:r>
+              <a:rPr lang="de-DE" dirty="0" err="1"/>
+              <a:t>prism</a:t>
+            </a:r>
+            <a:r>
+              <a:rPr lang="de-DE" dirty="0"/>
+              <a:t> </a:t>
+            </a:r>
+            <a:r>
+              <a:rPr lang="de-DE" dirty="0" err="1"/>
+              <a:t>to</a:t>
+            </a:r>
+            <a:r>
+              <a:rPr lang="de-DE" dirty="0"/>
+              <a:t> </a:t>
+            </a:r>
+            <a:r>
+              <a:rPr lang="de-DE" dirty="0" err="1"/>
+              <a:t>prism.drug.means</a:t>
+            </a:r>
+            <a:r>
+              <a:rPr lang="de-DE" dirty="0"/>
+              <a:t>?</a:t>
+            </a:r>
+          </a:p>
+          <a:p>
+            <a:pPr marL="514350" indent="-514350">
+              <a:buFont typeface="+mj-lt"/>
+              <a:buAutoNum type="arabicPeriod"/>
+            </a:pPr>
+            <a:r>
+              <a:rPr lang="de-DE" dirty="0" err="1"/>
+              <a:t>Is</a:t>
+            </a:r>
+            <a:r>
+              <a:rPr lang="de-DE" dirty="0"/>
+              <a:t> </a:t>
+            </a:r>
+            <a:r>
+              <a:rPr lang="de-DE" dirty="0" err="1"/>
+              <a:t>there</a:t>
+            </a:r>
+            <a:r>
+              <a:rPr lang="de-DE" dirty="0"/>
+              <a:t> a </a:t>
+            </a:r>
+            <a:r>
+              <a:rPr lang="de-DE" dirty="0" err="1"/>
+              <a:t>mode</a:t>
+            </a:r>
+            <a:r>
+              <a:rPr lang="de-DE" dirty="0"/>
+              <a:t> </a:t>
+            </a:r>
+            <a:r>
+              <a:rPr lang="de-DE" dirty="0" err="1"/>
+              <a:t>of</a:t>
+            </a:r>
+            <a:r>
+              <a:rPr lang="de-DE" dirty="0"/>
+              <a:t> </a:t>
+            </a:r>
+            <a:r>
+              <a:rPr lang="de-DE" dirty="0" err="1"/>
+              <a:t>action</a:t>
+            </a:r>
+            <a:r>
+              <a:rPr lang="de-DE" dirty="0"/>
+              <a:t> </a:t>
+            </a:r>
+            <a:r>
+              <a:rPr lang="de-DE" dirty="0" err="1"/>
+              <a:t>which</a:t>
+            </a:r>
+            <a:r>
+              <a:rPr lang="de-DE" dirty="0"/>
+              <a:t> </a:t>
+            </a:r>
+            <a:r>
+              <a:rPr lang="de-DE" dirty="0" err="1"/>
+              <a:t>is</a:t>
+            </a:r>
+            <a:r>
+              <a:rPr lang="de-DE" dirty="0"/>
+              <a:t> </a:t>
+            </a:r>
+            <a:r>
+              <a:rPr lang="de-DE" dirty="0" err="1"/>
+              <a:t>more</a:t>
+            </a:r>
+            <a:r>
+              <a:rPr lang="de-DE" dirty="0"/>
+              <a:t> </a:t>
+            </a:r>
+            <a:r>
+              <a:rPr lang="de-DE" dirty="0" err="1"/>
+              <a:t>represented</a:t>
+            </a:r>
+            <a:r>
+              <a:rPr lang="de-DE" dirty="0"/>
+              <a:t>?</a:t>
+            </a:r>
+          </a:p>
+          <a:p>
+            <a:pPr marL="514350" indent="-514350">
+              <a:buFont typeface="+mj-lt"/>
+              <a:buAutoNum type="arabicPeriod"/>
+            </a:pPr>
+            <a:r>
+              <a:rPr lang="de-DE" dirty="0" err="1"/>
+              <a:t>Correlation</a:t>
+            </a:r>
+            <a:r>
+              <a:rPr lang="de-DE" dirty="0"/>
+              <a:t> </a:t>
+            </a:r>
+            <a:r>
+              <a:rPr lang="de-DE" dirty="0" err="1"/>
+              <a:t>between</a:t>
+            </a:r>
+            <a:r>
+              <a:rPr lang="de-DE" dirty="0"/>
+              <a:t> </a:t>
+            </a:r>
+            <a:r>
+              <a:rPr lang="de-DE" dirty="0" err="1"/>
+              <a:t>gene</a:t>
+            </a:r>
+            <a:r>
+              <a:rPr lang="de-DE" dirty="0"/>
+              <a:t> </a:t>
+            </a:r>
+            <a:r>
+              <a:rPr lang="de-DE" dirty="0" err="1"/>
+              <a:t>expression</a:t>
+            </a:r>
+            <a:r>
+              <a:rPr lang="de-DE" dirty="0"/>
+              <a:t> &amp; </a:t>
+            </a:r>
+            <a:r>
+              <a:rPr lang="de-DE" dirty="0" err="1"/>
+              <a:t>copy</a:t>
+            </a:r>
+            <a:r>
+              <a:rPr lang="de-DE" dirty="0"/>
+              <a:t> </a:t>
+            </a:r>
+            <a:r>
+              <a:rPr lang="de-DE" dirty="0" err="1"/>
+              <a:t>number</a:t>
+            </a:r>
+            <a:r>
+              <a:rPr lang="de-DE" dirty="0"/>
+              <a:t> &amp; </a:t>
+            </a:r>
+            <a:r>
+              <a:rPr lang="de-DE" dirty="0" err="1"/>
+              <a:t>treatment</a:t>
+            </a:r>
+            <a:r>
+              <a:rPr lang="de-DE" dirty="0"/>
+              <a:t> </a:t>
+            </a:r>
+            <a:r>
+              <a:rPr lang="de-DE" dirty="0" err="1"/>
+              <a:t>effect</a:t>
+            </a:r>
+            <a:endParaRPr lang="de-DE" dirty="0"/>
+          </a:p>
+          <a:p>
+            <a:pPr marL="514350" indent="-514350">
+              <a:buFont typeface="+mj-lt"/>
+              <a:buAutoNum type="arabicPeriod"/>
+            </a:pPr>
+            <a:r>
+              <a:rPr lang="de-DE" dirty="0" err="1"/>
+              <a:t>Identification</a:t>
+            </a:r>
+            <a:r>
+              <a:rPr lang="de-DE" dirty="0"/>
+              <a:t> </a:t>
+            </a:r>
+            <a:r>
+              <a:rPr lang="de-DE" dirty="0" err="1"/>
+              <a:t>of</a:t>
+            </a:r>
+            <a:r>
+              <a:rPr lang="de-DE" dirty="0"/>
+              <a:t> </a:t>
+            </a:r>
+            <a:r>
+              <a:rPr lang="de-DE" dirty="0" err="1"/>
+              <a:t>housekeeping</a:t>
+            </a:r>
+            <a:r>
+              <a:rPr lang="de-DE" dirty="0"/>
+              <a:t> /</a:t>
+            </a:r>
+            <a:r>
+              <a:rPr lang="de-DE" dirty="0" err="1"/>
+              <a:t>tumor</a:t>
+            </a:r>
+            <a:r>
+              <a:rPr lang="de-DE" dirty="0"/>
+              <a:t> </a:t>
+            </a:r>
+            <a:r>
+              <a:rPr lang="de-DE" dirty="0" err="1"/>
+              <a:t>supressor</a:t>
+            </a:r>
+            <a:r>
+              <a:rPr lang="de-DE" dirty="0"/>
+              <a:t> genes</a:t>
+            </a:r>
+          </a:p>
+          <a:p>
+            <a:pPr marL="514350" indent="-514350">
+              <a:buFont typeface="+mj-lt"/>
+              <a:buAutoNum type="arabicPeriod"/>
+            </a:pPr>
+            <a:r>
+              <a:rPr lang="de-DE" dirty="0" err="1"/>
+              <a:t>Identification</a:t>
+            </a:r>
+            <a:r>
+              <a:rPr lang="de-DE" dirty="0"/>
+              <a:t> </a:t>
+            </a:r>
+            <a:r>
+              <a:rPr lang="de-DE" dirty="0" err="1"/>
+              <a:t>of</a:t>
+            </a:r>
+            <a:r>
+              <a:rPr lang="de-DE" dirty="0"/>
+              <a:t> </a:t>
+            </a:r>
+            <a:r>
+              <a:rPr lang="de-DE" dirty="0" err="1"/>
+              <a:t>thresholds</a:t>
+            </a:r>
+            <a:r>
+              <a:rPr lang="de-DE" dirty="0"/>
+              <a:t> </a:t>
+            </a:r>
+          </a:p>
+          <a:p>
+            <a:pPr marL="514350" indent="-514350">
+              <a:buFont typeface="+mj-lt"/>
+              <a:buAutoNum type="arabicPeriod"/>
+            </a:pPr>
+            <a:endParaRPr lang="de-DE" dirty="0"/>
+          </a:p>
+        </p:txBody>
+      </p:sp>
+    </p:spTree>
+    <p:extLst>
+      <p:ext uri="{BB962C8B-B14F-4D97-AF65-F5344CB8AC3E}">
+        <p14:creationId xmlns:p14="http://schemas.microsoft.com/office/powerpoint/2010/main" val="2713591442"/>
+      </p:ext>
+    </p:extLst>
+  </p:cSld>
+  <p:clrMapOvr>
+    <a:masterClrMapping/>
+  </p:clrMapOvr>
+</p:sld>
+</file>
+
+<file path=ppt/slides/slide4.xml><?xml version="1.0" encoding="utf-8"?>
 <p:sld xmlns:a="http://schemas.openxmlformats.org/drawingml/2006/main" xmlns:r="http://schemas.openxmlformats.org/officeDocument/2006/relationships" xmlns:p="http://schemas.openxmlformats.org/presentationml/2006/main">
   <p:cSld>
     <p:spTree>
@@ -3892,7 +5464,7 @@
         </p:nvSpPr>
         <p:spPr>
           <a:xfrm>
-            <a:off x="3020951" y="2961446"/>
+            <a:off x="2539735" y="2961446"/>
             <a:ext cx="1742739" cy="1861062"/>
           </a:xfrm>
           <a:prstGeom prst="downArrowCallout">
@@ -4044,7 +5616,7 @@
         </p:nvSpPr>
         <p:spPr>
           <a:xfrm>
-            <a:off x="5419183" y="2961446"/>
+            <a:off x="5204570" y="2961446"/>
             <a:ext cx="1742739" cy="1861062"/>
           </a:xfrm>
           <a:prstGeom prst="downArrowCallout">
@@ -4244,7 +5816,7 @@
                   <a:schemeClr val="bg1"/>
                 </a:solidFill>
               </a:rPr>
-              <a:t>	17.05.		              31.05.	                         14.06.		                   28.06.		          19.07.</a:t>
+              <a:t>	17.05.		  23.05.	                       	  7.06.		                   28.06.		          19.07.</a:t>
             </a:r>
           </a:p>
         </p:txBody>
@@ -4318,7 +5890,7 @@
 </p:sld>
 </file>
 
-<file path=ppt/slides/slide4.xml><?xml version="1.0" encoding="utf-8"?>
+<file path=ppt/slides/slide5.xml><?xml version="1.0" encoding="utf-8"?>
 <p:sld xmlns:a="http://schemas.openxmlformats.org/drawingml/2006/main" xmlns:r="http://schemas.openxmlformats.org/officeDocument/2006/relationships" xmlns:p="http://schemas.openxmlformats.org/presentationml/2006/main">
   <p:cSld>
     <p:spTree>
@@ -4340,7 +5912,7 @@
           <p:cNvPr id="2" name="Titel 1">
             <a:extLst>
               <a:ext uri="{FF2B5EF4-FFF2-40B4-BE49-F238E27FC236}">
-                <a16:creationId xmlns:a16="http://schemas.microsoft.com/office/drawing/2014/main" id="{61926039-D716-204B-58CA-7FF5C48B4B0C}"/>
+                <a16:creationId xmlns:a16="http://schemas.microsoft.com/office/drawing/2014/main" id="{EA79D227-51F1-8762-A9A1-4CEE300E4BEB}"/>
               </a:ext>
             </a:extLst>
           </p:cNvPr>
@@ -4356,70 +5928,1206 @@
           <a:bodyPr/>
           <a:lstStyle/>
           <a:p>
-            <a:endParaRPr lang="de-DE"/>
-          </a:p>
-        </p:txBody>
-      </p:sp>
-      <p:sp>
-        <p:nvSpPr>
-          <p:cNvPr id="5" name="Inhaltsplatzhalter 4">
-            <a:extLst>
-              <a:ext uri="{FF2B5EF4-FFF2-40B4-BE49-F238E27FC236}">
-                <a16:creationId xmlns:a16="http://schemas.microsoft.com/office/drawing/2014/main" id="{65565279-C0F2-3021-6746-0AA82515B082}"/>
-              </a:ext>
-            </a:extLst>
-          </p:cNvPr>
-          <p:cNvSpPr txBox="1">
-            <a:spLocks noGrp="1"/>
-          </p:cNvSpPr>
+            <a:r>
+              <a:rPr lang="de-DE" dirty="0" err="1"/>
+              <a:t>prism</a:t>
+            </a:r>
+            <a:endParaRPr lang="de-DE" dirty="0"/>
+          </a:p>
+        </p:txBody>
+      </p:sp>
+      <p:graphicFrame>
+        <p:nvGraphicFramePr>
+          <p:cNvPr id="7" name="Inhaltsplatzhalter 7">
+            <a:extLst>
+              <a:ext uri="{FF2B5EF4-FFF2-40B4-BE49-F238E27FC236}">
+                <a16:creationId xmlns:a16="http://schemas.microsoft.com/office/drawing/2014/main" id="{E998CCA8-6D09-5153-71D3-930CD39606E7}"/>
+              </a:ext>
+            </a:extLst>
+          </p:cNvPr>
+          <p:cNvGraphicFramePr>
+            <a:graphicFrameLocks/>
+          </p:cNvGraphicFramePr>
+          <p:nvPr>
+            <p:extLst>
+              <p:ext uri="{D42A27DB-BD31-4B8C-83A1-F6EECF244321}">
+                <p14:modId xmlns:p14="http://schemas.microsoft.com/office/powerpoint/2010/main" val="1184962357"/>
+              </p:ext>
+            </p:extLst>
+          </p:nvPr>
+        </p:nvGraphicFramePr>
+        <p:xfrm>
+          <a:off x="838200" y="1556238"/>
+          <a:ext cx="4396273" cy="1010920"/>
+        </p:xfrm>
+        <a:graphic>
+          <a:graphicData uri="http://schemas.openxmlformats.org/drawingml/2006/table">
+            <a:tbl>
+              <a:tblPr firstRow="1" bandRow="1">
+                <a:tableStyleId>{F5AB1C69-6EDB-4FF4-983F-18BD219EF322}</a:tableStyleId>
+              </a:tblPr>
+              <a:tblGrid>
+                <a:gridCol w="1427445">
+                  <a:extLst>
+                    <a:ext uri="{9D8B030D-6E8A-4147-A177-3AD203B41FA5}">
+                      <a16:colId xmlns:a16="http://schemas.microsoft.com/office/drawing/2014/main" val="1690613930"/>
+                    </a:ext>
+                  </a:extLst>
+                </a:gridCol>
+                <a:gridCol w="2968828">
+                  <a:extLst>
+                    <a:ext uri="{9D8B030D-6E8A-4147-A177-3AD203B41FA5}">
+                      <a16:colId xmlns:a16="http://schemas.microsoft.com/office/drawing/2014/main" val="981900185"/>
+                    </a:ext>
+                  </a:extLst>
+                </a:gridCol>
+              </a:tblGrid>
+              <a:tr h="370840">
+                <a:tc>
+                  <a:txBody>
+                    <a:bodyPr/>
+                    <a:lstStyle/>
+                    <a:p>
+                      <a:endParaRPr lang="de-DE" dirty="0"/>
+                    </a:p>
+                  </a:txBody>
+                  <a:tcPr/>
+                </a:tc>
+                <a:tc>
+                  <a:txBody>
+                    <a:bodyPr/>
+                    <a:lstStyle/>
+                    <a:p>
+                      <a:r>
+                        <a:rPr lang="de-DE" dirty="0" err="1"/>
+                        <a:t>treatment</a:t>
+                      </a:r>
+                      <a:endParaRPr lang="de-DE" dirty="0"/>
+                    </a:p>
+                  </a:txBody>
+                  <a:tcPr/>
+                </a:tc>
+                <a:extLst>
+                  <a:ext uri="{0D108BD9-81ED-4DB2-BD59-A6C34878D82A}">
+                    <a16:rowId xmlns:a16="http://schemas.microsoft.com/office/drawing/2014/main" val="1940948449"/>
+                  </a:ext>
+                </a:extLst>
+              </a:tr>
+              <a:tr h="370840">
+                <a:tc>
+                  <a:txBody>
+                    <a:bodyPr/>
+                    <a:lstStyle/>
+                    <a:p>
+                      <a:r>
+                        <a:rPr lang="de-DE" b="1">
+                          <a:solidFill>
+                            <a:schemeClr val="bg1"/>
+                          </a:solidFill>
+                        </a:rPr>
+                        <a:t>Cell lines</a:t>
+                      </a:r>
+                      <a:endParaRPr lang="de-DE" b="1" dirty="0">
+                        <a:solidFill>
+                          <a:schemeClr val="bg1"/>
+                        </a:solidFill>
+                      </a:endParaRPr>
+                    </a:p>
+                  </a:txBody>
+                  <a:tcPr>
+                    <a:solidFill>
+                      <a:schemeClr val="bg1">
+                        <a:lumMod val="65000"/>
+                      </a:schemeClr>
+                    </a:solidFill>
+                  </a:tcPr>
+                </a:tc>
+                <a:tc>
+                  <a:txBody>
+                    <a:bodyPr/>
+                    <a:lstStyle/>
+                    <a:p>
+                      <a:pPr marL="0" marR="0" lvl="0" indent="0" algn="l" defTabSz="914400" rtl="0" eaLnBrk="1" fontAlgn="auto" latinLnBrk="0" hangingPunct="1">
+                        <a:lnSpc>
+                          <a:spcPct val="100000"/>
+                        </a:lnSpc>
+                        <a:spcBef>
+                          <a:spcPts val="0"/>
+                        </a:spcBef>
+                        <a:spcAft>
+                          <a:spcPts val="0"/>
+                        </a:spcAft>
+                        <a:buClrTx/>
+                        <a:buSzTx/>
+                        <a:buFontTx/>
+                        <a:buNone/>
+                        <a:tabLst/>
+                        <a:defRPr/>
+                      </a:pPr>
+                      <a:r>
+                        <a:rPr lang="de-DE" dirty="0" err="1"/>
+                        <a:t>Effect</a:t>
+                      </a:r>
+                      <a:r>
+                        <a:rPr lang="de-DE" dirty="0"/>
+                        <a:t> </a:t>
+                      </a:r>
+                      <a:r>
+                        <a:rPr lang="de-DE" dirty="0" err="1"/>
+                        <a:t>of</a:t>
+                      </a:r>
+                      <a:r>
+                        <a:rPr lang="de-DE" dirty="0"/>
+                        <a:t> </a:t>
+                      </a:r>
+                      <a:r>
+                        <a:rPr lang="de-DE" dirty="0" err="1"/>
+                        <a:t>treatment</a:t>
+                      </a:r>
+                      <a:r>
+                        <a:rPr lang="de-DE" dirty="0"/>
+                        <a:t> on </a:t>
+                      </a:r>
+                      <a:r>
+                        <a:rPr lang="de-DE" dirty="0" err="1"/>
+                        <a:t>cell</a:t>
+                      </a:r>
+                      <a:r>
+                        <a:rPr lang="de-DE" dirty="0"/>
+                        <a:t> </a:t>
+                      </a:r>
+                      <a:r>
+                        <a:rPr lang="de-DE" dirty="0" err="1"/>
+                        <a:t>growth</a:t>
+                      </a:r>
+                      <a:r>
+                        <a:rPr lang="en-US" dirty="0"/>
+                        <a:t> </a:t>
+                      </a:r>
+                      <a:endParaRPr lang="de-DE" dirty="0"/>
+                    </a:p>
+                  </a:txBody>
+                  <a:tcPr/>
+                </a:tc>
+                <a:extLst>
+                  <a:ext uri="{0D108BD9-81ED-4DB2-BD59-A6C34878D82A}">
+                    <a16:rowId xmlns:a16="http://schemas.microsoft.com/office/drawing/2014/main" val="3913900156"/>
+                  </a:ext>
+                </a:extLst>
+              </a:tr>
+            </a:tbl>
+          </a:graphicData>
+        </a:graphic>
+      </p:graphicFrame>
+      <p:pic>
+        <p:nvPicPr>
+          <p:cNvPr id="14" name="Inhaltsplatzhalter 13">
+            <a:extLst>
+              <a:ext uri="{FF2B5EF4-FFF2-40B4-BE49-F238E27FC236}">
+                <a16:creationId xmlns:a16="http://schemas.microsoft.com/office/drawing/2014/main" id="{F9C9CDA0-B246-F82A-E63D-AEF12A77BA20}"/>
+              </a:ext>
+            </a:extLst>
+          </p:cNvPr>
+          <p:cNvPicPr>
+            <a:picLocks noGrp="1" noChangeAspect="1"/>
+          </p:cNvPicPr>
           <p:nvPr>
             <p:ph idx="1"/>
           </p:nvPr>
-        </p:nvSpPr>
+        </p:nvPicPr>
+        <p:blipFill rotWithShape="1">
+          <a:blip r:embed="rId2">
+            <a:extLst>
+              <a:ext uri="{28A0092B-C50C-407E-A947-70E740481C1C}">
+                <a14:useLocalDpi xmlns:a14="http://schemas.microsoft.com/office/drawing/2010/main" val="0"/>
+              </a:ext>
+            </a:extLst>
+          </a:blip>
+          <a:srcRect r="4042"/>
+          <a:stretch/>
+        </p:blipFill>
         <p:spPr>
           <a:xfrm>
-            <a:off x="838200" y="1825625"/>
-            <a:ext cx="10515600" cy="4351338"/>
+            <a:off x="838200" y="2781328"/>
+            <a:ext cx="5935824" cy="3820121"/>
           </a:xfrm>
           <a:prstGeom prst="rect">
             <a:avLst/>
           </a:prstGeom>
-          <a:noFill/>
         </p:spPr>
-        <p:txBody>
-          <a:bodyPr wrap="square" rtlCol="0">
-            <a:spAutoFit/>
-          </a:bodyPr>
-          <a:lstStyle/>
-          <a:p>
-            <a:r>
-              <a:rPr lang="de-DE" sz="900"/>
-              <a:t>"</a:t>
-            </a:r>
-            <a:r>
-              <a:rPr lang="de-DE" sz="900">
-                <a:hlinkClick r:id="rId2" tooltip="http://www.emdocs.net/acute-kidney-injury-pearls-and-pitfalls/"/>
-              </a:rPr>
-              <a:t>Dieses Foto</a:t>
-            </a:r>
-            <a:r>
-              <a:rPr lang="de-DE" sz="900"/>
-              <a:t>" von Unbekannter Autor ist lizenziert gemäß </a:t>
-            </a:r>
-            <a:r>
-              <a:rPr lang="de-DE" sz="900">
-                <a:hlinkClick r:id="rId3" tooltip="https://creativecommons.org/licenses/by/3.0/"/>
-              </a:rPr>
-              <a:t>CC BY</a:t>
-            </a:r>
-            <a:endParaRPr lang="de-DE" sz="900"/>
-          </a:p>
-        </p:txBody>
-      </p:sp>
+      </p:pic>
     </p:spTree>
     <p:extLst>
       <p:ext uri="{BB962C8B-B14F-4D97-AF65-F5344CB8AC3E}">
-        <p14:creationId xmlns:p14="http://schemas.microsoft.com/office/powerpoint/2010/main" val="2407188837"/>
+        <p14:creationId xmlns:p14="http://schemas.microsoft.com/office/powerpoint/2010/main" val="750196878"/>
+      </p:ext>
+    </p:extLst>
+  </p:cSld>
+  <p:clrMapOvr>
+    <a:masterClrMapping/>
+  </p:clrMapOvr>
+</p:sld>
+</file>
+
+<file path=ppt/slides/slide6.xml><?xml version="1.0" encoding="utf-8"?>
+<p:sld xmlns:a="http://schemas.openxmlformats.org/drawingml/2006/main" xmlns:r="http://schemas.openxmlformats.org/officeDocument/2006/relationships" xmlns:p="http://schemas.openxmlformats.org/presentationml/2006/main">
+  <p:cSld>
+    <p:spTree>
+      <p:nvGrpSpPr>
+        <p:cNvPr id="1" name=""/>
+        <p:cNvGrpSpPr/>
+        <p:nvPr/>
+      </p:nvGrpSpPr>
+      <p:grpSpPr>
+        <a:xfrm>
+          <a:off x="0" y="0"/>
+          <a:ext cx="0" cy="0"/>
+          <a:chOff x="0" y="0"/>
+          <a:chExt cx="0" cy="0"/>
+        </a:xfrm>
+      </p:grpSpPr>
+      <p:sp>
+        <p:nvSpPr>
+          <p:cNvPr id="2" name="Titel 1">
+            <a:extLst>
+              <a:ext uri="{FF2B5EF4-FFF2-40B4-BE49-F238E27FC236}">
+                <a16:creationId xmlns:a16="http://schemas.microsoft.com/office/drawing/2014/main" id="{EA79D227-51F1-8762-A9A1-4CEE300E4BEB}"/>
+              </a:ext>
+            </a:extLst>
+          </p:cNvPr>
+          <p:cNvSpPr>
+            <a:spLocks noGrp="1"/>
+          </p:cNvSpPr>
+          <p:nvPr>
+            <p:ph type="title"/>
+          </p:nvPr>
+        </p:nvSpPr>
+        <p:spPr/>
+        <p:txBody>
+          <a:bodyPr/>
+          <a:lstStyle/>
+          <a:p>
+            <a:r>
+              <a:rPr lang="de-DE" dirty="0" err="1"/>
+              <a:t>prism.exp</a:t>
+            </a:r>
+            <a:endParaRPr lang="de-DE" dirty="0"/>
+          </a:p>
+        </p:txBody>
+      </p:sp>
+      <p:graphicFrame>
+        <p:nvGraphicFramePr>
+          <p:cNvPr id="7" name="Inhaltsplatzhalter 7">
+            <a:extLst>
+              <a:ext uri="{FF2B5EF4-FFF2-40B4-BE49-F238E27FC236}">
+                <a16:creationId xmlns:a16="http://schemas.microsoft.com/office/drawing/2014/main" id="{E998CCA8-6D09-5153-71D3-930CD39606E7}"/>
+              </a:ext>
+            </a:extLst>
+          </p:cNvPr>
+          <p:cNvGraphicFramePr>
+            <a:graphicFrameLocks/>
+          </p:cNvGraphicFramePr>
+          <p:nvPr/>
+        </p:nvGraphicFramePr>
+        <p:xfrm>
+          <a:off x="838200" y="1556238"/>
+          <a:ext cx="4396273" cy="741680"/>
+        </p:xfrm>
+        <a:graphic>
+          <a:graphicData uri="http://schemas.openxmlformats.org/drawingml/2006/table">
+            <a:tbl>
+              <a:tblPr firstRow="1" bandRow="1">
+                <a:tableStyleId>{F5AB1C69-6EDB-4FF4-983F-18BD219EF322}</a:tableStyleId>
+              </a:tblPr>
+              <a:tblGrid>
+                <a:gridCol w="1427445">
+                  <a:extLst>
+                    <a:ext uri="{9D8B030D-6E8A-4147-A177-3AD203B41FA5}">
+                      <a16:colId xmlns:a16="http://schemas.microsoft.com/office/drawing/2014/main" val="1690613930"/>
+                    </a:ext>
+                  </a:extLst>
+                </a:gridCol>
+                <a:gridCol w="2968828">
+                  <a:extLst>
+                    <a:ext uri="{9D8B030D-6E8A-4147-A177-3AD203B41FA5}">
+                      <a16:colId xmlns:a16="http://schemas.microsoft.com/office/drawing/2014/main" val="981900185"/>
+                    </a:ext>
+                  </a:extLst>
+                </a:gridCol>
+              </a:tblGrid>
+              <a:tr h="370840">
+                <a:tc>
+                  <a:txBody>
+                    <a:bodyPr/>
+                    <a:lstStyle/>
+                    <a:p>
+                      <a:endParaRPr lang="de-DE" dirty="0"/>
+                    </a:p>
+                  </a:txBody>
+                  <a:tcPr/>
+                </a:tc>
+                <a:tc>
+                  <a:txBody>
+                    <a:bodyPr/>
+                    <a:lstStyle/>
+                    <a:p>
+                      <a:r>
+                        <a:rPr lang="de-DE" dirty="0"/>
+                        <a:t>genes</a:t>
+                      </a:r>
+                    </a:p>
+                  </a:txBody>
+                  <a:tcPr/>
+                </a:tc>
+                <a:extLst>
+                  <a:ext uri="{0D108BD9-81ED-4DB2-BD59-A6C34878D82A}">
+                    <a16:rowId xmlns:a16="http://schemas.microsoft.com/office/drawing/2014/main" val="1940948449"/>
+                  </a:ext>
+                </a:extLst>
+              </a:tr>
+              <a:tr h="370840">
+                <a:tc>
+                  <a:txBody>
+                    <a:bodyPr/>
+                    <a:lstStyle/>
+                    <a:p>
+                      <a:r>
+                        <a:rPr lang="de-DE" b="1" dirty="0" err="1">
+                          <a:solidFill>
+                            <a:schemeClr val="bg1"/>
+                          </a:solidFill>
+                        </a:rPr>
+                        <a:t>Cell</a:t>
+                      </a:r>
+                      <a:r>
+                        <a:rPr lang="de-DE" b="1" dirty="0">
+                          <a:solidFill>
+                            <a:schemeClr val="bg1"/>
+                          </a:solidFill>
+                        </a:rPr>
+                        <a:t> </a:t>
+                      </a:r>
+                      <a:r>
+                        <a:rPr lang="de-DE" b="1" dirty="0" err="1">
+                          <a:solidFill>
+                            <a:schemeClr val="bg1"/>
+                          </a:solidFill>
+                        </a:rPr>
+                        <a:t>lines</a:t>
+                      </a:r>
+                      <a:endParaRPr lang="de-DE" b="1" dirty="0">
+                        <a:solidFill>
+                          <a:schemeClr val="bg1"/>
+                        </a:solidFill>
+                      </a:endParaRPr>
+                    </a:p>
+                  </a:txBody>
+                  <a:tcPr>
+                    <a:solidFill>
+                      <a:schemeClr val="bg1">
+                        <a:lumMod val="65000"/>
+                      </a:schemeClr>
+                    </a:solidFill>
+                  </a:tcPr>
+                </a:tc>
+                <a:tc>
+                  <a:txBody>
+                    <a:bodyPr/>
+                    <a:lstStyle/>
+                    <a:p>
+                      <a:r>
+                        <a:rPr lang="en-US" dirty="0"/>
+                        <a:t>Transcripts per million </a:t>
+                      </a:r>
+                      <a:endParaRPr lang="de-DE" dirty="0"/>
+                    </a:p>
+                  </a:txBody>
+                  <a:tcPr/>
+                </a:tc>
+                <a:extLst>
+                  <a:ext uri="{0D108BD9-81ED-4DB2-BD59-A6C34878D82A}">
+                    <a16:rowId xmlns:a16="http://schemas.microsoft.com/office/drawing/2014/main" val="3913900156"/>
+                  </a:ext>
+                </a:extLst>
+              </a:tr>
+            </a:tbl>
+          </a:graphicData>
+        </a:graphic>
+      </p:graphicFrame>
+      <p:pic>
+        <p:nvPicPr>
+          <p:cNvPr id="4" name="Inhaltsplatzhalter 3">
+            <a:extLst>
+              <a:ext uri="{FF2B5EF4-FFF2-40B4-BE49-F238E27FC236}">
+                <a16:creationId xmlns:a16="http://schemas.microsoft.com/office/drawing/2014/main" id="{7B0F97BB-A6E9-3242-EEBC-A7A8CA0BF144}"/>
+              </a:ext>
+            </a:extLst>
+          </p:cNvPr>
+          <p:cNvPicPr>
+            <a:picLocks noGrp="1" noChangeAspect="1"/>
+          </p:cNvPicPr>
+          <p:nvPr>
+            <p:ph idx="1"/>
+          </p:nvPr>
+        </p:nvPicPr>
+        <p:blipFill rotWithShape="1">
+          <a:blip r:embed="rId2">
+            <a:extLst>
+              <a:ext uri="{28A0092B-C50C-407E-A947-70E740481C1C}">
+                <a14:useLocalDpi xmlns:a14="http://schemas.microsoft.com/office/drawing/2010/main" val="0"/>
+              </a:ext>
+            </a:extLst>
+          </a:blip>
+          <a:srcRect l="1097"/>
+          <a:stretch/>
+        </p:blipFill>
+        <p:spPr>
+          <a:xfrm>
+            <a:off x="670249" y="2504900"/>
+            <a:ext cx="6514322" cy="3987975"/>
+          </a:xfrm>
+          <a:prstGeom prst="rect">
+            <a:avLst/>
+          </a:prstGeom>
+        </p:spPr>
+      </p:pic>
+    </p:spTree>
+    <p:extLst>
+      <p:ext uri="{BB962C8B-B14F-4D97-AF65-F5344CB8AC3E}">
+        <p14:creationId xmlns:p14="http://schemas.microsoft.com/office/powerpoint/2010/main" val="635235447"/>
+      </p:ext>
+    </p:extLst>
+  </p:cSld>
+  <p:clrMapOvr>
+    <a:masterClrMapping/>
+  </p:clrMapOvr>
+</p:sld>
+</file>
+
+<file path=ppt/slides/slide7.xml><?xml version="1.0" encoding="utf-8"?>
+<p:sld xmlns:a="http://schemas.openxmlformats.org/drawingml/2006/main" xmlns:r="http://schemas.openxmlformats.org/officeDocument/2006/relationships" xmlns:p="http://schemas.openxmlformats.org/presentationml/2006/main">
+  <p:cSld>
+    <p:spTree>
+      <p:nvGrpSpPr>
+        <p:cNvPr id="1" name=""/>
+        <p:cNvGrpSpPr/>
+        <p:nvPr/>
+      </p:nvGrpSpPr>
+      <p:grpSpPr>
+        <a:xfrm>
+          <a:off x="0" y="0"/>
+          <a:ext cx="0" cy="0"/>
+          <a:chOff x="0" y="0"/>
+          <a:chExt cx="0" cy="0"/>
+        </a:xfrm>
+      </p:grpSpPr>
+      <p:sp>
+        <p:nvSpPr>
+          <p:cNvPr id="2" name="Titel 1">
+            <a:extLst>
+              <a:ext uri="{FF2B5EF4-FFF2-40B4-BE49-F238E27FC236}">
+                <a16:creationId xmlns:a16="http://schemas.microsoft.com/office/drawing/2014/main" id="{EA79D227-51F1-8762-A9A1-4CEE300E4BEB}"/>
+              </a:ext>
+            </a:extLst>
+          </p:cNvPr>
+          <p:cNvSpPr>
+            <a:spLocks noGrp="1"/>
+          </p:cNvSpPr>
+          <p:nvPr>
+            <p:ph type="title"/>
+          </p:nvPr>
+        </p:nvSpPr>
+        <p:spPr/>
+        <p:txBody>
+          <a:bodyPr/>
+          <a:lstStyle/>
+          <a:p>
+            <a:r>
+              <a:rPr lang="de-DE" dirty="0" err="1"/>
+              <a:t>prism.exp.kidney</a:t>
+            </a:r>
+            <a:endParaRPr lang="de-DE" dirty="0"/>
+          </a:p>
+        </p:txBody>
+      </p:sp>
+      <p:graphicFrame>
+        <p:nvGraphicFramePr>
+          <p:cNvPr id="7" name="Inhaltsplatzhalter 7">
+            <a:extLst>
+              <a:ext uri="{FF2B5EF4-FFF2-40B4-BE49-F238E27FC236}">
+                <a16:creationId xmlns:a16="http://schemas.microsoft.com/office/drawing/2014/main" id="{E998CCA8-6D09-5153-71D3-930CD39606E7}"/>
+              </a:ext>
+            </a:extLst>
+          </p:cNvPr>
+          <p:cNvGraphicFramePr>
+            <a:graphicFrameLocks/>
+          </p:cNvGraphicFramePr>
+          <p:nvPr>
+            <p:extLst>
+              <p:ext uri="{D42A27DB-BD31-4B8C-83A1-F6EECF244321}">
+                <p14:modId xmlns:p14="http://schemas.microsoft.com/office/powerpoint/2010/main" val="4107533981"/>
+              </p:ext>
+            </p:extLst>
+          </p:nvPr>
+        </p:nvGraphicFramePr>
+        <p:xfrm>
+          <a:off x="838200" y="1556238"/>
+          <a:ext cx="4396273" cy="1010920"/>
+        </p:xfrm>
+        <a:graphic>
+          <a:graphicData uri="http://schemas.openxmlformats.org/drawingml/2006/table">
+            <a:tbl>
+              <a:tblPr firstRow="1" bandRow="1">
+                <a:tableStyleId>{F5AB1C69-6EDB-4FF4-983F-18BD219EF322}</a:tableStyleId>
+              </a:tblPr>
+              <a:tblGrid>
+                <a:gridCol w="1427445">
+                  <a:extLst>
+                    <a:ext uri="{9D8B030D-6E8A-4147-A177-3AD203B41FA5}">
+                      <a16:colId xmlns:a16="http://schemas.microsoft.com/office/drawing/2014/main" val="1690613930"/>
+                    </a:ext>
+                  </a:extLst>
+                </a:gridCol>
+                <a:gridCol w="2968828">
+                  <a:extLst>
+                    <a:ext uri="{9D8B030D-6E8A-4147-A177-3AD203B41FA5}">
+                      <a16:colId xmlns:a16="http://schemas.microsoft.com/office/drawing/2014/main" val="981900185"/>
+                    </a:ext>
+                  </a:extLst>
+                </a:gridCol>
+              </a:tblGrid>
+              <a:tr h="370840">
+                <a:tc>
+                  <a:txBody>
+                    <a:bodyPr/>
+                    <a:lstStyle/>
+                    <a:p>
+                      <a:endParaRPr lang="de-DE" dirty="0"/>
+                    </a:p>
+                  </a:txBody>
+                  <a:tcPr/>
+                </a:tc>
+                <a:tc>
+                  <a:txBody>
+                    <a:bodyPr/>
+                    <a:lstStyle/>
+                    <a:p>
+                      <a:r>
+                        <a:rPr lang="de-DE" dirty="0"/>
+                        <a:t>genes</a:t>
+                      </a:r>
+                    </a:p>
+                  </a:txBody>
+                  <a:tcPr/>
+                </a:tc>
+                <a:extLst>
+                  <a:ext uri="{0D108BD9-81ED-4DB2-BD59-A6C34878D82A}">
+                    <a16:rowId xmlns:a16="http://schemas.microsoft.com/office/drawing/2014/main" val="1940948449"/>
+                  </a:ext>
+                </a:extLst>
+              </a:tr>
+              <a:tr h="370840">
+                <a:tc>
+                  <a:txBody>
+                    <a:bodyPr/>
+                    <a:lstStyle/>
+                    <a:p>
+                      <a:r>
+                        <a:rPr lang="de-DE" b="1" dirty="0" err="1">
+                          <a:solidFill>
+                            <a:schemeClr val="bg1"/>
+                          </a:solidFill>
+                        </a:rPr>
+                        <a:t>Kidney</a:t>
+                      </a:r>
+                      <a:endParaRPr lang="de-DE" b="1" dirty="0">
+                        <a:solidFill>
+                          <a:schemeClr val="bg1"/>
+                        </a:solidFill>
+                      </a:endParaRPr>
+                    </a:p>
+                    <a:p>
+                      <a:r>
+                        <a:rPr lang="de-DE" b="1" dirty="0" err="1">
+                          <a:solidFill>
+                            <a:schemeClr val="bg1"/>
+                          </a:solidFill>
+                        </a:rPr>
+                        <a:t>Cell</a:t>
+                      </a:r>
+                      <a:r>
+                        <a:rPr lang="de-DE" b="1" dirty="0">
+                          <a:solidFill>
+                            <a:schemeClr val="bg1"/>
+                          </a:solidFill>
+                        </a:rPr>
+                        <a:t> </a:t>
+                      </a:r>
+                      <a:r>
+                        <a:rPr lang="de-DE" b="1" dirty="0" err="1">
+                          <a:solidFill>
+                            <a:schemeClr val="bg1"/>
+                          </a:solidFill>
+                        </a:rPr>
+                        <a:t>lines</a:t>
+                      </a:r>
+                      <a:endParaRPr lang="de-DE" b="1" dirty="0">
+                        <a:solidFill>
+                          <a:schemeClr val="bg1"/>
+                        </a:solidFill>
+                      </a:endParaRPr>
+                    </a:p>
+                  </a:txBody>
+                  <a:tcPr>
+                    <a:solidFill>
+                      <a:schemeClr val="bg1">
+                        <a:lumMod val="65000"/>
+                      </a:schemeClr>
+                    </a:solidFill>
+                  </a:tcPr>
+                </a:tc>
+                <a:tc>
+                  <a:txBody>
+                    <a:bodyPr/>
+                    <a:lstStyle/>
+                    <a:p>
+                      <a:r>
+                        <a:rPr lang="en-US" dirty="0"/>
+                        <a:t>Transcripts per million </a:t>
+                      </a:r>
+                      <a:endParaRPr lang="de-DE" dirty="0"/>
+                    </a:p>
+                  </a:txBody>
+                  <a:tcPr/>
+                </a:tc>
+                <a:extLst>
+                  <a:ext uri="{0D108BD9-81ED-4DB2-BD59-A6C34878D82A}">
+                    <a16:rowId xmlns:a16="http://schemas.microsoft.com/office/drawing/2014/main" val="3913900156"/>
+                  </a:ext>
+                </a:extLst>
+              </a:tr>
+            </a:tbl>
+          </a:graphicData>
+        </a:graphic>
+      </p:graphicFrame>
+      <p:pic>
+        <p:nvPicPr>
+          <p:cNvPr id="8" name="Inhaltsplatzhalter 7">
+            <a:extLst>
+              <a:ext uri="{FF2B5EF4-FFF2-40B4-BE49-F238E27FC236}">
+                <a16:creationId xmlns:a16="http://schemas.microsoft.com/office/drawing/2014/main" id="{BB5DBDD7-DF66-B12A-310A-842A34F62F9D}"/>
+              </a:ext>
+            </a:extLst>
+          </p:cNvPr>
+          <p:cNvPicPr>
+            <a:picLocks noGrp="1" noChangeAspect="1"/>
+          </p:cNvPicPr>
+          <p:nvPr>
+            <p:ph idx="1"/>
+          </p:nvPr>
+        </p:nvPicPr>
+        <p:blipFill>
+          <a:blip r:embed="rId2">
+            <a:extLst>
+              <a:ext uri="{28A0092B-C50C-407E-A947-70E740481C1C}">
+                <a14:useLocalDpi xmlns:a14="http://schemas.microsoft.com/office/drawing/2010/main" val="0"/>
+              </a:ext>
+            </a:extLst>
+          </a:blip>
+          <a:stretch>
+            <a:fillRect/>
+          </a:stretch>
+        </p:blipFill>
+        <p:spPr>
+          <a:xfrm>
+            <a:off x="735563" y="2749233"/>
+            <a:ext cx="6374364" cy="3934553"/>
+          </a:xfrm>
+        </p:spPr>
+      </p:pic>
+    </p:spTree>
+    <p:extLst>
+      <p:ext uri="{BB962C8B-B14F-4D97-AF65-F5344CB8AC3E}">
+        <p14:creationId xmlns:p14="http://schemas.microsoft.com/office/powerpoint/2010/main" val="1030708482"/>
+      </p:ext>
+    </p:extLst>
+  </p:cSld>
+  <p:clrMapOvr>
+    <a:masterClrMapping/>
+  </p:clrMapOvr>
+</p:sld>
+</file>
+
+<file path=ppt/slides/slide8.xml><?xml version="1.0" encoding="utf-8"?>
+<p:sld xmlns:a="http://schemas.openxmlformats.org/drawingml/2006/main" xmlns:r="http://schemas.openxmlformats.org/officeDocument/2006/relationships" xmlns:p="http://schemas.openxmlformats.org/presentationml/2006/main">
+  <p:cSld>
+    <p:spTree>
+      <p:nvGrpSpPr>
+        <p:cNvPr id="1" name=""/>
+        <p:cNvGrpSpPr/>
+        <p:nvPr/>
+      </p:nvGrpSpPr>
+      <p:grpSpPr>
+        <a:xfrm>
+          <a:off x="0" y="0"/>
+          <a:ext cx="0" cy="0"/>
+          <a:chOff x="0" y="0"/>
+          <a:chExt cx="0" cy="0"/>
+        </a:xfrm>
+      </p:grpSpPr>
+      <p:sp>
+        <p:nvSpPr>
+          <p:cNvPr id="2" name="Titel 1">
+            <a:extLst>
+              <a:ext uri="{FF2B5EF4-FFF2-40B4-BE49-F238E27FC236}">
+                <a16:creationId xmlns:a16="http://schemas.microsoft.com/office/drawing/2014/main" id="{EA79D227-51F1-8762-A9A1-4CEE300E4BEB}"/>
+              </a:ext>
+            </a:extLst>
+          </p:cNvPr>
+          <p:cNvSpPr>
+            <a:spLocks noGrp="1"/>
+          </p:cNvSpPr>
+          <p:nvPr>
+            <p:ph type="title"/>
+          </p:nvPr>
+        </p:nvSpPr>
+        <p:spPr/>
+        <p:txBody>
+          <a:bodyPr/>
+          <a:lstStyle/>
+          <a:p>
+            <a:r>
+              <a:rPr lang="de-DE" dirty="0" err="1"/>
+              <a:t>prism.achilles</a:t>
+            </a:r>
+            <a:endParaRPr lang="de-DE" dirty="0"/>
+          </a:p>
+        </p:txBody>
+      </p:sp>
+      <p:pic>
+        <p:nvPicPr>
+          <p:cNvPr id="6" name="Inhaltsplatzhalter 5">
+            <a:extLst>
+              <a:ext uri="{FF2B5EF4-FFF2-40B4-BE49-F238E27FC236}">
+                <a16:creationId xmlns:a16="http://schemas.microsoft.com/office/drawing/2014/main" id="{BF7DFEEB-47A3-CC0F-2EF2-D0F798CE43B0}"/>
+              </a:ext>
+            </a:extLst>
+          </p:cNvPr>
+          <p:cNvPicPr>
+            <a:picLocks noGrp="1" noChangeAspect="1"/>
+          </p:cNvPicPr>
+          <p:nvPr>
+            <p:ph idx="1"/>
+          </p:nvPr>
+        </p:nvPicPr>
+        <p:blipFill>
+          <a:blip r:embed="rId2">
+            <a:extLst>
+              <a:ext uri="{28A0092B-C50C-407E-A947-70E740481C1C}">
+                <a14:useLocalDpi xmlns:a14="http://schemas.microsoft.com/office/drawing/2010/main" val="0"/>
+              </a:ext>
+            </a:extLst>
+          </a:blip>
+          <a:stretch>
+            <a:fillRect/>
+          </a:stretch>
+        </p:blipFill>
+        <p:spPr>
+          <a:xfrm>
+            <a:off x="726233" y="2884892"/>
+            <a:ext cx="6029130" cy="3607983"/>
+          </a:xfrm>
+        </p:spPr>
+      </p:pic>
+      <p:graphicFrame>
+        <p:nvGraphicFramePr>
+          <p:cNvPr id="7" name="Inhaltsplatzhalter 7">
+            <a:extLst>
+              <a:ext uri="{FF2B5EF4-FFF2-40B4-BE49-F238E27FC236}">
+                <a16:creationId xmlns:a16="http://schemas.microsoft.com/office/drawing/2014/main" id="{E998CCA8-6D09-5153-71D3-930CD39606E7}"/>
+              </a:ext>
+            </a:extLst>
+          </p:cNvPr>
+          <p:cNvGraphicFramePr>
+            <a:graphicFrameLocks/>
+          </p:cNvGraphicFramePr>
+          <p:nvPr>
+            <p:extLst>
+              <p:ext uri="{D42A27DB-BD31-4B8C-83A1-F6EECF244321}">
+                <p14:modId xmlns:p14="http://schemas.microsoft.com/office/powerpoint/2010/main" val="982391339"/>
+              </p:ext>
+            </p:extLst>
+          </p:nvPr>
+        </p:nvGraphicFramePr>
+        <p:xfrm>
+          <a:off x="838200" y="1556238"/>
+          <a:ext cx="4396273" cy="741680"/>
+        </p:xfrm>
+        <a:graphic>
+          <a:graphicData uri="http://schemas.openxmlformats.org/drawingml/2006/table">
+            <a:tbl>
+              <a:tblPr firstRow="1" bandRow="1">
+                <a:tableStyleId>{F5AB1C69-6EDB-4FF4-983F-18BD219EF322}</a:tableStyleId>
+              </a:tblPr>
+              <a:tblGrid>
+                <a:gridCol w="1427445">
+                  <a:extLst>
+                    <a:ext uri="{9D8B030D-6E8A-4147-A177-3AD203B41FA5}">
+                      <a16:colId xmlns:a16="http://schemas.microsoft.com/office/drawing/2014/main" val="1690613930"/>
+                    </a:ext>
+                  </a:extLst>
+                </a:gridCol>
+                <a:gridCol w="2968828">
+                  <a:extLst>
+                    <a:ext uri="{9D8B030D-6E8A-4147-A177-3AD203B41FA5}">
+                      <a16:colId xmlns:a16="http://schemas.microsoft.com/office/drawing/2014/main" val="981900185"/>
+                    </a:ext>
+                  </a:extLst>
+                </a:gridCol>
+              </a:tblGrid>
+              <a:tr h="370840">
+                <a:tc>
+                  <a:txBody>
+                    <a:bodyPr/>
+                    <a:lstStyle/>
+                    <a:p>
+                      <a:endParaRPr lang="de-DE" dirty="0"/>
+                    </a:p>
+                  </a:txBody>
+                  <a:tcPr/>
+                </a:tc>
+                <a:tc>
+                  <a:txBody>
+                    <a:bodyPr/>
+                    <a:lstStyle/>
+                    <a:p>
+                      <a:r>
+                        <a:rPr lang="de-DE" dirty="0"/>
+                        <a:t>genes</a:t>
+                      </a:r>
+                    </a:p>
+                  </a:txBody>
+                  <a:tcPr/>
+                </a:tc>
+                <a:extLst>
+                  <a:ext uri="{0D108BD9-81ED-4DB2-BD59-A6C34878D82A}">
+                    <a16:rowId xmlns:a16="http://schemas.microsoft.com/office/drawing/2014/main" val="1940948449"/>
+                  </a:ext>
+                </a:extLst>
+              </a:tr>
+              <a:tr h="370840">
+                <a:tc>
+                  <a:txBody>
+                    <a:bodyPr/>
+                    <a:lstStyle/>
+                    <a:p>
+                      <a:r>
+                        <a:rPr lang="de-DE" b="1" dirty="0" err="1">
+                          <a:solidFill>
+                            <a:schemeClr val="bg1"/>
+                          </a:solidFill>
+                        </a:rPr>
+                        <a:t>Cell</a:t>
+                      </a:r>
+                      <a:r>
+                        <a:rPr lang="de-DE" b="1" dirty="0">
+                          <a:solidFill>
+                            <a:schemeClr val="bg1"/>
+                          </a:solidFill>
+                        </a:rPr>
+                        <a:t> </a:t>
+                      </a:r>
+                      <a:r>
+                        <a:rPr lang="de-DE" b="1" dirty="0" err="1">
+                          <a:solidFill>
+                            <a:schemeClr val="bg1"/>
+                          </a:solidFill>
+                        </a:rPr>
+                        <a:t>lines</a:t>
+                      </a:r>
+                      <a:endParaRPr lang="de-DE" b="1" dirty="0">
+                        <a:solidFill>
+                          <a:schemeClr val="bg1"/>
+                        </a:solidFill>
+                      </a:endParaRPr>
+                    </a:p>
+                  </a:txBody>
+                  <a:tcPr>
+                    <a:solidFill>
+                      <a:schemeClr val="bg1">
+                        <a:lumMod val="65000"/>
+                      </a:schemeClr>
+                    </a:solidFill>
+                  </a:tcPr>
+                </a:tc>
+                <a:tc>
+                  <a:txBody>
+                    <a:bodyPr/>
+                    <a:lstStyle/>
+                    <a:p>
+                      <a:r>
+                        <a:rPr lang="en-US" dirty="0"/>
+                        <a:t>Gene knockout-scores</a:t>
+                      </a:r>
+                      <a:endParaRPr lang="de-DE" dirty="0"/>
+                    </a:p>
+                  </a:txBody>
+                  <a:tcPr/>
+                </a:tc>
+                <a:extLst>
+                  <a:ext uri="{0D108BD9-81ED-4DB2-BD59-A6C34878D82A}">
+                    <a16:rowId xmlns:a16="http://schemas.microsoft.com/office/drawing/2014/main" val="3913900156"/>
+                  </a:ext>
+                </a:extLst>
+              </a:tr>
+            </a:tbl>
+          </a:graphicData>
+        </a:graphic>
+      </p:graphicFrame>
+    </p:spTree>
+    <p:extLst>
+      <p:ext uri="{BB962C8B-B14F-4D97-AF65-F5344CB8AC3E}">
+        <p14:creationId xmlns:p14="http://schemas.microsoft.com/office/powerpoint/2010/main" val="3436260886"/>
+      </p:ext>
+    </p:extLst>
+  </p:cSld>
+  <p:clrMapOvr>
+    <a:masterClrMapping/>
+  </p:clrMapOvr>
+</p:sld>
+</file>
+
+<file path=ppt/slides/slide9.xml><?xml version="1.0" encoding="utf-8"?>
+<p:sld xmlns:a="http://schemas.openxmlformats.org/drawingml/2006/main" xmlns:r="http://schemas.openxmlformats.org/officeDocument/2006/relationships" xmlns:p="http://schemas.openxmlformats.org/presentationml/2006/main">
+  <p:cSld>
+    <p:spTree>
+      <p:nvGrpSpPr>
+        <p:cNvPr id="1" name=""/>
+        <p:cNvGrpSpPr/>
+        <p:nvPr/>
+      </p:nvGrpSpPr>
+      <p:grpSpPr>
+        <a:xfrm>
+          <a:off x="0" y="0"/>
+          <a:ext cx="0" cy="0"/>
+          <a:chOff x="0" y="0"/>
+          <a:chExt cx="0" cy="0"/>
+        </a:xfrm>
+      </p:grpSpPr>
+      <p:sp>
+        <p:nvSpPr>
+          <p:cNvPr id="2" name="Titel 1">
+            <a:extLst>
+              <a:ext uri="{FF2B5EF4-FFF2-40B4-BE49-F238E27FC236}">
+                <a16:creationId xmlns:a16="http://schemas.microsoft.com/office/drawing/2014/main" id="{EA79D227-51F1-8762-A9A1-4CEE300E4BEB}"/>
+              </a:ext>
+            </a:extLst>
+          </p:cNvPr>
+          <p:cNvSpPr>
+            <a:spLocks noGrp="1"/>
+          </p:cNvSpPr>
+          <p:nvPr>
+            <p:ph type="title"/>
+          </p:nvPr>
+        </p:nvSpPr>
+        <p:spPr/>
+        <p:txBody>
+          <a:bodyPr/>
+          <a:lstStyle/>
+          <a:p>
+            <a:r>
+              <a:rPr lang="de-DE" dirty="0" err="1"/>
+              <a:t>prism.drug.means</a:t>
+            </a:r>
+            <a:endParaRPr lang="de-DE" dirty="0"/>
+          </a:p>
+        </p:txBody>
+      </p:sp>
+      <p:pic>
+        <p:nvPicPr>
+          <p:cNvPr id="5" name="Inhaltsplatzhalter 4">
+            <a:extLst>
+              <a:ext uri="{FF2B5EF4-FFF2-40B4-BE49-F238E27FC236}">
+                <a16:creationId xmlns:a16="http://schemas.microsoft.com/office/drawing/2014/main" id="{2A839A62-E503-E2A7-39FD-C7807537F1F2}"/>
+              </a:ext>
+            </a:extLst>
+          </p:cNvPr>
+          <p:cNvPicPr>
+            <a:picLocks noGrp="1" noChangeAspect="1"/>
+          </p:cNvPicPr>
+          <p:nvPr>
+            <p:ph idx="1"/>
+          </p:nvPr>
+        </p:nvPicPr>
+        <p:blipFill>
+          <a:blip r:embed="rId2">
+            <a:extLst>
+              <a:ext uri="{28A0092B-C50C-407E-A947-70E740481C1C}">
+                <a14:useLocalDpi xmlns:a14="http://schemas.microsoft.com/office/drawing/2010/main" val="0"/>
+              </a:ext>
+            </a:extLst>
+          </a:blip>
+          <a:stretch>
+            <a:fillRect/>
+          </a:stretch>
+        </p:blipFill>
+        <p:spPr>
+          <a:xfrm>
+            <a:off x="408992" y="2782161"/>
+            <a:ext cx="6141098" cy="3794321"/>
+          </a:xfrm>
+        </p:spPr>
+      </p:pic>
+      <p:graphicFrame>
+        <p:nvGraphicFramePr>
+          <p:cNvPr id="7" name="Inhaltsplatzhalter 7">
+            <a:extLst>
+              <a:ext uri="{FF2B5EF4-FFF2-40B4-BE49-F238E27FC236}">
+                <a16:creationId xmlns:a16="http://schemas.microsoft.com/office/drawing/2014/main" id="{E998CCA8-6D09-5153-71D3-930CD39606E7}"/>
+              </a:ext>
+            </a:extLst>
+          </p:cNvPr>
+          <p:cNvGraphicFramePr>
+            <a:graphicFrameLocks/>
+          </p:cNvGraphicFramePr>
+          <p:nvPr>
+            <p:extLst>
+              <p:ext uri="{D42A27DB-BD31-4B8C-83A1-F6EECF244321}">
+                <p14:modId xmlns:p14="http://schemas.microsoft.com/office/powerpoint/2010/main" val="1571976438"/>
+              </p:ext>
+            </p:extLst>
+          </p:nvPr>
+        </p:nvGraphicFramePr>
+        <p:xfrm>
+          <a:off x="838200" y="1556238"/>
+          <a:ext cx="4396273" cy="741680"/>
+        </p:xfrm>
+        <a:graphic>
+          <a:graphicData uri="http://schemas.openxmlformats.org/drawingml/2006/table">
+            <a:tbl>
+              <a:tblPr firstRow="1" bandRow="1">
+                <a:tableStyleId>{F5AB1C69-6EDB-4FF4-983F-18BD219EF322}</a:tableStyleId>
+              </a:tblPr>
+              <a:tblGrid>
+                <a:gridCol w="1427445">
+                  <a:extLst>
+                    <a:ext uri="{9D8B030D-6E8A-4147-A177-3AD203B41FA5}">
+                      <a16:colId xmlns:a16="http://schemas.microsoft.com/office/drawing/2014/main" val="1690613930"/>
+                    </a:ext>
+                  </a:extLst>
+                </a:gridCol>
+                <a:gridCol w="2968828">
+                  <a:extLst>
+                    <a:ext uri="{9D8B030D-6E8A-4147-A177-3AD203B41FA5}">
+                      <a16:colId xmlns:a16="http://schemas.microsoft.com/office/drawing/2014/main" val="981900185"/>
+                    </a:ext>
+                  </a:extLst>
+                </a:gridCol>
+              </a:tblGrid>
+              <a:tr h="370840">
+                <a:tc>
+                  <a:txBody>
+                    <a:bodyPr/>
+                    <a:lstStyle/>
+                    <a:p>
+                      <a:endParaRPr lang="de-DE" dirty="0"/>
+                    </a:p>
+                  </a:txBody>
+                  <a:tcPr/>
+                </a:tc>
+                <a:tc>
+                  <a:txBody>
+                    <a:bodyPr/>
+                    <a:lstStyle/>
+                    <a:p>
+                      <a:r>
+                        <a:rPr lang="de-DE" dirty="0"/>
+                        <a:t>Treatment </a:t>
+                      </a:r>
+                      <a:r>
+                        <a:rPr lang="de-DE" dirty="0" err="1"/>
+                        <a:t>mean</a:t>
+                      </a:r>
+                      <a:endParaRPr lang="de-DE" dirty="0"/>
+                    </a:p>
+                  </a:txBody>
+                  <a:tcPr/>
+                </a:tc>
+                <a:extLst>
+                  <a:ext uri="{0D108BD9-81ED-4DB2-BD59-A6C34878D82A}">
+                    <a16:rowId xmlns:a16="http://schemas.microsoft.com/office/drawing/2014/main" val="1940948449"/>
+                  </a:ext>
+                </a:extLst>
+              </a:tr>
+              <a:tr h="370840">
+                <a:tc>
+                  <a:txBody>
+                    <a:bodyPr/>
+                    <a:lstStyle/>
+                    <a:p>
+                      <a:r>
+                        <a:rPr lang="de-DE" b="1" dirty="0" err="1">
+                          <a:solidFill>
+                            <a:schemeClr val="bg1"/>
+                          </a:solidFill>
+                        </a:rPr>
+                        <a:t>Cell</a:t>
+                      </a:r>
+                      <a:r>
+                        <a:rPr lang="de-DE" b="1" dirty="0">
+                          <a:solidFill>
+                            <a:schemeClr val="bg1"/>
+                          </a:solidFill>
+                        </a:rPr>
+                        <a:t> </a:t>
+                      </a:r>
+                      <a:r>
+                        <a:rPr lang="de-DE" b="1" dirty="0" err="1">
+                          <a:solidFill>
+                            <a:schemeClr val="bg1"/>
+                          </a:solidFill>
+                        </a:rPr>
+                        <a:t>lines</a:t>
+                      </a:r>
+                      <a:endParaRPr lang="de-DE" b="1" dirty="0">
+                        <a:solidFill>
+                          <a:schemeClr val="bg1"/>
+                        </a:solidFill>
+                      </a:endParaRPr>
+                    </a:p>
+                  </a:txBody>
+                  <a:tcPr>
+                    <a:solidFill>
+                      <a:schemeClr val="bg1">
+                        <a:lumMod val="65000"/>
+                      </a:schemeClr>
+                    </a:solidFill>
+                  </a:tcPr>
+                </a:tc>
+                <a:tc>
+                  <a:txBody>
+                    <a:bodyPr/>
+                    <a:lstStyle/>
+                    <a:p>
+                      <a:endParaRPr lang="de-DE" dirty="0"/>
+                    </a:p>
+                  </a:txBody>
+                  <a:tcPr/>
+                </a:tc>
+                <a:extLst>
+                  <a:ext uri="{0D108BD9-81ED-4DB2-BD59-A6C34878D82A}">
+                    <a16:rowId xmlns:a16="http://schemas.microsoft.com/office/drawing/2014/main" val="3913900156"/>
+                  </a:ext>
+                </a:extLst>
+              </a:tr>
+            </a:tbl>
+          </a:graphicData>
+        </a:graphic>
+      </p:graphicFrame>
+    </p:spTree>
+    <p:extLst>
+      <p:ext uri="{BB962C8B-B14F-4D97-AF65-F5344CB8AC3E}">
+        <p14:creationId xmlns:p14="http://schemas.microsoft.com/office/powerpoint/2010/main" val="1528850621"/>
       </p:ext>
     </p:extLst>
   </p:cSld>

--- a/project proposal.pptx
+++ b/project proposal.pptx
@@ -4,21 +4,25 @@
   <p:sldMasterIdLst>
     <p:sldMasterId id="2147483648" r:id="rId1"/>
   </p:sldMasterIdLst>
+  <p:notesMasterIdLst>
+    <p:notesMasterId r:id="rId17"/>
+  </p:notesMasterIdLst>
   <p:sldIdLst>
     <p:sldId id="256" r:id="rId2"/>
     <p:sldId id="259" r:id="rId3"/>
-    <p:sldId id="273" r:id="rId4"/>
-    <p:sldId id="258" r:id="rId5"/>
-    <p:sldId id="260" r:id="rId6"/>
-    <p:sldId id="265" r:id="rId7"/>
-    <p:sldId id="270" r:id="rId8"/>
-    <p:sldId id="264" r:id="rId9"/>
-    <p:sldId id="266" r:id="rId10"/>
-    <p:sldId id="268" r:id="rId11"/>
-    <p:sldId id="271" r:id="rId12"/>
-    <p:sldId id="272" r:id="rId13"/>
-    <p:sldId id="274" r:id="rId14"/>
-    <p:sldId id="257" r:id="rId15"/>
+    <p:sldId id="275" r:id="rId4"/>
+    <p:sldId id="276" r:id="rId5"/>
+    <p:sldId id="258" r:id="rId6"/>
+    <p:sldId id="260" r:id="rId7"/>
+    <p:sldId id="265" r:id="rId8"/>
+    <p:sldId id="270" r:id="rId9"/>
+    <p:sldId id="264" r:id="rId10"/>
+    <p:sldId id="266" r:id="rId11"/>
+    <p:sldId id="268" r:id="rId12"/>
+    <p:sldId id="271" r:id="rId13"/>
+    <p:sldId id="272" r:id="rId14"/>
+    <p:sldId id="274" r:id="rId15"/>
+    <p:sldId id="257" r:id="rId16"/>
   </p:sldIdLst>
   <p:sldSz cx="12192000" cy="6858000"/>
   <p:notesSz cx="6858000" cy="9144000"/>
@@ -125,6 +129,803 @@
 </p:presentation>
 </file>
 
+<file path=ppt/notesMasters/notesMaster1.xml><?xml version="1.0" encoding="utf-8"?>
+<p:notesMaster xmlns:a="http://schemas.openxmlformats.org/drawingml/2006/main" xmlns:r="http://schemas.openxmlformats.org/officeDocument/2006/relationships" xmlns:p="http://schemas.openxmlformats.org/presentationml/2006/main">
+  <p:cSld>
+    <p:bg>
+      <p:bgRef idx="1001">
+        <a:schemeClr val="bg1"/>
+      </p:bgRef>
+    </p:bg>
+    <p:spTree>
+      <p:nvGrpSpPr>
+        <p:cNvPr id="1" name=""/>
+        <p:cNvGrpSpPr/>
+        <p:nvPr/>
+      </p:nvGrpSpPr>
+      <p:grpSpPr>
+        <a:xfrm>
+          <a:off x="0" y="0"/>
+          <a:ext cx="0" cy="0"/>
+          <a:chOff x="0" y="0"/>
+          <a:chExt cx="0" cy="0"/>
+        </a:xfrm>
+      </p:grpSpPr>
+      <p:sp>
+        <p:nvSpPr>
+          <p:cNvPr id="2" name="Kopfzeilenplatzhalter 1"/>
+          <p:cNvSpPr>
+            <a:spLocks noGrp="1"/>
+          </p:cNvSpPr>
+          <p:nvPr>
+            <p:ph type="hdr" sz="quarter"/>
+          </p:nvPr>
+        </p:nvSpPr>
+        <p:spPr>
+          <a:xfrm>
+            <a:off x="0" y="0"/>
+            <a:ext cx="2971800" cy="458788"/>
+          </a:xfrm>
+          <a:prstGeom prst="rect">
+            <a:avLst/>
+          </a:prstGeom>
+        </p:spPr>
+        <p:txBody>
+          <a:bodyPr vert="horz" lIns="91440" tIns="45720" rIns="91440" bIns="45720" rtlCol="0"/>
+          <a:lstStyle>
+            <a:lvl1pPr algn="l">
+              <a:defRPr sz="1200"/>
+            </a:lvl1pPr>
+          </a:lstStyle>
+          <a:p>
+            <a:endParaRPr lang="de-DE"/>
+          </a:p>
+        </p:txBody>
+      </p:sp>
+      <p:sp>
+        <p:nvSpPr>
+          <p:cNvPr id="3" name="Datumsplatzhalter 2"/>
+          <p:cNvSpPr>
+            <a:spLocks noGrp="1"/>
+          </p:cNvSpPr>
+          <p:nvPr>
+            <p:ph type="dt" idx="1"/>
+          </p:nvPr>
+        </p:nvSpPr>
+        <p:spPr>
+          <a:xfrm>
+            <a:off x="3884613" y="0"/>
+            <a:ext cx="2971800" cy="458788"/>
+          </a:xfrm>
+          <a:prstGeom prst="rect">
+            <a:avLst/>
+          </a:prstGeom>
+        </p:spPr>
+        <p:txBody>
+          <a:bodyPr vert="horz" lIns="91440" tIns="45720" rIns="91440" bIns="45720" rtlCol="0"/>
+          <a:lstStyle>
+            <a:lvl1pPr algn="r">
+              <a:defRPr sz="1200"/>
+            </a:lvl1pPr>
+          </a:lstStyle>
+          <a:p>
+            <a:fld id="{2D208471-9AED-4261-89E0-12814E5E5A8B}" type="datetimeFigureOut">
+              <a:rPr lang="de-DE" smtClean="0"/>
+              <a:t>15.05.2023</a:t>
+            </a:fld>
+            <a:endParaRPr lang="de-DE"/>
+          </a:p>
+        </p:txBody>
+      </p:sp>
+      <p:sp>
+        <p:nvSpPr>
+          <p:cNvPr id="4" name="Folienbildplatzhalter 3"/>
+          <p:cNvSpPr>
+            <a:spLocks noGrp="1" noRot="1" noChangeAspect="1"/>
+          </p:cNvSpPr>
+          <p:nvPr>
+            <p:ph type="sldImg" idx="2"/>
+          </p:nvPr>
+        </p:nvSpPr>
+        <p:spPr>
+          <a:xfrm>
+            <a:off x="685800" y="1143000"/>
+            <a:ext cx="5486400" cy="3086100"/>
+          </a:xfrm>
+          <a:prstGeom prst="rect">
+            <a:avLst/>
+          </a:prstGeom>
+          <a:noFill/>
+          <a:ln w="12700">
+            <a:solidFill>
+              <a:prstClr val="black"/>
+            </a:solidFill>
+          </a:ln>
+        </p:spPr>
+        <p:txBody>
+          <a:bodyPr vert="horz" lIns="91440" tIns="45720" rIns="91440" bIns="45720" rtlCol="0" anchor="ctr"/>
+          <a:lstStyle/>
+          <a:p>
+            <a:endParaRPr lang="de-DE"/>
+          </a:p>
+        </p:txBody>
+      </p:sp>
+      <p:sp>
+        <p:nvSpPr>
+          <p:cNvPr id="5" name="Notizenplatzhalter 4"/>
+          <p:cNvSpPr>
+            <a:spLocks noGrp="1"/>
+          </p:cNvSpPr>
+          <p:nvPr>
+            <p:ph type="body" sz="quarter" idx="3"/>
+          </p:nvPr>
+        </p:nvSpPr>
+        <p:spPr>
+          <a:xfrm>
+            <a:off x="685800" y="4400550"/>
+            <a:ext cx="5486400" cy="3600450"/>
+          </a:xfrm>
+          <a:prstGeom prst="rect">
+            <a:avLst/>
+          </a:prstGeom>
+        </p:spPr>
+        <p:txBody>
+          <a:bodyPr vert="horz" lIns="91440" tIns="45720" rIns="91440" bIns="45720" rtlCol="0"/>
+          <a:lstStyle/>
+          <a:p>
+            <a:pPr lvl="0"/>
+            <a:r>
+              <a:rPr lang="de-DE"/>
+              <a:t>Mastertextformat bearbeiten</a:t>
+            </a:r>
+          </a:p>
+          <a:p>
+            <a:pPr lvl="1"/>
+            <a:r>
+              <a:rPr lang="de-DE"/>
+              <a:t>Zweite Ebene</a:t>
+            </a:r>
+          </a:p>
+          <a:p>
+            <a:pPr lvl="2"/>
+            <a:r>
+              <a:rPr lang="de-DE"/>
+              <a:t>Dritte Ebene</a:t>
+            </a:r>
+          </a:p>
+          <a:p>
+            <a:pPr lvl="3"/>
+            <a:r>
+              <a:rPr lang="de-DE"/>
+              <a:t>Vierte Ebene</a:t>
+            </a:r>
+          </a:p>
+          <a:p>
+            <a:pPr lvl="4"/>
+            <a:r>
+              <a:rPr lang="de-DE"/>
+              <a:t>Fünfte Ebene</a:t>
+            </a:r>
+          </a:p>
+        </p:txBody>
+      </p:sp>
+      <p:sp>
+        <p:nvSpPr>
+          <p:cNvPr id="6" name="Fußzeilenplatzhalter 5"/>
+          <p:cNvSpPr>
+            <a:spLocks noGrp="1"/>
+          </p:cNvSpPr>
+          <p:nvPr>
+            <p:ph type="ftr" sz="quarter" idx="4"/>
+          </p:nvPr>
+        </p:nvSpPr>
+        <p:spPr>
+          <a:xfrm>
+            <a:off x="0" y="8685213"/>
+            <a:ext cx="2971800" cy="458787"/>
+          </a:xfrm>
+          <a:prstGeom prst="rect">
+            <a:avLst/>
+          </a:prstGeom>
+        </p:spPr>
+        <p:txBody>
+          <a:bodyPr vert="horz" lIns="91440" tIns="45720" rIns="91440" bIns="45720" rtlCol="0" anchor="b"/>
+          <a:lstStyle>
+            <a:lvl1pPr algn="l">
+              <a:defRPr sz="1200"/>
+            </a:lvl1pPr>
+          </a:lstStyle>
+          <a:p>
+            <a:endParaRPr lang="de-DE"/>
+          </a:p>
+        </p:txBody>
+      </p:sp>
+      <p:sp>
+        <p:nvSpPr>
+          <p:cNvPr id="7" name="Foliennummernplatzhalter 6"/>
+          <p:cNvSpPr>
+            <a:spLocks noGrp="1"/>
+          </p:cNvSpPr>
+          <p:nvPr>
+            <p:ph type="sldNum" sz="quarter" idx="5"/>
+          </p:nvPr>
+        </p:nvSpPr>
+        <p:spPr>
+          <a:xfrm>
+            <a:off x="3884613" y="8685213"/>
+            <a:ext cx="2971800" cy="458787"/>
+          </a:xfrm>
+          <a:prstGeom prst="rect">
+            <a:avLst/>
+          </a:prstGeom>
+        </p:spPr>
+        <p:txBody>
+          <a:bodyPr vert="horz" lIns="91440" tIns="45720" rIns="91440" bIns="45720" rtlCol="0" anchor="b"/>
+          <a:lstStyle>
+            <a:lvl1pPr algn="r">
+              <a:defRPr sz="1200"/>
+            </a:lvl1pPr>
+          </a:lstStyle>
+          <a:p>
+            <a:fld id="{4A4EC913-459A-40DA-A3CA-E9F2E31122D3}" type="slidenum">
+              <a:rPr lang="de-DE" smtClean="0"/>
+              <a:t>‹Nr.›</a:t>
+            </a:fld>
+            <a:endParaRPr lang="de-DE"/>
+          </a:p>
+        </p:txBody>
+      </p:sp>
+    </p:spTree>
+    <p:extLst>
+      <p:ext uri="{BB962C8B-B14F-4D97-AF65-F5344CB8AC3E}">
+        <p14:creationId xmlns:p14="http://schemas.microsoft.com/office/powerpoint/2010/main" val="2558088605"/>
+      </p:ext>
+    </p:extLst>
+  </p:cSld>
+  <p:clrMap bg1="lt1" tx1="dk1" bg2="lt2" tx2="dk2" accent1="accent1" accent2="accent2" accent3="accent3" accent4="accent4" accent5="accent5" accent6="accent6" hlink="hlink" folHlink="folHlink"/>
+  <p:notesStyle>
+    <a:lvl1pPr marL="0" algn="l" defTabSz="914400" rtl="0" eaLnBrk="1" latinLnBrk="0" hangingPunct="1">
+      <a:defRPr sz="1200" kern="1200">
+        <a:solidFill>
+          <a:schemeClr val="tx1"/>
+        </a:solidFill>
+        <a:latin typeface="+mn-lt"/>
+        <a:ea typeface="+mn-ea"/>
+        <a:cs typeface="+mn-cs"/>
+      </a:defRPr>
+    </a:lvl1pPr>
+    <a:lvl2pPr marL="457200" algn="l" defTabSz="914400" rtl="0" eaLnBrk="1" latinLnBrk="0" hangingPunct="1">
+      <a:defRPr sz="1200" kern="1200">
+        <a:solidFill>
+          <a:schemeClr val="tx1"/>
+        </a:solidFill>
+        <a:latin typeface="+mn-lt"/>
+        <a:ea typeface="+mn-ea"/>
+        <a:cs typeface="+mn-cs"/>
+      </a:defRPr>
+    </a:lvl2pPr>
+    <a:lvl3pPr marL="914400" algn="l" defTabSz="914400" rtl="0" eaLnBrk="1" latinLnBrk="0" hangingPunct="1">
+      <a:defRPr sz="1200" kern="1200">
+        <a:solidFill>
+          <a:schemeClr val="tx1"/>
+        </a:solidFill>
+        <a:latin typeface="+mn-lt"/>
+        <a:ea typeface="+mn-ea"/>
+        <a:cs typeface="+mn-cs"/>
+      </a:defRPr>
+    </a:lvl3pPr>
+    <a:lvl4pPr marL="1371600" algn="l" defTabSz="914400" rtl="0" eaLnBrk="1" latinLnBrk="0" hangingPunct="1">
+      <a:defRPr sz="1200" kern="1200">
+        <a:solidFill>
+          <a:schemeClr val="tx1"/>
+        </a:solidFill>
+        <a:latin typeface="+mn-lt"/>
+        <a:ea typeface="+mn-ea"/>
+        <a:cs typeface="+mn-cs"/>
+      </a:defRPr>
+    </a:lvl4pPr>
+    <a:lvl5pPr marL="1828800" algn="l" defTabSz="914400" rtl="0" eaLnBrk="1" latinLnBrk="0" hangingPunct="1">
+      <a:defRPr sz="1200" kern="1200">
+        <a:solidFill>
+          <a:schemeClr val="tx1"/>
+        </a:solidFill>
+        <a:latin typeface="+mn-lt"/>
+        <a:ea typeface="+mn-ea"/>
+        <a:cs typeface="+mn-cs"/>
+      </a:defRPr>
+    </a:lvl5pPr>
+    <a:lvl6pPr marL="2286000" algn="l" defTabSz="914400" rtl="0" eaLnBrk="1" latinLnBrk="0" hangingPunct="1">
+      <a:defRPr sz="1200" kern="1200">
+        <a:solidFill>
+          <a:schemeClr val="tx1"/>
+        </a:solidFill>
+        <a:latin typeface="+mn-lt"/>
+        <a:ea typeface="+mn-ea"/>
+        <a:cs typeface="+mn-cs"/>
+      </a:defRPr>
+    </a:lvl6pPr>
+    <a:lvl7pPr marL="2743200" algn="l" defTabSz="914400" rtl="0" eaLnBrk="1" latinLnBrk="0" hangingPunct="1">
+      <a:defRPr sz="1200" kern="1200">
+        <a:solidFill>
+          <a:schemeClr val="tx1"/>
+        </a:solidFill>
+        <a:latin typeface="+mn-lt"/>
+        <a:ea typeface="+mn-ea"/>
+        <a:cs typeface="+mn-cs"/>
+      </a:defRPr>
+    </a:lvl7pPr>
+    <a:lvl8pPr marL="3200400" algn="l" defTabSz="914400" rtl="0" eaLnBrk="1" latinLnBrk="0" hangingPunct="1">
+      <a:defRPr sz="1200" kern="1200">
+        <a:solidFill>
+          <a:schemeClr val="tx1"/>
+        </a:solidFill>
+        <a:latin typeface="+mn-lt"/>
+        <a:ea typeface="+mn-ea"/>
+        <a:cs typeface="+mn-cs"/>
+      </a:defRPr>
+    </a:lvl8pPr>
+    <a:lvl9pPr marL="3657600" algn="l" defTabSz="914400" rtl="0" eaLnBrk="1" latinLnBrk="0" hangingPunct="1">
+      <a:defRPr sz="1200" kern="1200">
+        <a:solidFill>
+          <a:schemeClr val="tx1"/>
+        </a:solidFill>
+        <a:latin typeface="+mn-lt"/>
+        <a:ea typeface="+mn-ea"/>
+        <a:cs typeface="+mn-cs"/>
+      </a:defRPr>
+    </a:lvl9pPr>
+  </p:notesStyle>
+</p:notesMaster>
+</file>
+
+<file path=ppt/notesSlides/notesSlide1.xml><?xml version="1.0" encoding="utf-8"?>
+<p:notes xmlns:a="http://schemas.openxmlformats.org/drawingml/2006/main" xmlns:r="http://schemas.openxmlformats.org/officeDocument/2006/relationships" xmlns:p="http://schemas.openxmlformats.org/presentationml/2006/main">
+  <p:cSld>
+    <p:spTree>
+      <p:nvGrpSpPr>
+        <p:cNvPr id="1" name=""/>
+        <p:cNvGrpSpPr/>
+        <p:nvPr/>
+      </p:nvGrpSpPr>
+      <p:grpSpPr>
+        <a:xfrm>
+          <a:off x="0" y="0"/>
+          <a:ext cx="0" cy="0"/>
+          <a:chOff x="0" y="0"/>
+          <a:chExt cx="0" cy="0"/>
+        </a:xfrm>
+      </p:grpSpPr>
+      <p:sp>
+        <p:nvSpPr>
+          <p:cNvPr id="2" name="Folienbildplatzhalter 1"/>
+          <p:cNvSpPr>
+            <a:spLocks noGrp="1" noRot="1" noChangeAspect="1"/>
+          </p:cNvSpPr>
+          <p:nvPr>
+            <p:ph type="sldImg"/>
+          </p:nvPr>
+        </p:nvSpPr>
+        <p:spPr/>
+      </p:sp>
+      <p:sp>
+        <p:nvSpPr>
+          <p:cNvPr id="3" name="Notizenplatzhalter 2"/>
+          <p:cNvSpPr>
+            <a:spLocks noGrp="1"/>
+          </p:cNvSpPr>
+          <p:nvPr>
+            <p:ph type="body" idx="1"/>
+          </p:nvPr>
+        </p:nvSpPr>
+        <p:spPr/>
+        <p:txBody>
+          <a:bodyPr/>
+          <a:lstStyle/>
+          <a:p>
+            <a:r>
+              <a:rPr lang="de-DE" b="0" i="0" dirty="0" err="1">
+                <a:solidFill>
+                  <a:srgbClr val="1F2328"/>
+                </a:solidFill>
+                <a:effectLst/>
+                <a:latin typeface="-apple-system"/>
+              </a:rPr>
+              <a:t>drug</a:t>
+            </a:r>
+            <a:r>
+              <a:rPr lang="de-DE" b="0" i="0" dirty="0">
+                <a:solidFill>
+                  <a:srgbClr val="1F2328"/>
+                </a:solidFill>
+                <a:effectLst/>
+                <a:latin typeface="-apple-system"/>
+              </a:rPr>
+              <a:t> </a:t>
+            </a:r>
+            <a:r>
+              <a:rPr lang="de-DE" b="0" i="0" dirty="0" err="1">
+                <a:solidFill>
+                  <a:srgbClr val="1F2328"/>
+                </a:solidFill>
+                <a:effectLst/>
+                <a:latin typeface="-apple-system"/>
+              </a:rPr>
+              <a:t>repurposing</a:t>
+            </a:r>
+            <a:r>
+              <a:rPr lang="de-DE" b="0" i="0" dirty="0">
+                <a:solidFill>
+                  <a:srgbClr val="1F2328"/>
+                </a:solidFill>
+                <a:effectLst/>
+                <a:latin typeface="-apple-system"/>
+              </a:rPr>
+              <a:t>? </a:t>
+            </a:r>
+          </a:p>
+          <a:p>
+            <a:r>
+              <a:rPr lang="de-DE" b="0" i="0" dirty="0">
+                <a:solidFill>
+                  <a:srgbClr val="1F2328"/>
+                </a:solidFill>
+                <a:effectLst/>
+                <a:latin typeface="-apple-system"/>
+              </a:rPr>
+              <a:t>General </a:t>
+            </a:r>
+            <a:r>
+              <a:rPr lang="de-DE" b="0" i="0" dirty="0" err="1">
+                <a:solidFill>
+                  <a:srgbClr val="1F2328"/>
+                </a:solidFill>
+                <a:effectLst/>
+                <a:latin typeface="-apple-system"/>
+              </a:rPr>
+              <a:t>benefits</a:t>
+            </a:r>
+            <a:endParaRPr lang="de-DE" dirty="0"/>
+          </a:p>
+        </p:txBody>
+      </p:sp>
+      <p:sp>
+        <p:nvSpPr>
+          <p:cNvPr id="4" name="Foliennummernplatzhalter 3"/>
+          <p:cNvSpPr>
+            <a:spLocks noGrp="1"/>
+          </p:cNvSpPr>
+          <p:nvPr>
+            <p:ph type="sldNum" sz="quarter" idx="5"/>
+          </p:nvPr>
+        </p:nvSpPr>
+        <p:spPr/>
+        <p:txBody>
+          <a:bodyPr/>
+          <a:lstStyle/>
+          <a:p>
+            <a:fld id="{4A4EC913-459A-40DA-A3CA-E9F2E31122D3}" type="slidenum">
+              <a:rPr lang="de-DE" smtClean="0"/>
+              <a:t>2</a:t>
+            </a:fld>
+            <a:endParaRPr lang="de-DE"/>
+          </a:p>
+        </p:txBody>
+      </p:sp>
+    </p:spTree>
+    <p:extLst>
+      <p:ext uri="{BB962C8B-B14F-4D97-AF65-F5344CB8AC3E}">
+        <p14:creationId xmlns:p14="http://schemas.microsoft.com/office/powerpoint/2010/main" val="287303236"/>
+      </p:ext>
+    </p:extLst>
+  </p:cSld>
+  <p:clrMapOvr>
+    <a:masterClrMapping/>
+  </p:clrMapOvr>
+</p:notes>
+</file>
+
+<file path=ppt/notesSlides/notesSlide2.xml><?xml version="1.0" encoding="utf-8"?>
+<p:notes xmlns:a="http://schemas.openxmlformats.org/drawingml/2006/main" xmlns:r="http://schemas.openxmlformats.org/officeDocument/2006/relationships" xmlns:p="http://schemas.openxmlformats.org/presentationml/2006/main">
+  <p:cSld>
+    <p:spTree>
+      <p:nvGrpSpPr>
+        <p:cNvPr id="1" name=""/>
+        <p:cNvGrpSpPr/>
+        <p:nvPr/>
+      </p:nvGrpSpPr>
+      <p:grpSpPr>
+        <a:xfrm>
+          <a:off x="0" y="0"/>
+          <a:ext cx="0" cy="0"/>
+          <a:chOff x="0" y="0"/>
+          <a:chExt cx="0" cy="0"/>
+        </a:xfrm>
+      </p:grpSpPr>
+      <p:sp>
+        <p:nvSpPr>
+          <p:cNvPr id="2" name="Folienbildplatzhalter 1"/>
+          <p:cNvSpPr>
+            <a:spLocks noGrp="1" noRot="1" noChangeAspect="1"/>
+          </p:cNvSpPr>
+          <p:nvPr>
+            <p:ph type="sldImg"/>
+          </p:nvPr>
+        </p:nvSpPr>
+        <p:spPr/>
+      </p:sp>
+      <p:sp>
+        <p:nvSpPr>
+          <p:cNvPr id="3" name="Notizenplatzhalter 2"/>
+          <p:cNvSpPr>
+            <a:spLocks noGrp="1"/>
+          </p:cNvSpPr>
+          <p:nvPr>
+            <p:ph type="body" idx="1"/>
+          </p:nvPr>
+        </p:nvSpPr>
+        <p:spPr/>
+        <p:txBody>
+          <a:bodyPr/>
+          <a:lstStyle/>
+          <a:p>
+            <a:pPr marL="228600" indent="-228600">
+              <a:buFont typeface="+mj-lt"/>
+              <a:buAutoNum type="arabicPeriod"/>
+            </a:pPr>
+            <a:r>
+              <a:rPr lang="en-US" b="0" i="0" dirty="0">
+                <a:solidFill>
+                  <a:srgbClr val="222222"/>
+                </a:solidFill>
+                <a:effectLst/>
+                <a:latin typeface="Harding"/>
+              </a:rPr>
+              <a:t>24-base-pair DNA barcodes encoded within lentiviruses are stably integrated into individual tumor cell lines after </a:t>
+            </a:r>
+            <a:r>
+              <a:rPr lang="en-US" b="0" i="0" dirty="0" err="1">
+                <a:solidFill>
+                  <a:srgbClr val="222222"/>
+                </a:solidFill>
+                <a:effectLst/>
+                <a:latin typeface="Harding"/>
+              </a:rPr>
+              <a:t>blasticidin</a:t>
+            </a:r>
+            <a:r>
+              <a:rPr lang="en-US" b="0" i="0" dirty="0">
+                <a:solidFill>
+                  <a:srgbClr val="222222"/>
+                </a:solidFill>
+                <a:effectLst/>
+                <a:latin typeface="Harding"/>
+              </a:rPr>
+              <a:t> selection, </a:t>
+            </a:r>
+          </a:p>
+          <a:p>
+            <a:pPr marL="228600" indent="-228600">
+              <a:buFont typeface="+mj-lt"/>
+              <a:buAutoNum type="arabicPeriod"/>
+            </a:pPr>
+            <a:r>
+              <a:rPr lang="en-US" b="0" i="0" dirty="0">
+                <a:solidFill>
+                  <a:srgbClr val="222222"/>
+                </a:solidFill>
+                <a:effectLst/>
+                <a:latin typeface="Harding"/>
+              </a:rPr>
+              <a:t>barcoded cell lines are individually frozen and later thawed to </a:t>
+            </a:r>
+          </a:p>
+          <a:p>
+            <a:pPr marL="228600" indent="-228600">
+              <a:buFont typeface="+mj-lt"/>
+              <a:buAutoNum type="arabicPeriod"/>
+            </a:pPr>
+            <a:r>
+              <a:rPr lang="en-US" b="0" i="0" dirty="0">
+                <a:solidFill>
+                  <a:srgbClr val="222222"/>
+                </a:solidFill>
+                <a:effectLst/>
+                <a:latin typeface="Harding"/>
+              </a:rPr>
+              <a:t>generate mixtures of equal numbers of barcoded cell lines, which are frozen again. </a:t>
+            </a:r>
+          </a:p>
+          <a:p>
+            <a:pPr marL="228600" indent="-228600">
+              <a:buFont typeface="+mj-lt"/>
+              <a:buAutoNum type="arabicPeriod"/>
+            </a:pPr>
+            <a:r>
+              <a:rPr lang="en-US" b="0" i="0" dirty="0">
+                <a:solidFill>
+                  <a:srgbClr val="222222"/>
+                </a:solidFill>
+                <a:effectLst/>
+                <a:latin typeface="Harding"/>
+              </a:rPr>
+              <a:t>Thawed mixtures are plated and then </a:t>
+            </a:r>
+            <a:r>
+              <a:rPr lang="en-US" b="0" i="0" dirty="0" err="1">
+                <a:solidFill>
+                  <a:srgbClr val="222222"/>
+                </a:solidFill>
+                <a:effectLst/>
+                <a:latin typeface="Harding"/>
+              </a:rPr>
+              <a:t>rearrayed</a:t>
+            </a:r>
+            <a:r>
+              <a:rPr lang="en-US" b="0" i="0" dirty="0">
+                <a:solidFill>
+                  <a:srgbClr val="222222"/>
+                </a:solidFill>
+                <a:effectLst/>
+                <a:latin typeface="Harding"/>
+              </a:rPr>
+              <a:t> into tissue culture assay plates. </a:t>
+            </a:r>
+          </a:p>
+          <a:p>
+            <a:pPr marL="228600" indent="-228600">
+              <a:buFont typeface="+mj-lt"/>
+              <a:buAutoNum type="arabicPeriod"/>
+            </a:pPr>
+            <a:r>
+              <a:rPr lang="en-US" b="0" i="0" dirty="0">
+                <a:solidFill>
+                  <a:srgbClr val="222222"/>
+                </a:solidFill>
+                <a:effectLst/>
+                <a:latin typeface="Harding"/>
+              </a:rPr>
+              <a:t>Mixtures are treated with test compounds or vehicle (DMSO) controls. </a:t>
+            </a:r>
+          </a:p>
+          <a:p>
+            <a:pPr marL="228600" indent="-228600">
+              <a:buFont typeface="+mj-lt"/>
+              <a:buAutoNum type="arabicPeriod"/>
+            </a:pPr>
+            <a:r>
+              <a:rPr lang="en-US" b="0" i="0" dirty="0">
+                <a:solidFill>
+                  <a:srgbClr val="222222"/>
+                </a:solidFill>
+                <a:effectLst/>
+                <a:latin typeface="Harding"/>
+              </a:rPr>
+              <a:t>At assay conclusion, genomic DNA is harvested from the mixture of remaining viable cells. </a:t>
+            </a:r>
+          </a:p>
+          <a:p>
+            <a:pPr marL="228600" indent="-228600">
+              <a:buFont typeface="+mj-lt"/>
+              <a:buAutoNum type="arabicPeriod"/>
+            </a:pPr>
+            <a:r>
+              <a:rPr lang="en-US" b="0" i="0" dirty="0">
+                <a:solidFill>
+                  <a:srgbClr val="222222"/>
+                </a:solidFill>
+                <a:effectLst/>
+                <a:latin typeface="Harding"/>
+              </a:rPr>
+              <a:t>Barcode sequences are amplified using PCR and universal primers (one of which is biotinylated), and </a:t>
+            </a:r>
+          </a:p>
+          <a:p>
+            <a:pPr marL="228600" indent="-228600">
+              <a:buFont typeface="+mj-lt"/>
+              <a:buAutoNum type="arabicPeriod"/>
+            </a:pPr>
+            <a:r>
+              <a:rPr lang="en-US" b="0" i="0" dirty="0">
+                <a:solidFill>
+                  <a:srgbClr val="222222"/>
+                </a:solidFill>
+                <a:effectLst/>
+                <a:latin typeface="Harding"/>
+              </a:rPr>
+              <a:t>amplified sequences are hybridized to individual microbeads harboring antisense barcode sequences and then to streptavidin-phycoerythrin. </a:t>
+            </a:r>
+          </a:p>
+          <a:p>
+            <a:pPr marL="228600" indent="-228600">
+              <a:buFont typeface="+mj-lt"/>
+              <a:buAutoNum type="arabicPeriod"/>
+            </a:pPr>
+            <a:r>
+              <a:rPr lang="en-US" b="0" i="0" dirty="0">
+                <a:solidFill>
+                  <a:srgbClr val="222222"/>
+                </a:solidFill>
+                <a:effectLst/>
+                <a:latin typeface="Harding"/>
+              </a:rPr>
+              <a:t>A Luminex </a:t>
+            </a:r>
+            <a:r>
+              <a:rPr lang="en-US" b="0" i="0" dirty="0" err="1">
+                <a:solidFill>
+                  <a:srgbClr val="222222"/>
+                </a:solidFill>
+                <a:effectLst/>
+                <a:latin typeface="Harding"/>
+              </a:rPr>
+              <a:t>FlexMap</a:t>
+            </a:r>
+            <a:r>
+              <a:rPr lang="en-US" b="0" i="0" dirty="0">
+                <a:solidFill>
+                  <a:srgbClr val="222222"/>
+                </a:solidFill>
+                <a:effectLst/>
+                <a:latin typeface="Harding"/>
+              </a:rPr>
+              <a:t> detector quantitates fluorescence signal for each bead. </a:t>
+            </a:r>
+          </a:p>
+          <a:p>
+            <a:pPr marL="228600" indent="-228600">
+              <a:buFont typeface="+mj-lt"/>
+              <a:buAutoNum type="arabicPeriod"/>
+            </a:pPr>
+            <a:r>
+              <a:rPr lang="en-US" b="0" i="0" dirty="0">
+                <a:solidFill>
+                  <a:srgbClr val="222222"/>
+                </a:solidFill>
+                <a:effectLst/>
+                <a:latin typeface="Harding"/>
+              </a:rPr>
+              <a:t>To adjust for differing barcoding efficiencies and differing cell doubling, the signal for each barcoded cell line is scaled to that of vehicle-treated control, thus demonstrating relative inhibition profiles for specific test compounds across multiple cell lines in mixture.</a:t>
+            </a:r>
+            <a:endParaRPr lang="de-DE" dirty="0"/>
+          </a:p>
+        </p:txBody>
+      </p:sp>
+      <p:sp>
+        <p:nvSpPr>
+          <p:cNvPr id="4" name="Foliennummernplatzhalter 3"/>
+          <p:cNvSpPr>
+            <a:spLocks noGrp="1"/>
+          </p:cNvSpPr>
+          <p:nvPr>
+            <p:ph type="sldNum" sz="quarter" idx="5"/>
+          </p:nvPr>
+        </p:nvSpPr>
+        <p:spPr/>
+        <p:txBody>
+          <a:bodyPr/>
+          <a:lstStyle/>
+          <a:p>
+            <a:fld id="{4A4EC913-459A-40DA-A3CA-E9F2E31122D3}" type="slidenum">
+              <a:rPr lang="de-DE" smtClean="0"/>
+              <a:t>6</a:t>
+            </a:fld>
+            <a:endParaRPr lang="de-DE"/>
+          </a:p>
+        </p:txBody>
+      </p:sp>
+    </p:spTree>
+    <p:extLst>
+      <p:ext uri="{BB962C8B-B14F-4D97-AF65-F5344CB8AC3E}">
+        <p14:creationId xmlns:p14="http://schemas.microsoft.com/office/powerpoint/2010/main" val="3397492271"/>
+      </p:ext>
+    </p:extLst>
+  </p:cSld>
+  <p:clrMapOvr>
+    <a:masterClrMapping/>
+  </p:clrMapOvr>
+</p:notes>
+</file>
+
 <file path=ppt/slideLayouts/slideLayout1.xml><?xml version="1.0" encoding="utf-8"?>
 <p:sldLayout xmlns:a="http://schemas.openxmlformats.org/drawingml/2006/main" xmlns:r="http://schemas.openxmlformats.org/officeDocument/2006/relationships" xmlns:p="http://schemas.openxmlformats.org/presentationml/2006/main" type="title" preserve="1">
   <p:cSld name="Titelfolie">
@@ -272,7 +1073,7 @@
           <a:p>
             <a:fld id="{49A5E4FC-89D0-4339-892C-A891E8BB8202}" type="datetimeFigureOut">
               <a:rPr lang="de-DE" smtClean="0"/>
-              <a:t>14.05.2023</a:t>
+              <a:t>15.05.2023</a:t>
             </a:fld>
             <a:endParaRPr lang="de-DE"/>
           </a:p>
@@ -470,7 +1271,7 @@
           <a:p>
             <a:fld id="{49A5E4FC-89D0-4339-892C-A891E8BB8202}" type="datetimeFigureOut">
               <a:rPr lang="de-DE" smtClean="0"/>
-              <a:t>14.05.2023</a:t>
+              <a:t>15.05.2023</a:t>
             </a:fld>
             <a:endParaRPr lang="de-DE"/>
           </a:p>
@@ -678,7 +1479,7 @@
           <a:p>
             <a:fld id="{49A5E4FC-89D0-4339-892C-A891E8BB8202}" type="datetimeFigureOut">
               <a:rPr lang="de-DE" smtClean="0"/>
-              <a:t>14.05.2023</a:t>
+              <a:t>15.05.2023</a:t>
             </a:fld>
             <a:endParaRPr lang="de-DE"/>
           </a:p>
@@ -897,7 +1698,7 @@
           <a:p>
             <a:fld id="{49A5E4FC-89D0-4339-892C-A891E8BB8202}" type="datetimeFigureOut">
               <a:rPr lang="de-DE" smtClean="0"/>
-              <a:t>14.05.2023</a:t>
+              <a:t>15.05.2023</a:t>
             </a:fld>
             <a:endParaRPr lang="de-DE"/>
           </a:p>
@@ -1187,7 +1988,7 @@
           <a:p>
             <a:fld id="{49A5E4FC-89D0-4339-892C-A891E8BB8202}" type="datetimeFigureOut">
               <a:rPr lang="de-DE" smtClean="0"/>
-              <a:t>14.05.2023</a:t>
+              <a:t>15.05.2023</a:t>
             </a:fld>
             <a:endParaRPr lang="de-DE"/>
           </a:p>
@@ -1452,7 +2253,7 @@
           <a:p>
             <a:fld id="{49A5E4FC-89D0-4339-892C-A891E8BB8202}" type="datetimeFigureOut">
               <a:rPr lang="de-DE" smtClean="0"/>
-              <a:t>14.05.2023</a:t>
+              <a:t>15.05.2023</a:t>
             </a:fld>
             <a:endParaRPr lang="de-DE"/>
           </a:p>
@@ -1864,7 +2665,7 @@
           <a:p>
             <a:fld id="{49A5E4FC-89D0-4339-892C-A891E8BB8202}" type="datetimeFigureOut">
               <a:rPr lang="de-DE" smtClean="0"/>
-              <a:t>14.05.2023</a:t>
+              <a:t>15.05.2023</a:t>
             </a:fld>
             <a:endParaRPr lang="de-DE"/>
           </a:p>
@@ -2005,7 +2806,7 @@
           <a:p>
             <a:fld id="{49A5E4FC-89D0-4339-892C-A891E8BB8202}" type="datetimeFigureOut">
               <a:rPr lang="de-DE" smtClean="0"/>
-              <a:t>14.05.2023</a:t>
+              <a:t>15.05.2023</a:t>
             </a:fld>
             <a:endParaRPr lang="de-DE"/>
           </a:p>
@@ -2118,7 +2919,7 @@
           <a:p>
             <a:fld id="{49A5E4FC-89D0-4339-892C-A891E8BB8202}" type="datetimeFigureOut">
               <a:rPr lang="de-DE" smtClean="0"/>
-              <a:t>14.05.2023</a:t>
+              <a:t>15.05.2023</a:t>
             </a:fld>
             <a:endParaRPr lang="de-DE"/>
           </a:p>
@@ -2429,7 +3230,7 @@
           <a:p>
             <a:fld id="{49A5E4FC-89D0-4339-892C-A891E8BB8202}" type="datetimeFigureOut">
               <a:rPr lang="de-DE" smtClean="0"/>
-              <a:t>14.05.2023</a:t>
+              <a:t>15.05.2023</a:t>
             </a:fld>
             <a:endParaRPr lang="de-DE"/>
           </a:p>
@@ -2717,7 +3518,7 @@
           <a:p>
             <a:fld id="{49A5E4FC-89D0-4339-892C-A891E8BB8202}" type="datetimeFigureOut">
               <a:rPr lang="de-DE" smtClean="0"/>
-              <a:t>14.05.2023</a:t>
+              <a:t>15.05.2023</a:t>
             </a:fld>
             <a:endParaRPr lang="de-DE"/>
           </a:p>
@@ -2958,7 +3759,7 @@
           <a:p>
             <a:fld id="{49A5E4FC-89D0-4339-892C-A891E8BB8202}" type="datetimeFigureOut">
               <a:rPr lang="de-DE" smtClean="0"/>
-              <a:t>14.05.2023</a:t>
+              <a:t>15.05.2023</a:t>
             </a:fld>
             <a:endParaRPr lang="de-DE"/>
           </a:p>
@@ -3610,6 +4411,246 @@
       </p:grpSpPr>
       <p:sp>
         <p:nvSpPr>
+          <p:cNvPr id="2" name="Titel 1">
+            <a:extLst>
+              <a:ext uri="{FF2B5EF4-FFF2-40B4-BE49-F238E27FC236}">
+                <a16:creationId xmlns:a16="http://schemas.microsoft.com/office/drawing/2014/main" id="{EA79D227-51F1-8762-A9A1-4CEE300E4BEB}"/>
+              </a:ext>
+            </a:extLst>
+          </p:cNvPr>
+          <p:cNvSpPr>
+            <a:spLocks noGrp="1"/>
+          </p:cNvSpPr>
+          <p:nvPr>
+            <p:ph type="title"/>
+          </p:nvPr>
+        </p:nvSpPr>
+        <p:spPr/>
+        <p:txBody>
+          <a:bodyPr/>
+          <a:lstStyle/>
+          <a:p>
+            <a:r>
+              <a:rPr lang="de-DE" dirty="0" err="1"/>
+              <a:t>prism.drug.means</a:t>
+            </a:r>
+            <a:endParaRPr lang="de-DE" dirty="0"/>
+          </a:p>
+        </p:txBody>
+      </p:sp>
+      <p:pic>
+        <p:nvPicPr>
+          <p:cNvPr id="5" name="Inhaltsplatzhalter 4">
+            <a:extLst>
+              <a:ext uri="{FF2B5EF4-FFF2-40B4-BE49-F238E27FC236}">
+                <a16:creationId xmlns:a16="http://schemas.microsoft.com/office/drawing/2014/main" id="{2A839A62-E503-E2A7-39FD-C7807537F1F2}"/>
+              </a:ext>
+            </a:extLst>
+          </p:cNvPr>
+          <p:cNvPicPr>
+            <a:picLocks noGrp="1" noChangeAspect="1"/>
+          </p:cNvPicPr>
+          <p:nvPr>
+            <p:ph idx="1"/>
+          </p:nvPr>
+        </p:nvPicPr>
+        <p:blipFill>
+          <a:blip r:embed="rId2">
+            <a:extLst>
+              <a:ext uri="{28A0092B-C50C-407E-A947-70E740481C1C}">
+                <a14:useLocalDpi xmlns:a14="http://schemas.microsoft.com/office/drawing/2010/main" val="0"/>
+              </a:ext>
+            </a:extLst>
+          </a:blip>
+          <a:stretch>
+            <a:fillRect/>
+          </a:stretch>
+        </p:blipFill>
+        <p:spPr>
+          <a:xfrm>
+            <a:off x="408992" y="2782161"/>
+            <a:ext cx="6141098" cy="3794321"/>
+          </a:xfrm>
+        </p:spPr>
+      </p:pic>
+      <p:graphicFrame>
+        <p:nvGraphicFramePr>
+          <p:cNvPr id="7" name="Inhaltsplatzhalter 7">
+            <a:extLst>
+              <a:ext uri="{FF2B5EF4-FFF2-40B4-BE49-F238E27FC236}">
+                <a16:creationId xmlns:a16="http://schemas.microsoft.com/office/drawing/2014/main" id="{E998CCA8-6D09-5153-71D3-930CD39606E7}"/>
+              </a:ext>
+            </a:extLst>
+          </p:cNvPr>
+          <p:cNvGraphicFramePr>
+            <a:graphicFrameLocks/>
+          </p:cNvGraphicFramePr>
+          <p:nvPr>
+            <p:extLst>
+              <p:ext uri="{D42A27DB-BD31-4B8C-83A1-F6EECF244321}">
+                <p14:modId xmlns:p14="http://schemas.microsoft.com/office/powerpoint/2010/main" val="1571976438"/>
+              </p:ext>
+            </p:extLst>
+          </p:nvPr>
+        </p:nvGraphicFramePr>
+        <p:xfrm>
+          <a:off x="838200" y="1556238"/>
+          <a:ext cx="4396273" cy="741680"/>
+        </p:xfrm>
+        <a:graphic>
+          <a:graphicData uri="http://schemas.openxmlformats.org/drawingml/2006/table">
+            <a:tbl>
+              <a:tblPr firstRow="1" bandRow="1">
+                <a:tableStyleId>{F5AB1C69-6EDB-4FF4-983F-18BD219EF322}</a:tableStyleId>
+              </a:tblPr>
+              <a:tblGrid>
+                <a:gridCol w="1427445">
+                  <a:extLst>
+                    <a:ext uri="{9D8B030D-6E8A-4147-A177-3AD203B41FA5}">
+                      <a16:colId xmlns:a16="http://schemas.microsoft.com/office/drawing/2014/main" val="1690613930"/>
+                    </a:ext>
+                  </a:extLst>
+                </a:gridCol>
+                <a:gridCol w="2968828">
+                  <a:extLst>
+                    <a:ext uri="{9D8B030D-6E8A-4147-A177-3AD203B41FA5}">
+                      <a16:colId xmlns:a16="http://schemas.microsoft.com/office/drawing/2014/main" val="981900185"/>
+                    </a:ext>
+                  </a:extLst>
+                </a:gridCol>
+              </a:tblGrid>
+              <a:tr h="370840">
+                <a:tc>
+                  <a:txBody>
+                    <a:bodyPr/>
+                    <a:lstStyle/>
+                    <a:p>
+                      <a:endParaRPr lang="de-DE" dirty="0"/>
+                    </a:p>
+                  </a:txBody>
+                  <a:tcPr/>
+                </a:tc>
+                <a:tc>
+                  <a:txBody>
+                    <a:bodyPr/>
+                    <a:lstStyle/>
+                    <a:p>
+                      <a:r>
+                        <a:rPr lang="de-DE" dirty="0"/>
+                        <a:t>Treatment </a:t>
+                      </a:r>
+                      <a:r>
+                        <a:rPr lang="de-DE" dirty="0" err="1"/>
+                        <a:t>mean</a:t>
+                      </a:r>
+                      <a:endParaRPr lang="de-DE" dirty="0"/>
+                    </a:p>
+                  </a:txBody>
+                  <a:tcPr/>
+                </a:tc>
+                <a:extLst>
+                  <a:ext uri="{0D108BD9-81ED-4DB2-BD59-A6C34878D82A}">
+                    <a16:rowId xmlns:a16="http://schemas.microsoft.com/office/drawing/2014/main" val="1940948449"/>
+                  </a:ext>
+                </a:extLst>
+              </a:tr>
+              <a:tr h="370840">
+                <a:tc>
+                  <a:txBody>
+                    <a:bodyPr/>
+                    <a:lstStyle/>
+                    <a:p>
+                      <a:r>
+                        <a:rPr lang="de-DE" b="1" dirty="0" err="1">
+                          <a:solidFill>
+                            <a:schemeClr val="bg1"/>
+                          </a:solidFill>
+                        </a:rPr>
+                        <a:t>Cell</a:t>
+                      </a:r>
+                      <a:r>
+                        <a:rPr lang="de-DE" b="1" dirty="0">
+                          <a:solidFill>
+                            <a:schemeClr val="bg1"/>
+                          </a:solidFill>
+                        </a:rPr>
+                        <a:t> </a:t>
+                      </a:r>
+                      <a:r>
+                        <a:rPr lang="de-DE" b="1" dirty="0" err="1">
+                          <a:solidFill>
+                            <a:schemeClr val="bg1"/>
+                          </a:solidFill>
+                        </a:rPr>
+                        <a:t>lines</a:t>
+                      </a:r>
+                      <a:endParaRPr lang="de-DE" b="1" dirty="0">
+                        <a:solidFill>
+                          <a:schemeClr val="bg1"/>
+                        </a:solidFill>
+                      </a:endParaRPr>
+                    </a:p>
+                  </a:txBody>
+                  <a:tcPr>
+                    <a:solidFill>
+                      <a:schemeClr val="bg1">
+                        <a:lumMod val="65000"/>
+                      </a:schemeClr>
+                    </a:solidFill>
+                  </a:tcPr>
+                </a:tc>
+                <a:tc>
+                  <a:txBody>
+                    <a:bodyPr/>
+                    <a:lstStyle/>
+                    <a:p>
+                      <a:endParaRPr lang="de-DE" dirty="0"/>
+                    </a:p>
+                  </a:txBody>
+                  <a:tcPr/>
+                </a:tc>
+                <a:extLst>
+                  <a:ext uri="{0D108BD9-81ED-4DB2-BD59-A6C34878D82A}">
+                    <a16:rowId xmlns:a16="http://schemas.microsoft.com/office/drawing/2014/main" val="3913900156"/>
+                  </a:ext>
+                </a:extLst>
+              </a:tr>
+            </a:tbl>
+          </a:graphicData>
+        </a:graphic>
+      </p:graphicFrame>
+    </p:spTree>
+    <p:extLst>
+      <p:ext uri="{BB962C8B-B14F-4D97-AF65-F5344CB8AC3E}">
+        <p14:creationId xmlns:p14="http://schemas.microsoft.com/office/powerpoint/2010/main" val="1528850621"/>
+      </p:ext>
+    </p:extLst>
+  </p:cSld>
+  <p:clrMapOvr>
+    <a:masterClrMapping/>
+  </p:clrMapOvr>
+</p:sld>
+</file>
+
+<file path=ppt/slides/slide11.xml><?xml version="1.0" encoding="utf-8"?>
+<p:sld xmlns:a="http://schemas.openxmlformats.org/drawingml/2006/main" xmlns:r="http://schemas.openxmlformats.org/officeDocument/2006/relationships" xmlns:p="http://schemas.openxmlformats.org/presentationml/2006/main">
+  <p:cSld>
+    <p:spTree>
+      <p:nvGrpSpPr>
+        <p:cNvPr id="1" name=""/>
+        <p:cNvGrpSpPr/>
+        <p:nvPr/>
+      </p:nvGrpSpPr>
+      <p:grpSpPr>
+        <a:xfrm>
+          <a:off x="0" y="0"/>
+          <a:ext cx="0" cy="0"/>
+          <a:chOff x="0" y="0"/>
+          <a:chExt cx="0" cy="0"/>
+        </a:xfrm>
+      </p:grpSpPr>
+      <p:sp>
+        <p:nvSpPr>
           <p:cNvPr id="6" name="Inhaltsplatzhalter 5">
             <a:extLst>
               <a:ext uri="{FF2B5EF4-FFF2-40B4-BE49-F238E27FC236}">
@@ -3926,7 +4967,7 @@
 </p:sld>
 </file>
 
-<file path=ppt/slides/slide11.xml><?xml version="1.0" encoding="utf-8"?>
+<file path=ppt/slides/slide12.xml><?xml version="1.0" encoding="utf-8"?>
 <p:sld xmlns:a="http://schemas.openxmlformats.org/drawingml/2006/main" xmlns:r="http://schemas.openxmlformats.org/officeDocument/2006/relationships" xmlns:p="http://schemas.openxmlformats.org/presentationml/2006/main">
   <p:cSld>
     <p:spTree>
@@ -4261,7 +5302,7 @@
 </p:sld>
 </file>
 
-<file path=ppt/slides/slide12.xml><?xml version="1.0" encoding="utf-8"?>
+<file path=ppt/slides/slide13.xml><?xml version="1.0" encoding="utf-8"?>
 <p:sld xmlns:a="http://schemas.openxmlformats.org/drawingml/2006/main" xmlns:r="http://schemas.openxmlformats.org/officeDocument/2006/relationships" xmlns:p="http://schemas.openxmlformats.org/presentationml/2006/main">
   <p:cSld>
     <p:spTree>
@@ -4299,13 +5340,31 @@
           <a:bodyPr/>
           <a:lstStyle/>
           <a:p>
-            <a:pPr marL="0" indent="0">
-              <a:buNone/>
-            </a:pPr>
             <a:r>
               <a:rPr lang="de-DE" dirty="0"/>
               <a:t> </a:t>
             </a:r>
+            <a:r>
+              <a:rPr lang="de-DE" dirty="0" err="1"/>
+              <a:t>cell</a:t>
+            </a:r>
+            <a:r>
+              <a:rPr lang="de-DE" dirty="0"/>
+              <a:t> </a:t>
+            </a:r>
+            <a:r>
+              <a:rPr lang="de-DE" dirty="0" err="1"/>
+              <a:t>line</a:t>
+            </a:r>
+            <a:r>
+              <a:rPr lang="de-DE" dirty="0"/>
+              <a:t> </a:t>
+            </a:r>
+            <a:r>
+              <a:rPr lang="de-DE" dirty="0" err="1"/>
+              <a:t>informations</a:t>
+            </a:r>
+            <a:endParaRPr lang="de-DE" dirty="0"/>
           </a:p>
         </p:txBody>
       </p:sp>
@@ -4353,19 +5412,237 @@
         </p:nvPicPr>
         <p:blipFill rotWithShape="1">
           <a:blip r:embed="rId2"/>
-          <a:srcRect b="64035"/>
+          <a:srcRect t="7197" b="64035"/>
           <a:stretch/>
         </p:blipFill>
         <p:spPr>
           <a:xfrm>
-            <a:off x="271603" y="1431849"/>
-            <a:ext cx="11648793" cy="2542991"/>
+            <a:off x="271603" y="2873829"/>
+            <a:ext cx="11648793" cy="2034072"/>
           </a:xfrm>
           <a:prstGeom prst="rect">
             <a:avLst/>
           </a:prstGeom>
         </p:spPr>
       </p:pic>
+      <p:sp>
+        <p:nvSpPr>
+          <p:cNvPr id="3" name="Inhaltsplatzhalter 2">
+            <a:extLst>
+              <a:ext uri="{FF2B5EF4-FFF2-40B4-BE49-F238E27FC236}">
+                <a16:creationId xmlns:a16="http://schemas.microsoft.com/office/drawing/2014/main" id="{13135DA9-B2B9-182E-40B8-926AD412400B}"/>
+              </a:ext>
+            </a:extLst>
+          </p:cNvPr>
+          <p:cNvSpPr txBox="1">
+            <a:spLocks/>
+          </p:cNvSpPr>
+          <p:nvPr/>
+        </p:nvSpPr>
+        <p:spPr>
+          <a:xfrm>
+            <a:off x="990600" y="1708638"/>
+            <a:ext cx="10515600" cy="4620725"/>
+          </a:xfrm>
+          <a:prstGeom prst="rect">
+            <a:avLst/>
+          </a:prstGeom>
+        </p:spPr>
+        <p:txBody>
+          <a:bodyPr vert="horz" lIns="91440" tIns="45720" rIns="91440" bIns="45720" rtlCol="0">
+            <a:noAutofit/>
+          </a:bodyPr>
+          <a:lstStyle>
+            <a:lvl1pPr marL="228600" indent="-228600" algn="l" defTabSz="914400" rtl="0" eaLnBrk="1" latinLnBrk="0" hangingPunct="1">
+              <a:lnSpc>
+                <a:spcPct val="90000"/>
+              </a:lnSpc>
+              <a:spcBef>
+                <a:spcPts val="1000"/>
+              </a:spcBef>
+              <a:buFont typeface="Arial" panose="020B0604020202020204" pitchFamily="34" charset="0"/>
+              <a:buChar char="•"/>
+              <a:defRPr sz="2800" kern="1200">
+                <a:solidFill>
+                  <a:schemeClr val="tx1"/>
+                </a:solidFill>
+                <a:latin typeface="+mn-lt"/>
+                <a:ea typeface="+mn-ea"/>
+                <a:cs typeface="+mn-cs"/>
+              </a:defRPr>
+            </a:lvl1pPr>
+            <a:lvl2pPr marL="685800" indent="-228600" algn="l" defTabSz="914400" rtl="0" eaLnBrk="1" latinLnBrk="0" hangingPunct="1">
+              <a:lnSpc>
+                <a:spcPct val="90000"/>
+              </a:lnSpc>
+              <a:spcBef>
+                <a:spcPts val="500"/>
+              </a:spcBef>
+              <a:buFont typeface="Arial" panose="020B0604020202020204" pitchFamily="34" charset="0"/>
+              <a:buChar char="•"/>
+              <a:defRPr sz="2400" kern="1200">
+                <a:solidFill>
+                  <a:schemeClr val="tx1"/>
+                </a:solidFill>
+                <a:latin typeface="+mn-lt"/>
+                <a:ea typeface="+mn-ea"/>
+                <a:cs typeface="+mn-cs"/>
+              </a:defRPr>
+            </a:lvl2pPr>
+            <a:lvl3pPr marL="1143000" indent="-228600" algn="l" defTabSz="914400" rtl="0" eaLnBrk="1" latinLnBrk="0" hangingPunct="1">
+              <a:lnSpc>
+                <a:spcPct val="90000"/>
+              </a:lnSpc>
+              <a:spcBef>
+                <a:spcPts val="500"/>
+              </a:spcBef>
+              <a:buFont typeface="Arial" panose="020B0604020202020204" pitchFamily="34" charset="0"/>
+              <a:buChar char="•"/>
+              <a:defRPr sz="2000" kern="1200">
+                <a:solidFill>
+                  <a:schemeClr val="tx1"/>
+                </a:solidFill>
+                <a:latin typeface="+mn-lt"/>
+                <a:ea typeface="+mn-ea"/>
+                <a:cs typeface="+mn-cs"/>
+              </a:defRPr>
+            </a:lvl3pPr>
+            <a:lvl4pPr marL="1600200" indent="-228600" algn="l" defTabSz="914400" rtl="0" eaLnBrk="1" latinLnBrk="0" hangingPunct="1">
+              <a:lnSpc>
+                <a:spcPct val="90000"/>
+              </a:lnSpc>
+              <a:spcBef>
+                <a:spcPts val="500"/>
+              </a:spcBef>
+              <a:buFont typeface="Arial" panose="020B0604020202020204" pitchFamily="34" charset="0"/>
+              <a:buChar char="•"/>
+              <a:defRPr sz="1800" kern="1200">
+                <a:solidFill>
+                  <a:schemeClr val="tx1"/>
+                </a:solidFill>
+                <a:latin typeface="+mn-lt"/>
+                <a:ea typeface="+mn-ea"/>
+                <a:cs typeface="+mn-cs"/>
+              </a:defRPr>
+            </a:lvl4pPr>
+            <a:lvl5pPr marL="2057400" indent="-228600" algn="l" defTabSz="914400" rtl="0" eaLnBrk="1" latinLnBrk="0" hangingPunct="1">
+              <a:lnSpc>
+                <a:spcPct val="90000"/>
+              </a:lnSpc>
+              <a:spcBef>
+                <a:spcPts val="500"/>
+              </a:spcBef>
+              <a:buFont typeface="Arial" panose="020B0604020202020204" pitchFamily="34" charset="0"/>
+              <a:buChar char="•"/>
+              <a:defRPr sz="1800" kern="1200">
+                <a:solidFill>
+                  <a:schemeClr val="tx1"/>
+                </a:solidFill>
+                <a:latin typeface="+mn-lt"/>
+                <a:ea typeface="+mn-ea"/>
+                <a:cs typeface="+mn-cs"/>
+              </a:defRPr>
+            </a:lvl5pPr>
+            <a:lvl6pPr marL="2514600" indent="-228600" algn="l" defTabSz="914400" rtl="0" eaLnBrk="1" latinLnBrk="0" hangingPunct="1">
+              <a:lnSpc>
+                <a:spcPct val="90000"/>
+              </a:lnSpc>
+              <a:spcBef>
+                <a:spcPts val="500"/>
+              </a:spcBef>
+              <a:buFont typeface="Arial" panose="020B0604020202020204" pitchFamily="34" charset="0"/>
+              <a:buChar char="•"/>
+              <a:defRPr sz="1800" kern="1200">
+                <a:solidFill>
+                  <a:schemeClr val="tx1"/>
+                </a:solidFill>
+                <a:latin typeface="+mn-lt"/>
+                <a:ea typeface="+mn-ea"/>
+                <a:cs typeface="+mn-cs"/>
+              </a:defRPr>
+            </a:lvl6pPr>
+            <a:lvl7pPr marL="2971800" indent="-228600" algn="l" defTabSz="914400" rtl="0" eaLnBrk="1" latinLnBrk="0" hangingPunct="1">
+              <a:lnSpc>
+                <a:spcPct val="90000"/>
+              </a:lnSpc>
+              <a:spcBef>
+                <a:spcPts val="500"/>
+              </a:spcBef>
+              <a:buFont typeface="Arial" panose="020B0604020202020204" pitchFamily="34" charset="0"/>
+              <a:buChar char="•"/>
+              <a:defRPr sz="1800" kern="1200">
+                <a:solidFill>
+                  <a:schemeClr val="tx1"/>
+                </a:solidFill>
+                <a:latin typeface="+mn-lt"/>
+                <a:ea typeface="+mn-ea"/>
+                <a:cs typeface="+mn-cs"/>
+              </a:defRPr>
+            </a:lvl7pPr>
+            <a:lvl8pPr marL="3429000" indent="-228600" algn="l" defTabSz="914400" rtl="0" eaLnBrk="1" latinLnBrk="0" hangingPunct="1">
+              <a:lnSpc>
+                <a:spcPct val="90000"/>
+              </a:lnSpc>
+              <a:spcBef>
+                <a:spcPts val="500"/>
+              </a:spcBef>
+              <a:buFont typeface="Arial" panose="020B0604020202020204" pitchFamily="34" charset="0"/>
+              <a:buChar char="•"/>
+              <a:defRPr sz="1800" kern="1200">
+                <a:solidFill>
+                  <a:schemeClr val="tx1"/>
+                </a:solidFill>
+                <a:latin typeface="+mn-lt"/>
+                <a:ea typeface="+mn-ea"/>
+                <a:cs typeface="+mn-cs"/>
+              </a:defRPr>
+            </a:lvl8pPr>
+            <a:lvl9pPr marL="3886200" indent="-228600" algn="l" defTabSz="914400" rtl="0" eaLnBrk="1" latinLnBrk="0" hangingPunct="1">
+              <a:lnSpc>
+                <a:spcPct val="90000"/>
+              </a:lnSpc>
+              <a:spcBef>
+                <a:spcPts val="500"/>
+              </a:spcBef>
+              <a:buFont typeface="Arial" panose="020B0604020202020204" pitchFamily="34" charset="0"/>
+              <a:buChar char="•"/>
+              <a:defRPr sz="1800" kern="1200">
+                <a:solidFill>
+                  <a:schemeClr val="tx1"/>
+                </a:solidFill>
+                <a:latin typeface="+mn-lt"/>
+                <a:ea typeface="+mn-ea"/>
+                <a:cs typeface="+mn-cs"/>
+              </a:defRPr>
+            </a:lvl9pPr>
+          </a:lstStyle>
+          <a:p>
+            <a:pPr marL="0" indent="0">
+              <a:lnSpc>
+                <a:spcPct val="120000"/>
+              </a:lnSpc>
+              <a:spcBef>
+                <a:spcPts val="300"/>
+              </a:spcBef>
+              <a:spcAft>
+                <a:spcPts val="800"/>
+              </a:spcAft>
+              <a:buSzPts val="1000"/>
+              <a:buNone/>
+              <a:tabLst>
+                <a:tab pos="457200" algn="l"/>
+              </a:tabLst>
+            </a:pPr>
+            <a:endParaRPr lang="de-DE" sz="1400" b="1" kern="100" dirty="0">
+              <a:solidFill>
+                <a:srgbClr val="294E1C"/>
+              </a:solidFill>
+              <a:ea typeface="Times New Roman" panose="02020603050405020304" pitchFamily="18" charset="0"/>
+              <a:cs typeface="Arial" panose="020B0604020202020204" pitchFamily="34" charset="0"/>
+            </a:endParaRPr>
+          </a:p>
+        </p:txBody>
+      </p:sp>
     </p:spTree>
     <p:extLst>
       <p:ext uri="{BB962C8B-B14F-4D97-AF65-F5344CB8AC3E}">
@@ -4379,7 +5656,7 @@
 </p:sld>
 </file>
 
-<file path=ppt/slides/slide13.xml><?xml version="1.0" encoding="utf-8"?>
+<file path=ppt/slides/slide14.xml><?xml version="1.0" encoding="utf-8"?>
 <p:sld xmlns:a="http://schemas.openxmlformats.org/drawingml/2006/main" xmlns:r="http://schemas.openxmlformats.org/officeDocument/2006/relationships" xmlns:p="http://schemas.openxmlformats.org/presentationml/2006/main">
   <p:cSld>
     <p:spTree>
@@ -4614,7 +5891,7 @@
 </p:sld>
 </file>
 
-<file path=ppt/slides/slide14.xml><?xml version="1.0" encoding="utf-8"?>
+<file path=ppt/slides/slide15.xml><?xml version="1.0" encoding="utf-8"?>
 <p:sld xmlns:a="http://schemas.openxmlformats.org/drawingml/2006/main" xmlns:r="http://schemas.openxmlformats.org/officeDocument/2006/relationships" xmlns:p="http://schemas.openxmlformats.org/presentationml/2006/main">
   <p:cSld>
     <p:spTree>
@@ -4888,14 +6165,21 @@
           <a:lstStyle/>
           <a:p>
             <a:r>
+              <a:rPr lang="de-DE" dirty="0" err="1"/>
+              <a:t>Steps</a:t>
+            </a:r>
+            <a:r>
               <a:rPr lang="de-DE" dirty="0"/>
-              <a:t>Next </a:t>
+              <a:t> and </a:t>
             </a:r>
             <a:r>
               <a:rPr lang="de-DE" dirty="0" err="1"/>
-              <a:t>steps</a:t>
-            </a:r>
-            <a:endParaRPr lang="de-DE" dirty="0"/>
+              <a:t>to-do‘s</a:t>
+            </a:r>
+            <a:r>
+              <a:rPr lang="de-DE" dirty="0"/>
+              <a:t> </a:t>
+            </a:r>
           </a:p>
         </p:txBody>
       </p:sp>
@@ -4917,316 +6201,1387 @@
         </p:nvSpPr>
         <p:spPr/>
         <p:txBody>
-          <a:bodyPr/>
+          <a:bodyPr>
+            <a:noAutofit/>
+          </a:bodyPr>
           <a:lstStyle/>
           <a:p>
-            <a:pPr marL="514350" indent="-514350">
+            <a:pPr>
+              <a:lnSpc>
+                <a:spcPct val="100000"/>
+              </a:lnSpc>
+              <a:spcBef>
+                <a:spcPts val="200"/>
+              </a:spcBef>
               <a:buFont typeface="+mj-lt"/>
               <a:buAutoNum type="arabicPeriod"/>
             </a:pPr>
             <a:r>
-              <a:rPr lang="de-DE" dirty="0"/>
-              <a:t>Loss </a:t>
-            </a:r>
-            <a:r>
-              <a:rPr lang="de-DE" dirty="0" err="1"/>
+              <a:rPr lang="de-DE" sz="1400" b="1" kern="100" dirty="0">
+                <a:solidFill>
+                  <a:srgbClr val="294E1C"/>
+                </a:solidFill>
+                <a:effectLst/>
+                <a:ea typeface="Times New Roman" panose="02020603050405020304" pitchFamily="18" charset="0"/>
+                <a:cs typeface="Arial" panose="020B0604020202020204" pitchFamily="34" charset="0"/>
+              </a:rPr>
+              <a:t>Data </a:t>
+            </a:r>
+            <a:r>
+              <a:rPr lang="de-DE" sz="1400" b="1" kern="100" dirty="0" err="1">
+                <a:solidFill>
+                  <a:srgbClr val="294E1C"/>
+                </a:solidFill>
+                <a:effectLst/>
+                <a:ea typeface="Times New Roman" panose="02020603050405020304" pitchFamily="18" charset="0"/>
+                <a:cs typeface="Arial" panose="020B0604020202020204" pitchFamily="34" charset="0"/>
+              </a:rPr>
+              <a:t>cleanup</a:t>
+            </a:r>
+            <a:endParaRPr lang="de-DE" sz="1400" b="1" kern="100" dirty="0">
+              <a:solidFill>
+                <a:srgbClr val="294E1C"/>
+              </a:solidFill>
+              <a:effectLst/>
+              <a:ea typeface="Times New Roman" panose="02020603050405020304" pitchFamily="18" charset="0"/>
+              <a:cs typeface="Arial" panose="020B0604020202020204" pitchFamily="34" charset="0"/>
+            </a:endParaRPr>
+          </a:p>
+          <a:p>
+            <a:pPr lvl="1">
+              <a:lnSpc>
+                <a:spcPct val="100000"/>
+              </a:lnSpc>
+              <a:spcBef>
+                <a:spcPts val="200"/>
+              </a:spcBef>
+            </a:pPr>
+            <a:r>
+              <a:rPr lang="de-DE" sz="1400" kern="100" dirty="0" err="1">
+                <a:solidFill>
+                  <a:srgbClr val="1F2328"/>
+                </a:solidFill>
+                <a:effectLst/>
+                <a:ea typeface="Arial" panose="020B0604020202020204" pitchFamily="34" charset="0"/>
+                <a:cs typeface="Arial" panose="020B0604020202020204" pitchFamily="34" charset="0"/>
+              </a:rPr>
+              <a:t>Removing</a:t>
+            </a:r>
+            <a:r>
+              <a:rPr lang="de-DE" sz="1400" kern="100" dirty="0">
+                <a:solidFill>
+                  <a:srgbClr val="1F2328"/>
+                </a:solidFill>
+                <a:effectLst/>
+                <a:ea typeface="Arial" panose="020B0604020202020204" pitchFamily="34" charset="0"/>
+                <a:cs typeface="Arial" panose="020B0604020202020204" pitchFamily="34" charset="0"/>
+              </a:rPr>
+              <a:t> </a:t>
+            </a:r>
+            <a:r>
+              <a:rPr lang="de-DE" sz="1400" kern="100" dirty="0" err="1">
+                <a:solidFill>
+                  <a:srgbClr val="1F2328"/>
+                </a:solidFill>
+                <a:effectLst/>
+                <a:ea typeface="Arial" panose="020B0604020202020204" pitchFamily="34" charset="0"/>
+                <a:cs typeface="Arial" panose="020B0604020202020204" pitchFamily="34" charset="0"/>
+              </a:rPr>
+              <a:t>missing</a:t>
+            </a:r>
+            <a:r>
+              <a:rPr lang="de-DE" sz="1400" kern="100" dirty="0">
+                <a:solidFill>
+                  <a:srgbClr val="1F2328"/>
+                </a:solidFill>
+                <a:effectLst/>
+                <a:ea typeface="Arial" panose="020B0604020202020204" pitchFamily="34" charset="0"/>
+                <a:cs typeface="Arial" panose="020B0604020202020204" pitchFamily="34" charset="0"/>
+              </a:rPr>
+              <a:t> </a:t>
+            </a:r>
+            <a:r>
+              <a:rPr lang="de-DE" sz="1400" kern="100" dirty="0" err="1">
+                <a:solidFill>
+                  <a:srgbClr val="1F2328"/>
+                </a:solidFill>
+                <a:effectLst/>
+                <a:ea typeface="Arial" panose="020B0604020202020204" pitchFamily="34" charset="0"/>
+                <a:cs typeface="Arial" panose="020B0604020202020204" pitchFamily="34" charset="0"/>
+              </a:rPr>
+              <a:t>values</a:t>
+            </a:r>
+            <a:r>
+              <a:rPr lang="de-DE" sz="1400" kern="100" dirty="0">
+                <a:solidFill>
+                  <a:srgbClr val="1F2328"/>
+                </a:solidFill>
+                <a:effectLst/>
+                <a:ea typeface="Arial" panose="020B0604020202020204" pitchFamily="34" charset="0"/>
+                <a:cs typeface="Arial" panose="020B0604020202020204" pitchFamily="34" charset="0"/>
+              </a:rPr>
+              <a:t>  </a:t>
+            </a:r>
+            <a:r>
+              <a:rPr lang="de-DE" sz="1400" kern="100" dirty="0" err="1">
+                <a:solidFill>
+                  <a:srgbClr val="1F2328"/>
+                </a:solidFill>
+                <a:effectLst/>
+                <a:ea typeface="Arial" panose="020B0604020202020204" pitchFamily="34" charset="0"/>
+                <a:cs typeface="Arial" panose="020B0604020202020204" pitchFamily="34" charset="0"/>
+              </a:rPr>
+              <a:t>or</a:t>
+            </a:r>
+            <a:r>
+              <a:rPr lang="de-DE" sz="1400" kern="100" dirty="0">
+                <a:solidFill>
+                  <a:srgbClr val="1F2328"/>
+                </a:solidFill>
+                <a:effectLst/>
+                <a:ea typeface="Arial" panose="020B0604020202020204" pitchFamily="34" charset="0"/>
+                <a:cs typeface="Arial" panose="020B0604020202020204" pitchFamily="34" charset="0"/>
+              </a:rPr>
+              <a:t> </a:t>
+            </a:r>
+            <a:r>
+              <a:rPr lang="de-DE" sz="1400" kern="100" dirty="0" err="1">
+                <a:solidFill>
+                  <a:srgbClr val="1F2328"/>
+                </a:solidFill>
+                <a:effectLst/>
+                <a:ea typeface="Arial" panose="020B0604020202020204" pitchFamily="34" charset="0"/>
+                <a:cs typeface="Arial" panose="020B0604020202020204" pitchFamily="34" charset="0"/>
+              </a:rPr>
+              <a:t>Imputing</a:t>
+            </a:r>
+            <a:r>
+              <a:rPr lang="de-DE" sz="1400" kern="100" dirty="0">
+                <a:solidFill>
+                  <a:srgbClr val="1F2328"/>
+                </a:solidFill>
+                <a:effectLst/>
+                <a:ea typeface="Arial" panose="020B0604020202020204" pitchFamily="34" charset="0"/>
+                <a:cs typeface="Arial" panose="020B0604020202020204" pitchFamily="34" charset="0"/>
+              </a:rPr>
+              <a:t> </a:t>
+            </a:r>
+            <a:r>
+              <a:rPr lang="de-DE" sz="1400" kern="100" dirty="0" err="1">
+                <a:solidFill>
+                  <a:srgbClr val="1F2328"/>
+                </a:solidFill>
+                <a:effectLst/>
+                <a:ea typeface="Arial" panose="020B0604020202020204" pitchFamily="34" charset="0"/>
+                <a:cs typeface="Arial" panose="020B0604020202020204" pitchFamily="34" charset="0"/>
+              </a:rPr>
+              <a:t>missing</a:t>
+            </a:r>
+            <a:r>
+              <a:rPr lang="de-DE" sz="1400" kern="100" dirty="0">
+                <a:solidFill>
+                  <a:srgbClr val="1F2328"/>
+                </a:solidFill>
+                <a:effectLst/>
+                <a:ea typeface="Arial" panose="020B0604020202020204" pitchFamily="34" charset="0"/>
+                <a:cs typeface="Arial" panose="020B0604020202020204" pitchFamily="34" charset="0"/>
+              </a:rPr>
+              <a:t> </a:t>
+            </a:r>
+            <a:r>
+              <a:rPr lang="de-DE" sz="1400" kern="100" dirty="0" err="1">
+                <a:solidFill>
+                  <a:srgbClr val="1F2328"/>
+                </a:solidFill>
+                <a:effectLst/>
+                <a:ea typeface="Arial" panose="020B0604020202020204" pitchFamily="34" charset="0"/>
+                <a:cs typeface="Arial" panose="020B0604020202020204" pitchFamily="34" charset="0"/>
+              </a:rPr>
+              <a:t>values</a:t>
+            </a:r>
+            <a:endParaRPr lang="de-DE" sz="1400" kern="100" dirty="0">
+              <a:solidFill>
+                <a:srgbClr val="1F2328"/>
+              </a:solidFill>
+              <a:effectLst/>
+              <a:ea typeface="Arial" panose="020B0604020202020204" pitchFamily="34" charset="0"/>
+              <a:cs typeface="Arial" panose="020B0604020202020204" pitchFamily="34" charset="0"/>
+            </a:endParaRPr>
+          </a:p>
+          <a:p>
+            <a:pPr lvl="1">
+              <a:lnSpc>
+                <a:spcPct val="100000"/>
+              </a:lnSpc>
+              <a:spcBef>
+                <a:spcPts val="200"/>
+              </a:spcBef>
+            </a:pPr>
+            <a:r>
+              <a:rPr lang="de-DE" sz="1400" i="1" dirty="0" err="1">
+                <a:solidFill>
+                  <a:srgbClr val="C00000"/>
+                </a:solidFill>
+              </a:rPr>
+              <a:t>Is</a:t>
+            </a:r>
+            <a:r>
+              <a:rPr lang="de-DE" sz="1400" i="1" dirty="0">
+                <a:solidFill>
+                  <a:srgbClr val="C00000"/>
+                </a:solidFill>
+              </a:rPr>
+              <a:t> </a:t>
+            </a:r>
+            <a:r>
+              <a:rPr lang="de-DE" sz="1400" i="1" dirty="0" err="1">
+                <a:solidFill>
+                  <a:srgbClr val="C00000"/>
+                </a:solidFill>
+              </a:rPr>
+              <a:t>there</a:t>
+            </a:r>
+            <a:r>
+              <a:rPr lang="de-DE" sz="1400" i="1" dirty="0">
+                <a:solidFill>
+                  <a:srgbClr val="C00000"/>
+                </a:solidFill>
+              </a:rPr>
+              <a:t> </a:t>
+            </a:r>
+            <a:r>
+              <a:rPr lang="de-DE" sz="1400" i="1" dirty="0" err="1">
+                <a:solidFill>
+                  <a:srgbClr val="C00000"/>
+                </a:solidFill>
+              </a:rPr>
+              <a:t>any</a:t>
+            </a:r>
+            <a:r>
+              <a:rPr lang="de-DE" sz="1400" i="1" dirty="0">
+                <a:solidFill>
+                  <a:srgbClr val="C00000"/>
+                </a:solidFill>
+              </a:rPr>
+              <a:t> </a:t>
+            </a:r>
+            <a:r>
+              <a:rPr lang="de-DE" sz="1400" i="1" dirty="0" err="1">
+                <a:solidFill>
+                  <a:srgbClr val="C00000"/>
+                </a:solidFill>
+              </a:rPr>
+              <a:t>loss</a:t>
+            </a:r>
+            <a:r>
+              <a:rPr lang="de-DE" sz="1400" i="1" dirty="0">
+                <a:solidFill>
+                  <a:srgbClr val="C00000"/>
+                </a:solidFill>
+              </a:rPr>
+              <a:t> </a:t>
+            </a:r>
+            <a:r>
+              <a:rPr lang="de-DE" sz="1400" i="1" dirty="0" err="1">
+                <a:solidFill>
+                  <a:srgbClr val="C00000"/>
+                </a:solidFill>
+              </a:rPr>
               <a:t>of</a:t>
             </a:r>
             <a:r>
-              <a:rPr lang="de-DE" dirty="0"/>
+              <a:rPr lang="de-DE" sz="1400" i="1" dirty="0">
+                <a:solidFill>
+                  <a:srgbClr val="C00000"/>
+                </a:solidFill>
+              </a:rPr>
               <a:t> </a:t>
             </a:r>
             <a:r>
-              <a:rPr lang="de-DE" dirty="0" err="1"/>
+              <a:rPr lang="de-DE" sz="1400" i="1" dirty="0" err="1">
+                <a:solidFill>
+                  <a:srgbClr val="C00000"/>
+                </a:solidFill>
+              </a:rPr>
               <a:t>information</a:t>
             </a:r>
             <a:r>
-              <a:rPr lang="de-DE" dirty="0"/>
+              <a:rPr lang="de-DE" sz="1400" i="1" dirty="0">
+                <a:solidFill>
+                  <a:srgbClr val="C00000"/>
+                </a:solidFill>
+              </a:rPr>
               <a:t> </a:t>
             </a:r>
             <a:r>
-              <a:rPr lang="de-DE" dirty="0" err="1"/>
+              <a:rPr lang="de-DE" sz="1400" i="1" dirty="0" err="1">
+                <a:solidFill>
+                  <a:srgbClr val="C00000"/>
+                </a:solidFill>
+              </a:rPr>
               <a:t>if</a:t>
             </a:r>
             <a:r>
-              <a:rPr lang="de-DE" dirty="0"/>
+              <a:rPr lang="de-DE" sz="1400" i="1" dirty="0">
+                <a:solidFill>
+                  <a:srgbClr val="C00000"/>
+                </a:solidFill>
+              </a:rPr>
               <a:t> </a:t>
             </a:r>
             <a:r>
-              <a:rPr lang="de-DE" dirty="0" err="1"/>
+              <a:rPr lang="de-DE" sz="1400" i="1" dirty="0" err="1">
+                <a:solidFill>
+                  <a:srgbClr val="C00000"/>
+                </a:solidFill>
+              </a:rPr>
               <a:t>we</a:t>
             </a:r>
             <a:r>
-              <a:rPr lang="de-DE" dirty="0"/>
+              <a:rPr lang="de-DE" sz="1400" i="1" dirty="0">
+                <a:solidFill>
+                  <a:srgbClr val="C00000"/>
+                </a:solidFill>
+              </a:rPr>
               <a:t> </a:t>
             </a:r>
             <a:r>
-              <a:rPr lang="de-DE" dirty="0" err="1"/>
+              <a:rPr lang="de-DE" sz="1400" i="1" dirty="0" err="1">
+                <a:solidFill>
+                  <a:srgbClr val="C00000"/>
+                </a:solidFill>
+              </a:rPr>
               <a:t>condense</a:t>
             </a:r>
             <a:r>
-              <a:rPr lang="de-DE" dirty="0"/>
+              <a:rPr lang="de-DE" sz="1400" i="1" dirty="0">
+                <a:solidFill>
+                  <a:srgbClr val="C00000"/>
+                </a:solidFill>
+              </a:rPr>
               <a:t> </a:t>
             </a:r>
             <a:r>
-              <a:rPr lang="de-DE" dirty="0" err="1"/>
+              <a:rPr lang="de-DE" sz="1400" i="1" dirty="0" err="1">
+                <a:solidFill>
+                  <a:srgbClr val="C00000"/>
+                </a:solidFill>
+              </a:rPr>
               <a:t>prism</a:t>
             </a:r>
             <a:r>
-              <a:rPr lang="de-DE" dirty="0"/>
+              <a:rPr lang="de-DE" sz="1400" i="1" dirty="0">
+                <a:solidFill>
+                  <a:srgbClr val="C00000"/>
+                </a:solidFill>
+              </a:rPr>
               <a:t> </a:t>
             </a:r>
             <a:r>
-              <a:rPr lang="de-DE" dirty="0" err="1"/>
+              <a:rPr lang="de-DE" sz="1400" i="1" dirty="0" err="1">
+                <a:solidFill>
+                  <a:srgbClr val="C00000"/>
+                </a:solidFill>
+              </a:rPr>
               <a:t>to</a:t>
             </a:r>
             <a:r>
-              <a:rPr lang="de-DE" dirty="0"/>
+              <a:rPr lang="de-DE" sz="1400" i="1" dirty="0">
+                <a:solidFill>
+                  <a:srgbClr val="C00000"/>
+                </a:solidFill>
+              </a:rPr>
               <a:t> </a:t>
             </a:r>
             <a:r>
-              <a:rPr lang="de-DE" dirty="0" err="1"/>
+              <a:rPr lang="de-DE" sz="1400" i="1" dirty="0" err="1">
+                <a:solidFill>
+                  <a:srgbClr val="C00000"/>
+                </a:solidFill>
+              </a:rPr>
               <a:t>prism.drug.means</a:t>
             </a:r>
             <a:r>
-              <a:rPr lang="de-DE" dirty="0"/>
+              <a:rPr lang="de-DE" sz="1400" i="1" dirty="0">
+                <a:solidFill>
+                  <a:srgbClr val="C00000"/>
+                </a:solidFill>
+              </a:rPr>
               <a:t>?</a:t>
             </a:r>
-          </a:p>
-          <a:p>
-            <a:pPr marL="514350" indent="-514350">
+            <a:endParaRPr lang="de-DE" sz="1400" kern="100" dirty="0">
+              <a:solidFill>
+                <a:srgbClr val="C00000"/>
+              </a:solidFill>
+              <a:effectLst/>
+              <a:ea typeface="Arial" panose="020B0604020202020204" pitchFamily="34" charset="0"/>
+              <a:cs typeface="Arial" panose="020B0604020202020204" pitchFamily="34" charset="0"/>
+            </a:endParaRPr>
+          </a:p>
+          <a:p>
+            <a:pPr lvl="1">
+              <a:lnSpc>
+                <a:spcPct val="100000"/>
+              </a:lnSpc>
+              <a:spcBef>
+                <a:spcPts val="200"/>
+              </a:spcBef>
+            </a:pPr>
+            <a:r>
+              <a:rPr lang="de-DE" sz="1400" kern="100" dirty="0" err="1">
+                <a:solidFill>
+                  <a:srgbClr val="1F2328"/>
+                </a:solidFill>
+                <a:effectLst/>
+                <a:ea typeface="Arial" panose="020B0604020202020204" pitchFamily="34" charset="0"/>
+                <a:cs typeface="Arial" panose="020B0604020202020204" pitchFamily="34" charset="0"/>
+              </a:rPr>
+              <a:t>Removing</a:t>
+            </a:r>
+            <a:r>
+              <a:rPr lang="de-DE" sz="1400" kern="100" dirty="0">
+                <a:solidFill>
+                  <a:srgbClr val="1F2328"/>
+                </a:solidFill>
+                <a:effectLst/>
+                <a:ea typeface="Arial" panose="020B0604020202020204" pitchFamily="34" charset="0"/>
+                <a:cs typeface="Arial" panose="020B0604020202020204" pitchFamily="34" charset="0"/>
+              </a:rPr>
+              <a:t> </a:t>
+            </a:r>
+            <a:r>
+              <a:rPr lang="de-DE" sz="1400" kern="100" dirty="0" err="1">
+                <a:solidFill>
+                  <a:srgbClr val="1F2328"/>
+                </a:solidFill>
+                <a:effectLst/>
+                <a:ea typeface="Arial" panose="020B0604020202020204" pitchFamily="34" charset="0"/>
+                <a:cs typeface="Arial" panose="020B0604020202020204" pitchFamily="34" charset="0"/>
+              </a:rPr>
+              <a:t>low</a:t>
+            </a:r>
+            <a:r>
+              <a:rPr lang="de-DE" sz="1400" kern="100" dirty="0">
+                <a:solidFill>
+                  <a:srgbClr val="1F2328"/>
+                </a:solidFill>
+                <a:effectLst/>
+                <a:ea typeface="Arial" panose="020B0604020202020204" pitchFamily="34" charset="0"/>
+                <a:cs typeface="Arial" panose="020B0604020202020204" pitchFamily="34" charset="0"/>
+              </a:rPr>
+              <a:t> </a:t>
+            </a:r>
+            <a:r>
+              <a:rPr lang="de-DE" sz="1400" kern="100" dirty="0" err="1">
+                <a:solidFill>
+                  <a:srgbClr val="1F2328"/>
+                </a:solidFill>
+                <a:effectLst/>
+                <a:ea typeface="Arial" panose="020B0604020202020204" pitchFamily="34" charset="0"/>
+                <a:cs typeface="Arial" panose="020B0604020202020204" pitchFamily="34" charset="0"/>
+              </a:rPr>
+              <a:t>variance</a:t>
+            </a:r>
+            <a:r>
+              <a:rPr lang="de-DE" sz="1400" kern="100" dirty="0">
+                <a:solidFill>
+                  <a:srgbClr val="1F2328"/>
+                </a:solidFill>
+                <a:effectLst/>
+                <a:ea typeface="Arial" panose="020B0604020202020204" pitchFamily="34" charset="0"/>
+                <a:cs typeface="Arial" panose="020B0604020202020204" pitchFamily="34" charset="0"/>
+              </a:rPr>
+              <a:t> </a:t>
+            </a:r>
+            <a:r>
+              <a:rPr lang="de-DE" sz="1400" kern="100" dirty="0" err="1">
+                <a:solidFill>
+                  <a:srgbClr val="1F2328"/>
+                </a:solidFill>
+                <a:effectLst/>
+                <a:ea typeface="Arial" panose="020B0604020202020204" pitchFamily="34" charset="0"/>
+                <a:cs typeface="Arial" panose="020B0604020202020204" pitchFamily="34" charset="0"/>
+              </a:rPr>
+              <a:t>columns</a:t>
+            </a:r>
+            <a:r>
+              <a:rPr lang="de-DE" sz="1400" kern="100" dirty="0">
+                <a:solidFill>
+                  <a:srgbClr val="1F2328"/>
+                </a:solidFill>
+                <a:effectLst/>
+                <a:ea typeface="Arial" panose="020B0604020202020204" pitchFamily="34" charset="0"/>
+                <a:cs typeface="Arial" panose="020B0604020202020204" pitchFamily="34" charset="0"/>
+              </a:rPr>
+              <a:t>/</a:t>
+            </a:r>
+            <a:r>
+              <a:rPr lang="de-DE" sz="1400" kern="100" dirty="0" err="1">
+                <a:solidFill>
+                  <a:srgbClr val="1F2328"/>
+                </a:solidFill>
+                <a:effectLst/>
+                <a:ea typeface="Arial" panose="020B0604020202020204" pitchFamily="34" charset="0"/>
+                <a:cs typeface="Arial" panose="020B0604020202020204" pitchFamily="34" charset="0"/>
+              </a:rPr>
+              <a:t>rows</a:t>
+            </a:r>
+            <a:endParaRPr lang="de-DE" sz="1400" kern="100" dirty="0">
+              <a:solidFill>
+                <a:srgbClr val="1F2328"/>
+              </a:solidFill>
+              <a:effectLst/>
+              <a:ea typeface="Arial" panose="020B0604020202020204" pitchFamily="34" charset="0"/>
+              <a:cs typeface="Arial" panose="020B0604020202020204" pitchFamily="34" charset="0"/>
+            </a:endParaRPr>
+          </a:p>
+          <a:p>
+            <a:pPr lvl="1">
+              <a:lnSpc>
+                <a:spcPct val="100000"/>
+              </a:lnSpc>
+              <a:spcBef>
+                <a:spcPts val="200"/>
+              </a:spcBef>
+            </a:pPr>
+            <a:r>
+              <a:rPr lang="en-US" sz="1400" kern="100" dirty="0">
+                <a:solidFill>
+                  <a:srgbClr val="1F2328"/>
+                </a:solidFill>
+                <a:effectLst/>
+                <a:ea typeface="Arial" panose="020B0604020202020204" pitchFamily="34" charset="0"/>
+                <a:cs typeface="Arial" panose="020B0604020202020204" pitchFamily="34" charset="0"/>
+              </a:rPr>
+              <a:t>Re-ordering rows/columns in meaningful and useful ways </a:t>
+            </a:r>
+            <a:r>
+              <a:rPr lang="en-US" sz="1400" kern="100" dirty="0">
+                <a:solidFill>
+                  <a:srgbClr val="1F2328"/>
+                </a:solidFill>
+                <a:effectLst/>
+                <a:ea typeface="Arial" panose="020B0604020202020204" pitchFamily="34" charset="0"/>
+                <a:cs typeface="Arial" panose="020B0604020202020204" pitchFamily="34" charset="0"/>
+                <a:sym typeface="Wingdings" panose="05000000000000000000" pitchFamily="2" charset="2"/>
+              </a:rPr>
+              <a:t></a:t>
+            </a:r>
+            <a:endParaRPr lang="de-DE" sz="1400" b="1" kern="100" dirty="0">
+              <a:solidFill>
+                <a:srgbClr val="294E1C"/>
+              </a:solidFill>
+              <a:effectLst/>
+              <a:ea typeface="Times New Roman" panose="02020603050405020304" pitchFamily="18" charset="0"/>
+              <a:cs typeface="Arial" panose="020B0604020202020204" pitchFamily="34" charset="0"/>
+            </a:endParaRPr>
+          </a:p>
+          <a:p>
+            <a:pPr marL="0" indent="0">
+              <a:lnSpc>
+                <a:spcPct val="100000"/>
+              </a:lnSpc>
+              <a:spcBef>
+                <a:spcPts val="200"/>
+              </a:spcBef>
+              <a:buNone/>
+            </a:pPr>
+            <a:endParaRPr lang="de-DE" sz="1400" b="1" kern="100" dirty="0">
+              <a:solidFill>
+                <a:srgbClr val="294E1C"/>
+              </a:solidFill>
+              <a:ea typeface="Times New Roman" panose="02020603050405020304" pitchFamily="18" charset="0"/>
+              <a:cs typeface="Arial" panose="020B0604020202020204" pitchFamily="34" charset="0"/>
+            </a:endParaRPr>
+          </a:p>
+          <a:p>
+            <a:pPr marL="342900" indent="-342900">
+              <a:lnSpc>
+                <a:spcPct val="100000"/>
+              </a:lnSpc>
+              <a:spcBef>
+                <a:spcPts val="200"/>
+              </a:spcBef>
               <a:buFont typeface="+mj-lt"/>
-              <a:buAutoNum type="arabicPeriod"/>
+              <a:buAutoNum type="arabicPeriod" startAt="2"/>
             </a:pPr>
             <a:r>
-              <a:rPr lang="de-DE" dirty="0" err="1"/>
+              <a:rPr lang="de-DE" sz="1400" b="1" kern="100" dirty="0">
+                <a:solidFill>
+                  <a:srgbClr val="294E1C"/>
+                </a:solidFill>
+                <a:ea typeface="Times New Roman" panose="02020603050405020304" pitchFamily="18" charset="0"/>
+                <a:cs typeface="Arial" panose="020B0604020202020204" pitchFamily="34" charset="0"/>
+              </a:rPr>
+              <a:t>Data </a:t>
+            </a:r>
+            <a:r>
+              <a:rPr lang="de-DE" sz="1400" b="1" kern="100" dirty="0" err="1">
+                <a:solidFill>
+                  <a:srgbClr val="294E1C"/>
+                </a:solidFill>
+                <a:ea typeface="Times New Roman" panose="02020603050405020304" pitchFamily="18" charset="0"/>
+                <a:cs typeface="Arial" panose="020B0604020202020204" pitchFamily="34" charset="0"/>
+              </a:rPr>
+              <a:t>exploration</a:t>
+            </a:r>
+            <a:endParaRPr lang="de-DE" sz="1400" b="1" kern="100" dirty="0">
+              <a:solidFill>
+                <a:srgbClr val="294E1C"/>
+              </a:solidFill>
+              <a:ea typeface="Times New Roman" panose="02020603050405020304" pitchFamily="18" charset="0"/>
+              <a:cs typeface="Arial" panose="020B0604020202020204" pitchFamily="34" charset="0"/>
+            </a:endParaRPr>
+          </a:p>
+          <a:p>
+            <a:pPr lvl="1">
+              <a:lnSpc>
+                <a:spcPct val="100000"/>
+              </a:lnSpc>
+              <a:spcBef>
+                <a:spcPts val="200"/>
+              </a:spcBef>
+            </a:pPr>
+            <a:r>
+              <a:rPr lang="de-DE" sz="1400" dirty="0" err="1">
+                <a:solidFill>
+                  <a:srgbClr val="1F2328"/>
+                </a:solidFill>
+                <a:effectLst/>
+                <a:ea typeface="Times New Roman" panose="02020603050405020304" pitchFamily="18" charset="0"/>
+                <a:cs typeface="Arial" panose="020B0604020202020204" pitchFamily="34" charset="0"/>
+              </a:rPr>
+              <a:t>basic</a:t>
+            </a:r>
+            <a:r>
+              <a:rPr lang="de-DE" sz="1400" dirty="0">
+                <a:solidFill>
+                  <a:srgbClr val="1F2328"/>
+                </a:solidFill>
+                <a:effectLst/>
+                <a:ea typeface="Times New Roman" panose="02020603050405020304" pitchFamily="18" charset="0"/>
+                <a:cs typeface="Arial" panose="020B0604020202020204" pitchFamily="34" charset="0"/>
+              </a:rPr>
+              <a:t> </a:t>
+            </a:r>
+            <a:r>
+              <a:rPr lang="de-DE" sz="1400" dirty="0" err="1">
+                <a:solidFill>
+                  <a:srgbClr val="1F2328"/>
+                </a:solidFill>
+                <a:effectLst/>
+                <a:ea typeface="Times New Roman" panose="02020603050405020304" pitchFamily="18" charset="0"/>
+                <a:cs typeface="Arial" panose="020B0604020202020204" pitchFamily="34" charset="0"/>
+              </a:rPr>
+              <a:t>exploratory</a:t>
+            </a:r>
+            <a:r>
+              <a:rPr lang="de-DE" sz="1400" dirty="0">
+                <a:solidFill>
+                  <a:srgbClr val="1F2328"/>
+                </a:solidFill>
+                <a:effectLst/>
+                <a:ea typeface="Times New Roman" panose="02020603050405020304" pitchFamily="18" charset="0"/>
+                <a:cs typeface="Arial" panose="020B0604020202020204" pitchFamily="34" charset="0"/>
+              </a:rPr>
+              <a:t> </a:t>
+            </a:r>
+            <a:r>
+              <a:rPr lang="de-DE" sz="1400" dirty="0" err="1">
+                <a:solidFill>
+                  <a:srgbClr val="1F2328"/>
+                </a:solidFill>
+                <a:effectLst/>
+                <a:ea typeface="Times New Roman" panose="02020603050405020304" pitchFamily="18" charset="0"/>
+                <a:cs typeface="Arial" panose="020B0604020202020204" pitchFamily="34" charset="0"/>
+              </a:rPr>
+              <a:t>data</a:t>
+            </a:r>
+            <a:r>
+              <a:rPr lang="de-DE" sz="1400" dirty="0">
+                <a:solidFill>
+                  <a:srgbClr val="1F2328"/>
+                </a:solidFill>
+                <a:effectLst/>
+                <a:ea typeface="Times New Roman" panose="02020603050405020304" pitchFamily="18" charset="0"/>
+                <a:cs typeface="Arial" panose="020B0604020202020204" pitchFamily="34" charset="0"/>
+              </a:rPr>
+              <a:t> </a:t>
+            </a:r>
+            <a:r>
+              <a:rPr lang="de-DE" sz="1400" dirty="0" err="1">
+                <a:solidFill>
+                  <a:srgbClr val="1F2328"/>
+                </a:solidFill>
+                <a:effectLst/>
+                <a:ea typeface="Times New Roman" panose="02020603050405020304" pitchFamily="18" charset="0"/>
+                <a:cs typeface="Arial" panose="020B0604020202020204" pitchFamily="34" charset="0"/>
+              </a:rPr>
+              <a:t>analysis</a:t>
+            </a:r>
+            <a:r>
+              <a:rPr lang="de-DE" sz="1400" dirty="0">
+                <a:solidFill>
+                  <a:srgbClr val="1F2328"/>
+                </a:solidFill>
+                <a:effectLst/>
+                <a:ea typeface="Times New Roman" panose="02020603050405020304" pitchFamily="18" charset="0"/>
+                <a:cs typeface="Arial" panose="020B0604020202020204" pitchFamily="34" charset="0"/>
+              </a:rPr>
+              <a:t> (</a:t>
+            </a:r>
+            <a:r>
+              <a:rPr lang="en-US" sz="1400" kern="100" dirty="0">
+                <a:solidFill>
+                  <a:srgbClr val="1F2328"/>
+                </a:solidFill>
+                <a:effectLst/>
+                <a:ea typeface="Arial" panose="020B0604020202020204" pitchFamily="34" charset="0"/>
+                <a:cs typeface="Arial" panose="020B0604020202020204" pitchFamily="34" charset="0"/>
+              </a:rPr>
+              <a:t>distribution of the overall data, specific samples or features) </a:t>
+            </a:r>
+            <a:r>
+              <a:rPr lang="en-US" sz="1400" kern="100" dirty="0">
+                <a:solidFill>
+                  <a:srgbClr val="1F2328"/>
+                </a:solidFill>
+                <a:effectLst/>
+                <a:ea typeface="Arial" panose="020B0604020202020204" pitchFamily="34" charset="0"/>
+                <a:cs typeface="Arial" panose="020B0604020202020204" pitchFamily="34" charset="0"/>
+                <a:sym typeface="Wingdings" panose="05000000000000000000" pitchFamily="2" charset="2"/>
+              </a:rPr>
+              <a:t></a:t>
+            </a:r>
+            <a:endParaRPr lang="de-DE" sz="1400" kern="100" dirty="0">
+              <a:solidFill>
+                <a:srgbClr val="1F2328"/>
+              </a:solidFill>
+              <a:ea typeface="Arial" panose="020B0604020202020204" pitchFamily="34" charset="0"/>
+              <a:cs typeface="Arial" panose="020B0604020202020204" pitchFamily="34" charset="0"/>
+            </a:endParaRPr>
+          </a:p>
+          <a:p>
+            <a:pPr lvl="1">
+              <a:lnSpc>
+                <a:spcPct val="100000"/>
+              </a:lnSpc>
+              <a:spcBef>
+                <a:spcPts val="200"/>
+              </a:spcBef>
+            </a:pPr>
+            <a:r>
+              <a:rPr lang="de-DE" sz="1400" kern="100" dirty="0" err="1">
+                <a:solidFill>
+                  <a:srgbClr val="1F2328"/>
+                </a:solidFill>
+                <a:effectLst/>
+                <a:ea typeface="Arial" panose="020B0604020202020204" pitchFamily="34" charset="0"/>
+                <a:cs typeface="Arial" panose="020B0604020202020204" pitchFamily="34" charset="0"/>
+              </a:rPr>
+              <a:t>Visualize</a:t>
+            </a:r>
+            <a:r>
+              <a:rPr lang="de-DE" sz="1400" kern="100" dirty="0">
+                <a:solidFill>
+                  <a:srgbClr val="1F2328"/>
+                </a:solidFill>
+                <a:effectLst/>
+                <a:ea typeface="Arial" panose="020B0604020202020204" pitchFamily="34" charset="0"/>
+                <a:cs typeface="Arial" panose="020B0604020202020204" pitchFamily="34" charset="0"/>
+              </a:rPr>
+              <a:t> </a:t>
+            </a:r>
+            <a:r>
+              <a:rPr lang="de-DE" sz="1400" kern="100" dirty="0" err="1">
+                <a:solidFill>
+                  <a:srgbClr val="1F2328"/>
+                </a:solidFill>
+                <a:effectLst/>
+                <a:ea typeface="Arial" panose="020B0604020202020204" pitchFamily="34" charset="0"/>
+                <a:cs typeface="Arial" panose="020B0604020202020204" pitchFamily="34" charset="0"/>
+              </a:rPr>
+              <a:t>the</a:t>
+            </a:r>
+            <a:r>
+              <a:rPr lang="de-DE" sz="1400" kern="100" dirty="0">
+                <a:solidFill>
+                  <a:srgbClr val="1F2328"/>
+                </a:solidFill>
+                <a:effectLst/>
+                <a:ea typeface="Arial" panose="020B0604020202020204" pitchFamily="34" charset="0"/>
+                <a:cs typeface="Arial" panose="020B0604020202020204" pitchFamily="34" charset="0"/>
+              </a:rPr>
+              <a:t> </a:t>
+            </a:r>
+            <a:r>
+              <a:rPr lang="de-DE" sz="1400" kern="100" dirty="0" err="1">
+                <a:solidFill>
+                  <a:srgbClr val="1F2328"/>
+                </a:solidFill>
+                <a:effectLst/>
+                <a:ea typeface="Arial" panose="020B0604020202020204" pitchFamily="34" charset="0"/>
+                <a:cs typeface="Arial" panose="020B0604020202020204" pitchFamily="34" charset="0"/>
+              </a:rPr>
+              <a:t>data</a:t>
+            </a:r>
+            <a:r>
+              <a:rPr lang="de-DE" sz="1400" kern="100" dirty="0">
+                <a:solidFill>
+                  <a:srgbClr val="1F2328"/>
+                </a:solidFill>
+                <a:effectLst/>
+                <a:ea typeface="Arial" panose="020B0604020202020204" pitchFamily="34" charset="0"/>
+                <a:cs typeface="Arial" panose="020B0604020202020204" pitchFamily="34" charset="0"/>
+              </a:rPr>
+              <a:t> </a:t>
+            </a:r>
+            <a:r>
+              <a:rPr lang="de-DE" sz="1400" kern="100" dirty="0" err="1">
+                <a:solidFill>
+                  <a:srgbClr val="1F2328"/>
+                </a:solidFill>
+                <a:effectLst/>
+                <a:ea typeface="Arial" panose="020B0604020202020204" pitchFamily="34" charset="0"/>
+                <a:cs typeface="Arial" panose="020B0604020202020204" pitchFamily="34" charset="0"/>
+              </a:rPr>
+              <a:t>distribution</a:t>
+            </a:r>
+            <a:r>
+              <a:rPr lang="de-DE" sz="1400" kern="100" dirty="0">
+                <a:solidFill>
+                  <a:srgbClr val="1F2328"/>
+                </a:solidFill>
+                <a:effectLst/>
+                <a:ea typeface="Arial" panose="020B0604020202020204" pitchFamily="34" charset="0"/>
+                <a:cs typeface="Arial" panose="020B0604020202020204" pitchFamily="34" charset="0"/>
+              </a:rPr>
+              <a:t> </a:t>
+            </a:r>
+            <a:r>
+              <a:rPr lang="en-US" sz="1400" kern="100" dirty="0">
+                <a:solidFill>
+                  <a:srgbClr val="1F2328"/>
+                </a:solidFill>
+                <a:effectLst/>
+                <a:ea typeface="Arial" panose="020B0604020202020204" pitchFamily="34" charset="0"/>
+                <a:cs typeface="Arial" panose="020B0604020202020204" pitchFamily="34" charset="0"/>
+                <a:sym typeface="Wingdings" panose="05000000000000000000" pitchFamily="2" charset="2"/>
+              </a:rPr>
+              <a:t></a:t>
+            </a:r>
+            <a:endParaRPr lang="de-DE" sz="1400" kern="100" dirty="0">
+              <a:solidFill>
+                <a:srgbClr val="1F2328"/>
+              </a:solidFill>
+              <a:ea typeface="Arial" panose="020B0604020202020204" pitchFamily="34" charset="0"/>
+              <a:cs typeface="Arial" panose="020B0604020202020204" pitchFamily="34" charset="0"/>
+            </a:endParaRPr>
+          </a:p>
+          <a:p>
+            <a:pPr lvl="1">
+              <a:lnSpc>
+                <a:spcPct val="100000"/>
+              </a:lnSpc>
+              <a:spcBef>
+                <a:spcPts val="200"/>
+              </a:spcBef>
+            </a:pPr>
+            <a:r>
+              <a:rPr lang="de-DE" sz="1400" i="1" dirty="0" err="1">
+                <a:solidFill>
+                  <a:srgbClr val="C00000"/>
+                </a:solidFill>
+              </a:rPr>
               <a:t>Is</a:t>
             </a:r>
             <a:r>
-              <a:rPr lang="de-DE" dirty="0"/>
+              <a:rPr lang="de-DE" sz="1400" i="1" dirty="0">
+                <a:solidFill>
+                  <a:srgbClr val="C00000"/>
+                </a:solidFill>
+              </a:rPr>
               <a:t> </a:t>
             </a:r>
             <a:r>
-              <a:rPr lang="de-DE" dirty="0" err="1"/>
+              <a:rPr lang="de-DE" sz="1400" i="1" dirty="0" err="1">
+                <a:solidFill>
+                  <a:srgbClr val="C00000"/>
+                </a:solidFill>
+              </a:rPr>
               <a:t>there</a:t>
             </a:r>
             <a:r>
-              <a:rPr lang="de-DE" dirty="0"/>
+              <a:rPr lang="de-DE" sz="1400" i="1" dirty="0">
+                <a:solidFill>
+                  <a:srgbClr val="C00000"/>
+                </a:solidFill>
+              </a:rPr>
               <a:t> a </a:t>
             </a:r>
             <a:r>
-              <a:rPr lang="de-DE" dirty="0" err="1"/>
+              <a:rPr lang="de-DE" sz="1400" i="1" dirty="0" err="1">
+                <a:solidFill>
+                  <a:srgbClr val="C00000"/>
+                </a:solidFill>
+              </a:rPr>
               <a:t>mode</a:t>
             </a:r>
             <a:r>
-              <a:rPr lang="de-DE" dirty="0"/>
+              <a:rPr lang="de-DE" sz="1400" i="1" dirty="0">
+                <a:solidFill>
+                  <a:srgbClr val="C00000"/>
+                </a:solidFill>
+              </a:rPr>
               <a:t> </a:t>
             </a:r>
             <a:r>
-              <a:rPr lang="de-DE" dirty="0" err="1"/>
+              <a:rPr lang="de-DE" sz="1400" i="1" dirty="0" err="1">
+                <a:solidFill>
+                  <a:srgbClr val="C00000"/>
+                </a:solidFill>
+              </a:rPr>
               <a:t>of</a:t>
             </a:r>
             <a:r>
-              <a:rPr lang="de-DE" dirty="0"/>
+              <a:rPr lang="de-DE" sz="1400" i="1" dirty="0">
+                <a:solidFill>
+                  <a:srgbClr val="C00000"/>
+                </a:solidFill>
+              </a:rPr>
               <a:t> </a:t>
             </a:r>
             <a:r>
-              <a:rPr lang="de-DE" dirty="0" err="1"/>
+              <a:rPr lang="de-DE" sz="1400" i="1" dirty="0" err="1">
+                <a:solidFill>
+                  <a:srgbClr val="C00000"/>
+                </a:solidFill>
+              </a:rPr>
               <a:t>action</a:t>
             </a:r>
             <a:r>
-              <a:rPr lang="de-DE" dirty="0"/>
+              <a:rPr lang="de-DE" sz="1400" i="1" dirty="0">
+                <a:solidFill>
+                  <a:srgbClr val="C00000"/>
+                </a:solidFill>
+              </a:rPr>
               <a:t> </a:t>
             </a:r>
             <a:r>
-              <a:rPr lang="de-DE" dirty="0" err="1"/>
+              <a:rPr lang="de-DE" sz="1400" i="1" dirty="0" err="1">
+                <a:solidFill>
+                  <a:srgbClr val="C00000"/>
+                </a:solidFill>
+              </a:rPr>
               <a:t>which</a:t>
             </a:r>
             <a:r>
-              <a:rPr lang="de-DE" dirty="0"/>
+              <a:rPr lang="de-DE" sz="1400" i="1" dirty="0">
+                <a:solidFill>
+                  <a:srgbClr val="C00000"/>
+                </a:solidFill>
+              </a:rPr>
               <a:t> </a:t>
             </a:r>
             <a:r>
-              <a:rPr lang="de-DE" dirty="0" err="1"/>
+              <a:rPr lang="de-DE" sz="1400" i="1" dirty="0" err="1">
+                <a:solidFill>
+                  <a:srgbClr val="C00000"/>
+                </a:solidFill>
+              </a:rPr>
               <a:t>is</a:t>
             </a:r>
             <a:r>
-              <a:rPr lang="de-DE" dirty="0"/>
+              <a:rPr lang="de-DE" sz="1400" i="1" dirty="0">
+                <a:solidFill>
+                  <a:srgbClr val="C00000"/>
+                </a:solidFill>
+              </a:rPr>
               <a:t> </a:t>
             </a:r>
             <a:r>
-              <a:rPr lang="de-DE" dirty="0" err="1"/>
+              <a:rPr lang="de-DE" sz="1400" i="1" dirty="0" err="1">
+                <a:solidFill>
+                  <a:srgbClr val="C00000"/>
+                </a:solidFill>
+              </a:rPr>
               <a:t>more</a:t>
             </a:r>
             <a:r>
-              <a:rPr lang="de-DE" dirty="0"/>
+              <a:rPr lang="de-DE" sz="1400" i="1" dirty="0">
+                <a:solidFill>
+                  <a:srgbClr val="C00000"/>
+                </a:solidFill>
+              </a:rPr>
               <a:t> </a:t>
             </a:r>
             <a:r>
-              <a:rPr lang="de-DE" dirty="0" err="1"/>
+              <a:rPr lang="de-DE" sz="1400" i="1" dirty="0" err="1">
+                <a:solidFill>
+                  <a:srgbClr val="C00000"/>
+                </a:solidFill>
+              </a:rPr>
               <a:t>represented</a:t>
             </a:r>
             <a:r>
-              <a:rPr lang="de-DE" dirty="0"/>
+              <a:rPr lang="de-DE" sz="1400" i="1" dirty="0">
+                <a:solidFill>
+                  <a:srgbClr val="C00000"/>
+                </a:solidFill>
+              </a:rPr>
               <a:t>?</a:t>
             </a:r>
-          </a:p>
-          <a:p>
-            <a:pPr marL="514350" indent="-514350">
-              <a:buFont typeface="+mj-lt"/>
-              <a:buAutoNum type="arabicPeriod"/>
+            <a:endParaRPr lang="de-DE" sz="1400" i="1" kern="100" dirty="0">
+              <a:solidFill>
+                <a:srgbClr val="C00000"/>
+              </a:solidFill>
+              <a:cs typeface="Arial" panose="020B0604020202020204" pitchFamily="34" charset="0"/>
+            </a:endParaRPr>
+          </a:p>
+          <a:p>
+            <a:pPr lvl="1">
+              <a:lnSpc>
+                <a:spcPct val="100000"/>
+              </a:lnSpc>
+              <a:spcBef>
+                <a:spcPts val="200"/>
+              </a:spcBef>
             </a:pPr>
             <a:r>
-              <a:rPr lang="de-DE" dirty="0" err="1"/>
+              <a:rPr lang="en-US" sz="1400" kern="100" dirty="0">
+                <a:solidFill>
+                  <a:srgbClr val="1F2328"/>
+                </a:solidFill>
+                <a:effectLst/>
+                <a:ea typeface="Arial" panose="020B0604020202020204" pitchFamily="34" charset="0"/>
+                <a:cs typeface="Arial" panose="020B0604020202020204" pitchFamily="34" charset="0"/>
+              </a:rPr>
+              <a:t>Visualize the inter-dependencies among specific samples/features of interest</a:t>
+            </a:r>
+          </a:p>
+          <a:p>
+            <a:pPr lvl="1">
+              <a:lnSpc>
+                <a:spcPct val="100000"/>
+              </a:lnSpc>
+              <a:spcBef>
+                <a:spcPts val="200"/>
+              </a:spcBef>
+            </a:pPr>
+            <a:r>
+              <a:rPr lang="de-DE" sz="1400" i="1" dirty="0" err="1">
+                <a:solidFill>
+                  <a:srgbClr val="C00000"/>
+                </a:solidFill>
+              </a:rPr>
               <a:t>Correlation</a:t>
             </a:r>
             <a:r>
-              <a:rPr lang="de-DE" dirty="0"/>
+              <a:rPr lang="de-DE" sz="1400" i="1" dirty="0">
+                <a:solidFill>
+                  <a:srgbClr val="C00000"/>
+                </a:solidFill>
+              </a:rPr>
               <a:t> </a:t>
             </a:r>
             <a:r>
-              <a:rPr lang="de-DE" dirty="0" err="1"/>
+              <a:rPr lang="de-DE" sz="1400" i="1" dirty="0" err="1">
+                <a:solidFill>
+                  <a:srgbClr val="C00000"/>
+                </a:solidFill>
+              </a:rPr>
               <a:t>between</a:t>
             </a:r>
             <a:r>
-              <a:rPr lang="de-DE" dirty="0"/>
+              <a:rPr lang="de-DE" sz="1400" i="1" dirty="0">
+                <a:solidFill>
+                  <a:srgbClr val="C00000"/>
+                </a:solidFill>
+              </a:rPr>
               <a:t> </a:t>
             </a:r>
             <a:r>
-              <a:rPr lang="de-DE" dirty="0" err="1"/>
+              <a:rPr lang="de-DE" sz="1400" i="1" dirty="0" err="1">
+                <a:solidFill>
+                  <a:srgbClr val="C00000"/>
+                </a:solidFill>
+              </a:rPr>
               <a:t>gene</a:t>
             </a:r>
             <a:r>
-              <a:rPr lang="de-DE" dirty="0"/>
+              <a:rPr lang="de-DE" sz="1400" i="1" dirty="0">
+                <a:solidFill>
+                  <a:srgbClr val="C00000"/>
+                </a:solidFill>
+              </a:rPr>
               <a:t> </a:t>
             </a:r>
             <a:r>
-              <a:rPr lang="de-DE" dirty="0" err="1"/>
+              <a:rPr lang="de-DE" sz="1400" i="1" dirty="0" err="1">
+                <a:solidFill>
+                  <a:srgbClr val="C00000"/>
+                </a:solidFill>
+              </a:rPr>
               <a:t>expression</a:t>
             </a:r>
             <a:r>
-              <a:rPr lang="de-DE" dirty="0"/>
+              <a:rPr lang="de-DE" sz="1400" i="1" dirty="0">
+                <a:solidFill>
+                  <a:srgbClr val="C00000"/>
+                </a:solidFill>
+              </a:rPr>
               <a:t> &amp; </a:t>
             </a:r>
             <a:r>
-              <a:rPr lang="de-DE" dirty="0" err="1"/>
+              <a:rPr lang="de-DE" sz="1400" i="1" dirty="0" err="1">
+                <a:solidFill>
+                  <a:srgbClr val="C00000"/>
+                </a:solidFill>
+              </a:rPr>
               <a:t>copy</a:t>
             </a:r>
             <a:r>
-              <a:rPr lang="de-DE" dirty="0"/>
+              <a:rPr lang="de-DE" sz="1400" i="1" dirty="0">
+                <a:solidFill>
+                  <a:srgbClr val="C00000"/>
+                </a:solidFill>
+              </a:rPr>
               <a:t> </a:t>
             </a:r>
             <a:r>
-              <a:rPr lang="de-DE" dirty="0" err="1"/>
+              <a:rPr lang="de-DE" sz="1400" i="1" dirty="0" err="1">
+                <a:solidFill>
+                  <a:srgbClr val="C00000"/>
+                </a:solidFill>
+              </a:rPr>
               <a:t>number</a:t>
             </a:r>
             <a:r>
-              <a:rPr lang="de-DE" dirty="0"/>
+              <a:rPr lang="de-DE" sz="1400" i="1" dirty="0">
+                <a:solidFill>
+                  <a:srgbClr val="C00000"/>
+                </a:solidFill>
+              </a:rPr>
               <a:t> &amp; </a:t>
             </a:r>
             <a:r>
-              <a:rPr lang="de-DE" dirty="0" err="1"/>
+              <a:rPr lang="de-DE" sz="1400" i="1" dirty="0" err="1">
+                <a:solidFill>
+                  <a:srgbClr val="C00000"/>
+                </a:solidFill>
+              </a:rPr>
               <a:t>treatment</a:t>
             </a:r>
             <a:r>
-              <a:rPr lang="de-DE" dirty="0"/>
+              <a:rPr lang="de-DE" sz="1400" i="1" dirty="0">
+                <a:solidFill>
+                  <a:srgbClr val="C00000"/>
+                </a:solidFill>
+              </a:rPr>
               <a:t> </a:t>
             </a:r>
             <a:r>
-              <a:rPr lang="de-DE" dirty="0" err="1"/>
+              <a:rPr lang="de-DE" sz="1400" i="1" dirty="0" err="1">
+                <a:solidFill>
+                  <a:srgbClr val="C00000"/>
+                </a:solidFill>
+              </a:rPr>
               <a:t>effect</a:t>
             </a:r>
-            <a:endParaRPr lang="de-DE" dirty="0"/>
-          </a:p>
-          <a:p>
-            <a:pPr marL="514350" indent="-514350">
-              <a:buFont typeface="+mj-lt"/>
-              <a:buAutoNum type="arabicPeriod"/>
+            <a:endParaRPr lang="de-DE" sz="1400" i="1" kern="100" dirty="0">
+              <a:solidFill>
+                <a:srgbClr val="C00000"/>
+              </a:solidFill>
+              <a:cs typeface="Arial" panose="020B0604020202020204" pitchFamily="34" charset="0"/>
+            </a:endParaRPr>
+          </a:p>
+          <a:p>
+            <a:pPr lvl="1">
+              <a:lnSpc>
+                <a:spcPct val="100000"/>
+              </a:lnSpc>
+              <a:spcBef>
+                <a:spcPts val="200"/>
+              </a:spcBef>
             </a:pPr>
             <a:r>
-              <a:rPr lang="de-DE" dirty="0" err="1"/>
+              <a:rPr lang="en-US" sz="1400" kern="100" dirty="0">
+                <a:solidFill>
+                  <a:srgbClr val="1F2328"/>
+                </a:solidFill>
+                <a:effectLst/>
+                <a:ea typeface="Arial" panose="020B0604020202020204" pitchFamily="34" charset="0"/>
+                <a:cs typeface="Arial" panose="020B0604020202020204" pitchFamily="34" charset="0"/>
+              </a:rPr>
+              <a:t>Check some of your hypothesis like - is something high/low between two conditions </a:t>
+            </a:r>
+            <a:r>
+              <a:rPr lang="en-US" sz="1400" kern="100" dirty="0" err="1">
+                <a:solidFill>
+                  <a:srgbClr val="1F2328"/>
+                </a:solidFill>
+                <a:effectLst/>
+                <a:ea typeface="Arial" panose="020B0604020202020204" pitchFamily="34" charset="0"/>
+                <a:cs typeface="Arial" panose="020B0604020202020204" pitchFamily="34" charset="0"/>
+              </a:rPr>
+              <a:t>etc</a:t>
+            </a:r>
+            <a:endParaRPr lang="en-US" sz="1400" kern="100" dirty="0">
+              <a:solidFill>
+                <a:srgbClr val="1F2328"/>
+              </a:solidFill>
+              <a:ea typeface="Arial" panose="020B0604020202020204" pitchFamily="34" charset="0"/>
+              <a:cs typeface="Arial" panose="020B0604020202020204" pitchFamily="34" charset="0"/>
+            </a:endParaRPr>
+          </a:p>
+          <a:p>
+            <a:pPr lvl="1">
+              <a:lnSpc>
+                <a:spcPct val="100000"/>
+              </a:lnSpc>
+              <a:spcBef>
+                <a:spcPts val="200"/>
+              </a:spcBef>
+            </a:pPr>
+            <a:r>
+              <a:rPr lang="de-DE" sz="1400" i="1" dirty="0" err="1">
+                <a:solidFill>
+                  <a:srgbClr val="C00000"/>
+                </a:solidFill>
+              </a:rPr>
               <a:t>Identification</a:t>
             </a:r>
             <a:r>
-              <a:rPr lang="de-DE" dirty="0"/>
+              <a:rPr lang="de-DE" sz="1400" i="1" dirty="0">
+                <a:solidFill>
+                  <a:srgbClr val="C00000"/>
+                </a:solidFill>
+              </a:rPr>
               <a:t> </a:t>
             </a:r>
             <a:r>
-              <a:rPr lang="de-DE" dirty="0" err="1"/>
+              <a:rPr lang="de-DE" sz="1400" i="1" dirty="0" err="1">
+                <a:solidFill>
+                  <a:srgbClr val="C00000"/>
+                </a:solidFill>
+              </a:rPr>
               <a:t>of</a:t>
             </a:r>
             <a:r>
-              <a:rPr lang="de-DE" dirty="0"/>
+              <a:rPr lang="de-DE" sz="1400" i="1" dirty="0">
+                <a:solidFill>
+                  <a:srgbClr val="C00000"/>
+                </a:solidFill>
+              </a:rPr>
               <a:t> </a:t>
             </a:r>
             <a:r>
-              <a:rPr lang="de-DE" dirty="0" err="1"/>
-              <a:t>housekeeping</a:t>
-            </a:r>
-            <a:r>
-              <a:rPr lang="de-DE" dirty="0"/>
-              <a:t> /</a:t>
-            </a:r>
-            <a:r>
-              <a:rPr lang="de-DE" dirty="0" err="1"/>
-              <a:t>tumor</a:t>
-            </a:r>
-            <a:r>
-              <a:rPr lang="de-DE" dirty="0"/>
+              <a:rPr lang="de-DE" sz="1400" i="1" dirty="0" err="1">
+                <a:solidFill>
+                  <a:srgbClr val="C00000"/>
+                </a:solidFill>
+              </a:rPr>
+              <a:t>thresholds</a:t>
+            </a:r>
+            <a:r>
+              <a:rPr lang="de-DE" sz="1400" i="1" dirty="0">
+                <a:solidFill>
+                  <a:srgbClr val="C00000"/>
+                </a:solidFill>
+              </a:rPr>
               <a:t> </a:t>
             </a:r>
-            <a:r>
-              <a:rPr lang="de-DE" dirty="0" err="1"/>
+          </a:p>
+          <a:p>
+            <a:pPr lvl="1">
+              <a:lnSpc>
+                <a:spcPct val="100000"/>
+              </a:lnSpc>
+              <a:spcBef>
+                <a:spcPts val="200"/>
+              </a:spcBef>
+            </a:pPr>
+            <a:r>
+              <a:rPr lang="en-US" sz="1400" i="1" kern="100" dirty="0">
+                <a:solidFill>
+                  <a:srgbClr val="C00000"/>
+                </a:solidFill>
+                <a:effectLst/>
+                <a:ea typeface="Arial" panose="020B0604020202020204" pitchFamily="34" charset="0"/>
+                <a:cs typeface="Arial" panose="020B0604020202020204" pitchFamily="34" charset="0"/>
+              </a:rPr>
+              <a:t>Identification of housekeeping /tumor </a:t>
+            </a:r>
+            <a:r>
+              <a:rPr lang="en-US" sz="1400" i="1" kern="100" dirty="0" err="1">
+                <a:solidFill>
+                  <a:srgbClr val="C00000"/>
+                </a:solidFill>
+                <a:effectLst/>
+                <a:ea typeface="Arial" panose="020B0604020202020204" pitchFamily="34" charset="0"/>
+                <a:cs typeface="Arial" panose="020B0604020202020204" pitchFamily="34" charset="0"/>
+              </a:rPr>
               <a:t>supressor</a:t>
             </a:r>
             <a:r>
-              <a:rPr lang="de-DE" dirty="0"/>
+              <a:rPr lang="en-US" sz="1400" i="1" kern="100" dirty="0">
+                <a:solidFill>
+                  <a:srgbClr val="C00000"/>
+                </a:solidFill>
+                <a:effectLst/>
+                <a:ea typeface="Arial" panose="020B0604020202020204" pitchFamily="34" charset="0"/>
+                <a:cs typeface="Arial" panose="020B0604020202020204" pitchFamily="34" charset="0"/>
+              </a:rPr>
               <a:t> genes</a:t>
             </a:r>
           </a:p>
           <a:p>
-            <a:pPr marL="514350" indent="-514350">
-              <a:buFont typeface="+mj-lt"/>
-              <a:buAutoNum type="arabicPeriod"/>
+            <a:pPr lvl="1">
+              <a:lnSpc>
+                <a:spcPct val="100000"/>
+              </a:lnSpc>
+              <a:spcBef>
+                <a:spcPts val="200"/>
+              </a:spcBef>
             </a:pPr>
-            <a:r>
-              <a:rPr lang="de-DE" dirty="0" err="1"/>
-              <a:t>Identification</a:t>
-            </a:r>
-            <a:r>
-              <a:rPr lang="de-DE" dirty="0"/>
-              <a:t> </a:t>
-            </a:r>
-            <a:r>
-              <a:rPr lang="de-DE" dirty="0" err="1"/>
-              <a:t>of</a:t>
-            </a:r>
-            <a:r>
-              <a:rPr lang="de-DE" dirty="0"/>
-              <a:t> </a:t>
-            </a:r>
-            <a:r>
-              <a:rPr lang="de-DE" dirty="0" err="1"/>
-              <a:t>thresholds</a:t>
-            </a:r>
-            <a:r>
-              <a:rPr lang="de-DE" dirty="0"/>
-              <a:t> </a:t>
-            </a:r>
-          </a:p>
-          <a:p>
-            <a:pPr marL="514350" indent="-514350">
-              <a:buFont typeface="+mj-lt"/>
-              <a:buAutoNum type="arabicPeriod"/>
+            <a:endParaRPr lang="en-US" sz="1400" kern="100" dirty="0">
+              <a:solidFill>
+                <a:srgbClr val="1F2328"/>
+              </a:solidFill>
+              <a:effectLst/>
+              <a:ea typeface="Arial" panose="020B0604020202020204" pitchFamily="34" charset="0"/>
+              <a:cs typeface="Arial" panose="020B0604020202020204" pitchFamily="34" charset="0"/>
+            </a:endParaRPr>
+          </a:p>
+          <a:p>
+            <a:pPr marL="0" lvl="0" indent="0">
+              <a:lnSpc>
+                <a:spcPct val="100000"/>
+              </a:lnSpc>
+              <a:spcBef>
+                <a:spcPts val="300"/>
+              </a:spcBef>
+              <a:spcAft>
+                <a:spcPts val="800"/>
+              </a:spcAft>
+              <a:buSzPts val="1000"/>
+              <a:buNone/>
+              <a:tabLst>
+                <a:tab pos="457200" algn="l"/>
+              </a:tabLst>
             </a:pPr>
-            <a:endParaRPr lang="de-DE" dirty="0"/>
+            <a:endParaRPr lang="de-DE" sz="1100" dirty="0">
+              <a:effectLst/>
+              <a:ea typeface="Times New Roman" panose="02020603050405020304" pitchFamily="18" charset="0"/>
+              <a:cs typeface="Arial" panose="020B0604020202020204" pitchFamily="34" charset="0"/>
+            </a:endParaRPr>
           </a:p>
         </p:txBody>
       </p:sp>
     </p:spTree>
     <p:extLst>
       <p:ext uri="{BB962C8B-B14F-4D97-AF65-F5344CB8AC3E}">
-        <p14:creationId xmlns:p14="http://schemas.microsoft.com/office/powerpoint/2010/main" val="2713591442"/>
+        <p14:creationId xmlns:p14="http://schemas.microsoft.com/office/powerpoint/2010/main" val="2607963377"/>
       </p:ext>
     </p:extLst>
   </p:cSld>
@@ -5237,6 +7592,314 @@
 </file>
 
 <file path=ppt/slides/slide4.xml><?xml version="1.0" encoding="utf-8"?>
+<p:sld xmlns:a="http://schemas.openxmlformats.org/drawingml/2006/main" xmlns:r="http://schemas.openxmlformats.org/officeDocument/2006/relationships" xmlns:p="http://schemas.openxmlformats.org/presentationml/2006/main">
+  <p:cSld>
+    <p:spTree>
+      <p:nvGrpSpPr>
+        <p:cNvPr id="1" name=""/>
+        <p:cNvGrpSpPr/>
+        <p:nvPr/>
+      </p:nvGrpSpPr>
+      <p:grpSpPr>
+        <a:xfrm>
+          <a:off x="0" y="0"/>
+          <a:ext cx="0" cy="0"/>
+          <a:chOff x="0" y="0"/>
+          <a:chExt cx="0" cy="0"/>
+        </a:xfrm>
+      </p:grpSpPr>
+      <p:sp>
+        <p:nvSpPr>
+          <p:cNvPr id="2" name="Titel 1">
+            <a:extLst>
+              <a:ext uri="{FF2B5EF4-FFF2-40B4-BE49-F238E27FC236}">
+                <a16:creationId xmlns:a16="http://schemas.microsoft.com/office/drawing/2014/main" id="{C45EEC0D-DFF6-9EFA-1948-E75345E5F82E}"/>
+              </a:ext>
+            </a:extLst>
+          </p:cNvPr>
+          <p:cNvSpPr>
+            <a:spLocks noGrp="1"/>
+          </p:cNvSpPr>
+          <p:nvPr>
+            <p:ph type="title"/>
+          </p:nvPr>
+        </p:nvSpPr>
+        <p:spPr/>
+        <p:txBody>
+          <a:bodyPr/>
+          <a:lstStyle/>
+          <a:p>
+            <a:r>
+              <a:rPr lang="de-DE" dirty="0"/>
+              <a:t>Next </a:t>
+            </a:r>
+            <a:r>
+              <a:rPr lang="de-DE" dirty="0" err="1"/>
+              <a:t>steps</a:t>
+            </a:r>
+            <a:endParaRPr lang="de-DE" dirty="0"/>
+          </a:p>
+        </p:txBody>
+      </p:sp>
+      <p:sp>
+        <p:nvSpPr>
+          <p:cNvPr id="3" name="Inhaltsplatzhalter 2">
+            <a:extLst>
+              <a:ext uri="{FF2B5EF4-FFF2-40B4-BE49-F238E27FC236}">
+                <a16:creationId xmlns:a16="http://schemas.microsoft.com/office/drawing/2014/main" id="{4A6F4B08-1CFC-D72D-9BC9-79D8B61CBDC3}"/>
+              </a:ext>
+            </a:extLst>
+          </p:cNvPr>
+          <p:cNvSpPr>
+            <a:spLocks noGrp="1"/>
+          </p:cNvSpPr>
+          <p:nvPr>
+            <p:ph idx="1"/>
+          </p:nvPr>
+        </p:nvSpPr>
+        <p:spPr/>
+        <p:txBody>
+          <a:bodyPr>
+            <a:noAutofit/>
+          </a:bodyPr>
+          <a:lstStyle/>
+          <a:p>
+            <a:pPr marL="342900" indent="-342900">
+              <a:lnSpc>
+                <a:spcPct val="100000"/>
+              </a:lnSpc>
+              <a:spcBef>
+                <a:spcPts val="200"/>
+              </a:spcBef>
+              <a:buFont typeface="+mj-lt"/>
+              <a:buAutoNum type="arabicPeriod" startAt="3"/>
+            </a:pPr>
+            <a:r>
+              <a:rPr lang="de-DE" sz="1400" b="1" kern="100" dirty="0">
+                <a:solidFill>
+                  <a:srgbClr val="294E1C"/>
+                </a:solidFill>
+                <a:effectLst/>
+                <a:ea typeface="Times New Roman" panose="02020603050405020304" pitchFamily="18" charset="0"/>
+                <a:cs typeface="Arial" panose="020B0604020202020204" pitchFamily="34" charset="0"/>
+              </a:rPr>
+              <a:t>Data </a:t>
+            </a:r>
+            <a:r>
+              <a:rPr lang="de-DE" sz="1400" b="1" kern="100" dirty="0" err="1">
+                <a:solidFill>
+                  <a:srgbClr val="294E1C"/>
+                </a:solidFill>
+                <a:effectLst/>
+                <a:ea typeface="Times New Roman" panose="02020603050405020304" pitchFamily="18" charset="0"/>
+                <a:cs typeface="Arial" panose="020B0604020202020204" pitchFamily="34" charset="0"/>
+              </a:rPr>
+              <a:t>reduction</a:t>
+            </a:r>
+            <a:endParaRPr lang="de-DE" sz="1400" b="1" kern="100" dirty="0">
+              <a:solidFill>
+                <a:srgbClr val="294E1C"/>
+              </a:solidFill>
+              <a:effectLst/>
+              <a:ea typeface="Times New Roman" panose="02020603050405020304" pitchFamily="18" charset="0"/>
+              <a:cs typeface="Arial" panose="020B0604020202020204" pitchFamily="34" charset="0"/>
+            </a:endParaRPr>
+          </a:p>
+          <a:p>
+            <a:pPr lvl="1">
+              <a:lnSpc>
+                <a:spcPct val="100000"/>
+              </a:lnSpc>
+              <a:spcBef>
+                <a:spcPts val="200"/>
+              </a:spcBef>
+            </a:pPr>
+            <a:r>
+              <a:rPr lang="en-US" sz="1400" kern="100" dirty="0">
+                <a:solidFill>
+                  <a:srgbClr val="1F2328"/>
+                </a:solidFill>
+                <a:cs typeface="Arial" panose="020B0604020202020204" pitchFamily="34" charset="0"/>
+              </a:rPr>
+              <a:t>Try out methods to reduce the dimensionality of this data</a:t>
+            </a:r>
+            <a:endParaRPr lang="de-DE" sz="1400" kern="100" dirty="0">
+              <a:solidFill>
+                <a:srgbClr val="1F2328"/>
+              </a:solidFill>
+              <a:cs typeface="Arial" panose="020B0604020202020204" pitchFamily="34" charset="0"/>
+            </a:endParaRPr>
+          </a:p>
+          <a:p>
+            <a:pPr lvl="1">
+              <a:lnSpc>
+                <a:spcPct val="100000"/>
+              </a:lnSpc>
+              <a:spcBef>
+                <a:spcPts val="200"/>
+              </a:spcBef>
+            </a:pPr>
+            <a:r>
+              <a:rPr lang="en-US" sz="1400" kern="100" dirty="0">
+                <a:solidFill>
+                  <a:srgbClr val="1F2328"/>
+                </a:solidFill>
+                <a:cs typeface="Arial" panose="020B0604020202020204" pitchFamily="34" charset="0"/>
+              </a:rPr>
+              <a:t>Cluster your samples to identify similar and dis-similar groups</a:t>
+            </a:r>
+            <a:endParaRPr lang="de-DE" sz="1400" kern="100" dirty="0">
+              <a:solidFill>
+                <a:srgbClr val="1F2328"/>
+              </a:solidFill>
+              <a:cs typeface="Arial" panose="020B0604020202020204" pitchFamily="34" charset="0"/>
+            </a:endParaRPr>
+          </a:p>
+          <a:p>
+            <a:pPr lvl="1">
+              <a:lnSpc>
+                <a:spcPct val="100000"/>
+              </a:lnSpc>
+              <a:spcBef>
+                <a:spcPts val="200"/>
+              </a:spcBef>
+            </a:pPr>
+            <a:r>
+              <a:rPr lang="en-US" sz="1400" kern="100" dirty="0">
+                <a:solidFill>
+                  <a:srgbClr val="1F2328"/>
+                </a:solidFill>
+                <a:cs typeface="Arial" panose="020B0604020202020204" pitchFamily="34" charset="0"/>
+              </a:rPr>
+              <a:t>Check how well the groups separate based on the features of your interesting</a:t>
+            </a:r>
+          </a:p>
+          <a:p>
+            <a:pPr marL="457200" lvl="1" indent="0">
+              <a:lnSpc>
+                <a:spcPct val="100000"/>
+              </a:lnSpc>
+              <a:spcBef>
+                <a:spcPts val="200"/>
+              </a:spcBef>
+              <a:buNone/>
+            </a:pPr>
+            <a:endParaRPr lang="en-US" sz="1400" kern="100" dirty="0">
+              <a:solidFill>
+                <a:srgbClr val="1F2328"/>
+              </a:solidFill>
+              <a:cs typeface="Arial" panose="020B0604020202020204" pitchFamily="34" charset="0"/>
+            </a:endParaRPr>
+          </a:p>
+          <a:p>
+            <a:pPr marL="228600" marR="0" lvl="0" indent="-228600" algn="l" defTabSz="914400" rtl="0" eaLnBrk="1" fontAlgn="auto" latinLnBrk="0" hangingPunct="1">
+              <a:lnSpc>
+                <a:spcPct val="100000"/>
+              </a:lnSpc>
+              <a:spcBef>
+                <a:spcPts val="200"/>
+              </a:spcBef>
+              <a:spcAft>
+                <a:spcPts val="0"/>
+              </a:spcAft>
+              <a:buClrTx/>
+              <a:buSzTx/>
+              <a:buFont typeface="+mj-lt"/>
+              <a:buAutoNum type="arabicPeriod" startAt="3"/>
+              <a:tabLst/>
+              <a:defRPr/>
+            </a:pPr>
+            <a:r>
+              <a:rPr kumimoji="0" lang="de-DE" sz="1400" b="1" i="0" u="none" strike="noStrike" kern="100" cap="none" spc="0" normalizeH="0" baseline="0" noProof="0" dirty="0">
+                <a:ln>
+                  <a:noFill/>
+                </a:ln>
+                <a:solidFill>
+                  <a:srgbClr val="294E1C"/>
+                </a:solidFill>
+                <a:effectLst/>
+                <a:uLnTx/>
+                <a:uFillTx/>
+                <a:latin typeface="Calibri" panose="020F0502020204030204"/>
+                <a:ea typeface="Times New Roman" panose="02020603050405020304" pitchFamily="18" charset="0"/>
+                <a:cs typeface="Arial" panose="020B0604020202020204" pitchFamily="34" charset="0"/>
+              </a:rPr>
+              <a:t>Data </a:t>
+            </a:r>
+            <a:r>
+              <a:rPr kumimoji="0" lang="de-DE" sz="1400" b="1" i="0" u="none" strike="noStrike" kern="100" cap="none" spc="0" normalizeH="0" baseline="0" noProof="0" dirty="0" err="1">
+                <a:ln>
+                  <a:noFill/>
+                </a:ln>
+                <a:solidFill>
+                  <a:srgbClr val="294E1C"/>
+                </a:solidFill>
+                <a:effectLst/>
+                <a:uLnTx/>
+                <a:uFillTx/>
+                <a:latin typeface="Calibri" panose="020F0502020204030204"/>
+                <a:ea typeface="Times New Roman" panose="02020603050405020304" pitchFamily="18" charset="0"/>
+                <a:cs typeface="Arial" panose="020B0604020202020204" pitchFamily="34" charset="0"/>
+              </a:rPr>
+              <a:t>modelling</a:t>
+            </a:r>
+            <a:endParaRPr kumimoji="0" lang="de-DE" sz="1400" b="1" i="0" u="none" strike="noStrike" kern="100" cap="none" spc="0" normalizeH="0" baseline="0" noProof="0" dirty="0">
+              <a:ln>
+                <a:noFill/>
+              </a:ln>
+              <a:solidFill>
+                <a:srgbClr val="294E1C"/>
+              </a:solidFill>
+              <a:effectLst/>
+              <a:uLnTx/>
+              <a:uFillTx/>
+              <a:latin typeface="Calibri" panose="020F0502020204030204"/>
+              <a:ea typeface="Times New Roman" panose="02020603050405020304" pitchFamily="18" charset="0"/>
+              <a:cs typeface="Arial" panose="020B0604020202020204" pitchFamily="34" charset="0"/>
+            </a:endParaRPr>
+          </a:p>
+          <a:p>
+            <a:pPr marL="0" lvl="0" indent="0">
+              <a:lnSpc>
+                <a:spcPct val="120000"/>
+              </a:lnSpc>
+              <a:spcBef>
+                <a:spcPts val="300"/>
+              </a:spcBef>
+              <a:spcAft>
+                <a:spcPts val="800"/>
+              </a:spcAft>
+              <a:buSzPts val="1000"/>
+              <a:buNone/>
+              <a:tabLst>
+                <a:tab pos="457200" algn="l"/>
+              </a:tabLst>
+            </a:pPr>
+            <a:endParaRPr lang="de-DE" sz="1200" b="1" kern="100" dirty="0">
+              <a:solidFill>
+                <a:srgbClr val="294E1C"/>
+              </a:solidFill>
+              <a:effectLst/>
+              <a:ea typeface="Times New Roman" panose="02020603050405020304" pitchFamily="18" charset="0"/>
+              <a:cs typeface="Arial" panose="020B0604020202020204" pitchFamily="34" charset="0"/>
+            </a:endParaRPr>
+          </a:p>
+        </p:txBody>
+      </p:sp>
+    </p:spTree>
+    <p:extLst>
+      <p:ext uri="{BB962C8B-B14F-4D97-AF65-F5344CB8AC3E}">
+        <p14:creationId xmlns:p14="http://schemas.microsoft.com/office/powerpoint/2010/main" val="3450741912"/>
+      </p:ext>
+    </p:extLst>
+  </p:cSld>
+  <p:clrMapOvr>
+    <a:masterClrMapping/>
+  </p:clrMapOvr>
+</p:sld>
+</file>
+
+<file path=ppt/slides/slide5.xml><?xml version="1.0" encoding="utf-8"?>
 <p:sld xmlns:a="http://schemas.openxmlformats.org/drawingml/2006/main" xmlns:r="http://schemas.openxmlformats.org/officeDocument/2006/relationships" xmlns:p="http://schemas.openxmlformats.org/presentationml/2006/main">
   <p:cSld>
     <p:spTree>
@@ -5890,7 +8553,7 @@
 </p:sld>
 </file>
 
-<file path=ppt/slides/slide5.xml><?xml version="1.0" encoding="utf-8"?>
+<file path=ppt/slides/slide6.xml><?xml version="1.0" encoding="utf-8"?>
 <p:sld xmlns:a="http://schemas.openxmlformats.org/drawingml/2006/main" xmlns:r="http://schemas.openxmlformats.org/officeDocument/2006/relationships" xmlns:p="http://schemas.openxmlformats.org/presentationml/2006/main">
   <p:cSld>
     <p:spTree>
@@ -6136,7 +8799,7 @@
           </p:nvPr>
         </p:nvPicPr>
         <p:blipFill rotWithShape="1">
-          <a:blip r:embed="rId2">
+          <a:blip r:embed="rId3">
             <a:extLst>
               <a:ext uri="{28A0092B-C50C-407E-A947-70E740481C1C}">
                 <a14:useLocalDpi xmlns:a14="http://schemas.microsoft.com/office/drawing/2010/main" val="0"/>
@@ -6148,12 +8811,59 @@
         </p:blipFill>
         <p:spPr>
           <a:xfrm>
-            <a:off x="838200" y="2781328"/>
+            <a:off x="838200" y="2855973"/>
             <a:ext cx="5935824" cy="3820121"/>
           </a:xfrm>
           <a:prstGeom prst="rect">
             <a:avLst/>
           </a:prstGeom>
+        </p:spPr>
+      </p:pic>
+      <p:pic>
+        <p:nvPicPr>
+          <p:cNvPr id="1026" name="Picture 2" descr="Figure 1">
+            <a:extLst>
+              <a:ext uri="{FF2B5EF4-FFF2-40B4-BE49-F238E27FC236}">
+                <a16:creationId xmlns:a16="http://schemas.microsoft.com/office/drawing/2014/main" id="{65A16476-7280-D0FF-8D00-DD56B5546756}"/>
+              </a:ext>
+            </a:extLst>
+          </p:cNvPr>
+          <p:cNvPicPr>
+            <a:picLocks noChangeAspect="1" noChangeArrowheads="1"/>
+          </p:cNvPicPr>
+          <p:nvPr/>
+        </p:nvPicPr>
+        <p:blipFill>
+          <a:blip r:embed="rId4">
+            <a:extLst>
+              <a:ext uri="{28A0092B-C50C-407E-A947-70E740481C1C}">
+                <a14:useLocalDpi xmlns:a14="http://schemas.microsoft.com/office/drawing/2010/main" val="0"/>
+              </a:ext>
+            </a:extLst>
+          </a:blip>
+          <a:srcRect/>
+          <a:stretch>
+            <a:fillRect/>
+          </a:stretch>
+        </p:blipFill>
+        <p:spPr bwMode="auto">
+          <a:xfrm>
+            <a:off x="8945836" y="1556238"/>
+            <a:ext cx="2051199" cy="4713395"/>
+          </a:xfrm>
+          <a:prstGeom prst="rect">
+            <a:avLst/>
+          </a:prstGeom>
+          <a:noFill/>
+          <a:extLst>
+            <a:ext uri="{909E8E84-426E-40DD-AFC4-6F175D3DCCD1}">
+              <a14:hiddenFill xmlns:a14="http://schemas.microsoft.com/office/drawing/2010/main">
+                <a:solidFill>
+                  <a:srgbClr val="FFFFFF"/>
+                </a:solidFill>
+              </a14:hiddenFill>
+            </a:ext>
+          </a:extLst>
         </p:spPr>
       </p:pic>
     </p:spTree>
@@ -6169,7 +8879,7 @@
 </p:sld>
 </file>
 
-<file path=ppt/slides/slide6.xml><?xml version="1.0" encoding="utf-8"?>
+<file path=ppt/slides/slide7.xml><?xml version="1.0" encoding="utf-8"?>
 <p:sld xmlns:a="http://schemas.openxmlformats.org/drawingml/2006/main" xmlns:r="http://schemas.openxmlformats.org/officeDocument/2006/relationships" xmlns:p="http://schemas.openxmlformats.org/presentationml/2006/main">
   <p:cSld>
     <p:spTree>
@@ -6404,7 +9114,7 @@
 </p:sld>
 </file>
 
-<file path=ppt/slides/slide7.xml><?xml version="1.0" encoding="utf-8"?>
+<file path=ppt/slides/slide8.xml><?xml version="1.0" encoding="utf-8"?>
 <p:sld xmlns:a="http://schemas.openxmlformats.org/drawingml/2006/main" xmlns:r="http://schemas.openxmlformats.org/officeDocument/2006/relationships" xmlns:p="http://schemas.openxmlformats.org/presentationml/2006/main">
   <p:cSld>
     <p:spTree>
@@ -6658,7 +9368,7 @@
 </p:sld>
 </file>
 
-<file path=ppt/slides/slide8.xml><?xml version="1.0" encoding="utf-8"?>
+<file path=ppt/slides/slide9.xml><?xml version="1.0" encoding="utf-8"?>
 <p:sld xmlns:a="http://schemas.openxmlformats.org/drawingml/2006/main" xmlns:r="http://schemas.openxmlformats.org/officeDocument/2006/relationships" xmlns:p="http://schemas.openxmlformats.org/presentationml/2006/main">
   <p:cSld>
     <p:spTree>
@@ -6888,246 +9598,6 @@
     <p:extLst>
       <p:ext uri="{BB962C8B-B14F-4D97-AF65-F5344CB8AC3E}">
         <p14:creationId xmlns:p14="http://schemas.microsoft.com/office/powerpoint/2010/main" val="3436260886"/>
-      </p:ext>
-    </p:extLst>
-  </p:cSld>
-  <p:clrMapOvr>
-    <a:masterClrMapping/>
-  </p:clrMapOvr>
-</p:sld>
-</file>
-
-<file path=ppt/slides/slide9.xml><?xml version="1.0" encoding="utf-8"?>
-<p:sld xmlns:a="http://schemas.openxmlformats.org/drawingml/2006/main" xmlns:r="http://schemas.openxmlformats.org/officeDocument/2006/relationships" xmlns:p="http://schemas.openxmlformats.org/presentationml/2006/main">
-  <p:cSld>
-    <p:spTree>
-      <p:nvGrpSpPr>
-        <p:cNvPr id="1" name=""/>
-        <p:cNvGrpSpPr/>
-        <p:nvPr/>
-      </p:nvGrpSpPr>
-      <p:grpSpPr>
-        <a:xfrm>
-          <a:off x="0" y="0"/>
-          <a:ext cx="0" cy="0"/>
-          <a:chOff x="0" y="0"/>
-          <a:chExt cx="0" cy="0"/>
-        </a:xfrm>
-      </p:grpSpPr>
-      <p:sp>
-        <p:nvSpPr>
-          <p:cNvPr id="2" name="Titel 1">
-            <a:extLst>
-              <a:ext uri="{FF2B5EF4-FFF2-40B4-BE49-F238E27FC236}">
-                <a16:creationId xmlns:a16="http://schemas.microsoft.com/office/drawing/2014/main" id="{EA79D227-51F1-8762-A9A1-4CEE300E4BEB}"/>
-              </a:ext>
-            </a:extLst>
-          </p:cNvPr>
-          <p:cNvSpPr>
-            <a:spLocks noGrp="1"/>
-          </p:cNvSpPr>
-          <p:nvPr>
-            <p:ph type="title"/>
-          </p:nvPr>
-        </p:nvSpPr>
-        <p:spPr/>
-        <p:txBody>
-          <a:bodyPr/>
-          <a:lstStyle/>
-          <a:p>
-            <a:r>
-              <a:rPr lang="de-DE" dirty="0" err="1"/>
-              <a:t>prism.drug.means</a:t>
-            </a:r>
-            <a:endParaRPr lang="de-DE" dirty="0"/>
-          </a:p>
-        </p:txBody>
-      </p:sp>
-      <p:pic>
-        <p:nvPicPr>
-          <p:cNvPr id="5" name="Inhaltsplatzhalter 4">
-            <a:extLst>
-              <a:ext uri="{FF2B5EF4-FFF2-40B4-BE49-F238E27FC236}">
-                <a16:creationId xmlns:a16="http://schemas.microsoft.com/office/drawing/2014/main" id="{2A839A62-E503-E2A7-39FD-C7807537F1F2}"/>
-              </a:ext>
-            </a:extLst>
-          </p:cNvPr>
-          <p:cNvPicPr>
-            <a:picLocks noGrp="1" noChangeAspect="1"/>
-          </p:cNvPicPr>
-          <p:nvPr>
-            <p:ph idx="1"/>
-          </p:nvPr>
-        </p:nvPicPr>
-        <p:blipFill>
-          <a:blip r:embed="rId2">
-            <a:extLst>
-              <a:ext uri="{28A0092B-C50C-407E-A947-70E740481C1C}">
-                <a14:useLocalDpi xmlns:a14="http://schemas.microsoft.com/office/drawing/2010/main" val="0"/>
-              </a:ext>
-            </a:extLst>
-          </a:blip>
-          <a:stretch>
-            <a:fillRect/>
-          </a:stretch>
-        </p:blipFill>
-        <p:spPr>
-          <a:xfrm>
-            <a:off x="408992" y="2782161"/>
-            <a:ext cx="6141098" cy="3794321"/>
-          </a:xfrm>
-        </p:spPr>
-      </p:pic>
-      <p:graphicFrame>
-        <p:nvGraphicFramePr>
-          <p:cNvPr id="7" name="Inhaltsplatzhalter 7">
-            <a:extLst>
-              <a:ext uri="{FF2B5EF4-FFF2-40B4-BE49-F238E27FC236}">
-                <a16:creationId xmlns:a16="http://schemas.microsoft.com/office/drawing/2014/main" id="{E998CCA8-6D09-5153-71D3-930CD39606E7}"/>
-              </a:ext>
-            </a:extLst>
-          </p:cNvPr>
-          <p:cNvGraphicFramePr>
-            <a:graphicFrameLocks/>
-          </p:cNvGraphicFramePr>
-          <p:nvPr>
-            <p:extLst>
-              <p:ext uri="{D42A27DB-BD31-4B8C-83A1-F6EECF244321}">
-                <p14:modId xmlns:p14="http://schemas.microsoft.com/office/powerpoint/2010/main" val="1571976438"/>
-              </p:ext>
-            </p:extLst>
-          </p:nvPr>
-        </p:nvGraphicFramePr>
-        <p:xfrm>
-          <a:off x="838200" y="1556238"/>
-          <a:ext cx="4396273" cy="741680"/>
-        </p:xfrm>
-        <a:graphic>
-          <a:graphicData uri="http://schemas.openxmlformats.org/drawingml/2006/table">
-            <a:tbl>
-              <a:tblPr firstRow="1" bandRow="1">
-                <a:tableStyleId>{F5AB1C69-6EDB-4FF4-983F-18BD219EF322}</a:tableStyleId>
-              </a:tblPr>
-              <a:tblGrid>
-                <a:gridCol w="1427445">
-                  <a:extLst>
-                    <a:ext uri="{9D8B030D-6E8A-4147-A177-3AD203B41FA5}">
-                      <a16:colId xmlns:a16="http://schemas.microsoft.com/office/drawing/2014/main" val="1690613930"/>
-                    </a:ext>
-                  </a:extLst>
-                </a:gridCol>
-                <a:gridCol w="2968828">
-                  <a:extLst>
-                    <a:ext uri="{9D8B030D-6E8A-4147-A177-3AD203B41FA5}">
-                      <a16:colId xmlns:a16="http://schemas.microsoft.com/office/drawing/2014/main" val="981900185"/>
-                    </a:ext>
-                  </a:extLst>
-                </a:gridCol>
-              </a:tblGrid>
-              <a:tr h="370840">
-                <a:tc>
-                  <a:txBody>
-                    <a:bodyPr/>
-                    <a:lstStyle/>
-                    <a:p>
-                      <a:endParaRPr lang="de-DE" dirty="0"/>
-                    </a:p>
-                  </a:txBody>
-                  <a:tcPr/>
-                </a:tc>
-                <a:tc>
-                  <a:txBody>
-                    <a:bodyPr/>
-                    <a:lstStyle/>
-                    <a:p>
-                      <a:r>
-                        <a:rPr lang="de-DE" dirty="0"/>
-                        <a:t>Treatment </a:t>
-                      </a:r>
-                      <a:r>
-                        <a:rPr lang="de-DE" dirty="0" err="1"/>
-                        <a:t>mean</a:t>
-                      </a:r>
-                      <a:endParaRPr lang="de-DE" dirty="0"/>
-                    </a:p>
-                  </a:txBody>
-                  <a:tcPr/>
-                </a:tc>
-                <a:extLst>
-                  <a:ext uri="{0D108BD9-81ED-4DB2-BD59-A6C34878D82A}">
-                    <a16:rowId xmlns:a16="http://schemas.microsoft.com/office/drawing/2014/main" val="1940948449"/>
-                  </a:ext>
-                </a:extLst>
-              </a:tr>
-              <a:tr h="370840">
-                <a:tc>
-                  <a:txBody>
-                    <a:bodyPr/>
-                    <a:lstStyle/>
-                    <a:p>
-                      <a:r>
-                        <a:rPr lang="de-DE" b="1" dirty="0" err="1">
-                          <a:solidFill>
-                            <a:schemeClr val="bg1"/>
-                          </a:solidFill>
-                        </a:rPr>
-                        <a:t>Cell</a:t>
-                      </a:r>
-                      <a:r>
-                        <a:rPr lang="de-DE" b="1" dirty="0">
-                          <a:solidFill>
-                            <a:schemeClr val="bg1"/>
-                          </a:solidFill>
-                        </a:rPr>
-                        <a:t> </a:t>
-                      </a:r>
-                      <a:r>
-                        <a:rPr lang="de-DE" b="1" dirty="0" err="1">
-                          <a:solidFill>
-                            <a:schemeClr val="bg1"/>
-                          </a:solidFill>
-                        </a:rPr>
-                        <a:t>lines</a:t>
-                      </a:r>
-                      <a:endParaRPr lang="de-DE" b="1" dirty="0">
-                        <a:solidFill>
-                          <a:schemeClr val="bg1"/>
-                        </a:solidFill>
-                      </a:endParaRPr>
-                    </a:p>
-                  </a:txBody>
-                  <a:tcPr>
-                    <a:solidFill>
-                      <a:schemeClr val="bg1">
-                        <a:lumMod val="65000"/>
-                      </a:schemeClr>
-                    </a:solidFill>
-                  </a:tcPr>
-                </a:tc>
-                <a:tc>
-                  <a:txBody>
-                    <a:bodyPr/>
-                    <a:lstStyle/>
-                    <a:p>
-                      <a:endParaRPr lang="de-DE" dirty="0"/>
-                    </a:p>
-                  </a:txBody>
-                  <a:tcPr/>
-                </a:tc>
-                <a:extLst>
-                  <a:ext uri="{0D108BD9-81ED-4DB2-BD59-A6C34878D82A}">
-                    <a16:rowId xmlns:a16="http://schemas.microsoft.com/office/drawing/2014/main" val="3913900156"/>
-                  </a:ext>
-                </a:extLst>
-              </a:tr>
-            </a:tbl>
-          </a:graphicData>
-        </a:graphic>
-      </p:graphicFrame>
-    </p:spTree>
-    <p:extLst>
-      <p:ext uri="{BB962C8B-B14F-4D97-AF65-F5344CB8AC3E}">
-        <p14:creationId xmlns:p14="http://schemas.microsoft.com/office/powerpoint/2010/main" val="1528850621"/>
       </p:ext>
     </p:extLst>
   </p:cSld>
@@ -7430,4 +9900,299 @@
     </a:ext>
   </a:extLst>
 </a:theme>
+</file>
+
+<file path=ppt/theme/theme2.xml><?xml version="1.0" encoding="utf-8"?>
+<a:theme xmlns:a="http://schemas.openxmlformats.org/drawingml/2006/main" name="Office">
+  <a:themeElements>
+    <a:clrScheme name="Office">
+      <a:dk1>
+        <a:sysClr val="windowText" lastClr="000000"/>
+      </a:dk1>
+      <a:lt1>
+        <a:sysClr val="window" lastClr="FFFFFF"/>
+      </a:lt1>
+      <a:dk2>
+        <a:srgbClr val="44546A"/>
+      </a:dk2>
+      <a:lt2>
+        <a:srgbClr val="E7E6E6"/>
+      </a:lt2>
+      <a:accent1>
+        <a:srgbClr val="4472C4"/>
+      </a:accent1>
+      <a:accent2>
+        <a:srgbClr val="ED7D31"/>
+      </a:accent2>
+      <a:accent3>
+        <a:srgbClr val="A5A5A5"/>
+      </a:accent3>
+      <a:accent4>
+        <a:srgbClr val="FFC000"/>
+      </a:accent4>
+      <a:accent5>
+        <a:srgbClr val="5B9BD5"/>
+      </a:accent5>
+      <a:accent6>
+        <a:srgbClr val="70AD47"/>
+      </a:accent6>
+      <a:hlink>
+        <a:srgbClr val="0563C1"/>
+      </a:hlink>
+      <a:folHlink>
+        <a:srgbClr val="954F72"/>
+      </a:folHlink>
+    </a:clrScheme>
+    <a:fontScheme name="Office">
+      <a:majorFont>
+        <a:latin typeface="Calibri Light" panose="020F0302020204030204"/>
+        <a:ea typeface=""/>
+        <a:cs typeface=""/>
+        <a:font script="Jpan" typeface="游ゴシック Light"/>
+        <a:font script="Hang" typeface="맑은 고딕"/>
+        <a:font script="Hans" typeface="等线 Light"/>
+        <a:font script="Hant" typeface="新細明體"/>
+        <a:font script="Arab" typeface="Times New Roman"/>
+        <a:font script="Hebr" typeface="Times New Roman"/>
+        <a:font script="Thai" typeface="Angsana New"/>
+        <a:font script="Ethi" typeface="Nyala"/>
+        <a:font script="Beng" typeface="Vrinda"/>
+        <a:font script="Gujr" typeface="Shruti"/>
+        <a:font script="Khmr" typeface="MoolBoran"/>
+        <a:font script="Knda" typeface="Tunga"/>
+        <a:font script="Guru" typeface="Raavi"/>
+        <a:font script="Cans" typeface="Euphemia"/>
+        <a:font script="Cher" typeface="Plantagenet Cherokee"/>
+        <a:font script="Yiii" typeface="Microsoft Yi Baiti"/>
+        <a:font script="Tibt" typeface="Microsoft Himalaya"/>
+        <a:font script="Thaa" typeface="MV Boli"/>
+        <a:font script="Deva" typeface="Mangal"/>
+        <a:font script="Telu" typeface="Gautami"/>
+        <a:font script="Taml" typeface="Latha"/>
+        <a:font script="Syrc" typeface="Estrangelo Edessa"/>
+        <a:font script="Orya" typeface="Kalinga"/>
+        <a:font script="Mlym" typeface="Kartika"/>
+        <a:font script="Laoo" typeface="DokChampa"/>
+        <a:font script="Sinh" typeface="Iskoola Pota"/>
+        <a:font script="Mong" typeface="Mongolian Baiti"/>
+        <a:font script="Viet" typeface="Times New Roman"/>
+        <a:font script="Uigh" typeface="Microsoft Uighur"/>
+        <a:font script="Geor" typeface="Sylfaen"/>
+        <a:font script="Armn" typeface="Arial"/>
+        <a:font script="Bugi" typeface="Leelawadee UI"/>
+        <a:font script="Bopo" typeface="Microsoft JhengHei"/>
+        <a:font script="Java" typeface="Javanese Text"/>
+        <a:font script="Lisu" typeface="Segoe UI"/>
+        <a:font script="Mymr" typeface="Myanmar Text"/>
+        <a:font script="Nkoo" typeface="Ebrima"/>
+        <a:font script="Olck" typeface="Nirmala UI"/>
+        <a:font script="Osma" typeface="Ebrima"/>
+        <a:font script="Phag" typeface="Phagspa"/>
+        <a:font script="Syrn" typeface="Estrangelo Edessa"/>
+        <a:font script="Syrj" typeface="Estrangelo Edessa"/>
+        <a:font script="Syre" typeface="Estrangelo Edessa"/>
+        <a:font script="Sora" typeface="Nirmala UI"/>
+        <a:font script="Tale" typeface="Microsoft Tai Le"/>
+        <a:font script="Talu" typeface="Microsoft New Tai Lue"/>
+        <a:font script="Tfng" typeface="Ebrima"/>
+      </a:majorFont>
+      <a:minorFont>
+        <a:latin typeface="Calibri" panose="020F0502020204030204"/>
+        <a:ea typeface=""/>
+        <a:cs typeface=""/>
+        <a:font script="Jpan" typeface="游ゴシック"/>
+        <a:font script="Hang" typeface="맑은 고딕"/>
+        <a:font script="Hans" typeface="等线"/>
+        <a:font script="Hant" typeface="新細明體"/>
+        <a:font script="Arab" typeface="Arial"/>
+        <a:font script="Hebr" typeface="Arial"/>
+        <a:font script="Thai" typeface="Cordia New"/>
+        <a:font script="Ethi" typeface="Nyala"/>
+        <a:font script="Beng" typeface="Vrinda"/>
+        <a:font script="Gujr" typeface="Shruti"/>
+        <a:font script="Khmr" typeface="DaunPenh"/>
+        <a:font script="Knda" typeface="Tunga"/>
+        <a:font script="Guru" typeface="Raavi"/>
+        <a:font script="Cans" typeface="Euphemia"/>
+        <a:font script="Cher" typeface="Plantagenet Cherokee"/>
+        <a:font script="Yiii" typeface="Microsoft Yi Baiti"/>
+        <a:font script="Tibt" typeface="Microsoft Himalaya"/>
+        <a:font script="Thaa" typeface="MV Boli"/>
+        <a:font script="Deva" typeface="Mangal"/>
+        <a:font script="Telu" typeface="Gautami"/>
+        <a:font script="Taml" typeface="Latha"/>
+        <a:font script="Syrc" typeface="Estrangelo Edessa"/>
+        <a:font script="Orya" typeface="Kalinga"/>
+        <a:font script="Mlym" typeface="Kartika"/>
+        <a:font script="Laoo" typeface="DokChampa"/>
+        <a:font script="Sinh" typeface="Iskoola Pota"/>
+        <a:font script="Mong" typeface="Mongolian Baiti"/>
+        <a:font script="Viet" typeface="Arial"/>
+        <a:font script="Uigh" typeface="Microsoft Uighur"/>
+        <a:font script="Geor" typeface="Sylfaen"/>
+        <a:font script="Armn" typeface="Arial"/>
+        <a:font script="Bugi" typeface="Leelawadee UI"/>
+        <a:font script="Bopo" typeface="Microsoft JhengHei"/>
+        <a:font script="Java" typeface="Javanese Text"/>
+        <a:font script="Lisu" typeface="Segoe UI"/>
+        <a:font script="Mymr" typeface="Myanmar Text"/>
+        <a:font script="Nkoo" typeface="Ebrima"/>
+        <a:font script="Olck" typeface="Nirmala UI"/>
+        <a:font script="Osma" typeface="Ebrima"/>
+        <a:font script="Phag" typeface="Phagspa"/>
+        <a:font script="Syrn" typeface="Estrangelo Edessa"/>
+        <a:font script="Syrj" typeface="Estrangelo Edessa"/>
+        <a:font script="Syre" typeface="Estrangelo Edessa"/>
+        <a:font script="Sora" typeface="Nirmala UI"/>
+        <a:font script="Tale" typeface="Microsoft Tai Le"/>
+        <a:font script="Talu" typeface="Microsoft New Tai Lue"/>
+        <a:font script="Tfng" typeface="Ebrima"/>
+      </a:minorFont>
+    </a:fontScheme>
+    <a:fmtScheme name="Office">
+      <a:fillStyleLst>
+        <a:solidFill>
+          <a:schemeClr val="phClr"/>
+        </a:solidFill>
+        <a:gradFill rotWithShape="1">
+          <a:gsLst>
+            <a:gs pos="0">
+              <a:schemeClr val="phClr">
+                <a:lumMod val="110000"/>
+                <a:satMod val="105000"/>
+                <a:tint val="67000"/>
+              </a:schemeClr>
+            </a:gs>
+            <a:gs pos="50000">
+              <a:schemeClr val="phClr">
+                <a:lumMod val="105000"/>
+                <a:satMod val="103000"/>
+                <a:tint val="73000"/>
+              </a:schemeClr>
+            </a:gs>
+            <a:gs pos="100000">
+              <a:schemeClr val="phClr">
+                <a:lumMod val="105000"/>
+                <a:satMod val="109000"/>
+                <a:tint val="81000"/>
+              </a:schemeClr>
+            </a:gs>
+          </a:gsLst>
+          <a:lin ang="5400000" scaled="0"/>
+        </a:gradFill>
+        <a:gradFill rotWithShape="1">
+          <a:gsLst>
+            <a:gs pos="0">
+              <a:schemeClr val="phClr">
+                <a:satMod val="103000"/>
+                <a:lumMod val="102000"/>
+                <a:tint val="94000"/>
+              </a:schemeClr>
+            </a:gs>
+            <a:gs pos="50000">
+              <a:schemeClr val="phClr">
+                <a:satMod val="110000"/>
+                <a:lumMod val="100000"/>
+                <a:shade val="100000"/>
+              </a:schemeClr>
+            </a:gs>
+            <a:gs pos="100000">
+              <a:schemeClr val="phClr">
+                <a:lumMod val="99000"/>
+                <a:satMod val="120000"/>
+                <a:shade val="78000"/>
+              </a:schemeClr>
+            </a:gs>
+          </a:gsLst>
+          <a:lin ang="5400000" scaled="0"/>
+        </a:gradFill>
+      </a:fillStyleLst>
+      <a:lnStyleLst>
+        <a:ln w="6350" cap="flat" cmpd="sng" algn="ctr">
+          <a:solidFill>
+            <a:schemeClr val="phClr"/>
+          </a:solidFill>
+          <a:prstDash val="solid"/>
+          <a:miter lim="800000"/>
+        </a:ln>
+        <a:ln w="12700" cap="flat" cmpd="sng" algn="ctr">
+          <a:solidFill>
+            <a:schemeClr val="phClr"/>
+          </a:solidFill>
+          <a:prstDash val="solid"/>
+          <a:miter lim="800000"/>
+        </a:ln>
+        <a:ln w="19050" cap="flat" cmpd="sng" algn="ctr">
+          <a:solidFill>
+            <a:schemeClr val="phClr"/>
+          </a:solidFill>
+          <a:prstDash val="solid"/>
+          <a:miter lim="800000"/>
+        </a:ln>
+      </a:lnStyleLst>
+      <a:effectStyleLst>
+        <a:effectStyle>
+          <a:effectLst/>
+        </a:effectStyle>
+        <a:effectStyle>
+          <a:effectLst/>
+        </a:effectStyle>
+        <a:effectStyle>
+          <a:effectLst>
+            <a:outerShdw blurRad="57150" dist="19050" dir="5400000" algn="ctr" rotWithShape="0">
+              <a:srgbClr val="000000">
+                <a:alpha val="63000"/>
+              </a:srgbClr>
+            </a:outerShdw>
+          </a:effectLst>
+        </a:effectStyle>
+      </a:effectStyleLst>
+      <a:bgFillStyleLst>
+        <a:solidFill>
+          <a:schemeClr val="phClr"/>
+        </a:solidFill>
+        <a:solidFill>
+          <a:schemeClr val="phClr">
+            <a:tint val="95000"/>
+            <a:satMod val="170000"/>
+          </a:schemeClr>
+        </a:solidFill>
+        <a:gradFill rotWithShape="1">
+          <a:gsLst>
+            <a:gs pos="0">
+              <a:schemeClr val="phClr">
+                <a:tint val="93000"/>
+                <a:satMod val="150000"/>
+                <a:shade val="98000"/>
+                <a:lumMod val="102000"/>
+              </a:schemeClr>
+            </a:gs>
+            <a:gs pos="50000">
+              <a:schemeClr val="phClr">
+                <a:tint val="98000"/>
+                <a:satMod val="130000"/>
+                <a:shade val="90000"/>
+                <a:lumMod val="103000"/>
+              </a:schemeClr>
+            </a:gs>
+            <a:gs pos="100000">
+              <a:schemeClr val="phClr">
+                <a:shade val="63000"/>
+                <a:satMod val="120000"/>
+              </a:schemeClr>
+            </a:gs>
+          </a:gsLst>
+          <a:lin ang="5400000" scaled="0"/>
+        </a:gradFill>
+      </a:bgFillStyleLst>
+    </a:fmtScheme>
+  </a:themeElements>
+  <a:objectDefaults/>
+  <a:extraClrSchemeLst/>
+  <a:extLst>
+    <a:ext uri="{05A4C25C-085E-4340-85A3-A5531E510DB2}">
+      <thm15:themeFamily xmlns:thm15="http://schemas.microsoft.com/office/thememl/2012/main" name="Office Theme" id="{62F939B6-93AF-4DB8-9C6B-D6C7DFDC589F}" vid="{4A3C46E8-61CC-4603-A589-7422A47A8E4A}"/>
+    </a:ext>
+  </a:extLst>
+</a:theme>
 </file>
--- a/project proposal.pptx
+++ b/project proposal.pptx
@@ -5,7 +5,7 @@
     <p:sldMasterId id="2147483648" r:id="rId1"/>
   </p:sldMasterIdLst>
   <p:notesMasterIdLst>
-    <p:notesMasterId r:id="rId18"/>
+    <p:notesMasterId r:id="rId19"/>
   </p:notesMasterIdLst>
   <p:sldIdLst>
     <p:sldId id="256" r:id="rId2"/>
@@ -13,17 +13,18 @@
     <p:sldId id="259" r:id="rId4"/>
     <p:sldId id="280" r:id="rId5"/>
     <p:sldId id="260" r:id="rId6"/>
-    <p:sldId id="265" r:id="rId7"/>
-    <p:sldId id="270" r:id="rId8"/>
-    <p:sldId id="264" r:id="rId9"/>
-    <p:sldId id="272" r:id="rId10"/>
-    <p:sldId id="274" r:id="rId11"/>
-    <p:sldId id="275" r:id="rId12"/>
-    <p:sldId id="276" r:id="rId13"/>
-    <p:sldId id="258" r:id="rId14"/>
-    <p:sldId id="277" r:id="rId15"/>
-    <p:sldId id="278" r:id="rId16"/>
-    <p:sldId id="257" r:id="rId17"/>
+    <p:sldId id="281" r:id="rId7"/>
+    <p:sldId id="265" r:id="rId8"/>
+    <p:sldId id="270" r:id="rId9"/>
+    <p:sldId id="264" r:id="rId10"/>
+    <p:sldId id="272" r:id="rId11"/>
+    <p:sldId id="274" r:id="rId12"/>
+    <p:sldId id="275" r:id="rId13"/>
+    <p:sldId id="276" r:id="rId14"/>
+    <p:sldId id="258" r:id="rId15"/>
+    <p:sldId id="277" r:id="rId16"/>
+    <p:sldId id="278" r:id="rId17"/>
+    <p:sldId id="257" r:id="rId18"/>
   </p:sldIdLst>
   <p:sldSz cx="12192000" cy="6858000"/>
   <p:notesSz cx="6858000" cy="9144000"/>
@@ -534,97 +535,7 @@
           <a:bodyPr/>
           <a:lstStyle/>
           <a:p>
-            <a:r>
-              <a:rPr lang="de-DE" b="0" i="0" dirty="0" err="1">
-                <a:solidFill>
-                  <a:srgbClr val="1F2328"/>
-                </a:solidFill>
-                <a:effectLst/>
-                <a:latin typeface="-apple-system"/>
-              </a:rPr>
-              <a:t>drug</a:t>
-            </a:r>
-            <a:r>
-              <a:rPr lang="de-DE" b="0" i="0" dirty="0">
-                <a:solidFill>
-                  <a:srgbClr val="1F2328"/>
-                </a:solidFill>
-                <a:effectLst/>
-                <a:latin typeface="-apple-system"/>
-              </a:rPr>
-              <a:t> </a:t>
-            </a:r>
-            <a:r>
-              <a:rPr lang="de-DE" b="0" i="0" dirty="0" err="1">
-                <a:solidFill>
-                  <a:srgbClr val="1F2328"/>
-                </a:solidFill>
-                <a:effectLst/>
-                <a:latin typeface="-apple-system"/>
-              </a:rPr>
-              <a:t>repurposing</a:t>
-            </a:r>
-            <a:r>
-              <a:rPr lang="de-DE" b="0" i="0" dirty="0">
-                <a:solidFill>
-                  <a:srgbClr val="1F2328"/>
-                </a:solidFill>
-                <a:effectLst/>
-                <a:latin typeface="-apple-system"/>
-              </a:rPr>
-              <a:t>? </a:t>
-            </a:r>
-          </a:p>
-          <a:p>
-            <a:r>
-              <a:rPr lang="de-DE" b="0" i="0" dirty="0">
-                <a:solidFill>
-                  <a:srgbClr val="1F2328"/>
-                </a:solidFill>
-                <a:effectLst/>
-                <a:latin typeface="-apple-system"/>
-              </a:rPr>
-              <a:t>General </a:t>
-            </a:r>
-            <a:r>
-              <a:rPr lang="de-DE" b="0" i="0" dirty="0" err="1">
-                <a:solidFill>
-                  <a:srgbClr val="1F2328"/>
-                </a:solidFill>
-                <a:effectLst/>
-                <a:latin typeface="-apple-system"/>
-              </a:rPr>
-              <a:t>benefits</a:t>
-            </a:r>
-            <a:endParaRPr lang="de-DE" b="0" i="0" dirty="0">
-              <a:solidFill>
-                <a:srgbClr val="1F2328"/>
-              </a:solidFill>
-              <a:effectLst/>
-              <a:latin typeface="-apple-system"/>
-            </a:endParaRPr>
-          </a:p>
-          <a:p>
-            <a:endParaRPr lang="de-DE" b="0" i="0" dirty="0">
-              <a:solidFill>
-                <a:srgbClr val="1F2328"/>
-              </a:solidFill>
-              <a:effectLst/>
-              <a:latin typeface="-apple-system"/>
-            </a:endParaRPr>
-          </a:p>
-          <a:p>
-            <a:r>
-              <a:rPr lang="de-DE" b="0" i="0" dirty="0">
-                <a:solidFill>
-                  <a:srgbClr val="1F2328"/>
-                </a:solidFill>
-                <a:effectLst/>
-                <a:latin typeface="-apple-system"/>
-              </a:rPr>
-              <a:t>schöner</a:t>
-            </a:r>
-            <a:endParaRPr lang="de-DE" dirty="0"/>
+            <a:endParaRPr lang="en-US" dirty="0"/>
           </a:p>
         </p:txBody>
       </p:sp>
@@ -645,7 +556,7 @@
           <a:p>
             <a:fld id="{4A4EC913-459A-40DA-A3CA-E9F2E31122D3}" type="slidenum">
               <a:rPr lang="de-DE" smtClean="0"/>
-              <a:t>3</a:t>
+              <a:t>2</a:t>
             </a:fld>
             <a:endParaRPr lang="de-DE"/>
           </a:p>
@@ -654,7 +565,7 @@
     </p:spTree>
     <p:extLst>
       <p:ext uri="{BB962C8B-B14F-4D97-AF65-F5344CB8AC3E}">
-        <p14:creationId xmlns:p14="http://schemas.microsoft.com/office/powerpoint/2010/main" val="287303236"/>
+        <p14:creationId xmlns:p14="http://schemas.microsoft.com/office/powerpoint/2010/main" val="3214482172"/>
       </p:ext>
     </p:extLst>
   </p:cSld>
@@ -710,7 +621,7 @@
           <a:p>
             <a:r>
               <a:rPr lang="de-DE" dirty="0"/>
-              <a:t>J,F</a:t>
+              <a:t>F</a:t>
             </a:r>
           </a:p>
         </p:txBody>
@@ -732,7 +643,7 @@
           <a:p>
             <a:fld id="{4A4EC913-459A-40DA-A3CA-E9F2E31122D3}" type="slidenum">
               <a:rPr lang="de-DE" smtClean="0"/>
-              <a:t>12</a:t>
+              <a:t>11</a:t>
             </a:fld>
             <a:endParaRPr lang="de-DE"/>
           </a:p>
@@ -741,7 +652,7 @@
     </p:spTree>
     <p:extLst>
       <p:ext uri="{BB962C8B-B14F-4D97-AF65-F5344CB8AC3E}">
-        <p14:creationId xmlns:p14="http://schemas.microsoft.com/office/powerpoint/2010/main" val="2766193051"/>
+        <p14:creationId xmlns:p14="http://schemas.microsoft.com/office/powerpoint/2010/main" val="988579094"/>
       </p:ext>
     </p:extLst>
   </p:cSld>
@@ -797,7 +708,7 @@
           <a:p>
             <a:r>
               <a:rPr lang="de-DE" dirty="0"/>
-              <a:t>J</a:t>
+              <a:t>J,F</a:t>
             </a:r>
           </a:p>
         </p:txBody>
@@ -819,7 +730,7 @@
           <a:p>
             <a:fld id="{4A4EC913-459A-40DA-A3CA-E9F2E31122D3}" type="slidenum">
               <a:rPr lang="de-DE" smtClean="0"/>
-              <a:t>13</a:t>
+              <a:t>12</a:t>
             </a:fld>
             <a:endParaRPr lang="de-DE"/>
           </a:p>
@@ -828,7 +739,7 @@
     </p:spTree>
     <p:extLst>
       <p:ext uri="{BB962C8B-B14F-4D97-AF65-F5344CB8AC3E}">
-        <p14:creationId xmlns:p14="http://schemas.microsoft.com/office/powerpoint/2010/main" val="658024605"/>
+        <p14:creationId xmlns:p14="http://schemas.microsoft.com/office/powerpoint/2010/main" val="82889496"/>
       </p:ext>
     </p:extLst>
   </p:cSld>
@@ -884,7 +795,7 @@
           <a:p>
             <a:r>
               <a:rPr lang="de-DE" dirty="0"/>
-              <a:t>A</a:t>
+              <a:t>J,F</a:t>
             </a:r>
           </a:p>
         </p:txBody>
@@ -906,7 +817,7 @@
           <a:p>
             <a:fld id="{4A4EC913-459A-40DA-A3CA-E9F2E31122D3}" type="slidenum">
               <a:rPr lang="de-DE" smtClean="0"/>
-              <a:t>14</a:t>
+              <a:t>13</a:t>
             </a:fld>
             <a:endParaRPr lang="de-DE"/>
           </a:p>
@@ -915,7 +826,7 @@
     </p:spTree>
     <p:extLst>
       <p:ext uri="{BB962C8B-B14F-4D97-AF65-F5344CB8AC3E}">
-        <p14:creationId xmlns:p14="http://schemas.microsoft.com/office/powerpoint/2010/main" val="3021198653"/>
+        <p14:creationId xmlns:p14="http://schemas.microsoft.com/office/powerpoint/2010/main" val="2766193051"/>
       </p:ext>
     </p:extLst>
   </p:cSld>
@@ -971,6 +882,93 @@
           <a:p>
             <a:r>
               <a:rPr lang="de-DE" dirty="0"/>
+              <a:t>J</a:t>
+            </a:r>
+          </a:p>
+        </p:txBody>
+      </p:sp>
+      <p:sp>
+        <p:nvSpPr>
+          <p:cNvPr id="4" name="Foliennummernplatzhalter 3"/>
+          <p:cNvSpPr>
+            <a:spLocks noGrp="1"/>
+          </p:cNvSpPr>
+          <p:nvPr>
+            <p:ph type="sldNum" sz="quarter" idx="5"/>
+          </p:nvPr>
+        </p:nvSpPr>
+        <p:spPr/>
+        <p:txBody>
+          <a:bodyPr/>
+          <a:lstStyle/>
+          <a:p>
+            <a:fld id="{4A4EC913-459A-40DA-A3CA-E9F2E31122D3}" type="slidenum">
+              <a:rPr lang="de-DE" smtClean="0"/>
+              <a:t>14</a:t>
+            </a:fld>
+            <a:endParaRPr lang="de-DE"/>
+          </a:p>
+        </p:txBody>
+      </p:sp>
+    </p:spTree>
+    <p:extLst>
+      <p:ext uri="{BB962C8B-B14F-4D97-AF65-F5344CB8AC3E}">
+        <p14:creationId xmlns:p14="http://schemas.microsoft.com/office/powerpoint/2010/main" val="658024605"/>
+      </p:ext>
+    </p:extLst>
+  </p:cSld>
+  <p:clrMapOvr>
+    <a:masterClrMapping/>
+  </p:clrMapOvr>
+</p:notes>
+</file>
+
+<file path=ppt/notesSlides/notesSlide14.xml><?xml version="1.0" encoding="utf-8"?>
+<p:notes xmlns:a="http://schemas.openxmlformats.org/drawingml/2006/main" xmlns:r="http://schemas.openxmlformats.org/officeDocument/2006/relationships" xmlns:p="http://schemas.openxmlformats.org/presentationml/2006/main">
+  <p:cSld>
+    <p:spTree>
+      <p:nvGrpSpPr>
+        <p:cNvPr id="1" name=""/>
+        <p:cNvGrpSpPr/>
+        <p:nvPr/>
+      </p:nvGrpSpPr>
+      <p:grpSpPr>
+        <a:xfrm>
+          <a:off x="0" y="0"/>
+          <a:ext cx="0" cy="0"/>
+          <a:chOff x="0" y="0"/>
+          <a:chExt cx="0" cy="0"/>
+        </a:xfrm>
+      </p:grpSpPr>
+      <p:sp>
+        <p:nvSpPr>
+          <p:cNvPr id="2" name="Folienbildplatzhalter 1"/>
+          <p:cNvSpPr>
+            <a:spLocks noGrp="1" noRot="1" noChangeAspect="1"/>
+          </p:cNvSpPr>
+          <p:nvPr>
+            <p:ph type="sldImg"/>
+          </p:nvPr>
+        </p:nvSpPr>
+        <p:spPr/>
+      </p:sp>
+      <p:sp>
+        <p:nvSpPr>
+          <p:cNvPr id="3" name="Notizenplatzhalter 2"/>
+          <p:cNvSpPr>
+            <a:spLocks noGrp="1"/>
+          </p:cNvSpPr>
+          <p:nvPr>
+            <p:ph type="body" idx="1"/>
+          </p:nvPr>
+        </p:nvSpPr>
+        <p:spPr/>
+        <p:txBody>
+          <a:bodyPr/>
+          <a:lstStyle/>
+          <a:p>
+            <a:r>
+              <a:rPr lang="de-DE" dirty="0"/>
               <a:t>A</a:t>
             </a:r>
           </a:p>
@@ -994,6 +992,93 @@
             <a:fld id="{4A4EC913-459A-40DA-A3CA-E9F2E31122D3}" type="slidenum">
               <a:rPr lang="de-DE" smtClean="0"/>
               <a:t>15</a:t>
+            </a:fld>
+            <a:endParaRPr lang="de-DE"/>
+          </a:p>
+        </p:txBody>
+      </p:sp>
+    </p:spTree>
+    <p:extLst>
+      <p:ext uri="{BB962C8B-B14F-4D97-AF65-F5344CB8AC3E}">
+        <p14:creationId xmlns:p14="http://schemas.microsoft.com/office/powerpoint/2010/main" val="3021198653"/>
+      </p:ext>
+    </p:extLst>
+  </p:cSld>
+  <p:clrMapOvr>
+    <a:masterClrMapping/>
+  </p:clrMapOvr>
+</p:notes>
+</file>
+
+<file path=ppt/notesSlides/notesSlide15.xml><?xml version="1.0" encoding="utf-8"?>
+<p:notes xmlns:a="http://schemas.openxmlformats.org/drawingml/2006/main" xmlns:r="http://schemas.openxmlformats.org/officeDocument/2006/relationships" xmlns:p="http://schemas.openxmlformats.org/presentationml/2006/main">
+  <p:cSld>
+    <p:spTree>
+      <p:nvGrpSpPr>
+        <p:cNvPr id="1" name=""/>
+        <p:cNvGrpSpPr/>
+        <p:nvPr/>
+      </p:nvGrpSpPr>
+      <p:grpSpPr>
+        <a:xfrm>
+          <a:off x="0" y="0"/>
+          <a:ext cx="0" cy="0"/>
+          <a:chOff x="0" y="0"/>
+          <a:chExt cx="0" cy="0"/>
+        </a:xfrm>
+      </p:grpSpPr>
+      <p:sp>
+        <p:nvSpPr>
+          <p:cNvPr id="2" name="Folienbildplatzhalter 1"/>
+          <p:cNvSpPr>
+            <a:spLocks noGrp="1" noRot="1" noChangeAspect="1"/>
+          </p:cNvSpPr>
+          <p:nvPr>
+            <p:ph type="sldImg"/>
+          </p:nvPr>
+        </p:nvSpPr>
+        <p:spPr/>
+      </p:sp>
+      <p:sp>
+        <p:nvSpPr>
+          <p:cNvPr id="3" name="Notizenplatzhalter 2"/>
+          <p:cNvSpPr>
+            <a:spLocks noGrp="1"/>
+          </p:cNvSpPr>
+          <p:nvPr>
+            <p:ph type="body" idx="1"/>
+          </p:nvPr>
+        </p:nvSpPr>
+        <p:spPr/>
+        <p:txBody>
+          <a:bodyPr/>
+          <a:lstStyle/>
+          <a:p>
+            <a:r>
+              <a:rPr lang="de-DE" dirty="0"/>
+              <a:t>A</a:t>
+            </a:r>
+          </a:p>
+        </p:txBody>
+      </p:sp>
+      <p:sp>
+        <p:nvSpPr>
+          <p:cNvPr id="4" name="Foliennummernplatzhalter 3"/>
+          <p:cNvSpPr>
+            <a:spLocks noGrp="1"/>
+          </p:cNvSpPr>
+          <p:nvPr>
+            <p:ph type="sldNum" sz="quarter" idx="5"/>
+          </p:nvPr>
+        </p:nvSpPr>
+        <p:spPr/>
+        <p:txBody>
+          <a:bodyPr/>
+          <a:lstStyle/>
+          <a:p>
+            <a:fld id="{4A4EC913-459A-40DA-A3CA-E9F2E31122D3}" type="slidenum">
+              <a:rPr lang="de-DE" smtClean="0"/>
+              <a:t>16</a:t>
             </a:fld>
             <a:endParaRPr lang="de-DE"/>
           </a:p>
@@ -1167,7 +1252,7 @@
           <a:p>
             <a:fld id="{4A4EC913-459A-40DA-A3CA-E9F2E31122D3}" type="slidenum">
               <a:rPr lang="de-DE" smtClean="0"/>
-              <a:t>4</a:t>
+              <a:t>3</a:t>
             </a:fld>
             <a:endParaRPr lang="de-DE"/>
           </a:p>
@@ -1176,7 +1261,7 @@
     </p:spTree>
     <p:extLst>
       <p:ext uri="{BB962C8B-B14F-4D97-AF65-F5344CB8AC3E}">
-        <p14:creationId xmlns:p14="http://schemas.microsoft.com/office/powerpoint/2010/main" val="1878214399"/>
+        <p14:creationId xmlns:p14="http://schemas.microsoft.com/office/powerpoint/2010/main" val="287303236"/>
       </p:ext>
     </p:extLst>
   </p:cSld>
@@ -1230,265 +1315,95 @@
           <a:bodyPr/>
           <a:lstStyle/>
           <a:p>
-            <a:pPr marL="0" indent="0">
-              <a:buFont typeface="+mj-lt"/>
-              <a:buNone/>
-            </a:pPr>
-            <a:r>
-              <a:rPr lang="en-US" b="0" i="0" dirty="0">
-                <a:solidFill>
-                  <a:srgbClr val="222222"/>
+            <a:r>
+              <a:rPr lang="de-DE" b="0" i="0" dirty="0" err="1">
+                <a:solidFill>
+                  <a:srgbClr val="1F2328"/>
                 </a:solidFill>
                 <a:effectLst/>
-                <a:latin typeface="Harding"/>
-              </a:rPr>
-              <a:t>A</a:t>
-            </a:r>
-          </a:p>
-          <a:p>
-            <a:pPr marL="228600" indent="-228600">
-              <a:buFont typeface="+mj-lt"/>
-              <a:buAutoNum type="arabicPeriod"/>
-            </a:pPr>
-            <a:endParaRPr lang="en-US" b="0" i="0" dirty="0">
+                <a:latin typeface="-apple-system"/>
+              </a:rPr>
+              <a:t>drug</a:t>
+            </a:r>
+            <a:r>
+              <a:rPr lang="de-DE" b="0" i="0" dirty="0">
+                <a:solidFill>
+                  <a:srgbClr val="1F2328"/>
+                </a:solidFill>
+                <a:effectLst/>
+                <a:latin typeface="-apple-system"/>
+              </a:rPr>
+              <a:t> </a:t>
+            </a:r>
+            <a:r>
+              <a:rPr lang="de-DE" b="0" i="0" dirty="0" err="1">
+                <a:solidFill>
+                  <a:srgbClr val="1F2328"/>
+                </a:solidFill>
+                <a:effectLst/>
+                <a:latin typeface="-apple-system"/>
+              </a:rPr>
+              <a:t>repurposing</a:t>
+            </a:r>
+            <a:r>
+              <a:rPr lang="de-DE" b="0" i="0" dirty="0">
+                <a:solidFill>
+                  <a:srgbClr val="1F2328"/>
+                </a:solidFill>
+                <a:effectLst/>
+                <a:latin typeface="-apple-system"/>
+              </a:rPr>
+              <a:t>? </a:t>
+            </a:r>
+          </a:p>
+          <a:p>
+            <a:r>
+              <a:rPr lang="de-DE" b="0" i="0" dirty="0">
+                <a:solidFill>
+                  <a:srgbClr val="1F2328"/>
+                </a:solidFill>
+                <a:effectLst/>
+                <a:latin typeface="-apple-system"/>
+              </a:rPr>
+              <a:t>General </a:t>
+            </a:r>
+            <a:r>
+              <a:rPr lang="de-DE" b="0" i="0" dirty="0" err="1">
+                <a:solidFill>
+                  <a:srgbClr val="1F2328"/>
+                </a:solidFill>
+                <a:effectLst/>
+                <a:latin typeface="-apple-system"/>
+              </a:rPr>
+              <a:t>benefits</a:t>
+            </a:r>
+            <a:endParaRPr lang="de-DE" b="0" i="0" dirty="0">
               <a:solidFill>
-                <a:srgbClr val="222222"/>
+                <a:srgbClr val="1F2328"/>
               </a:solidFill>
               <a:effectLst/>
-              <a:latin typeface="Harding"/>
+              <a:latin typeface="-apple-system"/>
             </a:endParaRPr>
           </a:p>
           <a:p>
-            <a:pPr marL="228600" indent="-228600">
-              <a:buFont typeface="+mj-lt"/>
-              <a:buAutoNum type="arabicPeriod"/>
-            </a:pPr>
-            <a:endParaRPr lang="en-US" b="0" i="0" dirty="0">
+            <a:endParaRPr lang="de-DE" b="0" i="0" dirty="0">
               <a:solidFill>
-                <a:srgbClr val="222222"/>
+                <a:srgbClr val="1F2328"/>
               </a:solidFill>
               <a:effectLst/>
-              <a:latin typeface="Harding"/>
+              <a:latin typeface="-apple-system"/>
             </a:endParaRPr>
           </a:p>
           <a:p>
-            <a:pPr marL="228600" indent="-228600">
-              <a:buFont typeface="+mj-lt"/>
-              <a:buAutoNum type="arabicPeriod"/>
-            </a:pPr>
-            <a:r>
-              <a:rPr lang="en-US" b="0" i="0" dirty="0">
-                <a:solidFill>
-                  <a:srgbClr val="222222"/>
+            <a:r>
+              <a:rPr lang="de-DE" b="0" i="0" dirty="0">
+                <a:solidFill>
+                  <a:srgbClr val="1F2328"/>
                 </a:solidFill>
                 <a:effectLst/>
-                <a:latin typeface="Harding"/>
-              </a:rPr>
-              <a:t>24-base-pair DNA barcodes encoded within lentiviruses are stably integrated into individual tumor cell lines after </a:t>
-            </a:r>
-            <a:r>
-              <a:rPr lang="en-US" b="0" i="0" dirty="0" err="1">
-                <a:solidFill>
-                  <a:srgbClr val="222222"/>
-                </a:solidFill>
-                <a:effectLst/>
-                <a:latin typeface="Harding"/>
-              </a:rPr>
-              <a:t>blasticidin</a:t>
-            </a:r>
-            <a:r>
-              <a:rPr lang="en-US" b="0" i="0" dirty="0">
-                <a:solidFill>
-                  <a:srgbClr val="222222"/>
-                </a:solidFill>
-                <a:effectLst/>
-                <a:latin typeface="Harding"/>
-              </a:rPr>
-              <a:t> selection, </a:t>
-            </a:r>
-          </a:p>
-          <a:p>
-            <a:pPr marL="228600" indent="-228600">
-              <a:buFont typeface="+mj-lt"/>
-              <a:buAutoNum type="arabicPeriod"/>
-            </a:pPr>
-            <a:r>
-              <a:rPr lang="en-US" b="0" i="0" dirty="0">
-                <a:solidFill>
-                  <a:srgbClr val="222222"/>
-                </a:solidFill>
-                <a:effectLst/>
-                <a:latin typeface="Harding"/>
-              </a:rPr>
-              <a:t>barcoded cell lines are individually frozen and later thawed to </a:t>
-            </a:r>
-          </a:p>
-          <a:p>
-            <a:pPr marL="228600" indent="-228600">
-              <a:buFont typeface="+mj-lt"/>
-              <a:buAutoNum type="arabicPeriod"/>
-            </a:pPr>
-            <a:r>
-              <a:rPr lang="en-US" b="0" i="0" dirty="0">
-                <a:solidFill>
-                  <a:srgbClr val="222222"/>
-                </a:solidFill>
-                <a:effectLst/>
-                <a:latin typeface="Harding"/>
-              </a:rPr>
-              <a:t>generate mixtures of equal numbers of barcoded cell lines, which are frozen again. </a:t>
-            </a:r>
-          </a:p>
-          <a:p>
-            <a:pPr marL="228600" indent="-228600">
-              <a:buFont typeface="+mj-lt"/>
-              <a:buAutoNum type="arabicPeriod"/>
-            </a:pPr>
-            <a:r>
-              <a:rPr lang="en-US" b="0" i="0" dirty="0">
-                <a:solidFill>
-                  <a:srgbClr val="222222"/>
-                </a:solidFill>
-                <a:effectLst/>
-                <a:latin typeface="Harding"/>
-              </a:rPr>
-              <a:t>Thawed mixtures are plated and then </a:t>
-            </a:r>
-            <a:r>
-              <a:rPr lang="en-US" b="0" i="0" dirty="0" err="1">
-                <a:solidFill>
-                  <a:srgbClr val="222222"/>
-                </a:solidFill>
-                <a:effectLst/>
-                <a:latin typeface="Harding"/>
-              </a:rPr>
-              <a:t>rearrayed</a:t>
-            </a:r>
-            <a:r>
-              <a:rPr lang="en-US" b="0" i="0" dirty="0">
-                <a:solidFill>
-                  <a:srgbClr val="222222"/>
-                </a:solidFill>
-                <a:effectLst/>
-                <a:latin typeface="Harding"/>
-              </a:rPr>
-              <a:t> into tissue culture assay plates. </a:t>
-            </a:r>
-          </a:p>
-          <a:p>
-            <a:pPr marL="228600" indent="-228600">
-              <a:buFont typeface="+mj-lt"/>
-              <a:buAutoNum type="arabicPeriod"/>
-            </a:pPr>
-            <a:r>
-              <a:rPr lang="en-US" b="0" i="0" dirty="0">
-                <a:solidFill>
-                  <a:srgbClr val="222222"/>
-                </a:solidFill>
-                <a:effectLst/>
-                <a:latin typeface="Harding"/>
-              </a:rPr>
-              <a:t>Mixtures are treated with test compounds or vehicle (DMSO) controls. </a:t>
-            </a:r>
-          </a:p>
-          <a:p>
-            <a:pPr marL="228600" indent="-228600">
-              <a:buFont typeface="+mj-lt"/>
-              <a:buAutoNum type="arabicPeriod"/>
-            </a:pPr>
-            <a:r>
-              <a:rPr lang="en-US" b="0" i="0" dirty="0">
-                <a:solidFill>
-                  <a:srgbClr val="222222"/>
-                </a:solidFill>
-                <a:effectLst/>
-                <a:latin typeface="Harding"/>
-              </a:rPr>
-              <a:t>At assay conclusion, genomic DNA is harvested from the mixture of remaining viable cells. </a:t>
-            </a:r>
-          </a:p>
-          <a:p>
-            <a:pPr marL="228600" indent="-228600">
-              <a:buFont typeface="+mj-lt"/>
-              <a:buAutoNum type="arabicPeriod"/>
-            </a:pPr>
-            <a:r>
-              <a:rPr lang="en-US" b="0" i="0" dirty="0">
-                <a:solidFill>
-                  <a:srgbClr val="222222"/>
-                </a:solidFill>
-                <a:effectLst/>
-                <a:latin typeface="Harding"/>
-              </a:rPr>
-              <a:t>Barcode sequences are amplified using PCR and universal primers (one of which is biotinylated), and </a:t>
-            </a:r>
-          </a:p>
-          <a:p>
-            <a:pPr marL="228600" indent="-228600">
-              <a:buFont typeface="+mj-lt"/>
-              <a:buAutoNum type="arabicPeriod"/>
-            </a:pPr>
-            <a:r>
-              <a:rPr lang="en-US" b="0" i="0" dirty="0">
-                <a:solidFill>
-                  <a:srgbClr val="222222"/>
-                </a:solidFill>
-                <a:effectLst/>
-                <a:latin typeface="Harding"/>
-              </a:rPr>
-              <a:t>amplified sequences are hybridized to individual microbeads harboring antisense barcode sequences and then to streptavidin-phycoerythrin. </a:t>
-            </a:r>
-          </a:p>
-          <a:p>
-            <a:pPr marL="228600" indent="-228600">
-              <a:buFont typeface="+mj-lt"/>
-              <a:buAutoNum type="arabicPeriod"/>
-            </a:pPr>
-            <a:r>
-              <a:rPr lang="en-US" b="0" i="0" dirty="0">
-                <a:solidFill>
-                  <a:srgbClr val="222222"/>
-                </a:solidFill>
-                <a:effectLst/>
-                <a:latin typeface="Harding"/>
-              </a:rPr>
-              <a:t>A Luminex </a:t>
-            </a:r>
-            <a:r>
-              <a:rPr lang="en-US" b="0" i="0" dirty="0" err="1">
-                <a:solidFill>
-                  <a:srgbClr val="222222"/>
-                </a:solidFill>
-                <a:effectLst/>
-                <a:latin typeface="Harding"/>
-              </a:rPr>
-              <a:t>FlexMap</a:t>
-            </a:r>
-            <a:r>
-              <a:rPr lang="en-US" b="0" i="0" dirty="0">
-                <a:solidFill>
-                  <a:srgbClr val="222222"/>
-                </a:solidFill>
-                <a:effectLst/>
-                <a:latin typeface="Harding"/>
-              </a:rPr>
-              <a:t> detector quantitates fluorescence signal for each bead. </a:t>
-            </a:r>
-          </a:p>
-          <a:p>
-            <a:pPr marL="228600" indent="-228600">
-              <a:buFont typeface="+mj-lt"/>
-              <a:buAutoNum type="arabicPeriod"/>
-            </a:pPr>
-            <a:r>
-              <a:rPr lang="en-US" b="0" i="0" dirty="0">
-                <a:solidFill>
-                  <a:srgbClr val="222222"/>
-                </a:solidFill>
-                <a:effectLst/>
-                <a:latin typeface="Harding"/>
-              </a:rPr>
-              <a:t>To adjust for differing barcoding efficiencies and differing cell doubling, the signal for each barcoded cell line is scaled to that of vehicle-treated control, thus demonstrating relative inhibition profiles for specific test compounds across multiple cell lines in mixture.</a:t>
+                <a:latin typeface="-apple-system"/>
+              </a:rPr>
+              <a:t>schöner</a:t>
             </a:r>
             <a:endParaRPr lang="de-DE" dirty="0"/>
           </a:p>
@@ -1511,7 +1426,7 @@
           <a:p>
             <a:fld id="{4A4EC913-459A-40DA-A3CA-E9F2E31122D3}" type="slidenum">
               <a:rPr lang="de-DE" smtClean="0"/>
-              <a:t>5</a:t>
+              <a:t>4</a:t>
             </a:fld>
             <a:endParaRPr lang="de-DE"/>
           </a:p>
@@ -1520,7 +1435,7 @@
     </p:spTree>
     <p:extLst>
       <p:ext uri="{BB962C8B-B14F-4D97-AF65-F5344CB8AC3E}">
-        <p14:creationId xmlns:p14="http://schemas.microsoft.com/office/powerpoint/2010/main" val="3397492271"/>
+        <p14:creationId xmlns:p14="http://schemas.microsoft.com/office/powerpoint/2010/main" val="1878214399"/>
       </p:ext>
     </p:extLst>
   </p:cSld>
@@ -1574,148 +1489,266 @@
           <a:bodyPr/>
           <a:lstStyle/>
           <a:p>
-            <a:r>
-              <a:rPr lang="de-DE" dirty="0"/>
-              <a:t>J</a:t>
-            </a:r>
-          </a:p>
-          <a:p>
-            <a:pPr marL="0" marR="0" lvl="0" indent="0" algn="l" defTabSz="914400" rtl="0" eaLnBrk="1" fontAlgn="auto" latinLnBrk="0" hangingPunct="1">
-              <a:lnSpc>
-                <a:spcPct val="100000"/>
-              </a:lnSpc>
-              <a:spcBef>
-                <a:spcPts val="0"/>
-              </a:spcBef>
-              <a:spcAft>
-                <a:spcPts val="0"/>
-              </a:spcAft>
-              <a:buClrTx/>
-              <a:buSzTx/>
-              <a:buFontTx/>
+            <a:pPr marL="0" indent="0">
+              <a:buFont typeface="+mj-lt"/>
               <a:buNone/>
-              <a:tabLst/>
-              <a:defRPr/>
             </a:pPr>
             <a:r>
-              <a:rPr lang="en-US" b="0" i="0" u="none" strike="noStrike" dirty="0">
-                <a:solidFill>
-                  <a:srgbClr val="1F2328"/>
+              <a:rPr lang="en-US" b="0" i="0" dirty="0">
+                <a:solidFill>
+                  <a:srgbClr val="222222"/>
                 </a:solidFill>
                 <a:effectLst/>
-                <a:latin typeface="-apple-system"/>
-                <a:hlinkClick r:id="rId3"/>
-              </a:rPr>
-              <a:t>TPM</a:t>
-            </a:r>
+                <a:latin typeface="Harding"/>
+              </a:rPr>
+              <a:t>A</a:t>
+            </a:r>
+          </a:p>
+          <a:p>
+            <a:pPr marL="228600" indent="-228600">
+              <a:buFont typeface="+mj-lt"/>
+              <a:buAutoNum type="arabicPeriod"/>
+            </a:pPr>
+            <a:endParaRPr lang="en-US" b="0" i="0" dirty="0">
+              <a:solidFill>
+                <a:srgbClr val="222222"/>
+              </a:solidFill>
+              <a:effectLst/>
+              <a:latin typeface="Harding"/>
+            </a:endParaRPr>
+          </a:p>
+          <a:p>
+            <a:pPr marL="228600" indent="-228600">
+              <a:buFont typeface="+mj-lt"/>
+              <a:buAutoNum type="arabicPeriod"/>
+            </a:pPr>
+            <a:endParaRPr lang="en-US" b="0" i="0" dirty="0">
+              <a:solidFill>
+                <a:srgbClr val="222222"/>
+              </a:solidFill>
+              <a:effectLst/>
+              <a:latin typeface="Harding"/>
+            </a:endParaRPr>
+          </a:p>
+          <a:p>
+            <a:pPr marL="228600" indent="-228600">
+              <a:buFont typeface="+mj-lt"/>
+              <a:buAutoNum type="arabicPeriod"/>
+            </a:pPr>
             <a:r>
               <a:rPr lang="en-US" b="0" i="0" dirty="0">
                 <a:solidFill>
-                  <a:srgbClr val="1F2328"/>
+                  <a:srgbClr val="222222"/>
                 </a:solidFill>
                 <a:effectLst/>
-                <a:latin typeface="-apple-system"/>
-              </a:rPr>
-              <a:t> (transcripts per million) values</a:t>
-            </a:r>
-          </a:p>
-          <a:p>
-            <a:pPr marL="0" marR="0" lvl="0" indent="0" algn="l" defTabSz="914400" rtl="0" eaLnBrk="1" fontAlgn="auto" latinLnBrk="0" hangingPunct="1">
-              <a:lnSpc>
-                <a:spcPct val="100000"/>
-              </a:lnSpc>
-              <a:spcBef>
-                <a:spcPts val="0"/>
-              </a:spcBef>
-              <a:spcAft>
-                <a:spcPts val="0"/>
-              </a:spcAft>
-              <a:buClrTx/>
-              <a:buSzTx/>
-              <a:buFontTx/>
-              <a:buNone/>
-              <a:tabLst/>
-              <a:defRPr/>
+                <a:latin typeface="Harding"/>
+              </a:rPr>
+              <a:t>24-base-pair DNA barcodes encoded within lentiviruses are stably integrated into individual tumor cell lines after </a:t>
+            </a:r>
+            <a:r>
+              <a:rPr lang="en-US" b="0" i="0" dirty="0" err="1">
+                <a:solidFill>
+                  <a:srgbClr val="222222"/>
+                </a:solidFill>
+                <a:effectLst/>
+                <a:latin typeface="Harding"/>
+              </a:rPr>
+              <a:t>blasticidin</a:t>
+            </a:r>
+            <a:r>
+              <a:rPr lang="en-US" b="0" i="0" dirty="0">
+                <a:solidFill>
+                  <a:srgbClr val="222222"/>
+                </a:solidFill>
+                <a:effectLst/>
+                <a:latin typeface="Harding"/>
+              </a:rPr>
+              <a:t> selection, </a:t>
+            </a:r>
+          </a:p>
+          <a:p>
+            <a:pPr marL="228600" indent="-228600">
+              <a:buFont typeface="+mj-lt"/>
+              <a:buAutoNum type="arabicPeriod"/>
             </a:pPr>
             <a:r>
               <a:rPr lang="en-US" b="0" i="0" dirty="0">
                 <a:solidFill>
-                  <a:srgbClr val="1F2328"/>
+                  <a:srgbClr val="222222"/>
                 </a:solidFill>
                 <a:effectLst/>
-                <a:latin typeface="-apple-system"/>
-              </a:rPr>
-              <a:t>reflect level of gene expression, </a:t>
-            </a:r>
-          </a:p>
-          <a:p>
-            <a:pPr marL="0" marR="0" lvl="0" indent="0" algn="l" defTabSz="914400" rtl="0" eaLnBrk="1" fontAlgn="auto" latinLnBrk="0" hangingPunct="1">
-              <a:lnSpc>
-                <a:spcPct val="100000"/>
-              </a:lnSpc>
-              <a:spcBef>
-                <a:spcPts val="0"/>
-              </a:spcBef>
-              <a:spcAft>
-                <a:spcPts val="0"/>
-              </a:spcAft>
-              <a:buClrTx/>
-              <a:buSzTx/>
-              <a:buFontTx/>
-              <a:buNone/>
-              <a:tabLst/>
-              <a:defRPr/>
+                <a:latin typeface="Harding"/>
+              </a:rPr>
+              <a:t>barcoded cell lines are individually frozen and later thawed to </a:t>
+            </a:r>
+          </a:p>
+          <a:p>
+            <a:pPr marL="228600" indent="-228600">
+              <a:buFont typeface="+mj-lt"/>
+              <a:buAutoNum type="arabicPeriod"/>
             </a:pPr>
             <a:r>
               <a:rPr lang="en-US" b="0" i="0" dirty="0">
                 <a:solidFill>
-                  <a:srgbClr val="1F2328"/>
+                  <a:srgbClr val="222222"/>
                 </a:solidFill>
                 <a:effectLst/>
-                <a:latin typeface="-apple-system"/>
-              </a:rPr>
-              <a:t>higher values </a:t>
-            </a:r>
+                <a:latin typeface="Harding"/>
+              </a:rPr>
+              <a:t>generate mixtures of equal numbers of barcoded cell lines, which are frozen again. </a:t>
+            </a:r>
+          </a:p>
+          <a:p>
+            <a:pPr marL="228600" indent="-228600">
+              <a:buFont typeface="+mj-lt"/>
+              <a:buAutoNum type="arabicPeriod"/>
+            </a:pPr>
             <a:r>
               <a:rPr lang="en-US" b="0" i="0" dirty="0">
                 <a:solidFill>
-                  <a:srgbClr val="1F2328"/>
+                  <a:srgbClr val="222222"/>
                 </a:solidFill>
                 <a:effectLst/>
-                <a:latin typeface="-apple-system"/>
-                <a:sym typeface="Wingdings" panose="05000000000000000000" pitchFamily="2" charset="2"/>
-              </a:rPr>
-              <a:t></a:t>
+                <a:latin typeface="Harding"/>
+              </a:rPr>
+              <a:t>Thawed mixtures are plated and then </a:t>
+            </a:r>
+            <a:r>
+              <a:rPr lang="en-US" b="0" i="0" dirty="0" err="1">
+                <a:solidFill>
+                  <a:srgbClr val="222222"/>
+                </a:solidFill>
+                <a:effectLst/>
+                <a:latin typeface="Harding"/>
+              </a:rPr>
+              <a:t>rearrayed</a:t>
             </a:r>
             <a:r>
               <a:rPr lang="en-US" b="0" i="0" dirty="0">
                 <a:solidFill>
-                  <a:srgbClr val="1F2328"/>
+                  <a:srgbClr val="222222"/>
                 </a:solidFill>
                 <a:effectLst/>
-                <a:latin typeface="-apple-system"/>
-              </a:rPr>
-              <a:t> over expression of genes</a:t>
-            </a:r>
-          </a:p>
-          <a:p>
-            <a:pPr marL="0" marR="0" lvl="0" indent="0" algn="l" defTabSz="914400" rtl="0" eaLnBrk="1" fontAlgn="auto" latinLnBrk="0" hangingPunct="1">
-              <a:lnSpc>
-                <a:spcPct val="100000"/>
-              </a:lnSpc>
-              <a:spcBef>
-                <a:spcPts val="0"/>
-              </a:spcBef>
-              <a:spcAft>
-                <a:spcPts val="0"/>
-              </a:spcAft>
-              <a:buClrTx/>
-              <a:buSzTx/>
-              <a:buFontTx/>
-              <a:buNone/>
-              <a:tabLst/>
-              <a:defRPr/>
+                <a:latin typeface="Harding"/>
+              </a:rPr>
+              <a:t> into tissue culture assay plates. </a:t>
+            </a:r>
+          </a:p>
+          <a:p>
+            <a:pPr marL="228600" indent="-228600">
+              <a:buFont typeface="+mj-lt"/>
+              <a:buAutoNum type="arabicPeriod"/>
             </a:pPr>
+            <a:r>
+              <a:rPr lang="en-US" b="0" i="0" dirty="0">
+                <a:solidFill>
+                  <a:srgbClr val="222222"/>
+                </a:solidFill>
+                <a:effectLst/>
+                <a:latin typeface="Harding"/>
+              </a:rPr>
+              <a:t>Mixtures are treated with test compounds or vehicle (DMSO) controls. </a:t>
+            </a:r>
+          </a:p>
+          <a:p>
+            <a:pPr marL="228600" indent="-228600">
+              <a:buFont typeface="+mj-lt"/>
+              <a:buAutoNum type="arabicPeriod"/>
+            </a:pPr>
+            <a:r>
+              <a:rPr lang="en-US" b="0" i="0" dirty="0">
+                <a:solidFill>
+                  <a:srgbClr val="222222"/>
+                </a:solidFill>
+                <a:effectLst/>
+                <a:latin typeface="Harding"/>
+              </a:rPr>
+              <a:t>At assay conclusion, genomic DNA is harvested from the mixture of remaining viable cells. </a:t>
+            </a:r>
+          </a:p>
+          <a:p>
+            <a:pPr marL="228600" indent="-228600">
+              <a:buFont typeface="+mj-lt"/>
+              <a:buAutoNum type="arabicPeriod"/>
+            </a:pPr>
+            <a:r>
+              <a:rPr lang="en-US" b="0" i="0" dirty="0">
+                <a:solidFill>
+                  <a:srgbClr val="222222"/>
+                </a:solidFill>
+                <a:effectLst/>
+                <a:latin typeface="Harding"/>
+              </a:rPr>
+              <a:t>Barcode sequences are amplified using PCR and universal primers (one of which is biotinylated), and </a:t>
+            </a:r>
+          </a:p>
+          <a:p>
+            <a:pPr marL="228600" indent="-228600">
+              <a:buFont typeface="+mj-lt"/>
+              <a:buAutoNum type="arabicPeriod"/>
+            </a:pPr>
+            <a:r>
+              <a:rPr lang="en-US" b="0" i="0" dirty="0">
+                <a:solidFill>
+                  <a:srgbClr val="222222"/>
+                </a:solidFill>
+                <a:effectLst/>
+                <a:latin typeface="Harding"/>
+              </a:rPr>
+              <a:t>amplified sequences are hybridized to individual microbeads harboring antisense barcode sequences and then to streptavidin-phycoerythrin. </a:t>
+            </a:r>
+          </a:p>
+          <a:p>
+            <a:pPr marL="228600" indent="-228600">
+              <a:buFont typeface="+mj-lt"/>
+              <a:buAutoNum type="arabicPeriod"/>
+            </a:pPr>
+            <a:r>
+              <a:rPr lang="en-US" b="0" i="0" dirty="0">
+                <a:solidFill>
+                  <a:srgbClr val="222222"/>
+                </a:solidFill>
+                <a:effectLst/>
+                <a:latin typeface="Harding"/>
+              </a:rPr>
+              <a:t>A Luminex </a:t>
+            </a:r>
+            <a:r>
+              <a:rPr lang="en-US" b="0" i="0" dirty="0" err="1">
+                <a:solidFill>
+                  <a:srgbClr val="222222"/>
+                </a:solidFill>
+                <a:effectLst/>
+                <a:latin typeface="Harding"/>
+              </a:rPr>
+              <a:t>FlexMap</a:t>
+            </a:r>
+            <a:r>
+              <a:rPr lang="en-US" b="0" i="0" dirty="0">
+                <a:solidFill>
+                  <a:srgbClr val="222222"/>
+                </a:solidFill>
+                <a:effectLst/>
+                <a:latin typeface="Harding"/>
+              </a:rPr>
+              <a:t> detector quantitates fluorescence signal for each bead. </a:t>
+            </a:r>
+          </a:p>
+          <a:p>
+            <a:pPr marL="228600" indent="-228600">
+              <a:buFont typeface="+mj-lt"/>
+              <a:buAutoNum type="arabicPeriod"/>
+            </a:pPr>
+            <a:r>
+              <a:rPr lang="en-US" b="0" i="0" dirty="0">
+                <a:solidFill>
+                  <a:srgbClr val="222222"/>
+                </a:solidFill>
+                <a:effectLst/>
+                <a:latin typeface="Harding"/>
+              </a:rPr>
+              <a:t>To adjust for differing barcoding efficiencies and differing cell doubling, the signal for each barcoded cell line is scaled to that of vehicle-treated control, thus demonstrating relative inhibition profiles for specific test compounds across multiple cell lines in mixture.</a:t>
+            </a:r>
             <a:endParaRPr lang="de-DE" dirty="0"/>
           </a:p>
         </p:txBody>
@@ -1737,7 +1770,7 @@
           <a:p>
             <a:fld id="{4A4EC913-459A-40DA-A3CA-E9F2E31122D3}" type="slidenum">
               <a:rPr lang="de-DE" smtClean="0"/>
-              <a:t>6</a:t>
+              <a:t>5</a:t>
             </a:fld>
             <a:endParaRPr lang="de-DE"/>
           </a:p>
@@ -1746,7 +1779,7 @@
     </p:spTree>
     <p:extLst>
       <p:ext uri="{BB962C8B-B14F-4D97-AF65-F5344CB8AC3E}">
-        <p14:creationId xmlns:p14="http://schemas.microsoft.com/office/powerpoint/2010/main" val="1711270118"/>
+        <p14:creationId xmlns:p14="http://schemas.microsoft.com/office/powerpoint/2010/main" val="3397492271"/>
       </p:ext>
     </p:extLst>
   </p:cSld>
@@ -1800,10 +1833,267 @@
           <a:bodyPr/>
           <a:lstStyle/>
           <a:p>
-            <a:r>
-              <a:rPr lang="de-DE" dirty="0"/>
-              <a:t>J</a:t>
-            </a:r>
+            <a:pPr marL="0" indent="0">
+              <a:buFont typeface="+mj-lt"/>
+              <a:buNone/>
+            </a:pPr>
+            <a:r>
+              <a:rPr lang="en-US" b="0" i="0" dirty="0">
+                <a:solidFill>
+                  <a:srgbClr val="222222"/>
+                </a:solidFill>
+                <a:effectLst/>
+                <a:latin typeface="Harding"/>
+              </a:rPr>
+              <a:t>A</a:t>
+            </a:r>
+          </a:p>
+          <a:p>
+            <a:pPr marL="228600" indent="-228600">
+              <a:buFont typeface="+mj-lt"/>
+              <a:buAutoNum type="arabicPeriod"/>
+            </a:pPr>
+            <a:endParaRPr lang="en-US" b="0" i="0" dirty="0">
+              <a:solidFill>
+                <a:srgbClr val="222222"/>
+              </a:solidFill>
+              <a:effectLst/>
+              <a:latin typeface="Harding"/>
+            </a:endParaRPr>
+          </a:p>
+          <a:p>
+            <a:pPr marL="228600" indent="-228600">
+              <a:buFont typeface="+mj-lt"/>
+              <a:buAutoNum type="arabicPeriod"/>
+            </a:pPr>
+            <a:endParaRPr lang="en-US" b="0" i="0" dirty="0">
+              <a:solidFill>
+                <a:srgbClr val="222222"/>
+              </a:solidFill>
+              <a:effectLst/>
+              <a:latin typeface="Harding"/>
+            </a:endParaRPr>
+          </a:p>
+          <a:p>
+            <a:pPr marL="228600" indent="-228600">
+              <a:buFont typeface="+mj-lt"/>
+              <a:buAutoNum type="arabicPeriod"/>
+            </a:pPr>
+            <a:r>
+              <a:rPr lang="en-US" b="0" i="0" dirty="0">
+                <a:solidFill>
+                  <a:srgbClr val="222222"/>
+                </a:solidFill>
+                <a:effectLst/>
+                <a:latin typeface="Harding"/>
+              </a:rPr>
+              <a:t>24-base-pair DNA barcodes encoded within lentiviruses are stably integrated into individual tumor cell lines after </a:t>
+            </a:r>
+            <a:r>
+              <a:rPr lang="en-US" b="0" i="0" dirty="0" err="1">
+                <a:solidFill>
+                  <a:srgbClr val="222222"/>
+                </a:solidFill>
+                <a:effectLst/>
+                <a:latin typeface="Harding"/>
+              </a:rPr>
+              <a:t>blasticidin</a:t>
+            </a:r>
+            <a:r>
+              <a:rPr lang="en-US" b="0" i="0" dirty="0">
+                <a:solidFill>
+                  <a:srgbClr val="222222"/>
+                </a:solidFill>
+                <a:effectLst/>
+                <a:latin typeface="Harding"/>
+              </a:rPr>
+              <a:t> selection, </a:t>
+            </a:r>
+          </a:p>
+          <a:p>
+            <a:pPr marL="228600" indent="-228600">
+              <a:buFont typeface="+mj-lt"/>
+              <a:buAutoNum type="arabicPeriod"/>
+            </a:pPr>
+            <a:r>
+              <a:rPr lang="en-US" b="0" i="0" dirty="0">
+                <a:solidFill>
+                  <a:srgbClr val="222222"/>
+                </a:solidFill>
+                <a:effectLst/>
+                <a:latin typeface="Harding"/>
+              </a:rPr>
+              <a:t>barcoded cell lines are individually frozen and later thawed to </a:t>
+            </a:r>
+          </a:p>
+          <a:p>
+            <a:pPr marL="228600" indent="-228600">
+              <a:buFont typeface="+mj-lt"/>
+              <a:buAutoNum type="arabicPeriod"/>
+            </a:pPr>
+            <a:r>
+              <a:rPr lang="en-US" b="0" i="0" dirty="0">
+                <a:solidFill>
+                  <a:srgbClr val="222222"/>
+                </a:solidFill>
+                <a:effectLst/>
+                <a:latin typeface="Harding"/>
+              </a:rPr>
+              <a:t>generate mixtures of equal numbers of barcoded cell lines, which are frozen again. </a:t>
+            </a:r>
+          </a:p>
+          <a:p>
+            <a:pPr marL="228600" indent="-228600">
+              <a:buFont typeface="+mj-lt"/>
+              <a:buAutoNum type="arabicPeriod"/>
+            </a:pPr>
+            <a:r>
+              <a:rPr lang="en-US" b="0" i="0" dirty="0">
+                <a:solidFill>
+                  <a:srgbClr val="222222"/>
+                </a:solidFill>
+                <a:effectLst/>
+                <a:latin typeface="Harding"/>
+              </a:rPr>
+              <a:t>Thawed mixtures are plated and then </a:t>
+            </a:r>
+            <a:r>
+              <a:rPr lang="en-US" b="0" i="0" dirty="0" err="1">
+                <a:solidFill>
+                  <a:srgbClr val="222222"/>
+                </a:solidFill>
+                <a:effectLst/>
+                <a:latin typeface="Harding"/>
+              </a:rPr>
+              <a:t>rearrayed</a:t>
+            </a:r>
+            <a:r>
+              <a:rPr lang="en-US" b="0" i="0" dirty="0">
+                <a:solidFill>
+                  <a:srgbClr val="222222"/>
+                </a:solidFill>
+                <a:effectLst/>
+                <a:latin typeface="Harding"/>
+              </a:rPr>
+              <a:t> into tissue culture assay plates. </a:t>
+            </a:r>
+          </a:p>
+          <a:p>
+            <a:pPr marL="228600" indent="-228600">
+              <a:buFont typeface="+mj-lt"/>
+              <a:buAutoNum type="arabicPeriod"/>
+            </a:pPr>
+            <a:r>
+              <a:rPr lang="en-US" b="0" i="0" dirty="0">
+                <a:solidFill>
+                  <a:srgbClr val="222222"/>
+                </a:solidFill>
+                <a:effectLst/>
+                <a:latin typeface="Harding"/>
+              </a:rPr>
+              <a:t>Mixtures are treated with test compounds or vehicle (DMSO) controls. </a:t>
+            </a:r>
+          </a:p>
+          <a:p>
+            <a:pPr marL="228600" indent="-228600">
+              <a:buFont typeface="+mj-lt"/>
+              <a:buAutoNum type="arabicPeriod"/>
+            </a:pPr>
+            <a:r>
+              <a:rPr lang="en-US" b="0" i="0" dirty="0">
+                <a:solidFill>
+                  <a:srgbClr val="222222"/>
+                </a:solidFill>
+                <a:effectLst/>
+                <a:latin typeface="Harding"/>
+              </a:rPr>
+              <a:t>At assay conclusion, genomic DNA is harvested from the mixture of remaining viable cells. </a:t>
+            </a:r>
+          </a:p>
+          <a:p>
+            <a:pPr marL="228600" indent="-228600">
+              <a:buFont typeface="+mj-lt"/>
+              <a:buAutoNum type="arabicPeriod"/>
+            </a:pPr>
+            <a:r>
+              <a:rPr lang="en-US" b="0" i="0" dirty="0">
+                <a:solidFill>
+                  <a:srgbClr val="222222"/>
+                </a:solidFill>
+                <a:effectLst/>
+                <a:latin typeface="Harding"/>
+              </a:rPr>
+              <a:t>Barcode sequences are amplified using PCR and universal primers (one of which is biotinylated), and </a:t>
+            </a:r>
+          </a:p>
+          <a:p>
+            <a:pPr marL="228600" indent="-228600">
+              <a:buFont typeface="+mj-lt"/>
+              <a:buAutoNum type="arabicPeriod"/>
+            </a:pPr>
+            <a:r>
+              <a:rPr lang="en-US" b="0" i="0" dirty="0">
+                <a:solidFill>
+                  <a:srgbClr val="222222"/>
+                </a:solidFill>
+                <a:effectLst/>
+                <a:latin typeface="Harding"/>
+              </a:rPr>
+              <a:t>amplified sequences are hybridized to individual microbeads harboring antisense barcode sequences and then to streptavidin-phycoerythrin. </a:t>
+            </a:r>
+          </a:p>
+          <a:p>
+            <a:pPr marL="228600" indent="-228600">
+              <a:buFont typeface="+mj-lt"/>
+              <a:buAutoNum type="arabicPeriod"/>
+            </a:pPr>
+            <a:r>
+              <a:rPr lang="en-US" b="0" i="0" dirty="0">
+                <a:solidFill>
+                  <a:srgbClr val="222222"/>
+                </a:solidFill>
+                <a:effectLst/>
+                <a:latin typeface="Harding"/>
+              </a:rPr>
+              <a:t>A Luminex </a:t>
+            </a:r>
+            <a:r>
+              <a:rPr lang="en-US" b="0" i="0" dirty="0" err="1">
+                <a:solidFill>
+                  <a:srgbClr val="222222"/>
+                </a:solidFill>
+                <a:effectLst/>
+                <a:latin typeface="Harding"/>
+              </a:rPr>
+              <a:t>FlexMap</a:t>
+            </a:r>
+            <a:r>
+              <a:rPr lang="en-US" b="0" i="0" dirty="0">
+                <a:solidFill>
+                  <a:srgbClr val="222222"/>
+                </a:solidFill>
+                <a:effectLst/>
+                <a:latin typeface="Harding"/>
+              </a:rPr>
+              <a:t> detector quantitates fluorescence signal for each bead. </a:t>
+            </a:r>
+          </a:p>
+          <a:p>
+            <a:pPr marL="228600" indent="-228600">
+              <a:buFont typeface="+mj-lt"/>
+              <a:buAutoNum type="arabicPeriod"/>
+            </a:pPr>
+            <a:r>
+              <a:rPr lang="en-US" b="0" i="0" dirty="0">
+                <a:solidFill>
+                  <a:srgbClr val="222222"/>
+                </a:solidFill>
+                <a:effectLst/>
+                <a:latin typeface="Harding"/>
+              </a:rPr>
+              <a:t>To adjust for differing barcoding efficiencies and differing cell doubling, the signal for each barcoded cell line is scaled to that of vehicle-treated control, thus demonstrating relative inhibition profiles for specific test compounds across multiple cell lines in mixture.</a:t>
+            </a:r>
+            <a:endParaRPr lang="de-DE" dirty="0"/>
           </a:p>
         </p:txBody>
       </p:sp>
@@ -1824,7 +2114,7 @@
           <a:p>
             <a:fld id="{4A4EC913-459A-40DA-A3CA-E9F2E31122D3}" type="slidenum">
               <a:rPr lang="de-DE" smtClean="0"/>
-              <a:t>7</a:t>
+              <a:t>6</a:t>
             </a:fld>
             <a:endParaRPr lang="de-DE"/>
           </a:p>
@@ -1833,7 +2123,7 @@
     </p:spTree>
     <p:extLst>
       <p:ext uri="{BB962C8B-B14F-4D97-AF65-F5344CB8AC3E}">
-        <p14:creationId xmlns:p14="http://schemas.microsoft.com/office/powerpoint/2010/main" val="3822410563"/>
+        <p14:creationId xmlns:p14="http://schemas.microsoft.com/office/powerpoint/2010/main" val="1544837196"/>
       </p:ext>
     </p:extLst>
   </p:cSld>
@@ -1872,14 +2162,1736 @@
         </p:nvSpPr>
         <p:spPr/>
       </p:sp>
-      <p:sp>
-        <p:nvSpPr>
-          <p:cNvPr id="3" name="Notizenplatzhalter 2"/>
+      <mc:AlternateContent xmlns:mc="http://schemas.openxmlformats.org/markup-compatibility/2006">
+        <mc:Choice xmlns:a14="http://schemas.microsoft.com/office/drawing/2010/main" Requires="a14">
+          <p:sp>
+            <p:nvSpPr>
+              <p:cNvPr id="3" name="Notizenplatzhalter 2"/>
+              <p:cNvSpPr>
+                <a:spLocks noGrp="1"/>
+              </p:cNvSpPr>
+              <p:nvPr>
+                <p:ph type="body" idx="1"/>
+              </p:nvPr>
+            </p:nvSpPr>
+            <p:spPr/>
+            <p:txBody>
+              <a:bodyPr/>
+              <a:lstStyle/>
+              <a:p>
+                <a:r>
+                  <a:rPr lang="de-DE" sz="2400" dirty="0"/>
+                  <a:t>J</a:t>
+                </a:r>
+              </a:p>
+              <a:p>
+                <a:pPr marL="0" marR="0" lvl="0" indent="0" algn="l" defTabSz="914400" rtl="0" eaLnBrk="1" fontAlgn="auto" latinLnBrk="0" hangingPunct="1">
+                  <a:lnSpc>
+                    <a:spcPct val="100000"/>
+                  </a:lnSpc>
+                  <a:spcBef>
+                    <a:spcPts val="0"/>
+                  </a:spcBef>
+                  <a:spcAft>
+                    <a:spcPts val="0"/>
+                  </a:spcAft>
+                  <a:buClrTx/>
+                  <a:buSzTx/>
+                  <a:buFontTx/>
+                  <a:buNone/>
+                  <a:tabLst/>
+                  <a:defRPr/>
+                </a:pPr>
+                <a:r>
+                  <a:rPr lang="en-US" sz="2400" b="0" i="0" u="none" strike="noStrike" dirty="0">
+                    <a:solidFill>
+                      <a:srgbClr val="1F2328"/>
+                    </a:solidFill>
+                    <a:effectLst/>
+                    <a:latin typeface="-apple-system"/>
+                    <a:hlinkClick r:id="rId3"/>
+                  </a:rPr>
+                  <a:t>TPM</a:t>
+                </a:r>
+                <a:r>
+                  <a:rPr lang="en-US" sz="2400" b="0" i="0" dirty="0">
+                    <a:solidFill>
+                      <a:srgbClr val="1F2328"/>
+                    </a:solidFill>
+                    <a:effectLst/>
+                    <a:latin typeface="-apple-system"/>
+                  </a:rPr>
+                  <a:t> (transcripts per million) values</a:t>
+                </a:r>
+              </a:p>
+              <a:p>
+                <a:pPr marL="0" marR="0" lvl="0" indent="0" algn="l" defTabSz="914400" rtl="0" eaLnBrk="1" fontAlgn="auto" latinLnBrk="0" hangingPunct="1">
+                  <a:lnSpc>
+                    <a:spcPct val="100000"/>
+                  </a:lnSpc>
+                  <a:spcBef>
+                    <a:spcPts val="0"/>
+                  </a:spcBef>
+                  <a:spcAft>
+                    <a:spcPts val="0"/>
+                  </a:spcAft>
+                  <a:buClrTx/>
+                  <a:buSzTx/>
+                  <a:buFontTx/>
+                  <a:buNone/>
+                  <a:tabLst/>
+                  <a:defRPr/>
+                </a:pPr>
+                <a:r>
+                  <a:rPr lang="en-US" sz="2400" b="0" i="0" dirty="0">
+                    <a:solidFill>
+                      <a:srgbClr val="1F2328"/>
+                    </a:solidFill>
+                    <a:effectLst/>
+                    <a:latin typeface="-apple-system"/>
+                  </a:rPr>
+                  <a:t>reflect level of gene expression, </a:t>
+                </a:r>
+              </a:p>
+              <a:p>
+                <a:pPr marL="0" marR="0" lvl="0" indent="0" algn="l" defTabSz="914400" rtl="0" eaLnBrk="1" fontAlgn="auto" latinLnBrk="0" hangingPunct="1">
+                  <a:lnSpc>
+                    <a:spcPct val="100000"/>
+                  </a:lnSpc>
+                  <a:spcBef>
+                    <a:spcPts val="0"/>
+                  </a:spcBef>
+                  <a:spcAft>
+                    <a:spcPts val="0"/>
+                  </a:spcAft>
+                  <a:buClrTx/>
+                  <a:buSzTx/>
+                  <a:buFontTx/>
+                  <a:buNone/>
+                  <a:tabLst/>
+                  <a:defRPr/>
+                </a:pPr>
+                <a:r>
+                  <a:rPr lang="en-US" sz="2400" b="0" i="0" dirty="0">
+                    <a:solidFill>
+                      <a:srgbClr val="1F2328"/>
+                    </a:solidFill>
+                    <a:effectLst/>
+                    <a:latin typeface="-apple-system"/>
+                  </a:rPr>
+                  <a:t>higher values </a:t>
+                </a:r>
+                <a:r>
+                  <a:rPr lang="en-US" sz="2400" b="0" i="0" dirty="0">
+                    <a:solidFill>
+                      <a:srgbClr val="1F2328"/>
+                    </a:solidFill>
+                    <a:effectLst/>
+                    <a:latin typeface="-apple-system"/>
+                    <a:sym typeface="Wingdings" panose="05000000000000000000" pitchFamily="2" charset="2"/>
+                  </a:rPr>
+                  <a:t></a:t>
+                </a:r>
+                <a:r>
+                  <a:rPr lang="en-US" sz="2400" b="0" i="0" dirty="0">
+                    <a:solidFill>
+                      <a:srgbClr val="1F2328"/>
+                    </a:solidFill>
+                    <a:effectLst/>
+                    <a:latin typeface="-apple-system"/>
+                  </a:rPr>
+                  <a:t> over expression of genes</a:t>
+                </a:r>
+              </a:p>
+              <a:p>
+                <a:pPr marL="0" marR="0" lvl="0" indent="0" algn="l" defTabSz="914400" rtl="0" eaLnBrk="1" fontAlgn="auto" latinLnBrk="0" hangingPunct="1">
+                  <a:lnSpc>
+                    <a:spcPct val="100000"/>
+                  </a:lnSpc>
+                  <a:spcBef>
+                    <a:spcPts val="0"/>
+                  </a:spcBef>
+                  <a:spcAft>
+                    <a:spcPts val="0"/>
+                  </a:spcAft>
+                  <a:buClrTx/>
+                  <a:buSzTx/>
+                  <a:buFontTx/>
+                  <a:buNone/>
+                  <a:tabLst/>
+                  <a:defRPr/>
+                </a:pPr>
+                <a:endParaRPr lang="en-US" sz="2400" b="0" i="0" dirty="0">
+                  <a:solidFill>
+                    <a:srgbClr val="1F2328"/>
+                  </a:solidFill>
+                  <a:effectLst/>
+                  <a:latin typeface="-apple-system"/>
+                </a:endParaRPr>
+              </a:p>
+              <a:p>
+                <a:pPr marL="228600" marR="0" lvl="0" indent="-228600" algn="l" defTabSz="914400" rtl="0" eaLnBrk="1" fontAlgn="auto" latinLnBrk="0" hangingPunct="1">
+                  <a:lnSpc>
+                    <a:spcPct val="100000"/>
+                  </a:lnSpc>
+                  <a:spcBef>
+                    <a:spcPts val="0"/>
+                  </a:spcBef>
+                  <a:spcAft>
+                    <a:spcPts val="0"/>
+                  </a:spcAft>
+                  <a:buClrTx/>
+                  <a:buSzTx/>
+                  <a:buFont typeface="+mj-lt"/>
+                  <a:buAutoNum type="arabicPeriod"/>
+                  <a:tabLst/>
+                  <a:defRPr/>
+                </a:pPr>
+                <a:r>
+                  <a:rPr lang="en-GB" sz="2400" b="0" i="0" dirty="0">
+                    <a:solidFill>
+                      <a:srgbClr val="333333"/>
+                    </a:solidFill>
+                    <a:effectLst/>
+                    <a:latin typeface="Tahoma" panose="020B0604030504040204" pitchFamily="34" charset="0"/>
+                  </a:rPr>
+                  <a:t>RNA-</a:t>
+                </a:r>
+                <a:r>
+                  <a:rPr lang="en-GB" sz="2400" b="0" i="0" dirty="0" err="1">
+                    <a:solidFill>
+                      <a:srgbClr val="333333"/>
+                    </a:solidFill>
+                    <a:effectLst/>
+                    <a:latin typeface="Tahoma" panose="020B0604030504040204" pitchFamily="34" charset="0"/>
+                  </a:rPr>
+                  <a:t>seq</a:t>
+                </a:r>
+                <a:endParaRPr lang="en-GB" sz="2400" b="0" i="0" dirty="0">
+                  <a:solidFill>
+                    <a:srgbClr val="333333"/>
+                  </a:solidFill>
+                  <a:effectLst/>
+                  <a:latin typeface="Tahoma" panose="020B0604030504040204" pitchFamily="34" charset="0"/>
+                </a:endParaRPr>
+              </a:p>
+              <a:p>
+                <a:pPr marL="228600" marR="0" lvl="0" indent="-228600" algn="l" defTabSz="914400" rtl="0" eaLnBrk="1" fontAlgn="auto" latinLnBrk="0" hangingPunct="1">
+                  <a:lnSpc>
+                    <a:spcPct val="100000"/>
+                  </a:lnSpc>
+                  <a:spcBef>
+                    <a:spcPts val="0"/>
+                  </a:spcBef>
+                  <a:spcAft>
+                    <a:spcPts val="0"/>
+                  </a:spcAft>
+                  <a:buClrTx/>
+                  <a:buSzTx/>
+                  <a:buFont typeface="+mj-lt"/>
+                  <a:buAutoNum type="arabicPeriod"/>
+                  <a:tabLst/>
+                  <a:defRPr/>
+                </a:pPr>
+                <a:r>
+                  <a:rPr lang="en-GB" sz="2400" b="0" i="0" dirty="0">
+                    <a:solidFill>
+                      <a:srgbClr val="333333"/>
+                    </a:solidFill>
+                    <a:effectLst/>
+                    <a:latin typeface="Tahoma" panose="020B0604030504040204" pitchFamily="34" charset="0"/>
+                    <a:sym typeface="Wingdings" panose="05000000000000000000" pitchFamily="2" charset="2"/>
+                  </a:rPr>
+                  <a:t>RPKM (reads per kilobase million)</a:t>
+                </a:r>
+                <a:endParaRPr lang="de-DE" sz="2400" b="0" i="0" dirty="0">
+                  <a:solidFill>
+                    <a:srgbClr val="333333"/>
+                  </a:solidFill>
+                  <a:effectLst/>
+                  <a:latin typeface="Tahoma" panose="020B0604030504040204" pitchFamily="34" charset="0"/>
+                  <a:sym typeface="Wingdings" panose="05000000000000000000" pitchFamily="2" charset="2"/>
+                </a:endParaRPr>
+              </a:p>
+              <a:p>
+                <a:pPr marL="228600" marR="0" lvl="0" indent="-228600" algn="l" defTabSz="914400" rtl="0" eaLnBrk="1" fontAlgn="auto" latinLnBrk="0" hangingPunct="1">
+                  <a:lnSpc>
+                    <a:spcPct val="100000"/>
+                  </a:lnSpc>
+                  <a:spcBef>
+                    <a:spcPts val="0"/>
+                  </a:spcBef>
+                  <a:spcAft>
+                    <a:spcPts val="0"/>
+                  </a:spcAft>
+                  <a:buClrTx/>
+                  <a:buSzTx/>
+                  <a:buFont typeface="+mj-lt"/>
+                  <a:buAutoNum type="arabicPeriod"/>
+                  <a:tabLst/>
+                  <a:defRPr/>
+                </a:pPr>
+                <a14:m>
+                  <m:oMath xmlns:m="http://schemas.openxmlformats.org/officeDocument/2006/math">
+                    <m:r>
+                      <a:rPr lang="de-DE" sz="2400" b="0" i="1" smtClean="0">
+                        <a:solidFill>
+                          <a:srgbClr val="333333"/>
+                        </a:solidFill>
+                        <a:effectLst/>
+                        <a:latin typeface="Cambria Math" panose="02040503050406030204" pitchFamily="18" charset="0"/>
+                        <a:sym typeface="Wingdings" panose="05000000000000000000" pitchFamily="2" charset="2"/>
+                      </a:rPr>
+                      <m:t>𝑅𝑃𝐾</m:t>
+                    </m:r>
+                    <m:r>
+                      <a:rPr lang="de-DE" sz="2400" b="0" i="1" smtClean="0">
+                        <a:solidFill>
+                          <a:srgbClr val="333333"/>
+                        </a:solidFill>
+                        <a:effectLst/>
+                        <a:latin typeface="Cambria Math" panose="02040503050406030204" pitchFamily="18" charset="0"/>
+                        <a:sym typeface="Wingdings" panose="05000000000000000000" pitchFamily="2" charset="2"/>
+                      </a:rPr>
+                      <m:t> </m:t>
+                    </m:r>
+                    <m:d>
+                      <m:dPr>
+                        <m:ctrlPr>
+                          <a:rPr lang="de-DE" sz="2400" b="0" i="1" smtClean="0">
+                            <a:solidFill>
+                              <a:srgbClr val="333333"/>
+                            </a:solidFill>
+                            <a:effectLst/>
+                            <a:latin typeface="Cambria Math" panose="02040503050406030204" pitchFamily="18" charset="0"/>
+                            <a:sym typeface="Wingdings" panose="05000000000000000000" pitchFamily="2" charset="2"/>
+                          </a:rPr>
+                        </m:ctrlPr>
+                      </m:dPr>
+                      <m:e>
+                        <m:r>
+                          <a:rPr lang="de-DE" sz="2400" b="0" i="1" smtClean="0">
+                            <a:solidFill>
+                              <a:srgbClr val="333333"/>
+                            </a:solidFill>
+                            <a:effectLst/>
+                            <a:latin typeface="Cambria Math" panose="02040503050406030204" pitchFamily="18" charset="0"/>
+                            <a:sym typeface="Wingdings" panose="05000000000000000000" pitchFamily="2" charset="2"/>
+                          </a:rPr>
+                          <m:t>𝑟𝑒𝑎𝑑𝑠</m:t>
+                        </m:r>
+                        <m:r>
+                          <a:rPr lang="de-DE" sz="2400" b="0" i="1" smtClean="0">
+                            <a:solidFill>
+                              <a:srgbClr val="333333"/>
+                            </a:solidFill>
+                            <a:effectLst/>
+                            <a:latin typeface="Cambria Math" panose="02040503050406030204" pitchFamily="18" charset="0"/>
+                            <a:sym typeface="Wingdings" panose="05000000000000000000" pitchFamily="2" charset="2"/>
+                          </a:rPr>
+                          <m:t> </m:t>
+                        </m:r>
+                        <m:r>
+                          <a:rPr lang="de-DE" sz="2400" b="0" i="1" smtClean="0">
+                            <a:solidFill>
+                              <a:srgbClr val="333333"/>
+                            </a:solidFill>
+                            <a:effectLst/>
+                            <a:latin typeface="Cambria Math" panose="02040503050406030204" pitchFamily="18" charset="0"/>
+                            <a:sym typeface="Wingdings" panose="05000000000000000000" pitchFamily="2" charset="2"/>
+                          </a:rPr>
+                          <m:t>𝑝𝑒𝑟</m:t>
+                        </m:r>
+                        <m:r>
+                          <a:rPr lang="de-DE" sz="2400" b="0" i="1" smtClean="0">
+                            <a:solidFill>
+                              <a:srgbClr val="333333"/>
+                            </a:solidFill>
+                            <a:effectLst/>
+                            <a:latin typeface="Cambria Math" panose="02040503050406030204" pitchFamily="18" charset="0"/>
+                            <a:sym typeface="Wingdings" panose="05000000000000000000" pitchFamily="2" charset="2"/>
+                          </a:rPr>
+                          <m:t> </m:t>
+                        </m:r>
+                        <m:r>
+                          <a:rPr lang="de-DE" sz="2400" b="0" i="1" smtClean="0">
+                            <a:solidFill>
+                              <a:srgbClr val="333333"/>
+                            </a:solidFill>
+                            <a:effectLst/>
+                            <a:latin typeface="Cambria Math" panose="02040503050406030204" pitchFamily="18" charset="0"/>
+                            <a:sym typeface="Wingdings" panose="05000000000000000000" pitchFamily="2" charset="2"/>
+                          </a:rPr>
+                          <m:t>𝑘𝑖𝑙𝑜𝑏𝑎𝑠𝑒</m:t>
+                        </m:r>
+                      </m:e>
+                    </m:d>
+                    <m:r>
+                      <a:rPr lang="de-DE" sz="2400" b="0" i="1" smtClean="0">
+                        <a:solidFill>
+                          <a:srgbClr val="333333"/>
+                        </a:solidFill>
+                        <a:effectLst/>
+                        <a:latin typeface="Cambria Math" panose="02040503050406030204" pitchFamily="18" charset="0"/>
+                        <a:sym typeface="Wingdings" panose="05000000000000000000" pitchFamily="2" charset="2"/>
+                      </a:rPr>
+                      <m:t>=</m:t>
+                    </m:r>
+                    <m:f>
+                      <m:fPr>
+                        <m:ctrlPr>
+                          <a:rPr lang="de-DE" sz="2400" b="0" i="1" smtClean="0">
+                            <a:solidFill>
+                              <a:srgbClr val="333333"/>
+                            </a:solidFill>
+                            <a:effectLst/>
+                            <a:latin typeface="Cambria Math" panose="02040503050406030204" pitchFamily="18" charset="0"/>
+                            <a:sym typeface="Wingdings" panose="05000000000000000000" pitchFamily="2" charset="2"/>
+                          </a:rPr>
+                        </m:ctrlPr>
+                      </m:fPr>
+                      <m:num>
+                        <m:r>
+                          <a:rPr lang="de-DE" sz="2400" b="0" i="1" smtClean="0">
+                            <a:solidFill>
+                              <a:srgbClr val="333333"/>
+                            </a:solidFill>
+                            <a:effectLst/>
+                            <a:latin typeface="Cambria Math" panose="02040503050406030204" pitchFamily="18" charset="0"/>
+                            <a:sym typeface="Wingdings" panose="05000000000000000000" pitchFamily="2" charset="2"/>
+                          </a:rPr>
+                          <m:t>𝑟𝑒𝑎𝑑</m:t>
+                        </m:r>
+                        <m:r>
+                          <a:rPr lang="de-DE" sz="2400" b="0" i="1" smtClean="0">
+                            <a:solidFill>
+                              <a:srgbClr val="333333"/>
+                            </a:solidFill>
+                            <a:effectLst/>
+                            <a:latin typeface="Cambria Math" panose="02040503050406030204" pitchFamily="18" charset="0"/>
+                            <a:sym typeface="Wingdings" panose="05000000000000000000" pitchFamily="2" charset="2"/>
+                          </a:rPr>
+                          <m:t> </m:t>
+                        </m:r>
+                        <m:r>
+                          <a:rPr lang="de-DE" sz="2400" b="0" i="1" smtClean="0">
+                            <a:solidFill>
+                              <a:srgbClr val="333333"/>
+                            </a:solidFill>
+                            <a:effectLst/>
+                            <a:latin typeface="Cambria Math" panose="02040503050406030204" pitchFamily="18" charset="0"/>
+                            <a:sym typeface="Wingdings" panose="05000000000000000000" pitchFamily="2" charset="2"/>
+                          </a:rPr>
+                          <m:t>𝑐𝑜𝑢𝑛𝑡𝑠</m:t>
+                        </m:r>
+                      </m:num>
+                      <m:den>
+                        <m:r>
+                          <m:rPr>
+                            <m:nor/>
+                          </m:rPr>
+                          <a:rPr lang="en-GB" sz="2400" b="0" i="0" dirty="0">
+                            <a:solidFill>
+                              <a:srgbClr val="333333"/>
+                            </a:solidFill>
+                            <a:effectLst/>
+                            <a:latin typeface="Tahoma" panose="020B0604030504040204" pitchFamily="34" charset="0"/>
+                            <a:sym typeface="Wingdings" panose="05000000000000000000" pitchFamily="2" charset="2"/>
+                          </a:rPr>
+                          <m:t> </m:t>
+                        </m:r>
+                        <m:r>
+                          <a:rPr lang="de-DE" sz="2400" b="0" i="1" dirty="0" smtClean="0">
+                            <a:solidFill>
+                              <a:srgbClr val="333333"/>
+                            </a:solidFill>
+                            <a:effectLst/>
+                            <a:latin typeface="Cambria Math" panose="02040503050406030204" pitchFamily="18" charset="0"/>
+                            <a:sym typeface="Wingdings" panose="05000000000000000000" pitchFamily="2" charset="2"/>
+                          </a:rPr>
+                          <m:t>𝑙𝑒𝑛𝑔𝑡h</m:t>
+                        </m:r>
+                        <m:r>
+                          <a:rPr lang="de-DE" sz="2400" b="0" i="1" dirty="0" smtClean="0">
+                            <a:solidFill>
+                              <a:srgbClr val="333333"/>
+                            </a:solidFill>
+                            <a:effectLst/>
+                            <a:latin typeface="Cambria Math" panose="02040503050406030204" pitchFamily="18" charset="0"/>
+                            <a:sym typeface="Wingdings" panose="05000000000000000000" pitchFamily="2" charset="2"/>
+                          </a:rPr>
+                          <m:t> </m:t>
+                        </m:r>
+                        <m:r>
+                          <a:rPr lang="de-DE" sz="2400" b="0" i="1" dirty="0" smtClean="0">
+                            <a:solidFill>
+                              <a:srgbClr val="333333"/>
+                            </a:solidFill>
+                            <a:effectLst/>
+                            <a:latin typeface="Cambria Math" panose="02040503050406030204" pitchFamily="18" charset="0"/>
+                            <a:sym typeface="Wingdings" panose="05000000000000000000" pitchFamily="2" charset="2"/>
+                          </a:rPr>
+                          <m:t>𝑜𝑓</m:t>
+                        </m:r>
+                        <m:r>
+                          <a:rPr lang="de-DE" sz="2400" b="0" i="1" dirty="0" smtClean="0">
+                            <a:solidFill>
+                              <a:srgbClr val="333333"/>
+                            </a:solidFill>
+                            <a:effectLst/>
+                            <a:latin typeface="Cambria Math" panose="02040503050406030204" pitchFamily="18" charset="0"/>
+                            <a:sym typeface="Wingdings" panose="05000000000000000000" pitchFamily="2" charset="2"/>
+                          </a:rPr>
+                          <m:t> </m:t>
+                        </m:r>
+                        <m:r>
+                          <a:rPr lang="de-DE" sz="2400" b="0" i="1" dirty="0" smtClean="0">
+                            <a:solidFill>
+                              <a:srgbClr val="333333"/>
+                            </a:solidFill>
+                            <a:effectLst/>
+                            <a:latin typeface="Cambria Math" panose="02040503050406030204" pitchFamily="18" charset="0"/>
+                            <a:sym typeface="Wingdings" panose="05000000000000000000" pitchFamily="2" charset="2"/>
+                          </a:rPr>
+                          <m:t>𝑔𝑒𝑛𝑒</m:t>
+                        </m:r>
+                        <m:r>
+                          <a:rPr lang="de-DE" sz="2400" b="0" i="1" dirty="0" smtClean="0">
+                            <a:solidFill>
+                              <a:srgbClr val="333333"/>
+                            </a:solidFill>
+                            <a:effectLst/>
+                            <a:latin typeface="Cambria Math" panose="02040503050406030204" pitchFamily="18" charset="0"/>
+                            <a:sym typeface="Wingdings" panose="05000000000000000000" pitchFamily="2" charset="2"/>
+                          </a:rPr>
+                          <m:t> [</m:t>
+                        </m:r>
+                        <m:r>
+                          <a:rPr lang="de-DE" sz="2400" b="0" i="1" dirty="0" smtClean="0">
+                            <a:solidFill>
+                              <a:srgbClr val="333333"/>
+                            </a:solidFill>
+                            <a:effectLst/>
+                            <a:latin typeface="Cambria Math" panose="02040503050406030204" pitchFamily="18" charset="0"/>
+                            <a:sym typeface="Wingdings" panose="05000000000000000000" pitchFamily="2" charset="2"/>
+                          </a:rPr>
+                          <m:t>𝑘𝑏</m:t>
+                        </m:r>
+                        <m:r>
+                          <a:rPr lang="de-DE" sz="2400" b="0" i="1" dirty="0" smtClean="0">
+                            <a:solidFill>
+                              <a:srgbClr val="333333"/>
+                            </a:solidFill>
+                            <a:effectLst/>
+                            <a:latin typeface="Cambria Math" panose="02040503050406030204" pitchFamily="18" charset="0"/>
+                            <a:sym typeface="Wingdings" panose="05000000000000000000" pitchFamily="2" charset="2"/>
+                          </a:rPr>
+                          <m:t>]</m:t>
+                        </m:r>
+                      </m:den>
+                    </m:f>
+                  </m:oMath>
+                </a14:m>
+                <a:r>
+                  <a:rPr lang="de-DE" sz="2400" b="0" i="1" dirty="0">
+                    <a:solidFill>
+                      <a:srgbClr val="333333"/>
+                    </a:solidFill>
+                    <a:effectLst/>
+                    <a:latin typeface="Cambria Math" panose="02040503050406030204" pitchFamily="18" charset="0"/>
+                    <a:sym typeface="Wingdings" panose="05000000000000000000" pitchFamily="2" charset="2"/>
+                  </a:rPr>
+                  <a:t> 	</a:t>
+                </a:r>
+                <a:r>
+                  <a:rPr lang="de-DE" sz="2400" b="0" i="0" kern="1200" dirty="0">
+                    <a:solidFill>
+                      <a:srgbClr val="333333"/>
+                    </a:solidFill>
+                    <a:effectLst/>
+                    <a:latin typeface="Tahoma" panose="020B0604030504040204" pitchFamily="34" charset="0"/>
+                    <a:ea typeface="+mn-ea"/>
+                    <a:cs typeface="+mn-cs"/>
+                    <a:sym typeface="Wingdings" panose="05000000000000000000" pitchFamily="2" charset="2"/>
+                  </a:rPr>
+                  <a:t>normalize </a:t>
+                </a:r>
+                <a:r>
+                  <a:rPr lang="de-DE" sz="2400" b="0" i="0" kern="1200" dirty="0" err="1">
+                    <a:solidFill>
+                      <a:srgbClr val="333333"/>
+                    </a:solidFill>
+                    <a:effectLst/>
+                    <a:latin typeface="Tahoma" panose="020B0604030504040204" pitchFamily="34" charset="0"/>
+                    <a:ea typeface="+mn-ea"/>
+                    <a:cs typeface="+mn-cs"/>
+                    <a:sym typeface="Wingdings" panose="05000000000000000000" pitchFamily="2" charset="2"/>
+                  </a:rPr>
+                  <a:t>for</a:t>
+                </a:r>
+                <a:r>
+                  <a:rPr lang="de-DE" sz="2400" b="0" i="0" kern="1200" dirty="0">
+                    <a:solidFill>
+                      <a:srgbClr val="333333"/>
+                    </a:solidFill>
+                    <a:effectLst/>
+                    <a:latin typeface="Tahoma" panose="020B0604030504040204" pitchFamily="34" charset="0"/>
+                    <a:ea typeface="+mn-ea"/>
+                    <a:cs typeface="+mn-cs"/>
+                    <a:sym typeface="Wingdings" panose="05000000000000000000" pitchFamily="2" charset="2"/>
+                  </a:rPr>
+                  <a:t> </a:t>
+                </a:r>
+                <a:r>
+                  <a:rPr lang="de-DE" sz="2400" b="0" i="0" kern="1200" dirty="0" err="1">
+                    <a:solidFill>
+                      <a:srgbClr val="333333"/>
+                    </a:solidFill>
+                    <a:effectLst/>
+                    <a:latin typeface="Tahoma" panose="020B0604030504040204" pitchFamily="34" charset="0"/>
+                    <a:ea typeface="+mn-ea"/>
+                    <a:cs typeface="+mn-cs"/>
+                    <a:sym typeface="Wingdings" panose="05000000000000000000" pitchFamily="2" charset="2"/>
+                  </a:rPr>
+                  <a:t>length</a:t>
+                </a:r>
+                <a:endParaRPr lang="de-DE" sz="2400" b="0" i="0" kern="1200" dirty="0">
+                  <a:solidFill>
+                    <a:srgbClr val="333333"/>
+                  </a:solidFill>
+                  <a:effectLst/>
+                  <a:latin typeface="Tahoma" panose="020B0604030504040204" pitchFamily="34" charset="0"/>
+                  <a:ea typeface="+mn-ea"/>
+                  <a:cs typeface="+mn-cs"/>
+                  <a:sym typeface="Wingdings" panose="05000000000000000000" pitchFamily="2" charset="2"/>
+                </a:endParaRPr>
+              </a:p>
+              <a:p>
+                <a:pPr marL="228600" marR="0" lvl="0" indent="-228600" algn="l" defTabSz="914400" rtl="0" eaLnBrk="1" fontAlgn="auto" latinLnBrk="0" hangingPunct="1">
+                  <a:lnSpc>
+                    <a:spcPct val="100000"/>
+                  </a:lnSpc>
+                  <a:spcBef>
+                    <a:spcPts val="0"/>
+                  </a:spcBef>
+                  <a:spcAft>
+                    <a:spcPts val="0"/>
+                  </a:spcAft>
+                  <a:buClrTx/>
+                  <a:buSzTx/>
+                  <a:buFont typeface="+mj-lt"/>
+                  <a:buAutoNum type="arabicPeriod"/>
+                  <a:tabLst/>
+                  <a:defRPr/>
+                </a:pPr>
+                <a14:m>
+                  <m:oMath xmlns:m="http://schemas.openxmlformats.org/officeDocument/2006/math">
+                    <m:r>
+                      <a:rPr lang="de-DE" sz="2400" b="0" i="1" dirty="0" smtClean="0">
+                        <a:solidFill>
+                          <a:srgbClr val="333333"/>
+                        </a:solidFill>
+                        <a:effectLst/>
+                        <a:latin typeface="Cambria Math" panose="02040503050406030204" pitchFamily="18" charset="0"/>
+                        <a:sym typeface="Wingdings" panose="05000000000000000000" pitchFamily="2" charset="2"/>
+                      </a:rPr>
+                      <m:t> </m:t>
+                    </m:r>
+                    <m:r>
+                      <a:rPr lang="de-DE" sz="2400" b="0" i="1" dirty="0" smtClean="0">
+                        <a:solidFill>
+                          <a:srgbClr val="333333"/>
+                        </a:solidFill>
+                        <a:effectLst/>
+                        <a:latin typeface="Cambria Math" panose="02040503050406030204" pitchFamily="18" charset="0"/>
+                        <a:sym typeface="Wingdings" panose="05000000000000000000" pitchFamily="2" charset="2"/>
+                      </a:rPr>
+                      <m:t>𝑠𝑐𝑎𝑙𝑖𝑛𝑔</m:t>
+                    </m:r>
+                    <m:r>
+                      <a:rPr lang="de-DE" sz="2400" b="0" i="1" dirty="0" smtClean="0">
+                        <a:solidFill>
+                          <a:srgbClr val="333333"/>
+                        </a:solidFill>
+                        <a:effectLst/>
+                        <a:latin typeface="Cambria Math" panose="02040503050406030204" pitchFamily="18" charset="0"/>
+                        <a:sym typeface="Wingdings" panose="05000000000000000000" pitchFamily="2" charset="2"/>
+                      </a:rPr>
+                      <m:t> </m:t>
+                    </m:r>
+                    <m:r>
+                      <a:rPr lang="de-DE" sz="2400" b="0" i="1" dirty="0" smtClean="0">
+                        <a:solidFill>
+                          <a:srgbClr val="333333"/>
+                        </a:solidFill>
+                        <a:effectLst/>
+                        <a:latin typeface="Cambria Math" panose="02040503050406030204" pitchFamily="18" charset="0"/>
+                        <a:sym typeface="Wingdings" panose="05000000000000000000" pitchFamily="2" charset="2"/>
+                      </a:rPr>
+                      <m:t>𝑓𝑎𝑐𝑡𝑜𝑟</m:t>
+                    </m:r>
+                    <m:r>
+                      <a:rPr lang="de-DE" sz="2400" b="0" i="1" dirty="0" smtClean="0">
+                        <a:solidFill>
+                          <a:srgbClr val="333333"/>
+                        </a:solidFill>
+                        <a:effectLst/>
+                        <a:latin typeface="Cambria Math" panose="02040503050406030204" pitchFamily="18" charset="0"/>
+                        <a:sym typeface="Wingdings" panose="05000000000000000000" pitchFamily="2" charset="2"/>
+                      </a:rPr>
+                      <m:t>=</m:t>
+                    </m:r>
+                    <m:f>
+                      <m:fPr>
+                        <m:ctrlPr>
+                          <a:rPr lang="en-GB" sz="2400" b="0" i="1" smtClean="0">
+                            <a:solidFill>
+                              <a:srgbClr val="333333"/>
+                            </a:solidFill>
+                            <a:effectLst/>
+                            <a:latin typeface="Cambria Math" panose="02040503050406030204" pitchFamily="18" charset="0"/>
+                            <a:sym typeface="Wingdings" panose="05000000000000000000" pitchFamily="2" charset="2"/>
+                          </a:rPr>
+                        </m:ctrlPr>
+                      </m:fPr>
+                      <m:num>
+                        <m:nary>
+                          <m:naryPr>
+                            <m:chr m:val="∑"/>
+                            <m:subHide m:val="on"/>
+                            <m:supHide m:val="on"/>
+                            <m:ctrlPr>
+                              <a:rPr lang="en-GB" sz="2400" b="0" i="1" smtClean="0">
+                                <a:solidFill>
+                                  <a:srgbClr val="333333"/>
+                                </a:solidFill>
+                                <a:effectLst/>
+                                <a:latin typeface="Cambria Math" panose="02040503050406030204" pitchFamily="18" charset="0"/>
+                                <a:sym typeface="Wingdings" panose="05000000000000000000" pitchFamily="2" charset="2"/>
+                              </a:rPr>
+                            </m:ctrlPr>
+                          </m:naryPr>
+                          <m:sub/>
+                          <m:sup/>
+                          <m:e>
+                            <m:r>
+                              <a:rPr lang="de-DE" sz="2400" b="0" i="1" smtClean="0">
+                                <a:solidFill>
+                                  <a:srgbClr val="333333"/>
+                                </a:solidFill>
+                                <a:effectLst/>
+                                <a:latin typeface="Cambria Math" panose="02040503050406030204" pitchFamily="18" charset="0"/>
+                                <a:sym typeface="Wingdings" panose="05000000000000000000" pitchFamily="2" charset="2"/>
+                              </a:rPr>
+                              <m:t>𝑅𝑃𝐾</m:t>
+                            </m:r>
+                            <m:r>
+                              <a:rPr lang="de-DE" sz="2400" b="0" i="1" smtClean="0">
+                                <a:solidFill>
+                                  <a:srgbClr val="333333"/>
+                                </a:solidFill>
+                                <a:effectLst/>
+                                <a:latin typeface="Cambria Math" panose="02040503050406030204" pitchFamily="18" charset="0"/>
+                                <a:sym typeface="Wingdings" panose="05000000000000000000" pitchFamily="2" charset="2"/>
+                              </a:rPr>
+                              <m:t> </m:t>
+                            </m:r>
+                            <m:r>
+                              <a:rPr lang="de-DE" sz="2400" b="0" i="1" smtClean="0">
+                                <a:solidFill>
+                                  <a:srgbClr val="333333"/>
+                                </a:solidFill>
+                                <a:effectLst/>
+                                <a:latin typeface="Cambria Math" panose="02040503050406030204" pitchFamily="18" charset="0"/>
+                                <a:sym typeface="Wingdings" panose="05000000000000000000" pitchFamily="2" charset="2"/>
+                              </a:rPr>
+                              <m:t>𝑖𝑛</m:t>
+                            </m:r>
+                            <m:r>
+                              <a:rPr lang="de-DE" sz="2400" b="0" i="1" smtClean="0">
+                                <a:solidFill>
+                                  <a:srgbClr val="333333"/>
+                                </a:solidFill>
+                                <a:effectLst/>
+                                <a:latin typeface="Cambria Math" panose="02040503050406030204" pitchFamily="18" charset="0"/>
+                                <a:sym typeface="Wingdings" panose="05000000000000000000" pitchFamily="2" charset="2"/>
+                              </a:rPr>
+                              <m:t> </m:t>
+                            </m:r>
+                            <m:r>
+                              <a:rPr lang="de-DE" sz="2400" b="0" i="1" smtClean="0">
+                                <a:solidFill>
+                                  <a:srgbClr val="333333"/>
+                                </a:solidFill>
+                                <a:effectLst/>
+                                <a:latin typeface="Cambria Math" panose="02040503050406030204" pitchFamily="18" charset="0"/>
+                                <a:sym typeface="Wingdings" panose="05000000000000000000" pitchFamily="2" charset="2"/>
+                              </a:rPr>
+                              <m:t>𝑠𝑎𝑚𝑝𝑙𝑒</m:t>
+                            </m:r>
+                          </m:e>
+                        </m:nary>
+                      </m:num>
+                      <m:den>
+                        <m:r>
+                          <a:rPr lang="de-DE" sz="2400" b="0" i="1" smtClean="0">
+                            <a:solidFill>
+                              <a:srgbClr val="333333"/>
+                            </a:solidFill>
+                            <a:effectLst/>
+                            <a:latin typeface="Cambria Math" panose="02040503050406030204" pitchFamily="18" charset="0"/>
+                            <a:sym typeface="Wingdings" panose="05000000000000000000" pitchFamily="2" charset="2"/>
+                          </a:rPr>
+                          <m:t>1.000.000</m:t>
+                        </m:r>
+                      </m:den>
+                    </m:f>
+                  </m:oMath>
+                </a14:m>
+                <a:r>
+                  <a:rPr lang="en-GB" sz="2400" b="0" i="0" dirty="0">
+                    <a:solidFill>
+                      <a:srgbClr val="333333"/>
+                    </a:solidFill>
+                    <a:effectLst/>
+                    <a:latin typeface="Tahoma" panose="020B0604030504040204" pitchFamily="34" charset="0"/>
+                    <a:sym typeface="Wingdings" panose="05000000000000000000" pitchFamily="2" charset="2"/>
+                  </a:rPr>
+                  <a:t>		normalize for sequencing depth</a:t>
+                </a:r>
+              </a:p>
+              <a:p>
+                <a:pPr marL="228600" marR="0" lvl="0" indent="-228600" algn="l" defTabSz="914400" rtl="0" eaLnBrk="1" fontAlgn="auto" latinLnBrk="0" hangingPunct="1">
+                  <a:lnSpc>
+                    <a:spcPct val="100000"/>
+                  </a:lnSpc>
+                  <a:spcBef>
+                    <a:spcPts val="0"/>
+                  </a:spcBef>
+                  <a:spcAft>
+                    <a:spcPts val="0"/>
+                  </a:spcAft>
+                  <a:buClrTx/>
+                  <a:buSzTx/>
+                  <a:buFont typeface="+mj-lt"/>
+                  <a:buAutoNum type="arabicPeriod"/>
+                  <a:tabLst/>
+                  <a:defRPr/>
+                </a:pPr>
+                <a14:m>
+                  <m:oMath xmlns:m="http://schemas.openxmlformats.org/officeDocument/2006/math">
+                    <m:r>
+                      <a:rPr lang="de-DE" sz="2400" b="0" i="1" smtClean="0">
+                        <a:solidFill>
+                          <a:srgbClr val="333333"/>
+                        </a:solidFill>
+                        <a:effectLst/>
+                        <a:latin typeface="Cambria Math" panose="02040503050406030204" pitchFamily="18" charset="0"/>
+                        <a:sym typeface="Wingdings" panose="05000000000000000000" pitchFamily="2" charset="2"/>
+                      </a:rPr>
+                      <m:t>𝑇𝑃𝑀</m:t>
+                    </m:r>
+                    <m:r>
+                      <a:rPr lang="de-DE" sz="2400" b="0" i="1" smtClean="0">
+                        <a:solidFill>
+                          <a:srgbClr val="333333"/>
+                        </a:solidFill>
+                        <a:effectLst/>
+                        <a:latin typeface="Cambria Math" panose="02040503050406030204" pitchFamily="18" charset="0"/>
+                        <a:sym typeface="Wingdings" panose="05000000000000000000" pitchFamily="2" charset="2"/>
+                      </a:rPr>
+                      <m:t>=</m:t>
+                    </m:r>
+                    <m:f>
+                      <m:fPr>
+                        <m:ctrlPr>
+                          <a:rPr lang="de-DE" sz="2400" b="0" i="1" smtClean="0">
+                            <a:solidFill>
+                              <a:srgbClr val="333333"/>
+                            </a:solidFill>
+                            <a:effectLst/>
+                            <a:latin typeface="Cambria Math" panose="02040503050406030204" pitchFamily="18" charset="0"/>
+                            <a:sym typeface="Wingdings" panose="05000000000000000000" pitchFamily="2" charset="2"/>
+                          </a:rPr>
+                        </m:ctrlPr>
+                      </m:fPr>
+                      <m:num>
+                        <m:r>
+                          <a:rPr lang="de-DE" sz="2400" b="0" i="1" smtClean="0">
+                            <a:solidFill>
+                              <a:srgbClr val="333333"/>
+                            </a:solidFill>
+                            <a:effectLst/>
+                            <a:latin typeface="Cambria Math" panose="02040503050406030204" pitchFamily="18" charset="0"/>
+                            <a:sym typeface="Wingdings" panose="05000000000000000000" pitchFamily="2" charset="2"/>
+                          </a:rPr>
+                          <m:t>𝑅𝑃𝐾</m:t>
+                        </m:r>
+                      </m:num>
+                      <m:den>
+                        <m:r>
+                          <a:rPr lang="de-DE" sz="2400" b="0" i="1" smtClean="0">
+                            <a:solidFill>
+                              <a:srgbClr val="333333"/>
+                            </a:solidFill>
+                            <a:effectLst/>
+                            <a:latin typeface="Cambria Math" panose="02040503050406030204" pitchFamily="18" charset="0"/>
+                            <a:sym typeface="Wingdings" panose="05000000000000000000" pitchFamily="2" charset="2"/>
+                          </a:rPr>
+                          <m:t>𝑠𝑐𝑎𝑙𝑖𝑛𝑔</m:t>
+                        </m:r>
+                        <m:r>
+                          <a:rPr lang="de-DE" sz="2400" b="0" i="1" smtClean="0">
+                            <a:solidFill>
+                              <a:srgbClr val="333333"/>
+                            </a:solidFill>
+                            <a:effectLst/>
+                            <a:latin typeface="Cambria Math" panose="02040503050406030204" pitchFamily="18" charset="0"/>
+                            <a:sym typeface="Wingdings" panose="05000000000000000000" pitchFamily="2" charset="2"/>
+                          </a:rPr>
+                          <m:t> </m:t>
+                        </m:r>
+                        <m:r>
+                          <a:rPr lang="de-DE" sz="2400" b="0" i="1" smtClean="0">
+                            <a:solidFill>
+                              <a:srgbClr val="333333"/>
+                            </a:solidFill>
+                            <a:effectLst/>
+                            <a:latin typeface="Cambria Math" panose="02040503050406030204" pitchFamily="18" charset="0"/>
+                            <a:sym typeface="Wingdings" panose="05000000000000000000" pitchFamily="2" charset="2"/>
+                          </a:rPr>
+                          <m:t>𝑓𝑎𝑐𝑡𝑜𝑟</m:t>
+                        </m:r>
+                      </m:den>
+                    </m:f>
+                  </m:oMath>
+                </a14:m>
+                <a:r>
+                  <a:rPr lang="en-GB" sz="2400" b="0" i="0" dirty="0">
+                    <a:solidFill>
+                      <a:srgbClr val="333333"/>
+                    </a:solidFill>
+                    <a:effectLst/>
+                    <a:latin typeface="Tahoma" panose="020B0604030504040204" pitchFamily="34" charset="0"/>
+                    <a:sym typeface="Wingdings" panose="05000000000000000000" pitchFamily="2" charset="2"/>
+                  </a:rPr>
+                  <a:t>			</a:t>
+                </a:r>
+              </a:p>
+              <a:p>
+                <a:pPr marL="228600" marR="0" lvl="0" indent="-228600" algn="l" defTabSz="914400" rtl="0" eaLnBrk="1" fontAlgn="auto" latinLnBrk="0" hangingPunct="1">
+                  <a:lnSpc>
+                    <a:spcPct val="100000"/>
+                  </a:lnSpc>
+                  <a:spcBef>
+                    <a:spcPts val="0"/>
+                  </a:spcBef>
+                  <a:spcAft>
+                    <a:spcPts val="0"/>
+                  </a:spcAft>
+                  <a:buClrTx/>
+                  <a:buSzTx/>
+                  <a:buFont typeface="+mj-lt"/>
+                  <a:buAutoNum type="arabicPeriod"/>
+                  <a:tabLst/>
+                  <a:defRPr/>
+                </a:pPr>
+                <a:endParaRPr lang="de-DE" sz="2400" b="0" i="1" dirty="0">
+                  <a:solidFill>
+                    <a:srgbClr val="333333"/>
+                  </a:solidFill>
+                  <a:effectLst/>
+                  <a:latin typeface="Cambria Math" panose="02040503050406030204" pitchFamily="18" charset="0"/>
+                  <a:sym typeface="Wingdings" panose="05000000000000000000" pitchFamily="2" charset="2"/>
+                </a:endParaRPr>
+              </a:p>
+              <a:p>
+                <a:pPr marL="228600" marR="0" lvl="0" indent="-228600" algn="l" defTabSz="914400" rtl="0" eaLnBrk="1" fontAlgn="auto" latinLnBrk="0" hangingPunct="1">
+                  <a:lnSpc>
+                    <a:spcPct val="100000"/>
+                  </a:lnSpc>
+                  <a:spcBef>
+                    <a:spcPts val="0"/>
+                  </a:spcBef>
+                  <a:spcAft>
+                    <a:spcPts val="0"/>
+                  </a:spcAft>
+                  <a:buClrTx/>
+                  <a:buSzTx/>
+                  <a:buFont typeface="+mj-lt"/>
+                  <a:buAutoNum type="arabicPeriod"/>
+                  <a:tabLst/>
+                  <a:defRPr/>
+                </a:pPr>
+                <a:endParaRPr lang="de-DE" sz="2400" b="0" i="1" dirty="0">
+                  <a:solidFill>
+                    <a:srgbClr val="333333"/>
+                  </a:solidFill>
+                  <a:effectLst/>
+                  <a:latin typeface="Cambria Math" panose="02040503050406030204" pitchFamily="18" charset="0"/>
+                  <a:sym typeface="Wingdings" panose="05000000000000000000" pitchFamily="2" charset="2"/>
+                </a:endParaRPr>
+              </a:p>
+              <a:p>
+                <a:pPr marL="228600" marR="0" lvl="0" indent="-228600" algn="l" defTabSz="914400" rtl="0" eaLnBrk="1" fontAlgn="auto" latinLnBrk="0" hangingPunct="1">
+                  <a:lnSpc>
+                    <a:spcPct val="100000"/>
+                  </a:lnSpc>
+                  <a:spcBef>
+                    <a:spcPts val="0"/>
+                  </a:spcBef>
+                  <a:spcAft>
+                    <a:spcPts val="0"/>
+                  </a:spcAft>
+                  <a:buClrTx/>
+                  <a:buSzTx/>
+                  <a:buFont typeface="+mj-lt"/>
+                  <a:buAutoNum type="arabicPeriod"/>
+                  <a:tabLst/>
+                  <a:defRPr/>
+                </a:pPr>
+                <a:endParaRPr lang="de-DE" sz="2400" b="0" i="1" dirty="0">
+                  <a:solidFill>
+                    <a:srgbClr val="333333"/>
+                  </a:solidFill>
+                  <a:effectLst/>
+                  <a:latin typeface="Cambria Math" panose="02040503050406030204" pitchFamily="18" charset="0"/>
+                  <a:sym typeface="Wingdings" panose="05000000000000000000" pitchFamily="2" charset="2"/>
+                </a:endParaRPr>
+              </a:p>
+              <a:p>
+                <a:pPr marL="228600" marR="0" lvl="0" indent="-228600" algn="l" defTabSz="914400" rtl="0" eaLnBrk="1" fontAlgn="auto" latinLnBrk="0" hangingPunct="1">
+                  <a:lnSpc>
+                    <a:spcPct val="100000"/>
+                  </a:lnSpc>
+                  <a:spcBef>
+                    <a:spcPts val="0"/>
+                  </a:spcBef>
+                  <a:spcAft>
+                    <a:spcPts val="0"/>
+                  </a:spcAft>
+                  <a:buClrTx/>
+                  <a:buSzTx/>
+                  <a:buFont typeface="+mj-lt"/>
+                  <a:buAutoNum type="arabicPeriod"/>
+                  <a:tabLst/>
+                  <a:defRPr/>
+                </a:pPr>
+                <a:endParaRPr lang="en-US" sz="2400" b="0" i="0" dirty="0">
+                  <a:solidFill>
+                    <a:srgbClr val="1F2328"/>
+                  </a:solidFill>
+                  <a:effectLst/>
+                  <a:latin typeface="-apple-system"/>
+                </a:endParaRPr>
+              </a:p>
+              <a:p>
+                <a:pPr marL="0" marR="0" lvl="0" indent="0" algn="l" defTabSz="914400" rtl="0" eaLnBrk="1" fontAlgn="auto" latinLnBrk="0" hangingPunct="1">
+                  <a:lnSpc>
+                    <a:spcPct val="100000"/>
+                  </a:lnSpc>
+                  <a:spcBef>
+                    <a:spcPts val="0"/>
+                  </a:spcBef>
+                  <a:spcAft>
+                    <a:spcPts val="0"/>
+                  </a:spcAft>
+                  <a:buClrTx/>
+                  <a:buSzTx/>
+                  <a:buFontTx/>
+                  <a:buNone/>
+                  <a:tabLst/>
+                  <a:defRPr/>
+                </a:pPr>
+                <a:endParaRPr lang="de-DE" sz="2400" dirty="0"/>
+              </a:p>
+            </p:txBody>
+          </p:sp>
+        </mc:Choice>
+        <mc:Fallback>
+          <p:sp>
+            <p:nvSpPr>
+              <p:cNvPr id="3" name="Notizenplatzhalter 2"/>
+              <p:cNvSpPr>
+                <a:spLocks noGrp="1"/>
+              </p:cNvSpPr>
+              <p:nvPr>
+                <p:ph type="body" idx="1"/>
+              </p:nvPr>
+            </p:nvSpPr>
+            <p:spPr/>
+            <p:txBody>
+              <a:bodyPr/>
+              <a:lstStyle/>
+              <a:p>
+                <a:r>
+                  <a:rPr lang="de-DE" sz="2400" dirty="0"/>
+                  <a:t>J</a:t>
+                </a:r>
+              </a:p>
+              <a:p>
+                <a:pPr marL="0" marR="0" lvl="0" indent="0" algn="l" defTabSz="914400" rtl="0" eaLnBrk="1" fontAlgn="auto" latinLnBrk="0" hangingPunct="1">
+                  <a:lnSpc>
+                    <a:spcPct val="100000"/>
+                  </a:lnSpc>
+                  <a:spcBef>
+                    <a:spcPts val="0"/>
+                  </a:spcBef>
+                  <a:spcAft>
+                    <a:spcPts val="0"/>
+                  </a:spcAft>
+                  <a:buClrTx/>
+                  <a:buSzTx/>
+                  <a:buFontTx/>
+                  <a:buNone/>
+                  <a:tabLst/>
+                  <a:defRPr/>
+                </a:pPr>
+                <a:r>
+                  <a:rPr lang="en-US" sz="2400" b="0" i="0" u="none" strike="noStrike" dirty="0">
+                    <a:solidFill>
+                      <a:srgbClr val="1F2328"/>
+                    </a:solidFill>
+                    <a:effectLst/>
+                    <a:latin typeface="-apple-system"/>
+                    <a:hlinkClick r:id="rId3"/>
+                  </a:rPr>
+                  <a:t>TPM</a:t>
+                </a:r>
+                <a:r>
+                  <a:rPr lang="en-US" sz="2400" b="0" i="0" dirty="0">
+                    <a:solidFill>
+                      <a:srgbClr val="1F2328"/>
+                    </a:solidFill>
+                    <a:effectLst/>
+                    <a:latin typeface="-apple-system"/>
+                  </a:rPr>
+                  <a:t> (transcripts per million) values</a:t>
+                </a:r>
+              </a:p>
+              <a:p>
+                <a:pPr marL="0" marR="0" lvl="0" indent="0" algn="l" defTabSz="914400" rtl="0" eaLnBrk="1" fontAlgn="auto" latinLnBrk="0" hangingPunct="1">
+                  <a:lnSpc>
+                    <a:spcPct val="100000"/>
+                  </a:lnSpc>
+                  <a:spcBef>
+                    <a:spcPts val="0"/>
+                  </a:spcBef>
+                  <a:spcAft>
+                    <a:spcPts val="0"/>
+                  </a:spcAft>
+                  <a:buClrTx/>
+                  <a:buSzTx/>
+                  <a:buFontTx/>
+                  <a:buNone/>
+                  <a:tabLst/>
+                  <a:defRPr/>
+                </a:pPr>
+                <a:r>
+                  <a:rPr lang="en-US" sz="2400" b="0" i="0" dirty="0">
+                    <a:solidFill>
+                      <a:srgbClr val="1F2328"/>
+                    </a:solidFill>
+                    <a:effectLst/>
+                    <a:latin typeface="-apple-system"/>
+                  </a:rPr>
+                  <a:t>reflect level of gene expression, </a:t>
+                </a:r>
+              </a:p>
+              <a:p>
+                <a:pPr marL="0" marR="0" lvl="0" indent="0" algn="l" defTabSz="914400" rtl="0" eaLnBrk="1" fontAlgn="auto" latinLnBrk="0" hangingPunct="1">
+                  <a:lnSpc>
+                    <a:spcPct val="100000"/>
+                  </a:lnSpc>
+                  <a:spcBef>
+                    <a:spcPts val="0"/>
+                  </a:spcBef>
+                  <a:spcAft>
+                    <a:spcPts val="0"/>
+                  </a:spcAft>
+                  <a:buClrTx/>
+                  <a:buSzTx/>
+                  <a:buFontTx/>
+                  <a:buNone/>
+                  <a:tabLst/>
+                  <a:defRPr/>
+                </a:pPr>
+                <a:r>
+                  <a:rPr lang="en-US" sz="2400" b="0" i="0" dirty="0">
+                    <a:solidFill>
+                      <a:srgbClr val="1F2328"/>
+                    </a:solidFill>
+                    <a:effectLst/>
+                    <a:latin typeface="-apple-system"/>
+                  </a:rPr>
+                  <a:t>higher values </a:t>
+                </a:r>
+                <a:r>
+                  <a:rPr lang="en-US" sz="2400" b="0" i="0" dirty="0">
+                    <a:solidFill>
+                      <a:srgbClr val="1F2328"/>
+                    </a:solidFill>
+                    <a:effectLst/>
+                    <a:latin typeface="-apple-system"/>
+                    <a:sym typeface="Wingdings" panose="05000000000000000000" pitchFamily="2" charset="2"/>
+                  </a:rPr>
+                  <a:t></a:t>
+                </a:r>
+                <a:r>
+                  <a:rPr lang="en-US" sz="2400" b="0" i="0" dirty="0">
+                    <a:solidFill>
+                      <a:srgbClr val="1F2328"/>
+                    </a:solidFill>
+                    <a:effectLst/>
+                    <a:latin typeface="-apple-system"/>
+                  </a:rPr>
+                  <a:t> over expression of genes</a:t>
+                </a:r>
+              </a:p>
+              <a:p>
+                <a:pPr marL="0" marR="0" lvl="0" indent="0" algn="l" defTabSz="914400" rtl="0" eaLnBrk="1" fontAlgn="auto" latinLnBrk="0" hangingPunct="1">
+                  <a:lnSpc>
+                    <a:spcPct val="100000"/>
+                  </a:lnSpc>
+                  <a:spcBef>
+                    <a:spcPts val="0"/>
+                  </a:spcBef>
+                  <a:spcAft>
+                    <a:spcPts val="0"/>
+                  </a:spcAft>
+                  <a:buClrTx/>
+                  <a:buSzTx/>
+                  <a:buFontTx/>
+                  <a:buNone/>
+                  <a:tabLst/>
+                  <a:defRPr/>
+                </a:pPr>
+                <a:endParaRPr lang="en-US" sz="2400" b="0" i="0" dirty="0">
+                  <a:solidFill>
+                    <a:srgbClr val="1F2328"/>
+                  </a:solidFill>
+                  <a:effectLst/>
+                  <a:latin typeface="-apple-system"/>
+                </a:endParaRPr>
+              </a:p>
+              <a:p>
+                <a:pPr marL="228600" marR="0" lvl="0" indent="-228600" algn="l" defTabSz="914400" rtl="0" eaLnBrk="1" fontAlgn="auto" latinLnBrk="0" hangingPunct="1">
+                  <a:lnSpc>
+                    <a:spcPct val="100000"/>
+                  </a:lnSpc>
+                  <a:spcBef>
+                    <a:spcPts val="0"/>
+                  </a:spcBef>
+                  <a:spcAft>
+                    <a:spcPts val="0"/>
+                  </a:spcAft>
+                  <a:buClrTx/>
+                  <a:buSzTx/>
+                  <a:buFont typeface="+mj-lt"/>
+                  <a:buAutoNum type="arabicPeriod"/>
+                  <a:tabLst/>
+                  <a:defRPr/>
+                </a:pPr>
+                <a:r>
+                  <a:rPr lang="en-GB" sz="2400" b="0" i="0" dirty="0">
+                    <a:solidFill>
+                      <a:srgbClr val="333333"/>
+                    </a:solidFill>
+                    <a:effectLst/>
+                    <a:latin typeface="Tahoma" panose="020B0604030504040204" pitchFamily="34" charset="0"/>
+                  </a:rPr>
+                  <a:t>RNA-</a:t>
+                </a:r>
+                <a:r>
+                  <a:rPr lang="en-GB" sz="2400" b="0" i="0" dirty="0" err="1">
+                    <a:solidFill>
+                      <a:srgbClr val="333333"/>
+                    </a:solidFill>
+                    <a:effectLst/>
+                    <a:latin typeface="Tahoma" panose="020B0604030504040204" pitchFamily="34" charset="0"/>
+                  </a:rPr>
+                  <a:t>seq</a:t>
+                </a:r>
+                <a:endParaRPr lang="en-GB" sz="2400" b="0" i="0" dirty="0">
+                  <a:solidFill>
+                    <a:srgbClr val="333333"/>
+                  </a:solidFill>
+                  <a:effectLst/>
+                  <a:latin typeface="Tahoma" panose="020B0604030504040204" pitchFamily="34" charset="0"/>
+                </a:endParaRPr>
+              </a:p>
+              <a:p>
+                <a:pPr marL="228600" marR="0" lvl="0" indent="-228600" algn="l" defTabSz="914400" rtl="0" eaLnBrk="1" fontAlgn="auto" latinLnBrk="0" hangingPunct="1">
+                  <a:lnSpc>
+                    <a:spcPct val="100000"/>
+                  </a:lnSpc>
+                  <a:spcBef>
+                    <a:spcPts val="0"/>
+                  </a:spcBef>
+                  <a:spcAft>
+                    <a:spcPts val="0"/>
+                  </a:spcAft>
+                  <a:buClrTx/>
+                  <a:buSzTx/>
+                  <a:buFont typeface="+mj-lt"/>
+                  <a:buAutoNum type="arabicPeriod"/>
+                  <a:tabLst/>
+                  <a:defRPr/>
+                </a:pPr>
+                <a:r>
+                  <a:rPr lang="en-GB" sz="2400" b="0" i="0" dirty="0">
+                    <a:solidFill>
+                      <a:srgbClr val="333333"/>
+                    </a:solidFill>
+                    <a:effectLst/>
+                    <a:latin typeface="Tahoma" panose="020B0604030504040204" pitchFamily="34" charset="0"/>
+                    <a:sym typeface="Wingdings" panose="05000000000000000000" pitchFamily="2" charset="2"/>
+                  </a:rPr>
+                  <a:t>RPKM (reads per kilobase million)</a:t>
+                </a:r>
+                <a:endParaRPr lang="de-DE" sz="2400" b="0" i="0" dirty="0">
+                  <a:solidFill>
+                    <a:srgbClr val="333333"/>
+                  </a:solidFill>
+                  <a:effectLst/>
+                  <a:latin typeface="Tahoma" panose="020B0604030504040204" pitchFamily="34" charset="0"/>
+                  <a:sym typeface="Wingdings" panose="05000000000000000000" pitchFamily="2" charset="2"/>
+                </a:endParaRPr>
+              </a:p>
+              <a:p>
+                <a:pPr marL="228600" marR="0" lvl="0" indent="-228600" algn="l" defTabSz="914400" rtl="0" eaLnBrk="1" fontAlgn="auto" latinLnBrk="0" hangingPunct="1">
+                  <a:lnSpc>
+                    <a:spcPct val="100000"/>
+                  </a:lnSpc>
+                  <a:spcBef>
+                    <a:spcPts val="0"/>
+                  </a:spcBef>
+                  <a:spcAft>
+                    <a:spcPts val="0"/>
+                  </a:spcAft>
+                  <a:buClrTx/>
+                  <a:buSzTx/>
+                  <a:buFont typeface="+mj-lt"/>
+                  <a:buAutoNum type="arabicPeriod"/>
+                  <a:tabLst/>
+                  <a:defRPr/>
+                </a:pPr>
+                <a:r>
+                  <a:rPr lang="de-DE" sz="2400" b="0" i="0">
+                    <a:solidFill>
+                      <a:srgbClr val="333333"/>
+                    </a:solidFill>
+                    <a:effectLst/>
+                    <a:latin typeface="Cambria Math" panose="02040503050406030204" pitchFamily="18" charset="0"/>
+                    <a:sym typeface="Wingdings" panose="05000000000000000000" pitchFamily="2" charset="2"/>
+                  </a:rPr>
+                  <a:t>𝑅𝑃𝐾 (𝑟𝑒𝑎𝑑𝑠 𝑝𝑒𝑟 𝑘𝑖𝑙𝑜𝑏𝑎𝑠𝑒)=(𝑟𝑒𝑎𝑑 𝑐𝑜𝑢𝑛𝑡𝑠)/(</a:t>
+                </a:r>
+                <a:r>
+                  <a:rPr lang="en-GB" sz="2400" b="0" i="0" dirty="0">
+                    <a:solidFill>
+                      <a:srgbClr val="333333"/>
+                    </a:solidFill>
+                    <a:effectLst/>
+                    <a:latin typeface="Cambria Math" panose="02040503050406030204" pitchFamily="18" charset="0"/>
+                    <a:sym typeface="Wingdings" panose="05000000000000000000" pitchFamily="2" charset="2"/>
+                  </a:rPr>
+                  <a:t>"</a:t>
+                </a:r>
+                <a:r>
+                  <a:rPr lang="en-GB" sz="2400" b="0" i="0" dirty="0">
+                    <a:solidFill>
+                      <a:srgbClr val="333333"/>
+                    </a:solidFill>
+                    <a:effectLst/>
+                    <a:latin typeface="Tahoma" panose="020B0604030504040204" pitchFamily="34" charset="0"/>
+                    <a:sym typeface="Wingdings" panose="05000000000000000000" pitchFamily="2" charset="2"/>
+                  </a:rPr>
+                  <a:t> </a:t>
+                </a:r>
+                <a:r>
+                  <a:rPr lang="de-DE" sz="2400" b="0" i="0" dirty="0">
+                    <a:solidFill>
+                      <a:srgbClr val="333333"/>
+                    </a:solidFill>
+                    <a:effectLst/>
+                    <a:latin typeface="Cambria Math" panose="02040503050406030204" pitchFamily="18" charset="0"/>
+                    <a:sym typeface="Wingdings" panose="05000000000000000000" pitchFamily="2" charset="2"/>
+                  </a:rPr>
+                  <a:t>" 𝑙𝑒𝑛𝑔𝑡ℎ 𝑜𝑓 𝑔𝑒𝑛𝑒 [𝑘𝑏]</a:t>
+                </a:r>
+                <a:r>
+                  <a:rPr lang="de-DE" sz="2400" b="0" i="0">
+                    <a:solidFill>
+                      <a:srgbClr val="333333"/>
+                    </a:solidFill>
+                    <a:effectLst/>
+                    <a:latin typeface="Cambria Math" panose="02040503050406030204" pitchFamily="18" charset="0"/>
+                    <a:sym typeface="Wingdings" panose="05000000000000000000" pitchFamily="2" charset="2"/>
+                  </a:rPr>
+                  <a:t>)</a:t>
+                </a:r>
+                <a:r>
+                  <a:rPr lang="de-DE" sz="2400" b="0" i="1" dirty="0">
+                    <a:solidFill>
+                      <a:srgbClr val="333333"/>
+                    </a:solidFill>
+                    <a:effectLst/>
+                    <a:latin typeface="Cambria Math" panose="02040503050406030204" pitchFamily="18" charset="0"/>
+                    <a:sym typeface="Wingdings" panose="05000000000000000000" pitchFamily="2" charset="2"/>
+                  </a:rPr>
+                  <a:t> 	</a:t>
+                </a:r>
+                <a:r>
+                  <a:rPr lang="de-DE" sz="2400" b="0" i="0" kern="1200" dirty="0">
+                    <a:solidFill>
+                      <a:srgbClr val="333333"/>
+                    </a:solidFill>
+                    <a:effectLst/>
+                    <a:latin typeface="Tahoma" panose="020B0604030504040204" pitchFamily="34" charset="0"/>
+                    <a:ea typeface="+mn-ea"/>
+                    <a:cs typeface="+mn-cs"/>
+                    <a:sym typeface="Wingdings" panose="05000000000000000000" pitchFamily="2" charset="2"/>
+                  </a:rPr>
+                  <a:t>normalize </a:t>
+                </a:r>
+                <a:r>
+                  <a:rPr lang="de-DE" sz="2400" b="0" i="0" kern="1200" dirty="0" err="1">
+                    <a:solidFill>
+                      <a:srgbClr val="333333"/>
+                    </a:solidFill>
+                    <a:effectLst/>
+                    <a:latin typeface="Tahoma" panose="020B0604030504040204" pitchFamily="34" charset="0"/>
+                    <a:ea typeface="+mn-ea"/>
+                    <a:cs typeface="+mn-cs"/>
+                    <a:sym typeface="Wingdings" panose="05000000000000000000" pitchFamily="2" charset="2"/>
+                  </a:rPr>
+                  <a:t>for</a:t>
+                </a:r>
+                <a:r>
+                  <a:rPr lang="de-DE" sz="2400" b="0" i="0" kern="1200" dirty="0">
+                    <a:solidFill>
+                      <a:srgbClr val="333333"/>
+                    </a:solidFill>
+                    <a:effectLst/>
+                    <a:latin typeface="Tahoma" panose="020B0604030504040204" pitchFamily="34" charset="0"/>
+                    <a:ea typeface="+mn-ea"/>
+                    <a:cs typeface="+mn-cs"/>
+                    <a:sym typeface="Wingdings" panose="05000000000000000000" pitchFamily="2" charset="2"/>
+                  </a:rPr>
+                  <a:t> </a:t>
+                </a:r>
+                <a:r>
+                  <a:rPr lang="de-DE" sz="2400" b="0" i="0" kern="1200" dirty="0" err="1">
+                    <a:solidFill>
+                      <a:srgbClr val="333333"/>
+                    </a:solidFill>
+                    <a:effectLst/>
+                    <a:latin typeface="Tahoma" panose="020B0604030504040204" pitchFamily="34" charset="0"/>
+                    <a:ea typeface="+mn-ea"/>
+                    <a:cs typeface="+mn-cs"/>
+                    <a:sym typeface="Wingdings" panose="05000000000000000000" pitchFamily="2" charset="2"/>
+                  </a:rPr>
+                  <a:t>length</a:t>
+                </a:r>
+                <a:endParaRPr lang="de-DE" sz="2400" b="0" i="0" kern="1200" dirty="0">
+                  <a:solidFill>
+                    <a:srgbClr val="333333"/>
+                  </a:solidFill>
+                  <a:effectLst/>
+                  <a:latin typeface="Tahoma" panose="020B0604030504040204" pitchFamily="34" charset="0"/>
+                  <a:ea typeface="+mn-ea"/>
+                  <a:cs typeface="+mn-cs"/>
+                  <a:sym typeface="Wingdings" panose="05000000000000000000" pitchFamily="2" charset="2"/>
+                </a:endParaRPr>
+              </a:p>
+              <a:p>
+                <a:pPr marL="228600" marR="0" lvl="0" indent="-228600" algn="l" defTabSz="914400" rtl="0" eaLnBrk="1" fontAlgn="auto" latinLnBrk="0" hangingPunct="1">
+                  <a:lnSpc>
+                    <a:spcPct val="100000"/>
+                  </a:lnSpc>
+                  <a:spcBef>
+                    <a:spcPts val="0"/>
+                  </a:spcBef>
+                  <a:spcAft>
+                    <a:spcPts val="0"/>
+                  </a:spcAft>
+                  <a:buClrTx/>
+                  <a:buSzTx/>
+                  <a:buFont typeface="+mj-lt"/>
+                  <a:buAutoNum type="arabicPeriod"/>
+                  <a:tabLst/>
+                  <a:defRPr/>
+                </a:pPr>
+                <a:r>
+                  <a:rPr lang="de-DE" sz="2400" b="0" i="0" dirty="0">
+                    <a:solidFill>
+                      <a:srgbClr val="333333"/>
+                    </a:solidFill>
+                    <a:effectLst/>
+                    <a:latin typeface="Cambria Math" panose="02040503050406030204" pitchFamily="18" charset="0"/>
+                    <a:sym typeface="Wingdings" panose="05000000000000000000" pitchFamily="2" charset="2"/>
+                  </a:rPr>
+                  <a:t> 𝑠𝑐𝑎𝑙𝑖𝑛𝑔 𝑓𝑎𝑐𝑡𝑜𝑟=</a:t>
+                </a:r>
+                <a:r>
+                  <a:rPr lang="en-GB" sz="2400" b="0" i="0">
+                    <a:solidFill>
+                      <a:srgbClr val="333333"/>
+                    </a:solidFill>
+                    <a:effectLst/>
+                    <a:latin typeface="Cambria Math" panose="02040503050406030204" pitchFamily="18" charset="0"/>
+                    <a:sym typeface="Wingdings" panose="05000000000000000000" pitchFamily="2" charset="2"/>
+                  </a:rPr>
+                  <a:t>(∑</a:t>
+                </a:r>
+                <a:r>
+                  <a:rPr lang="de-DE" sz="2400" b="0" i="0">
+                    <a:solidFill>
+                      <a:srgbClr val="333333"/>
+                    </a:solidFill>
+                    <a:effectLst/>
+                    <a:latin typeface="Cambria Math" panose="02040503050406030204" pitchFamily="18" charset="0"/>
+                    <a:sym typeface="Wingdings" panose="05000000000000000000" pitchFamily="2" charset="2"/>
+                  </a:rPr>
+                  <a:t>▒</a:t>
+                </a:r>
+                <a:r>
+                  <a:rPr lang="en-GB" sz="2400" b="0" i="0">
+                    <a:solidFill>
+                      <a:srgbClr val="333333"/>
+                    </a:solidFill>
+                    <a:effectLst/>
+                    <a:latin typeface="Cambria Math" panose="02040503050406030204" pitchFamily="18" charset="0"/>
+                    <a:sym typeface="Wingdings" panose="05000000000000000000" pitchFamily="2" charset="2"/>
+                  </a:rPr>
+                  <a:t>〖</a:t>
+                </a:r>
+                <a:r>
+                  <a:rPr lang="de-DE" sz="2400" b="0" i="0">
+                    <a:solidFill>
+                      <a:srgbClr val="333333"/>
+                    </a:solidFill>
+                    <a:effectLst/>
+                    <a:latin typeface="Cambria Math" panose="02040503050406030204" pitchFamily="18" charset="0"/>
+                    <a:sym typeface="Wingdings" panose="05000000000000000000" pitchFamily="2" charset="2"/>
+                  </a:rPr>
+                  <a:t>𝑅𝑃𝐾 𝑖𝑛 𝑠𝑎𝑚𝑝𝑙𝑒</a:t>
+                </a:r>
+                <a:r>
+                  <a:rPr lang="en-GB" sz="2400" b="0" i="0">
+                    <a:solidFill>
+                      <a:srgbClr val="333333"/>
+                    </a:solidFill>
+                    <a:effectLst/>
+                    <a:latin typeface="Cambria Math" panose="02040503050406030204" pitchFamily="18" charset="0"/>
+                    <a:sym typeface="Wingdings" panose="05000000000000000000" pitchFamily="2" charset="2"/>
+                  </a:rPr>
+                  <a:t>〗)/</a:t>
+                </a:r>
+                <a:r>
+                  <a:rPr lang="de-DE" sz="2400" b="0" i="0">
+                    <a:solidFill>
+                      <a:srgbClr val="333333"/>
+                    </a:solidFill>
+                    <a:effectLst/>
+                    <a:latin typeface="Cambria Math" panose="02040503050406030204" pitchFamily="18" charset="0"/>
+                    <a:sym typeface="Wingdings" panose="05000000000000000000" pitchFamily="2" charset="2"/>
+                  </a:rPr>
+                  <a:t>1.000.000</a:t>
+                </a:r>
+                <a:r>
+                  <a:rPr lang="en-GB" sz="2400" b="0" i="0" dirty="0">
+                    <a:solidFill>
+                      <a:srgbClr val="333333"/>
+                    </a:solidFill>
+                    <a:effectLst/>
+                    <a:latin typeface="Tahoma" panose="020B0604030504040204" pitchFamily="34" charset="0"/>
+                    <a:sym typeface="Wingdings" panose="05000000000000000000" pitchFamily="2" charset="2"/>
+                  </a:rPr>
+                  <a:t>		normalize for sequencing depth</a:t>
+                </a:r>
+              </a:p>
+              <a:p>
+                <a:pPr marL="228600" marR="0" lvl="0" indent="-228600" algn="l" defTabSz="914400" rtl="0" eaLnBrk="1" fontAlgn="auto" latinLnBrk="0" hangingPunct="1">
+                  <a:lnSpc>
+                    <a:spcPct val="100000"/>
+                  </a:lnSpc>
+                  <a:spcBef>
+                    <a:spcPts val="0"/>
+                  </a:spcBef>
+                  <a:spcAft>
+                    <a:spcPts val="0"/>
+                  </a:spcAft>
+                  <a:buClrTx/>
+                  <a:buSzTx/>
+                  <a:buFont typeface="+mj-lt"/>
+                  <a:buAutoNum type="arabicPeriod"/>
+                  <a:tabLst/>
+                  <a:defRPr/>
+                </a:pPr>
+                <a:r>
+                  <a:rPr lang="de-DE" sz="2400" b="0" i="0">
+                    <a:solidFill>
+                      <a:srgbClr val="333333"/>
+                    </a:solidFill>
+                    <a:effectLst/>
+                    <a:latin typeface="Cambria Math" panose="02040503050406030204" pitchFamily="18" charset="0"/>
+                    <a:sym typeface="Wingdings" panose="05000000000000000000" pitchFamily="2" charset="2"/>
+                  </a:rPr>
+                  <a:t>𝑇𝑃𝑀=𝑅𝑃𝐾/(𝑠𝑐𝑎𝑙𝑖𝑛𝑔 𝑓𝑎𝑐𝑡𝑜𝑟)</a:t>
+                </a:r>
+                <a:r>
+                  <a:rPr lang="en-GB" sz="2400" b="0" i="0" dirty="0">
+                    <a:solidFill>
+                      <a:srgbClr val="333333"/>
+                    </a:solidFill>
+                    <a:effectLst/>
+                    <a:latin typeface="Tahoma" panose="020B0604030504040204" pitchFamily="34" charset="0"/>
+                    <a:sym typeface="Wingdings" panose="05000000000000000000" pitchFamily="2" charset="2"/>
+                  </a:rPr>
+                  <a:t>			</a:t>
+                </a:r>
+              </a:p>
+              <a:p>
+                <a:pPr marL="228600" marR="0" lvl="0" indent="-228600" algn="l" defTabSz="914400" rtl="0" eaLnBrk="1" fontAlgn="auto" latinLnBrk="0" hangingPunct="1">
+                  <a:lnSpc>
+                    <a:spcPct val="100000"/>
+                  </a:lnSpc>
+                  <a:spcBef>
+                    <a:spcPts val="0"/>
+                  </a:spcBef>
+                  <a:spcAft>
+                    <a:spcPts val="0"/>
+                  </a:spcAft>
+                  <a:buClrTx/>
+                  <a:buSzTx/>
+                  <a:buFont typeface="+mj-lt"/>
+                  <a:buAutoNum type="arabicPeriod"/>
+                  <a:tabLst/>
+                  <a:defRPr/>
+                </a:pPr>
+                <a:endParaRPr lang="de-DE" sz="2400" b="0" i="1" dirty="0">
+                  <a:solidFill>
+                    <a:srgbClr val="333333"/>
+                  </a:solidFill>
+                  <a:effectLst/>
+                  <a:latin typeface="Cambria Math" panose="02040503050406030204" pitchFamily="18" charset="0"/>
+                  <a:sym typeface="Wingdings" panose="05000000000000000000" pitchFamily="2" charset="2"/>
+                </a:endParaRPr>
+              </a:p>
+              <a:p>
+                <a:pPr marL="228600" marR="0" lvl="0" indent="-228600" algn="l" defTabSz="914400" rtl="0" eaLnBrk="1" fontAlgn="auto" latinLnBrk="0" hangingPunct="1">
+                  <a:lnSpc>
+                    <a:spcPct val="100000"/>
+                  </a:lnSpc>
+                  <a:spcBef>
+                    <a:spcPts val="0"/>
+                  </a:spcBef>
+                  <a:spcAft>
+                    <a:spcPts val="0"/>
+                  </a:spcAft>
+                  <a:buClrTx/>
+                  <a:buSzTx/>
+                  <a:buFont typeface="+mj-lt"/>
+                  <a:buAutoNum type="arabicPeriod"/>
+                  <a:tabLst/>
+                  <a:defRPr/>
+                </a:pPr>
+                <a:endParaRPr lang="de-DE" sz="2400" b="0" i="1" dirty="0">
+                  <a:solidFill>
+                    <a:srgbClr val="333333"/>
+                  </a:solidFill>
+                  <a:effectLst/>
+                  <a:latin typeface="Cambria Math" panose="02040503050406030204" pitchFamily="18" charset="0"/>
+                  <a:sym typeface="Wingdings" panose="05000000000000000000" pitchFamily="2" charset="2"/>
+                </a:endParaRPr>
+              </a:p>
+              <a:p>
+                <a:pPr marL="228600" marR="0" lvl="0" indent="-228600" algn="l" defTabSz="914400" rtl="0" eaLnBrk="1" fontAlgn="auto" latinLnBrk="0" hangingPunct="1">
+                  <a:lnSpc>
+                    <a:spcPct val="100000"/>
+                  </a:lnSpc>
+                  <a:spcBef>
+                    <a:spcPts val="0"/>
+                  </a:spcBef>
+                  <a:spcAft>
+                    <a:spcPts val="0"/>
+                  </a:spcAft>
+                  <a:buClrTx/>
+                  <a:buSzTx/>
+                  <a:buFont typeface="+mj-lt"/>
+                  <a:buAutoNum type="arabicPeriod"/>
+                  <a:tabLst/>
+                  <a:defRPr/>
+                </a:pPr>
+                <a:endParaRPr lang="de-DE" sz="2400" b="0" i="1" dirty="0">
+                  <a:solidFill>
+                    <a:srgbClr val="333333"/>
+                  </a:solidFill>
+                  <a:effectLst/>
+                  <a:latin typeface="Cambria Math" panose="02040503050406030204" pitchFamily="18" charset="0"/>
+                  <a:sym typeface="Wingdings" panose="05000000000000000000" pitchFamily="2" charset="2"/>
+                </a:endParaRPr>
+              </a:p>
+              <a:p>
+                <a:pPr marL="228600" marR="0" lvl="0" indent="-228600" algn="l" defTabSz="914400" rtl="0" eaLnBrk="1" fontAlgn="auto" latinLnBrk="0" hangingPunct="1">
+                  <a:lnSpc>
+                    <a:spcPct val="100000"/>
+                  </a:lnSpc>
+                  <a:spcBef>
+                    <a:spcPts val="0"/>
+                  </a:spcBef>
+                  <a:spcAft>
+                    <a:spcPts val="0"/>
+                  </a:spcAft>
+                  <a:buClrTx/>
+                  <a:buSzTx/>
+                  <a:buFont typeface="+mj-lt"/>
+                  <a:buAutoNum type="arabicPeriod"/>
+                  <a:tabLst/>
+                  <a:defRPr/>
+                </a:pPr>
+                <a:endParaRPr lang="en-US" sz="2400" b="0" i="0" dirty="0">
+                  <a:solidFill>
+                    <a:srgbClr val="1F2328"/>
+                  </a:solidFill>
+                  <a:effectLst/>
+                  <a:latin typeface="-apple-system"/>
+                </a:endParaRPr>
+              </a:p>
+              <a:p>
+                <a:pPr marL="0" marR="0" lvl="0" indent="0" algn="l" defTabSz="914400" rtl="0" eaLnBrk="1" fontAlgn="auto" latinLnBrk="0" hangingPunct="1">
+                  <a:lnSpc>
+                    <a:spcPct val="100000"/>
+                  </a:lnSpc>
+                  <a:spcBef>
+                    <a:spcPts val="0"/>
+                  </a:spcBef>
+                  <a:spcAft>
+                    <a:spcPts val="0"/>
+                  </a:spcAft>
+                  <a:buClrTx/>
+                  <a:buSzTx/>
+                  <a:buFontTx/>
+                  <a:buNone/>
+                  <a:tabLst/>
+                  <a:defRPr/>
+                </a:pPr>
+                <a:endParaRPr lang="de-DE" sz="2400" dirty="0"/>
+              </a:p>
+            </p:txBody>
+          </p:sp>
+        </mc:Fallback>
+      </mc:AlternateContent>
+      <p:sp>
+        <p:nvSpPr>
+          <p:cNvPr id="4" name="Foliennummernplatzhalter 3"/>
           <p:cNvSpPr>
             <a:spLocks noGrp="1"/>
           </p:cNvSpPr>
           <p:nvPr>
-            <p:ph type="body" idx="1"/>
+            <p:ph type="sldNum" sz="quarter" idx="5"/>
           </p:nvPr>
         </p:nvSpPr>
         <p:spPr/>
@@ -1887,37 +3899,9 @@
           <a:bodyPr/>
           <a:lstStyle/>
           <a:p>
-            <a:r>
-              <a:rPr lang="de-DE" dirty="0"/>
-              <a:t>F</a:t>
-            </a:r>
-          </a:p>
-          <a:p>
-            <a:r>
-              <a:rPr lang="de-DE" dirty="0"/>
-              <a:t>https://www.takarabio.com/learning-centers/gene-function/gene-editing/genome-wide-screening/crispr-library-screening</a:t>
-            </a:r>
-          </a:p>
-        </p:txBody>
-      </p:sp>
-      <p:sp>
-        <p:nvSpPr>
-          <p:cNvPr id="4" name="Foliennummernplatzhalter 3"/>
-          <p:cNvSpPr>
-            <a:spLocks noGrp="1"/>
-          </p:cNvSpPr>
-          <p:nvPr>
-            <p:ph type="sldNum" sz="quarter" idx="5"/>
-          </p:nvPr>
-        </p:nvSpPr>
-        <p:spPr/>
-        <p:txBody>
-          <a:bodyPr/>
-          <a:lstStyle/>
-          <a:p>
             <a:fld id="{4A4EC913-459A-40DA-A3CA-E9F2E31122D3}" type="slidenum">
               <a:rPr lang="de-DE" smtClean="0"/>
-              <a:t>8</a:t>
+              <a:t>7</a:t>
             </a:fld>
             <a:endParaRPr lang="de-DE"/>
           </a:p>
@@ -1926,7 +3910,7 @@
     </p:spTree>
     <p:extLst>
       <p:ext uri="{BB962C8B-B14F-4D97-AF65-F5344CB8AC3E}">
-        <p14:creationId xmlns:p14="http://schemas.microsoft.com/office/powerpoint/2010/main" val="3694666851"/>
+        <p14:creationId xmlns:p14="http://schemas.microsoft.com/office/powerpoint/2010/main" val="1711270118"/>
       </p:ext>
     </p:extLst>
   </p:cSld>
@@ -1982,7 +3966,7 @@
           <a:p>
             <a:r>
               <a:rPr lang="de-DE" dirty="0"/>
-              <a:t>F</a:t>
+              <a:t>J</a:t>
             </a:r>
           </a:p>
         </p:txBody>
@@ -2004,7 +3988,7 @@
           <a:p>
             <a:fld id="{4A4EC913-459A-40DA-A3CA-E9F2E31122D3}" type="slidenum">
               <a:rPr lang="de-DE" smtClean="0"/>
-              <a:t>9</a:t>
+              <a:t>8</a:t>
             </a:fld>
             <a:endParaRPr lang="de-DE"/>
           </a:p>
@@ -2013,7 +3997,7 @@
     </p:spTree>
     <p:extLst>
       <p:ext uri="{BB962C8B-B14F-4D97-AF65-F5344CB8AC3E}">
-        <p14:creationId xmlns:p14="http://schemas.microsoft.com/office/powerpoint/2010/main" val="3772253580"/>
+        <p14:creationId xmlns:p14="http://schemas.microsoft.com/office/powerpoint/2010/main" val="3822410563"/>
       </p:ext>
     </p:extLst>
   </p:cSld>
@@ -2072,6 +4056,12 @@
               <a:t>F</a:t>
             </a:r>
           </a:p>
+          <a:p>
+            <a:r>
+              <a:rPr lang="de-DE" dirty="0"/>
+              <a:t>https://www.takarabio.com/learning-centers/gene-function/gene-editing/genome-wide-screening/crispr-library-screening</a:t>
+            </a:r>
+          </a:p>
         </p:txBody>
       </p:sp>
       <p:sp>
@@ -2091,7 +4081,7 @@
           <a:p>
             <a:fld id="{4A4EC913-459A-40DA-A3CA-E9F2E31122D3}" type="slidenum">
               <a:rPr lang="de-DE" smtClean="0"/>
-              <a:t>10</a:t>
+              <a:t>9</a:t>
             </a:fld>
             <a:endParaRPr lang="de-DE"/>
           </a:p>
@@ -2100,7 +4090,7 @@
     </p:spTree>
     <p:extLst>
       <p:ext uri="{BB962C8B-B14F-4D97-AF65-F5344CB8AC3E}">
-        <p14:creationId xmlns:p14="http://schemas.microsoft.com/office/powerpoint/2010/main" val="988579094"/>
+        <p14:creationId xmlns:p14="http://schemas.microsoft.com/office/powerpoint/2010/main" val="3694666851"/>
       </p:ext>
     </p:extLst>
   </p:cSld>
@@ -2156,7 +4146,7 @@
           <a:p>
             <a:r>
               <a:rPr lang="de-DE" dirty="0"/>
-              <a:t>J,F</a:t>
+              <a:t>F</a:t>
             </a:r>
           </a:p>
         </p:txBody>
@@ -2178,7 +4168,7 @@
           <a:p>
             <a:fld id="{4A4EC913-459A-40DA-A3CA-E9F2E31122D3}" type="slidenum">
               <a:rPr lang="de-DE" smtClean="0"/>
-              <a:t>11</a:t>
+              <a:t>10</a:t>
             </a:fld>
             <a:endParaRPr lang="de-DE"/>
           </a:p>
@@ -2187,7 +4177,7 @@
     </p:spTree>
     <p:extLst>
       <p:ext uri="{BB962C8B-B14F-4D97-AF65-F5344CB8AC3E}">
-        <p14:creationId xmlns:p14="http://schemas.microsoft.com/office/powerpoint/2010/main" val="82889496"/>
+        <p14:creationId xmlns:p14="http://schemas.microsoft.com/office/powerpoint/2010/main" val="3772253580"/>
       </p:ext>
     </p:extLst>
   </p:cSld>
@@ -5779,6 +7769,389 @@
           <a:bodyPr/>
           <a:lstStyle/>
           <a:p>
+            <a:r>
+              <a:rPr lang="de-DE" dirty="0"/>
+              <a:t> </a:t>
+            </a:r>
+            <a:r>
+              <a:rPr lang="de-DE" dirty="0" err="1"/>
+              <a:t>cell</a:t>
+            </a:r>
+            <a:r>
+              <a:rPr lang="de-DE" dirty="0"/>
+              <a:t> </a:t>
+            </a:r>
+            <a:r>
+              <a:rPr lang="de-DE" dirty="0" err="1"/>
+              <a:t>line</a:t>
+            </a:r>
+            <a:r>
+              <a:rPr lang="de-DE" dirty="0"/>
+              <a:t> </a:t>
+            </a:r>
+            <a:r>
+              <a:rPr lang="de-DE" dirty="0" err="1"/>
+              <a:t>information</a:t>
+            </a:r>
+            <a:endParaRPr lang="de-DE" dirty="0"/>
+          </a:p>
+        </p:txBody>
+      </p:sp>
+      <p:sp>
+        <p:nvSpPr>
+          <p:cNvPr id="2" name="Titel 1">
+            <a:extLst>
+              <a:ext uri="{FF2B5EF4-FFF2-40B4-BE49-F238E27FC236}">
+                <a16:creationId xmlns:a16="http://schemas.microsoft.com/office/drawing/2014/main" id="{EA79D227-51F1-8762-A9A1-4CEE300E4BEB}"/>
+              </a:ext>
+            </a:extLst>
+          </p:cNvPr>
+          <p:cNvSpPr>
+            <a:spLocks noGrp="1"/>
+          </p:cNvSpPr>
+          <p:nvPr>
+            <p:ph type="title"/>
+          </p:nvPr>
+        </p:nvSpPr>
+        <p:spPr/>
+        <p:txBody>
+          <a:bodyPr/>
+          <a:lstStyle/>
+          <a:p>
+            <a:r>
+              <a:rPr lang="de-DE" dirty="0"/>
+              <a:t>prism.cl</a:t>
+            </a:r>
+          </a:p>
+        </p:txBody>
+      </p:sp>
+      <p:pic>
+        <p:nvPicPr>
+          <p:cNvPr id="4" name="Grafik 3">
+            <a:extLst>
+              <a:ext uri="{FF2B5EF4-FFF2-40B4-BE49-F238E27FC236}">
+                <a16:creationId xmlns:a16="http://schemas.microsoft.com/office/drawing/2014/main" id="{D41CB430-154F-DDD8-0AA5-870903DC1FA4}"/>
+              </a:ext>
+            </a:extLst>
+          </p:cNvPr>
+          <p:cNvPicPr>
+            <a:picLocks noChangeAspect="1"/>
+          </p:cNvPicPr>
+          <p:nvPr/>
+        </p:nvPicPr>
+        <p:blipFill rotWithShape="1">
+          <a:blip r:embed="rId3"/>
+          <a:srcRect t="7197" b="64035"/>
+          <a:stretch/>
+        </p:blipFill>
+        <p:spPr>
+          <a:xfrm>
+            <a:off x="271603" y="2873829"/>
+            <a:ext cx="11648793" cy="2034072"/>
+          </a:xfrm>
+          <a:prstGeom prst="rect">
+            <a:avLst/>
+          </a:prstGeom>
+        </p:spPr>
+      </p:pic>
+      <p:sp>
+        <p:nvSpPr>
+          <p:cNvPr id="3" name="Inhaltsplatzhalter 2">
+            <a:extLst>
+              <a:ext uri="{FF2B5EF4-FFF2-40B4-BE49-F238E27FC236}">
+                <a16:creationId xmlns:a16="http://schemas.microsoft.com/office/drawing/2014/main" id="{13135DA9-B2B9-182E-40B8-926AD412400B}"/>
+              </a:ext>
+            </a:extLst>
+          </p:cNvPr>
+          <p:cNvSpPr txBox="1">
+            <a:spLocks/>
+          </p:cNvSpPr>
+          <p:nvPr/>
+        </p:nvSpPr>
+        <p:spPr>
+          <a:xfrm>
+            <a:off x="990600" y="1708638"/>
+            <a:ext cx="10515600" cy="4620725"/>
+          </a:xfrm>
+          <a:prstGeom prst="rect">
+            <a:avLst/>
+          </a:prstGeom>
+        </p:spPr>
+        <p:txBody>
+          <a:bodyPr vert="horz" lIns="91440" tIns="45720" rIns="91440" bIns="45720" rtlCol="0">
+            <a:noAutofit/>
+          </a:bodyPr>
+          <a:lstStyle>
+            <a:lvl1pPr marL="228600" indent="-228600" algn="l" defTabSz="914400" rtl="0" eaLnBrk="1" latinLnBrk="0" hangingPunct="1">
+              <a:lnSpc>
+                <a:spcPct val="90000"/>
+              </a:lnSpc>
+              <a:spcBef>
+                <a:spcPts val="1000"/>
+              </a:spcBef>
+              <a:buFont typeface="Arial" panose="020B0604020202020204" pitchFamily="34" charset="0"/>
+              <a:buChar char="•"/>
+              <a:defRPr sz="2800" kern="1200">
+                <a:solidFill>
+                  <a:schemeClr val="tx1"/>
+                </a:solidFill>
+                <a:latin typeface="+mn-lt"/>
+                <a:ea typeface="+mn-ea"/>
+                <a:cs typeface="+mn-cs"/>
+              </a:defRPr>
+            </a:lvl1pPr>
+            <a:lvl2pPr marL="685800" indent="-228600" algn="l" defTabSz="914400" rtl="0" eaLnBrk="1" latinLnBrk="0" hangingPunct="1">
+              <a:lnSpc>
+                <a:spcPct val="90000"/>
+              </a:lnSpc>
+              <a:spcBef>
+                <a:spcPts val="500"/>
+              </a:spcBef>
+              <a:buFont typeface="Arial" panose="020B0604020202020204" pitchFamily="34" charset="0"/>
+              <a:buChar char="•"/>
+              <a:defRPr sz="2400" kern="1200">
+                <a:solidFill>
+                  <a:schemeClr val="tx1"/>
+                </a:solidFill>
+                <a:latin typeface="+mn-lt"/>
+                <a:ea typeface="+mn-ea"/>
+                <a:cs typeface="+mn-cs"/>
+              </a:defRPr>
+            </a:lvl2pPr>
+            <a:lvl3pPr marL="1143000" indent="-228600" algn="l" defTabSz="914400" rtl="0" eaLnBrk="1" latinLnBrk="0" hangingPunct="1">
+              <a:lnSpc>
+                <a:spcPct val="90000"/>
+              </a:lnSpc>
+              <a:spcBef>
+                <a:spcPts val="500"/>
+              </a:spcBef>
+              <a:buFont typeface="Arial" panose="020B0604020202020204" pitchFamily="34" charset="0"/>
+              <a:buChar char="•"/>
+              <a:defRPr sz="2000" kern="1200">
+                <a:solidFill>
+                  <a:schemeClr val="tx1"/>
+                </a:solidFill>
+                <a:latin typeface="+mn-lt"/>
+                <a:ea typeface="+mn-ea"/>
+                <a:cs typeface="+mn-cs"/>
+              </a:defRPr>
+            </a:lvl3pPr>
+            <a:lvl4pPr marL="1600200" indent="-228600" algn="l" defTabSz="914400" rtl="0" eaLnBrk="1" latinLnBrk="0" hangingPunct="1">
+              <a:lnSpc>
+                <a:spcPct val="90000"/>
+              </a:lnSpc>
+              <a:spcBef>
+                <a:spcPts val="500"/>
+              </a:spcBef>
+              <a:buFont typeface="Arial" panose="020B0604020202020204" pitchFamily="34" charset="0"/>
+              <a:buChar char="•"/>
+              <a:defRPr sz="1800" kern="1200">
+                <a:solidFill>
+                  <a:schemeClr val="tx1"/>
+                </a:solidFill>
+                <a:latin typeface="+mn-lt"/>
+                <a:ea typeface="+mn-ea"/>
+                <a:cs typeface="+mn-cs"/>
+              </a:defRPr>
+            </a:lvl4pPr>
+            <a:lvl5pPr marL="2057400" indent="-228600" algn="l" defTabSz="914400" rtl="0" eaLnBrk="1" latinLnBrk="0" hangingPunct="1">
+              <a:lnSpc>
+                <a:spcPct val="90000"/>
+              </a:lnSpc>
+              <a:spcBef>
+                <a:spcPts val="500"/>
+              </a:spcBef>
+              <a:buFont typeface="Arial" panose="020B0604020202020204" pitchFamily="34" charset="0"/>
+              <a:buChar char="•"/>
+              <a:defRPr sz="1800" kern="1200">
+                <a:solidFill>
+                  <a:schemeClr val="tx1"/>
+                </a:solidFill>
+                <a:latin typeface="+mn-lt"/>
+                <a:ea typeface="+mn-ea"/>
+                <a:cs typeface="+mn-cs"/>
+              </a:defRPr>
+            </a:lvl5pPr>
+            <a:lvl6pPr marL="2514600" indent="-228600" algn="l" defTabSz="914400" rtl="0" eaLnBrk="1" latinLnBrk="0" hangingPunct="1">
+              <a:lnSpc>
+                <a:spcPct val="90000"/>
+              </a:lnSpc>
+              <a:spcBef>
+                <a:spcPts val="500"/>
+              </a:spcBef>
+              <a:buFont typeface="Arial" panose="020B0604020202020204" pitchFamily="34" charset="0"/>
+              <a:buChar char="•"/>
+              <a:defRPr sz="1800" kern="1200">
+                <a:solidFill>
+                  <a:schemeClr val="tx1"/>
+                </a:solidFill>
+                <a:latin typeface="+mn-lt"/>
+                <a:ea typeface="+mn-ea"/>
+                <a:cs typeface="+mn-cs"/>
+              </a:defRPr>
+            </a:lvl6pPr>
+            <a:lvl7pPr marL="2971800" indent="-228600" algn="l" defTabSz="914400" rtl="0" eaLnBrk="1" latinLnBrk="0" hangingPunct="1">
+              <a:lnSpc>
+                <a:spcPct val="90000"/>
+              </a:lnSpc>
+              <a:spcBef>
+                <a:spcPts val="500"/>
+              </a:spcBef>
+              <a:buFont typeface="Arial" panose="020B0604020202020204" pitchFamily="34" charset="0"/>
+              <a:buChar char="•"/>
+              <a:defRPr sz="1800" kern="1200">
+                <a:solidFill>
+                  <a:schemeClr val="tx1"/>
+                </a:solidFill>
+                <a:latin typeface="+mn-lt"/>
+                <a:ea typeface="+mn-ea"/>
+                <a:cs typeface="+mn-cs"/>
+              </a:defRPr>
+            </a:lvl7pPr>
+            <a:lvl8pPr marL="3429000" indent="-228600" algn="l" defTabSz="914400" rtl="0" eaLnBrk="1" latinLnBrk="0" hangingPunct="1">
+              <a:lnSpc>
+                <a:spcPct val="90000"/>
+              </a:lnSpc>
+              <a:spcBef>
+                <a:spcPts val="500"/>
+              </a:spcBef>
+              <a:buFont typeface="Arial" panose="020B0604020202020204" pitchFamily="34" charset="0"/>
+              <a:buChar char="•"/>
+              <a:defRPr sz="1800" kern="1200">
+                <a:solidFill>
+                  <a:schemeClr val="tx1"/>
+                </a:solidFill>
+                <a:latin typeface="+mn-lt"/>
+                <a:ea typeface="+mn-ea"/>
+                <a:cs typeface="+mn-cs"/>
+              </a:defRPr>
+            </a:lvl8pPr>
+            <a:lvl9pPr marL="3886200" indent="-228600" algn="l" defTabSz="914400" rtl="0" eaLnBrk="1" latinLnBrk="0" hangingPunct="1">
+              <a:lnSpc>
+                <a:spcPct val="90000"/>
+              </a:lnSpc>
+              <a:spcBef>
+                <a:spcPts val="500"/>
+              </a:spcBef>
+              <a:buFont typeface="Arial" panose="020B0604020202020204" pitchFamily="34" charset="0"/>
+              <a:buChar char="•"/>
+              <a:defRPr sz="1800" kern="1200">
+                <a:solidFill>
+                  <a:schemeClr val="tx1"/>
+                </a:solidFill>
+                <a:latin typeface="+mn-lt"/>
+                <a:ea typeface="+mn-ea"/>
+                <a:cs typeface="+mn-cs"/>
+              </a:defRPr>
+            </a:lvl9pPr>
+          </a:lstStyle>
+          <a:p>
+            <a:pPr marL="0" indent="0">
+              <a:lnSpc>
+                <a:spcPct val="120000"/>
+              </a:lnSpc>
+              <a:spcBef>
+                <a:spcPts val="300"/>
+              </a:spcBef>
+              <a:spcAft>
+                <a:spcPts val="800"/>
+              </a:spcAft>
+              <a:buSzPts val="1000"/>
+              <a:buNone/>
+              <a:tabLst>
+                <a:tab pos="457200" algn="l"/>
+              </a:tabLst>
+            </a:pPr>
+            <a:endParaRPr lang="de-DE" sz="1400" b="1" kern="100" dirty="0">
+              <a:solidFill>
+                <a:srgbClr val="294E1C"/>
+              </a:solidFill>
+              <a:ea typeface="Times New Roman" panose="02020603050405020304" pitchFamily="18" charset="0"/>
+              <a:cs typeface="Arial" panose="020B0604020202020204" pitchFamily="34" charset="0"/>
+            </a:endParaRPr>
+          </a:p>
+        </p:txBody>
+      </p:sp>
+      <p:sp>
+        <p:nvSpPr>
+          <p:cNvPr id="5" name="Foliennummernplatzhalter 4">
+            <a:extLst>
+              <a:ext uri="{FF2B5EF4-FFF2-40B4-BE49-F238E27FC236}">
+                <a16:creationId xmlns:a16="http://schemas.microsoft.com/office/drawing/2014/main" id="{3506EF04-AE15-9973-6737-ACFAF1E698AC}"/>
+              </a:ext>
+            </a:extLst>
+          </p:cNvPr>
+          <p:cNvSpPr>
+            <a:spLocks noGrp="1"/>
+          </p:cNvSpPr>
+          <p:nvPr>
+            <p:ph type="sldNum" sz="quarter" idx="12"/>
+          </p:nvPr>
+        </p:nvSpPr>
+        <p:spPr/>
+        <p:txBody>
+          <a:bodyPr/>
+          <a:lstStyle/>
+          <a:p>
+            <a:fld id="{0D3027C9-B0A7-44EF-8D79-5CE31909392B}" type="slidenum">
+              <a:rPr lang="de-DE" smtClean="0"/>
+              <a:t>10</a:t>
+            </a:fld>
+            <a:endParaRPr lang="de-DE"/>
+          </a:p>
+        </p:txBody>
+      </p:sp>
+    </p:spTree>
+    <p:extLst>
+      <p:ext uri="{BB962C8B-B14F-4D97-AF65-F5344CB8AC3E}">
+        <p14:creationId xmlns:p14="http://schemas.microsoft.com/office/powerpoint/2010/main" val="2255992652"/>
+      </p:ext>
+    </p:extLst>
+  </p:cSld>
+  <p:clrMapOvr>
+    <a:masterClrMapping/>
+  </p:clrMapOvr>
+</p:sld>
+</file>
+
+<file path=ppt/slides/slide11.xml><?xml version="1.0" encoding="utf-8"?>
+<p:sld xmlns:a="http://schemas.openxmlformats.org/drawingml/2006/main" xmlns:r="http://schemas.openxmlformats.org/officeDocument/2006/relationships" xmlns:p="http://schemas.openxmlformats.org/presentationml/2006/main">
+  <p:cSld>
+    <p:spTree>
+      <p:nvGrpSpPr>
+        <p:cNvPr id="1" name=""/>
+        <p:cNvGrpSpPr/>
+        <p:nvPr/>
+      </p:nvGrpSpPr>
+      <p:grpSpPr>
+        <a:xfrm>
+          <a:off x="0" y="0"/>
+          <a:ext cx="0" cy="0"/>
+          <a:chOff x="0" y="0"/>
+          <a:chExt cx="0" cy="0"/>
+        </a:xfrm>
+      </p:grpSpPr>
+      <p:sp>
+        <p:nvSpPr>
+          <p:cNvPr id="6" name="Inhaltsplatzhalter 5">
+            <a:extLst>
+              <a:ext uri="{FF2B5EF4-FFF2-40B4-BE49-F238E27FC236}">
+                <a16:creationId xmlns:a16="http://schemas.microsoft.com/office/drawing/2014/main" id="{7D15C65D-A841-0033-CC2A-8DA537F3A15D}"/>
+              </a:ext>
+            </a:extLst>
+          </p:cNvPr>
+          <p:cNvSpPr>
+            <a:spLocks noGrp="1"/>
+          </p:cNvSpPr>
+          <p:nvPr>
+            <p:ph idx="1"/>
+          </p:nvPr>
+        </p:nvSpPr>
+        <p:spPr/>
+        <p:txBody>
+          <a:bodyPr/>
+          <a:lstStyle/>
+          <a:p>
             <a:pPr marL="0" indent="0">
               <a:buNone/>
             </a:pPr>
@@ -6170,52 +8543,6 @@
       </p:sp>
       <p:pic>
         <p:nvPicPr>
-          <p:cNvPr id="7" name="Grafik 6">
-            <a:extLst>
-              <a:ext uri="{FF2B5EF4-FFF2-40B4-BE49-F238E27FC236}">
-                <a16:creationId xmlns:a16="http://schemas.microsoft.com/office/drawing/2014/main" id="{CBF7E20F-3001-B8CF-8969-B3001718C001}"/>
-              </a:ext>
-            </a:extLst>
-          </p:cNvPr>
-          <p:cNvPicPr>
-            <a:picLocks noChangeAspect="1"/>
-          </p:cNvPicPr>
-          <p:nvPr/>
-        </p:nvPicPr>
-        <p:blipFill>
-          <a:blip r:embed="rId3">
-            <a:clrChange>
-              <a:clrFrom>
-                <a:srgbClr val="FFFFFF"/>
-              </a:clrFrom>
-              <a:clrTo>
-                <a:srgbClr val="FFFFFF">
-                  <a:alpha val="0"/>
-                </a:srgbClr>
-              </a:clrTo>
-            </a:clrChange>
-            <a:extLst>
-              <a:ext uri="{28A0092B-C50C-407E-A947-70E740481C1C}">
-                <a14:useLocalDpi xmlns:a14="http://schemas.microsoft.com/office/drawing/2010/main" val="0"/>
-              </a:ext>
-            </a:extLst>
-          </a:blip>
-          <a:stretch>
-            <a:fillRect/>
-          </a:stretch>
-        </p:blipFill>
-        <p:spPr>
-          <a:xfrm>
-            <a:off x="838200" y="3608723"/>
-            <a:ext cx="5487186" cy="3235472"/>
-          </a:xfrm>
-          <a:prstGeom prst="rect">
-            <a:avLst/>
-          </a:prstGeom>
-        </p:spPr>
-      </p:pic>
-      <p:pic>
-        <p:nvPicPr>
           <p:cNvPr id="9" name="Grafik 8">
             <a:extLst>
               <a:ext uri="{FF2B5EF4-FFF2-40B4-BE49-F238E27FC236}">
@@ -6229,14 +8556,14 @@
           <p:nvPr/>
         </p:nvPicPr>
         <p:blipFill>
-          <a:blip r:embed="rId4"/>
+          <a:blip r:embed="rId3"/>
           <a:stretch>
             <a:fillRect/>
           </a:stretch>
         </p:blipFill>
         <p:spPr>
           <a:xfrm>
-            <a:off x="838200" y="2495550"/>
+            <a:off x="6531428" y="1556238"/>
             <a:ext cx="3048000" cy="933450"/>
           </a:xfrm>
           <a:prstGeom prst="rect">
@@ -6267,1580 +8594,57 @@
           <a:p>
             <a:fld id="{0D3027C9-B0A7-44EF-8D79-5CE31909392B}" type="slidenum">
               <a:rPr lang="de-DE" smtClean="0"/>
-              <a:t>10</a:t>
+              <a:t>11</a:t>
             </a:fld>
             <a:endParaRPr lang="de-DE"/>
           </a:p>
         </p:txBody>
       </p:sp>
+      <p:pic>
+        <p:nvPicPr>
+          <p:cNvPr id="12" name="Grafik 11">
+            <a:extLst>
+              <a:ext uri="{FF2B5EF4-FFF2-40B4-BE49-F238E27FC236}">
+                <a16:creationId xmlns:a16="http://schemas.microsoft.com/office/drawing/2014/main" id="{6A623699-E6D6-62D9-7CF4-03E52A182CC1}"/>
+              </a:ext>
+            </a:extLst>
+          </p:cNvPr>
+          <p:cNvPicPr>
+            <a:picLocks noChangeAspect="1"/>
+          </p:cNvPicPr>
+          <p:nvPr/>
+        </p:nvPicPr>
+        <p:blipFill>
+          <a:blip r:embed="rId4">
+            <a:clrChange>
+              <a:clrFrom>
+                <a:srgbClr val="FFFFFF"/>
+              </a:clrFrom>
+              <a:clrTo>
+                <a:srgbClr val="FFFFFF">
+                  <a:alpha val="0"/>
+                </a:srgbClr>
+              </a:clrTo>
+            </a:clrChange>
+          </a:blip>
+          <a:stretch>
+            <a:fillRect/>
+          </a:stretch>
+        </p:blipFill>
+        <p:spPr>
+          <a:xfrm>
+            <a:off x="318893" y="2204685"/>
+            <a:ext cx="7442621" cy="4637562"/>
+          </a:xfrm>
+          <a:prstGeom prst="rect">
+            <a:avLst/>
+          </a:prstGeom>
+        </p:spPr>
+      </p:pic>
     </p:spTree>
     <p:extLst>
       <p:ext uri="{BB962C8B-B14F-4D97-AF65-F5344CB8AC3E}">
         <p14:creationId xmlns:p14="http://schemas.microsoft.com/office/powerpoint/2010/main" val="1356933874"/>
-      </p:ext>
-    </p:extLst>
-  </p:cSld>
-  <p:clrMapOvr>
-    <a:masterClrMapping/>
-  </p:clrMapOvr>
-</p:sld>
-</file>
-
-<file path=ppt/slides/slide11.xml><?xml version="1.0" encoding="utf-8"?>
-<p:sld xmlns:a="http://schemas.openxmlformats.org/drawingml/2006/main" xmlns:r="http://schemas.openxmlformats.org/officeDocument/2006/relationships" xmlns:p="http://schemas.openxmlformats.org/presentationml/2006/main">
-  <p:cSld>
-    <p:spTree>
-      <p:nvGrpSpPr>
-        <p:cNvPr id="1" name=""/>
-        <p:cNvGrpSpPr/>
-        <p:nvPr/>
-      </p:nvGrpSpPr>
-      <p:grpSpPr>
-        <a:xfrm>
-          <a:off x="0" y="0"/>
-          <a:ext cx="0" cy="0"/>
-          <a:chOff x="0" y="0"/>
-          <a:chExt cx="0" cy="0"/>
-        </a:xfrm>
-      </p:grpSpPr>
-      <p:sp>
-        <p:nvSpPr>
-          <p:cNvPr id="2" name="Titel 1">
-            <a:extLst>
-              <a:ext uri="{FF2B5EF4-FFF2-40B4-BE49-F238E27FC236}">
-                <a16:creationId xmlns:a16="http://schemas.microsoft.com/office/drawing/2014/main" id="{C45EEC0D-DFF6-9EFA-1948-E75345E5F82E}"/>
-              </a:ext>
-            </a:extLst>
-          </p:cNvPr>
-          <p:cNvSpPr>
-            <a:spLocks noGrp="1"/>
-          </p:cNvSpPr>
-          <p:nvPr>
-            <p:ph type="title"/>
-          </p:nvPr>
-        </p:nvSpPr>
-        <p:spPr/>
-        <p:txBody>
-          <a:bodyPr/>
-          <a:lstStyle/>
-          <a:p>
-            <a:r>
-              <a:rPr lang="de-DE" dirty="0" err="1"/>
-              <a:t>Steps</a:t>
-            </a:r>
-            <a:r>
-              <a:rPr lang="de-DE" dirty="0"/>
-              <a:t> and </a:t>
-            </a:r>
-            <a:r>
-              <a:rPr lang="de-DE" dirty="0" err="1"/>
-              <a:t>to-do‘s</a:t>
-            </a:r>
-            <a:r>
-              <a:rPr lang="de-DE" dirty="0"/>
-              <a:t> </a:t>
-            </a:r>
-          </a:p>
-        </p:txBody>
-      </p:sp>
-      <p:sp>
-        <p:nvSpPr>
-          <p:cNvPr id="3" name="Inhaltsplatzhalter 2">
-            <a:extLst>
-              <a:ext uri="{FF2B5EF4-FFF2-40B4-BE49-F238E27FC236}">
-                <a16:creationId xmlns:a16="http://schemas.microsoft.com/office/drawing/2014/main" id="{4A6F4B08-1CFC-D72D-9BC9-79D8B61CBDC3}"/>
-              </a:ext>
-            </a:extLst>
-          </p:cNvPr>
-          <p:cNvSpPr>
-            <a:spLocks noGrp="1"/>
-          </p:cNvSpPr>
-          <p:nvPr>
-            <p:ph idx="1"/>
-          </p:nvPr>
-        </p:nvSpPr>
-        <p:spPr/>
-        <p:txBody>
-          <a:bodyPr>
-            <a:noAutofit/>
-          </a:bodyPr>
-          <a:lstStyle/>
-          <a:p>
-            <a:pPr>
-              <a:lnSpc>
-                <a:spcPct val="100000"/>
-              </a:lnSpc>
-              <a:spcBef>
-                <a:spcPts val="200"/>
-              </a:spcBef>
-              <a:buFont typeface="+mj-lt"/>
-              <a:buAutoNum type="arabicPeriod"/>
-            </a:pPr>
-            <a:r>
-              <a:rPr lang="de-DE" sz="1400" b="1" kern="100" dirty="0">
-                <a:solidFill>
-                  <a:srgbClr val="294E1C"/>
-                </a:solidFill>
-                <a:effectLst/>
-                <a:ea typeface="Times New Roman" panose="02020603050405020304" pitchFamily="18" charset="0"/>
-                <a:cs typeface="Arial" panose="020B0604020202020204" pitchFamily="34" charset="0"/>
-              </a:rPr>
-              <a:t>Data </a:t>
-            </a:r>
-            <a:r>
-              <a:rPr lang="de-DE" sz="1400" b="1" kern="100" dirty="0" err="1">
-                <a:solidFill>
-                  <a:srgbClr val="294E1C"/>
-                </a:solidFill>
-                <a:effectLst/>
-                <a:ea typeface="Times New Roman" panose="02020603050405020304" pitchFamily="18" charset="0"/>
-                <a:cs typeface="Arial" panose="020B0604020202020204" pitchFamily="34" charset="0"/>
-              </a:rPr>
-              <a:t>cleanup</a:t>
-            </a:r>
-            <a:endParaRPr lang="de-DE" sz="1400" b="1" kern="100" dirty="0">
-              <a:solidFill>
-                <a:srgbClr val="294E1C"/>
-              </a:solidFill>
-              <a:effectLst/>
-              <a:ea typeface="Times New Roman" panose="02020603050405020304" pitchFamily="18" charset="0"/>
-              <a:cs typeface="Arial" panose="020B0604020202020204" pitchFamily="34" charset="0"/>
-            </a:endParaRPr>
-          </a:p>
-          <a:p>
-            <a:pPr lvl="1">
-              <a:lnSpc>
-                <a:spcPct val="100000"/>
-              </a:lnSpc>
-              <a:spcBef>
-                <a:spcPts val="200"/>
-              </a:spcBef>
-            </a:pPr>
-            <a:r>
-              <a:rPr lang="de-DE" sz="1400" kern="100" dirty="0" err="1">
-                <a:solidFill>
-                  <a:srgbClr val="1F2328"/>
-                </a:solidFill>
-                <a:effectLst/>
-                <a:ea typeface="Arial" panose="020B0604020202020204" pitchFamily="34" charset="0"/>
-                <a:cs typeface="Arial" panose="020B0604020202020204" pitchFamily="34" charset="0"/>
-              </a:rPr>
-              <a:t>Removing</a:t>
-            </a:r>
-            <a:r>
-              <a:rPr lang="de-DE" sz="1400" kern="100" dirty="0">
-                <a:solidFill>
-                  <a:srgbClr val="1F2328"/>
-                </a:solidFill>
-                <a:effectLst/>
-                <a:ea typeface="Arial" panose="020B0604020202020204" pitchFamily="34" charset="0"/>
-                <a:cs typeface="Arial" panose="020B0604020202020204" pitchFamily="34" charset="0"/>
-              </a:rPr>
-              <a:t> </a:t>
-            </a:r>
-            <a:r>
-              <a:rPr lang="de-DE" sz="1400" kern="100" dirty="0" err="1">
-                <a:solidFill>
-                  <a:srgbClr val="1F2328"/>
-                </a:solidFill>
-                <a:effectLst/>
-                <a:ea typeface="Arial" panose="020B0604020202020204" pitchFamily="34" charset="0"/>
-                <a:cs typeface="Arial" panose="020B0604020202020204" pitchFamily="34" charset="0"/>
-              </a:rPr>
-              <a:t>missing</a:t>
-            </a:r>
-            <a:r>
-              <a:rPr lang="de-DE" sz="1400" kern="100" dirty="0">
-                <a:solidFill>
-                  <a:srgbClr val="1F2328"/>
-                </a:solidFill>
-                <a:effectLst/>
-                <a:ea typeface="Arial" panose="020B0604020202020204" pitchFamily="34" charset="0"/>
-                <a:cs typeface="Arial" panose="020B0604020202020204" pitchFamily="34" charset="0"/>
-              </a:rPr>
-              <a:t> </a:t>
-            </a:r>
-            <a:r>
-              <a:rPr lang="de-DE" sz="1400" kern="100" dirty="0" err="1">
-                <a:solidFill>
-                  <a:srgbClr val="1F2328"/>
-                </a:solidFill>
-                <a:effectLst/>
-                <a:ea typeface="Arial" panose="020B0604020202020204" pitchFamily="34" charset="0"/>
-                <a:cs typeface="Arial" panose="020B0604020202020204" pitchFamily="34" charset="0"/>
-              </a:rPr>
-              <a:t>values</a:t>
-            </a:r>
-            <a:r>
-              <a:rPr lang="de-DE" sz="1400" kern="100" dirty="0">
-                <a:solidFill>
-                  <a:srgbClr val="1F2328"/>
-                </a:solidFill>
-                <a:effectLst/>
-                <a:ea typeface="Arial" panose="020B0604020202020204" pitchFamily="34" charset="0"/>
-                <a:cs typeface="Arial" panose="020B0604020202020204" pitchFamily="34" charset="0"/>
-              </a:rPr>
-              <a:t>  </a:t>
-            </a:r>
-            <a:r>
-              <a:rPr lang="de-DE" sz="1400" kern="100" dirty="0" err="1">
-                <a:solidFill>
-                  <a:srgbClr val="1F2328"/>
-                </a:solidFill>
-                <a:effectLst/>
-                <a:ea typeface="Arial" panose="020B0604020202020204" pitchFamily="34" charset="0"/>
-                <a:cs typeface="Arial" panose="020B0604020202020204" pitchFamily="34" charset="0"/>
-              </a:rPr>
-              <a:t>or</a:t>
-            </a:r>
-            <a:r>
-              <a:rPr lang="de-DE" sz="1400" kern="100" dirty="0">
-                <a:solidFill>
-                  <a:srgbClr val="1F2328"/>
-                </a:solidFill>
-                <a:effectLst/>
-                <a:ea typeface="Arial" panose="020B0604020202020204" pitchFamily="34" charset="0"/>
-                <a:cs typeface="Arial" panose="020B0604020202020204" pitchFamily="34" charset="0"/>
-              </a:rPr>
-              <a:t> </a:t>
-            </a:r>
-            <a:r>
-              <a:rPr lang="de-DE" sz="1400" kern="100" dirty="0" err="1">
-                <a:solidFill>
-                  <a:srgbClr val="1F2328"/>
-                </a:solidFill>
-                <a:effectLst/>
-                <a:ea typeface="Arial" panose="020B0604020202020204" pitchFamily="34" charset="0"/>
-                <a:cs typeface="Arial" panose="020B0604020202020204" pitchFamily="34" charset="0"/>
-              </a:rPr>
-              <a:t>Imputing</a:t>
-            </a:r>
-            <a:r>
-              <a:rPr lang="de-DE" sz="1400" kern="100" dirty="0">
-                <a:solidFill>
-                  <a:srgbClr val="1F2328"/>
-                </a:solidFill>
-                <a:effectLst/>
-                <a:ea typeface="Arial" panose="020B0604020202020204" pitchFamily="34" charset="0"/>
-                <a:cs typeface="Arial" panose="020B0604020202020204" pitchFamily="34" charset="0"/>
-              </a:rPr>
-              <a:t> </a:t>
-            </a:r>
-            <a:r>
-              <a:rPr lang="de-DE" sz="1400" kern="100" dirty="0" err="1">
-                <a:solidFill>
-                  <a:srgbClr val="1F2328"/>
-                </a:solidFill>
-                <a:effectLst/>
-                <a:ea typeface="Arial" panose="020B0604020202020204" pitchFamily="34" charset="0"/>
-                <a:cs typeface="Arial" panose="020B0604020202020204" pitchFamily="34" charset="0"/>
-              </a:rPr>
-              <a:t>missing</a:t>
-            </a:r>
-            <a:r>
-              <a:rPr lang="de-DE" sz="1400" kern="100" dirty="0">
-                <a:solidFill>
-                  <a:srgbClr val="1F2328"/>
-                </a:solidFill>
-                <a:effectLst/>
-                <a:ea typeface="Arial" panose="020B0604020202020204" pitchFamily="34" charset="0"/>
-                <a:cs typeface="Arial" panose="020B0604020202020204" pitchFamily="34" charset="0"/>
-              </a:rPr>
-              <a:t> </a:t>
-            </a:r>
-            <a:r>
-              <a:rPr lang="de-DE" sz="1400" kern="100" dirty="0" err="1">
-                <a:solidFill>
-                  <a:srgbClr val="1F2328"/>
-                </a:solidFill>
-                <a:effectLst/>
-                <a:ea typeface="Arial" panose="020B0604020202020204" pitchFamily="34" charset="0"/>
-                <a:cs typeface="Arial" panose="020B0604020202020204" pitchFamily="34" charset="0"/>
-              </a:rPr>
-              <a:t>values</a:t>
-            </a:r>
-            <a:endParaRPr lang="de-DE" sz="1400" kern="100" dirty="0">
-              <a:solidFill>
-                <a:srgbClr val="1F2328"/>
-              </a:solidFill>
-              <a:effectLst/>
-              <a:ea typeface="Arial" panose="020B0604020202020204" pitchFamily="34" charset="0"/>
-              <a:cs typeface="Arial" panose="020B0604020202020204" pitchFamily="34" charset="0"/>
-            </a:endParaRPr>
-          </a:p>
-          <a:p>
-            <a:pPr lvl="1">
-              <a:lnSpc>
-                <a:spcPct val="100000"/>
-              </a:lnSpc>
-              <a:spcBef>
-                <a:spcPts val="200"/>
-              </a:spcBef>
-            </a:pPr>
-            <a:r>
-              <a:rPr lang="de-DE" sz="1400" i="1" dirty="0" err="1">
-                <a:solidFill>
-                  <a:srgbClr val="C00000"/>
-                </a:solidFill>
-              </a:rPr>
-              <a:t>Is</a:t>
-            </a:r>
-            <a:r>
-              <a:rPr lang="de-DE" sz="1400" i="1" dirty="0">
-                <a:solidFill>
-                  <a:srgbClr val="C00000"/>
-                </a:solidFill>
-              </a:rPr>
-              <a:t> </a:t>
-            </a:r>
-            <a:r>
-              <a:rPr lang="de-DE" sz="1400" i="1" dirty="0" err="1">
-                <a:solidFill>
-                  <a:srgbClr val="C00000"/>
-                </a:solidFill>
-              </a:rPr>
-              <a:t>there</a:t>
-            </a:r>
-            <a:r>
-              <a:rPr lang="de-DE" sz="1400" i="1" dirty="0">
-                <a:solidFill>
-                  <a:srgbClr val="C00000"/>
-                </a:solidFill>
-              </a:rPr>
-              <a:t> </a:t>
-            </a:r>
-            <a:r>
-              <a:rPr lang="de-DE" sz="1400" i="1" dirty="0" err="1">
-                <a:solidFill>
-                  <a:srgbClr val="C00000"/>
-                </a:solidFill>
-              </a:rPr>
-              <a:t>any</a:t>
-            </a:r>
-            <a:r>
-              <a:rPr lang="de-DE" sz="1400" i="1" dirty="0">
-                <a:solidFill>
-                  <a:srgbClr val="C00000"/>
-                </a:solidFill>
-              </a:rPr>
-              <a:t> </a:t>
-            </a:r>
-            <a:r>
-              <a:rPr lang="de-DE" sz="1400" i="1" dirty="0" err="1">
-                <a:solidFill>
-                  <a:srgbClr val="C00000"/>
-                </a:solidFill>
-              </a:rPr>
-              <a:t>loss</a:t>
-            </a:r>
-            <a:r>
-              <a:rPr lang="de-DE" sz="1400" i="1" dirty="0">
-                <a:solidFill>
-                  <a:srgbClr val="C00000"/>
-                </a:solidFill>
-              </a:rPr>
-              <a:t> </a:t>
-            </a:r>
-            <a:r>
-              <a:rPr lang="de-DE" sz="1400" i="1" dirty="0" err="1">
-                <a:solidFill>
-                  <a:srgbClr val="C00000"/>
-                </a:solidFill>
-              </a:rPr>
-              <a:t>of</a:t>
-            </a:r>
-            <a:r>
-              <a:rPr lang="de-DE" sz="1400" i="1" dirty="0">
-                <a:solidFill>
-                  <a:srgbClr val="C00000"/>
-                </a:solidFill>
-              </a:rPr>
-              <a:t> </a:t>
-            </a:r>
-            <a:r>
-              <a:rPr lang="de-DE" sz="1400" i="1" dirty="0" err="1">
-                <a:solidFill>
-                  <a:srgbClr val="C00000"/>
-                </a:solidFill>
-              </a:rPr>
-              <a:t>information</a:t>
-            </a:r>
-            <a:r>
-              <a:rPr lang="de-DE" sz="1400" i="1" dirty="0">
-                <a:solidFill>
-                  <a:srgbClr val="C00000"/>
-                </a:solidFill>
-              </a:rPr>
-              <a:t> </a:t>
-            </a:r>
-            <a:r>
-              <a:rPr lang="de-DE" sz="1400" i="1" dirty="0" err="1">
-                <a:solidFill>
-                  <a:srgbClr val="C00000"/>
-                </a:solidFill>
-              </a:rPr>
-              <a:t>if</a:t>
-            </a:r>
-            <a:r>
-              <a:rPr lang="de-DE" sz="1400" i="1" dirty="0">
-                <a:solidFill>
-                  <a:srgbClr val="C00000"/>
-                </a:solidFill>
-              </a:rPr>
-              <a:t> </a:t>
-            </a:r>
-            <a:r>
-              <a:rPr lang="de-DE" sz="1400" i="1" dirty="0" err="1">
-                <a:solidFill>
-                  <a:srgbClr val="C00000"/>
-                </a:solidFill>
-              </a:rPr>
-              <a:t>we</a:t>
-            </a:r>
-            <a:r>
-              <a:rPr lang="de-DE" sz="1400" i="1" dirty="0">
-                <a:solidFill>
-                  <a:srgbClr val="C00000"/>
-                </a:solidFill>
-              </a:rPr>
-              <a:t> </a:t>
-            </a:r>
-            <a:r>
-              <a:rPr lang="de-DE" sz="1400" i="1" dirty="0" err="1">
-                <a:solidFill>
-                  <a:srgbClr val="C00000"/>
-                </a:solidFill>
-              </a:rPr>
-              <a:t>condense</a:t>
-            </a:r>
-            <a:r>
-              <a:rPr lang="de-DE" sz="1400" i="1" dirty="0">
-                <a:solidFill>
-                  <a:srgbClr val="C00000"/>
-                </a:solidFill>
-              </a:rPr>
-              <a:t> </a:t>
-            </a:r>
-            <a:r>
-              <a:rPr lang="de-DE" sz="1400" i="1" dirty="0" err="1">
-                <a:solidFill>
-                  <a:srgbClr val="C00000"/>
-                </a:solidFill>
-              </a:rPr>
-              <a:t>prism</a:t>
-            </a:r>
-            <a:r>
-              <a:rPr lang="de-DE" sz="1400" i="1" dirty="0">
-                <a:solidFill>
-                  <a:srgbClr val="C00000"/>
-                </a:solidFill>
-              </a:rPr>
-              <a:t> </a:t>
-            </a:r>
-            <a:r>
-              <a:rPr lang="de-DE" sz="1400" i="1" dirty="0" err="1">
-                <a:solidFill>
-                  <a:srgbClr val="C00000"/>
-                </a:solidFill>
-              </a:rPr>
-              <a:t>to</a:t>
-            </a:r>
-            <a:r>
-              <a:rPr lang="de-DE" sz="1400" i="1" dirty="0">
-                <a:solidFill>
-                  <a:srgbClr val="C00000"/>
-                </a:solidFill>
-              </a:rPr>
-              <a:t> </a:t>
-            </a:r>
-            <a:r>
-              <a:rPr lang="de-DE" sz="1400" i="1" dirty="0" err="1">
-                <a:solidFill>
-                  <a:srgbClr val="C00000"/>
-                </a:solidFill>
-              </a:rPr>
-              <a:t>prism.drug.means</a:t>
-            </a:r>
-            <a:r>
-              <a:rPr lang="de-DE" sz="1400" i="1" dirty="0">
-                <a:solidFill>
-                  <a:srgbClr val="C00000"/>
-                </a:solidFill>
-              </a:rPr>
-              <a:t>? </a:t>
-            </a:r>
-            <a:r>
-              <a:rPr lang="de-DE" sz="1400" i="1" dirty="0">
-                <a:solidFill>
-                  <a:srgbClr val="C00000"/>
-                </a:solidFill>
-                <a:sym typeface="Wingdings" panose="05000000000000000000" pitchFamily="2" charset="2"/>
-              </a:rPr>
-              <a:t></a:t>
-            </a:r>
-            <a:endParaRPr lang="de-DE" sz="1400" i="1" dirty="0">
-              <a:solidFill>
-                <a:srgbClr val="C00000"/>
-              </a:solidFill>
-            </a:endParaRPr>
-          </a:p>
-          <a:p>
-            <a:pPr lvl="2">
-              <a:lnSpc>
-                <a:spcPct val="100000"/>
-              </a:lnSpc>
-              <a:spcBef>
-                <a:spcPts val="200"/>
-              </a:spcBef>
-              <a:buFont typeface="Wingdings 3" panose="05040102010807070707" pitchFamily="18" charset="2"/>
-              <a:buChar char=""/>
-            </a:pPr>
-            <a:r>
-              <a:rPr lang="de-DE" sz="1400" i="1" kern="100" dirty="0">
-                <a:solidFill>
-                  <a:srgbClr val="C00000"/>
-                </a:solidFill>
-                <a:effectLst/>
-                <a:ea typeface="Arial" panose="020B0604020202020204" pitchFamily="34" charset="0"/>
-                <a:cs typeface="Arial" panose="020B0604020202020204" pitchFamily="34" charset="0"/>
-              </a:rPr>
-              <a:t>Yes </a:t>
-            </a:r>
-            <a:r>
-              <a:rPr lang="de-DE" sz="1400" i="1" kern="100" dirty="0" err="1">
-                <a:solidFill>
-                  <a:srgbClr val="C00000"/>
-                </a:solidFill>
-                <a:effectLst/>
-                <a:ea typeface="Arial" panose="020B0604020202020204" pitchFamily="34" charset="0"/>
-                <a:cs typeface="Arial" panose="020B0604020202020204" pitchFamily="34" charset="0"/>
-              </a:rPr>
-              <a:t>it</a:t>
-            </a:r>
-            <a:r>
-              <a:rPr lang="de-DE" sz="1400" i="1" kern="100" dirty="0">
-                <a:solidFill>
-                  <a:srgbClr val="C00000"/>
-                </a:solidFill>
-                <a:effectLst/>
-                <a:ea typeface="Arial" panose="020B0604020202020204" pitchFamily="34" charset="0"/>
-                <a:cs typeface="Arial" panose="020B0604020202020204" pitchFamily="34" charset="0"/>
-              </a:rPr>
-              <a:t> </a:t>
-            </a:r>
-            <a:r>
-              <a:rPr lang="de-DE" sz="1400" i="1" kern="100" dirty="0" err="1">
-                <a:solidFill>
-                  <a:srgbClr val="C00000"/>
-                </a:solidFill>
-                <a:effectLst/>
-                <a:ea typeface="Arial" panose="020B0604020202020204" pitchFamily="34" charset="0"/>
-                <a:cs typeface="Arial" panose="020B0604020202020204" pitchFamily="34" charset="0"/>
-              </a:rPr>
-              <a:t>is</a:t>
-            </a:r>
-            <a:endParaRPr lang="de-DE" sz="1400" kern="100" dirty="0">
-              <a:solidFill>
-                <a:srgbClr val="C00000"/>
-              </a:solidFill>
-              <a:effectLst/>
-              <a:ea typeface="Arial" panose="020B0604020202020204" pitchFamily="34" charset="0"/>
-              <a:cs typeface="Arial" panose="020B0604020202020204" pitchFamily="34" charset="0"/>
-            </a:endParaRPr>
-          </a:p>
-          <a:p>
-            <a:pPr lvl="1">
-              <a:lnSpc>
-                <a:spcPct val="100000"/>
-              </a:lnSpc>
-              <a:spcBef>
-                <a:spcPts val="200"/>
-              </a:spcBef>
-            </a:pPr>
-            <a:r>
-              <a:rPr lang="de-DE" sz="1400" kern="100" dirty="0" err="1">
-                <a:solidFill>
-                  <a:srgbClr val="1F2328"/>
-                </a:solidFill>
-                <a:effectLst/>
-                <a:ea typeface="Arial" panose="020B0604020202020204" pitchFamily="34" charset="0"/>
-                <a:cs typeface="Arial" panose="020B0604020202020204" pitchFamily="34" charset="0"/>
-              </a:rPr>
-              <a:t>Removing</a:t>
-            </a:r>
-            <a:r>
-              <a:rPr lang="de-DE" sz="1400" kern="100" dirty="0">
-                <a:solidFill>
-                  <a:srgbClr val="1F2328"/>
-                </a:solidFill>
-                <a:effectLst/>
-                <a:ea typeface="Arial" panose="020B0604020202020204" pitchFamily="34" charset="0"/>
-                <a:cs typeface="Arial" panose="020B0604020202020204" pitchFamily="34" charset="0"/>
-              </a:rPr>
-              <a:t> </a:t>
-            </a:r>
-            <a:r>
-              <a:rPr lang="de-DE" sz="1400" kern="100" dirty="0" err="1">
-                <a:solidFill>
-                  <a:srgbClr val="1F2328"/>
-                </a:solidFill>
-                <a:effectLst/>
-                <a:ea typeface="Arial" panose="020B0604020202020204" pitchFamily="34" charset="0"/>
-                <a:cs typeface="Arial" panose="020B0604020202020204" pitchFamily="34" charset="0"/>
-              </a:rPr>
-              <a:t>low</a:t>
-            </a:r>
-            <a:r>
-              <a:rPr lang="de-DE" sz="1400" kern="100" dirty="0">
-                <a:solidFill>
-                  <a:srgbClr val="1F2328"/>
-                </a:solidFill>
-                <a:effectLst/>
-                <a:ea typeface="Arial" panose="020B0604020202020204" pitchFamily="34" charset="0"/>
-                <a:cs typeface="Arial" panose="020B0604020202020204" pitchFamily="34" charset="0"/>
-              </a:rPr>
-              <a:t> </a:t>
-            </a:r>
-            <a:r>
-              <a:rPr lang="de-DE" sz="1400" kern="100" dirty="0" err="1">
-                <a:solidFill>
-                  <a:srgbClr val="1F2328"/>
-                </a:solidFill>
-                <a:effectLst/>
-                <a:ea typeface="Arial" panose="020B0604020202020204" pitchFamily="34" charset="0"/>
-                <a:cs typeface="Arial" panose="020B0604020202020204" pitchFamily="34" charset="0"/>
-              </a:rPr>
-              <a:t>variance</a:t>
-            </a:r>
-            <a:r>
-              <a:rPr lang="de-DE" sz="1400" kern="100" dirty="0">
-                <a:solidFill>
-                  <a:srgbClr val="1F2328"/>
-                </a:solidFill>
-                <a:effectLst/>
-                <a:ea typeface="Arial" panose="020B0604020202020204" pitchFamily="34" charset="0"/>
-                <a:cs typeface="Arial" panose="020B0604020202020204" pitchFamily="34" charset="0"/>
-              </a:rPr>
-              <a:t> </a:t>
-            </a:r>
-            <a:r>
-              <a:rPr lang="de-DE" sz="1400" kern="100" dirty="0" err="1">
-                <a:solidFill>
-                  <a:srgbClr val="1F2328"/>
-                </a:solidFill>
-                <a:effectLst/>
-                <a:ea typeface="Arial" panose="020B0604020202020204" pitchFamily="34" charset="0"/>
-                <a:cs typeface="Arial" panose="020B0604020202020204" pitchFamily="34" charset="0"/>
-              </a:rPr>
-              <a:t>columns</a:t>
-            </a:r>
-            <a:r>
-              <a:rPr lang="de-DE" sz="1400" kern="100" dirty="0">
-                <a:solidFill>
-                  <a:srgbClr val="1F2328"/>
-                </a:solidFill>
-                <a:effectLst/>
-                <a:ea typeface="Arial" panose="020B0604020202020204" pitchFamily="34" charset="0"/>
-                <a:cs typeface="Arial" panose="020B0604020202020204" pitchFamily="34" charset="0"/>
-              </a:rPr>
-              <a:t>/</a:t>
-            </a:r>
-            <a:r>
-              <a:rPr lang="de-DE" sz="1400" kern="100" dirty="0" err="1">
-                <a:solidFill>
-                  <a:srgbClr val="1F2328"/>
-                </a:solidFill>
-                <a:effectLst/>
-                <a:ea typeface="Arial" panose="020B0604020202020204" pitchFamily="34" charset="0"/>
-                <a:cs typeface="Arial" panose="020B0604020202020204" pitchFamily="34" charset="0"/>
-              </a:rPr>
-              <a:t>rows</a:t>
-            </a:r>
-            <a:endParaRPr lang="de-DE" sz="1400" kern="100" dirty="0">
-              <a:solidFill>
-                <a:srgbClr val="1F2328"/>
-              </a:solidFill>
-              <a:effectLst/>
-              <a:ea typeface="Arial" panose="020B0604020202020204" pitchFamily="34" charset="0"/>
-              <a:cs typeface="Arial" panose="020B0604020202020204" pitchFamily="34" charset="0"/>
-            </a:endParaRPr>
-          </a:p>
-          <a:p>
-            <a:pPr lvl="1">
-              <a:lnSpc>
-                <a:spcPct val="100000"/>
-              </a:lnSpc>
-              <a:spcBef>
-                <a:spcPts val="200"/>
-              </a:spcBef>
-            </a:pPr>
-            <a:r>
-              <a:rPr lang="en-US" sz="1400" kern="100" dirty="0">
-                <a:solidFill>
-                  <a:srgbClr val="1F2328"/>
-                </a:solidFill>
-                <a:effectLst/>
-                <a:ea typeface="Arial" panose="020B0604020202020204" pitchFamily="34" charset="0"/>
-                <a:cs typeface="Arial" panose="020B0604020202020204" pitchFamily="34" charset="0"/>
-              </a:rPr>
-              <a:t>Re-ordering rows/columns in meaningful and useful ways </a:t>
-            </a:r>
-            <a:r>
-              <a:rPr lang="en-US" sz="1400" kern="100" dirty="0">
-                <a:solidFill>
-                  <a:srgbClr val="1F2328"/>
-                </a:solidFill>
-                <a:effectLst/>
-                <a:ea typeface="Arial" panose="020B0604020202020204" pitchFamily="34" charset="0"/>
-                <a:cs typeface="Arial" panose="020B0604020202020204" pitchFamily="34" charset="0"/>
-                <a:sym typeface="Wingdings" panose="05000000000000000000" pitchFamily="2" charset="2"/>
-              </a:rPr>
-              <a:t></a:t>
-            </a:r>
-            <a:endParaRPr lang="de-DE" sz="1400" b="1" kern="100" dirty="0">
-              <a:solidFill>
-                <a:srgbClr val="294E1C"/>
-              </a:solidFill>
-              <a:effectLst/>
-              <a:ea typeface="Times New Roman" panose="02020603050405020304" pitchFamily="18" charset="0"/>
-              <a:cs typeface="Arial" panose="020B0604020202020204" pitchFamily="34" charset="0"/>
-            </a:endParaRPr>
-          </a:p>
-          <a:p>
-            <a:pPr marL="0" indent="0">
-              <a:lnSpc>
-                <a:spcPct val="100000"/>
-              </a:lnSpc>
-              <a:spcBef>
-                <a:spcPts val="200"/>
-              </a:spcBef>
-              <a:buNone/>
-            </a:pPr>
-            <a:endParaRPr lang="de-DE" sz="1400" b="1" kern="100" dirty="0">
-              <a:solidFill>
-                <a:srgbClr val="294E1C"/>
-              </a:solidFill>
-              <a:ea typeface="Times New Roman" panose="02020603050405020304" pitchFamily="18" charset="0"/>
-              <a:cs typeface="Arial" panose="020B0604020202020204" pitchFamily="34" charset="0"/>
-            </a:endParaRPr>
-          </a:p>
-          <a:p>
-            <a:pPr marL="342900" indent="-342900">
-              <a:lnSpc>
-                <a:spcPct val="100000"/>
-              </a:lnSpc>
-              <a:spcBef>
-                <a:spcPts val="200"/>
-              </a:spcBef>
-              <a:buFont typeface="+mj-lt"/>
-              <a:buAutoNum type="arabicPeriod" startAt="2"/>
-            </a:pPr>
-            <a:r>
-              <a:rPr lang="de-DE" sz="1400" b="1" kern="100" dirty="0">
-                <a:solidFill>
-                  <a:srgbClr val="294E1C"/>
-                </a:solidFill>
-                <a:ea typeface="Times New Roman" panose="02020603050405020304" pitchFamily="18" charset="0"/>
-                <a:cs typeface="Arial" panose="020B0604020202020204" pitchFamily="34" charset="0"/>
-              </a:rPr>
-              <a:t>Data </a:t>
-            </a:r>
-            <a:r>
-              <a:rPr lang="de-DE" sz="1400" b="1" kern="100" dirty="0" err="1">
-                <a:solidFill>
-                  <a:srgbClr val="294E1C"/>
-                </a:solidFill>
-                <a:ea typeface="Times New Roman" panose="02020603050405020304" pitchFamily="18" charset="0"/>
-                <a:cs typeface="Arial" panose="020B0604020202020204" pitchFamily="34" charset="0"/>
-              </a:rPr>
-              <a:t>exploration</a:t>
-            </a:r>
-            <a:endParaRPr lang="de-DE" sz="1400" b="1" kern="100" dirty="0">
-              <a:solidFill>
-                <a:srgbClr val="294E1C"/>
-              </a:solidFill>
-              <a:ea typeface="Times New Roman" panose="02020603050405020304" pitchFamily="18" charset="0"/>
-              <a:cs typeface="Arial" panose="020B0604020202020204" pitchFamily="34" charset="0"/>
-            </a:endParaRPr>
-          </a:p>
-          <a:p>
-            <a:pPr lvl="1">
-              <a:lnSpc>
-                <a:spcPct val="100000"/>
-              </a:lnSpc>
-              <a:spcBef>
-                <a:spcPts val="200"/>
-              </a:spcBef>
-            </a:pPr>
-            <a:r>
-              <a:rPr lang="de-DE" sz="1400" dirty="0" err="1">
-                <a:solidFill>
-                  <a:srgbClr val="1F2328"/>
-                </a:solidFill>
-                <a:effectLst/>
-                <a:ea typeface="Times New Roman" panose="02020603050405020304" pitchFamily="18" charset="0"/>
-                <a:cs typeface="Arial" panose="020B0604020202020204" pitchFamily="34" charset="0"/>
-              </a:rPr>
-              <a:t>basic</a:t>
-            </a:r>
-            <a:r>
-              <a:rPr lang="de-DE" sz="1400" dirty="0">
-                <a:solidFill>
-                  <a:srgbClr val="1F2328"/>
-                </a:solidFill>
-                <a:effectLst/>
-                <a:ea typeface="Times New Roman" panose="02020603050405020304" pitchFamily="18" charset="0"/>
-                <a:cs typeface="Arial" panose="020B0604020202020204" pitchFamily="34" charset="0"/>
-              </a:rPr>
-              <a:t> </a:t>
-            </a:r>
-            <a:r>
-              <a:rPr lang="de-DE" sz="1400" dirty="0" err="1">
-                <a:solidFill>
-                  <a:srgbClr val="1F2328"/>
-                </a:solidFill>
-                <a:effectLst/>
-                <a:ea typeface="Times New Roman" panose="02020603050405020304" pitchFamily="18" charset="0"/>
-                <a:cs typeface="Arial" panose="020B0604020202020204" pitchFamily="34" charset="0"/>
-              </a:rPr>
-              <a:t>exploratory</a:t>
-            </a:r>
-            <a:r>
-              <a:rPr lang="de-DE" sz="1400" dirty="0">
-                <a:solidFill>
-                  <a:srgbClr val="1F2328"/>
-                </a:solidFill>
-                <a:effectLst/>
-                <a:ea typeface="Times New Roman" panose="02020603050405020304" pitchFamily="18" charset="0"/>
-                <a:cs typeface="Arial" panose="020B0604020202020204" pitchFamily="34" charset="0"/>
-              </a:rPr>
-              <a:t> </a:t>
-            </a:r>
-            <a:r>
-              <a:rPr lang="de-DE" sz="1400" dirty="0" err="1">
-                <a:solidFill>
-                  <a:srgbClr val="1F2328"/>
-                </a:solidFill>
-                <a:effectLst/>
-                <a:ea typeface="Times New Roman" panose="02020603050405020304" pitchFamily="18" charset="0"/>
-                <a:cs typeface="Arial" panose="020B0604020202020204" pitchFamily="34" charset="0"/>
-              </a:rPr>
-              <a:t>data</a:t>
-            </a:r>
-            <a:r>
-              <a:rPr lang="de-DE" sz="1400" dirty="0">
-                <a:solidFill>
-                  <a:srgbClr val="1F2328"/>
-                </a:solidFill>
-                <a:effectLst/>
-                <a:ea typeface="Times New Roman" panose="02020603050405020304" pitchFamily="18" charset="0"/>
-                <a:cs typeface="Arial" panose="020B0604020202020204" pitchFamily="34" charset="0"/>
-              </a:rPr>
-              <a:t> </a:t>
-            </a:r>
-            <a:r>
-              <a:rPr lang="de-DE" sz="1400" dirty="0" err="1">
-                <a:solidFill>
-                  <a:srgbClr val="1F2328"/>
-                </a:solidFill>
-                <a:effectLst/>
-                <a:ea typeface="Times New Roman" panose="02020603050405020304" pitchFamily="18" charset="0"/>
-                <a:cs typeface="Arial" panose="020B0604020202020204" pitchFamily="34" charset="0"/>
-              </a:rPr>
-              <a:t>analysis</a:t>
-            </a:r>
-            <a:r>
-              <a:rPr lang="de-DE" sz="1400" dirty="0">
-                <a:solidFill>
-                  <a:srgbClr val="1F2328"/>
-                </a:solidFill>
-                <a:effectLst/>
-                <a:ea typeface="Times New Roman" panose="02020603050405020304" pitchFamily="18" charset="0"/>
-                <a:cs typeface="Arial" panose="020B0604020202020204" pitchFamily="34" charset="0"/>
-              </a:rPr>
-              <a:t> (</a:t>
-            </a:r>
-            <a:r>
-              <a:rPr lang="en-US" sz="1400" kern="100" dirty="0">
-                <a:solidFill>
-                  <a:srgbClr val="1F2328"/>
-                </a:solidFill>
-                <a:effectLst/>
-                <a:ea typeface="Arial" panose="020B0604020202020204" pitchFamily="34" charset="0"/>
-                <a:cs typeface="Arial" panose="020B0604020202020204" pitchFamily="34" charset="0"/>
-              </a:rPr>
-              <a:t>distribution of the overall data, specific samples or features) </a:t>
-            </a:r>
-            <a:r>
-              <a:rPr lang="en-US" sz="1400" kern="100" dirty="0">
-                <a:solidFill>
-                  <a:srgbClr val="1F2328"/>
-                </a:solidFill>
-                <a:effectLst/>
-                <a:ea typeface="Arial" panose="020B0604020202020204" pitchFamily="34" charset="0"/>
-                <a:cs typeface="Arial" panose="020B0604020202020204" pitchFamily="34" charset="0"/>
-                <a:sym typeface="Wingdings" panose="05000000000000000000" pitchFamily="2" charset="2"/>
-              </a:rPr>
-              <a:t></a:t>
-            </a:r>
-            <a:endParaRPr lang="de-DE" sz="1400" kern="100" dirty="0">
-              <a:solidFill>
-                <a:srgbClr val="1F2328"/>
-              </a:solidFill>
-              <a:ea typeface="Arial" panose="020B0604020202020204" pitchFamily="34" charset="0"/>
-              <a:cs typeface="Arial" panose="020B0604020202020204" pitchFamily="34" charset="0"/>
-            </a:endParaRPr>
-          </a:p>
-          <a:p>
-            <a:pPr lvl="1">
-              <a:lnSpc>
-                <a:spcPct val="100000"/>
-              </a:lnSpc>
-              <a:spcBef>
-                <a:spcPts val="200"/>
-              </a:spcBef>
-            </a:pPr>
-            <a:r>
-              <a:rPr lang="de-DE" sz="1400" kern="100" dirty="0" err="1">
-                <a:solidFill>
-                  <a:srgbClr val="1F2328"/>
-                </a:solidFill>
-                <a:effectLst/>
-                <a:ea typeface="Arial" panose="020B0604020202020204" pitchFamily="34" charset="0"/>
-                <a:cs typeface="Arial" panose="020B0604020202020204" pitchFamily="34" charset="0"/>
-              </a:rPr>
-              <a:t>Visualize</a:t>
-            </a:r>
-            <a:r>
-              <a:rPr lang="de-DE" sz="1400" kern="100" dirty="0">
-                <a:solidFill>
-                  <a:srgbClr val="1F2328"/>
-                </a:solidFill>
-                <a:effectLst/>
-                <a:ea typeface="Arial" panose="020B0604020202020204" pitchFamily="34" charset="0"/>
-                <a:cs typeface="Arial" panose="020B0604020202020204" pitchFamily="34" charset="0"/>
-              </a:rPr>
-              <a:t> </a:t>
-            </a:r>
-            <a:r>
-              <a:rPr lang="de-DE" sz="1400" kern="100" dirty="0" err="1">
-                <a:solidFill>
-                  <a:srgbClr val="1F2328"/>
-                </a:solidFill>
-                <a:effectLst/>
-                <a:ea typeface="Arial" panose="020B0604020202020204" pitchFamily="34" charset="0"/>
-                <a:cs typeface="Arial" panose="020B0604020202020204" pitchFamily="34" charset="0"/>
-              </a:rPr>
-              <a:t>the</a:t>
-            </a:r>
-            <a:r>
-              <a:rPr lang="de-DE" sz="1400" kern="100" dirty="0">
-                <a:solidFill>
-                  <a:srgbClr val="1F2328"/>
-                </a:solidFill>
-                <a:effectLst/>
-                <a:ea typeface="Arial" panose="020B0604020202020204" pitchFamily="34" charset="0"/>
-                <a:cs typeface="Arial" panose="020B0604020202020204" pitchFamily="34" charset="0"/>
-              </a:rPr>
-              <a:t> </a:t>
-            </a:r>
-            <a:r>
-              <a:rPr lang="de-DE" sz="1400" kern="100" dirty="0" err="1">
-                <a:solidFill>
-                  <a:srgbClr val="1F2328"/>
-                </a:solidFill>
-                <a:effectLst/>
-                <a:ea typeface="Arial" panose="020B0604020202020204" pitchFamily="34" charset="0"/>
-                <a:cs typeface="Arial" panose="020B0604020202020204" pitchFamily="34" charset="0"/>
-              </a:rPr>
-              <a:t>data</a:t>
-            </a:r>
-            <a:r>
-              <a:rPr lang="de-DE" sz="1400" kern="100" dirty="0">
-                <a:solidFill>
-                  <a:srgbClr val="1F2328"/>
-                </a:solidFill>
-                <a:effectLst/>
-                <a:ea typeface="Arial" panose="020B0604020202020204" pitchFamily="34" charset="0"/>
-                <a:cs typeface="Arial" panose="020B0604020202020204" pitchFamily="34" charset="0"/>
-              </a:rPr>
-              <a:t> </a:t>
-            </a:r>
-            <a:r>
-              <a:rPr lang="de-DE" sz="1400" kern="100" dirty="0" err="1">
-                <a:solidFill>
-                  <a:srgbClr val="1F2328"/>
-                </a:solidFill>
-                <a:effectLst/>
-                <a:ea typeface="Arial" panose="020B0604020202020204" pitchFamily="34" charset="0"/>
-                <a:cs typeface="Arial" panose="020B0604020202020204" pitchFamily="34" charset="0"/>
-              </a:rPr>
-              <a:t>distribution</a:t>
-            </a:r>
-            <a:r>
-              <a:rPr lang="de-DE" sz="1400" kern="100" dirty="0">
-                <a:solidFill>
-                  <a:srgbClr val="1F2328"/>
-                </a:solidFill>
-                <a:effectLst/>
-                <a:ea typeface="Arial" panose="020B0604020202020204" pitchFamily="34" charset="0"/>
-                <a:cs typeface="Arial" panose="020B0604020202020204" pitchFamily="34" charset="0"/>
-              </a:rPr>
-              <a:t> </a:t>
-            </a:r>
-            <a:r>
-              <a:rPr lang="en-US" sz="1400" kern="100" dirty="0">
-                <a:solidFill>
-                  <a:srgbClr val="1F2328"/>
-                </a:solidFill>
-                <a:effectLst/>
-                <a:ea typeface="Arial" panose="020B0604020202020204" pitchFamily="34" charset="0"/>
-                <a:cs typeface="Arial" panose="020B0604020202020204" pitchFamily="34" charset="0"/>
-                <a:sym typeface="Wingdings" panose="05000000000000000000" pitchFamily="2" charset="2"/>
-              </a:rPr>
-              <a:t></a:t>
-            </a:r>
-            <a:endParaRPr lang="de-DE" sz="1400" kern="100" dirty="0">
-              <a:solidFill>
-                <a:srgbClr val="1F2328"/>
-              </a:solidFill>
-              <a:ea typeface="Arial" panose="020B0604020202020204" pitchFamily="34" charset="0"/>
-              <a:cs typeface="Arial" panose="020B0604020202020204" pitchFamily="34" charset="0"/>
-            </a:endParaRPr>
-          </a:p>
-          <a:p>
-            <a:pPr lvl="1">
-              <a:lnSpc>
-                <a:spcPct val="100000"/>
-              </a:lnSpc>
-              <a:spcBef>
-                <a:spcPts val="200"/>
-              </a:spcBef>
-            </a:pPr>
-            <a:r>
-              <a:rPr lang="de-DE" sz="1400" i="1" dirty="0" err="1">
-                <a:solidFill>
-                  <a:srgbClr val="C00000"/>
-                </a:solidFill>
-              </a:rPr>
-              <a:t>Is</a:t>
-            </a:r>
-            <a:r>
-              <a:rPr lang="de-DE" sz="1400" i="1" dirty="0">
-                <a:solidFill>
-                  <a:srgbClr val="C00000"/>
-                </a:solidFill>
-              </a:rPr>
-              <a:t> </a:t>
-            </a:r>
-            <a:r>
-              <a:rPr lang="de-DE" sz="1400" i="1" dirty="0" err="1">
-                <a:solidFill>
-                  <a:srgbClr val="C00000"/>
-                </a:solidFill>
-              </a:rPr>
-              <a:t>there</a:t>
-            </a:r>
-            <a:r>
-              <a:rPr lang="de-DE" sz="1400" i="1" dirty="0">
-                <a:solidFill>
-                  <a:srgbClr val="C00000"/>
-                </a:solidFill>
-              </a:rPr>
-              <a:t> a </a:t>
-            </a:r>
-            <a:r>
-              <a:rPr lang="de-DE" sz="1400" i="1" dirty="0" err="1">
-                <a:solidFill>
-                  <a:srgbClr val="C00000"/>
-                </a:solidFill>
-              </a:rPr>
-              <a:t>mode</a:t>
-            </a:r>
-            <a:r>
-              <a:rPr lang="de-DE" sz="1400" i="1" dirty="0">
-                <a:solidFill>
-                  <a:srgbClr val="C00000"/>
-                </a:solidFill>
-              </a:rPr>
-              <a:t> </a:t>
-            </a:r>
-            <a:r>
-              <a:rPr lang="de-DE" sz="1400" i="1" dirty="0" err="1">
-                <a:solidFill>
-                  <a:srgbClr val="C00000"/>
-                </a:solidFill>
-              </a:rPr>
-              <a:t>of</a:t>
-            </a:r>
-            <a:r>
-              <a:rPr lang="de-DE" sz="1400" i="1" dirty="0">
-                <a:solidFill>
-                  <a:srgbClr val="C00000"/>
-                </a:solidFill>
-              </a:rPr>
-              <a:t> </a:t>
-            </a:r>
-            <a:r>
-              <a:rPr lang="de-DE" sz="1400" i="1" dirty="0" err="1">
-                <a:solidFill>
-                  <a:srgbClr val="C00000"/>
-                </a:solidFill>
-              </a:rPr>
-              <a:t>action</a:t>
-            </a:r>
-            <a:r>
-              <a:rPr lang="de-DE" sz="1400" i="1" dirty="0">
-                <a:solidFill>
-                  <a:srgbClr val="C00000"/>
-                </a:solidFill>
-              </a:rPr>
-              <a:t> </a:t>
-            </a:r>
-            <a:r>
-              <a:rPr lang="de-DE" sz="1400" i="1" dirty="0" err="1">
-                <a:solidFill>
-                  <a:srgbClr val="C00000"/>
-                </a:solidFill>
-              </a:rPr>
-              <a:t>which</a:t>
-            </a:r>
-            <a:r>
-              <a:rPr lang="de-DE" sz="1400" i="1" dirty="0">
-                <a:solidFill>
-                  <a:srgbClr val="C00000"/>
-                </a:solidFill>
-              </a:rPr>
-              <a:t> </a:t>
-            </a:r>
-            <a:r>
-              <a:rPr lang="de-DE" sz="1400" i="1" dirty="0" err="1">
-                <a:solidFill>
-                  <a:srgbClr val="C00000"/>
-                </a:solidFill>
-              </a:rPr>
-              <a:t>is</a:t>
-            </a:r>
-            <a:r>
-              <a:rPr lang="de-DE" sz="1400" i="1" dirty="0">
-                <a:solidFill>
-                  <a:srgbClr val="C00000"/>
-                </a:solidFill>
-              </a:rPr>
-              <a:t> </a:t>
-            </a:r>
-            <a:r>
-              <a:rPr lang="de-DE" sz="1400" i="1" dirty="0" err="1">
-                <a:solidFill>
-                  <a:srgbClr val="C00000"/>
-                </a:solidFill>
-              </a:rPr>
-              <a:t>more</a:t>
-            </a:r>
-            <a:r>
-              <a:rPr lang="de-DE" sz="1400" i="1" dirty="0">
-                <a:solidFill>
-                  <a:srgbClr val="C00000"/>
-                </a:solidFill>
-              </a:rPr>
-              <a:t> </a:t>
-            </a:r>
-            <a:r>
-              <a:rPr lang="de-DE" sz="1400" i="1" dirty="0" err="1">
-                <a:solidFill>
-                  <a:srgbClr val="C00000"/>
-                </a:solidFill>
-              </a:rPr>
-              <a:t>represented</a:t>
-            </a:r>
-            <a:r>
-              <a:rPr lang="de-DE" sz="1400" i="1" dirty="0">
-                <a:solidFill>
-                  <a:srgbClr val="C00000"/>
-                </a:solidFill>
-              </a:rPr>
-              <a:t>?</a:t>
-            </a:r>
-            <a:endParaRPr lang="de-DE" sz="1400" i="1" kern="100" dirty="0">
-              <a:solidFill>
-                <a:srgbClr val="C00000"/>
-              </a:solidFill>
-              <a:cs typeface="Arial" panose="020B0604020202020204" pitchFamily="34" charset="0"/>
-            </a:endParaRPr>
-          </a:p>
-          <a:p>
-            <a:pPr lvl="1">
-              <a:lnSpc>
-                <a:spcPct val="100000"/>
-              </a:lnSpc>
-              <a:spcBef>
-                <a:spcPts val="200"/>
-              </a:spcBef>
-            </a:pPr>
-            <a:r>
-              <a:rPr lang="en-US" sz="1400" kern="100" dirty="0">
-                <a:solidFill>
-                  <a:srgbClr val="1F2328"/>
-                </a:solidFill>
-                <a:effectLst/>
-                <a:ea typeface="Arial" panose="020B0604020202020204" pitchFamily="34" charset="0"/>
-                <a:cs typeface="Arial" panose="020B0604020202020204" pitchFamily="34" charset="0"/>
-              </a:rPr>
-              <a:t>Visualize the inter-dependencies among specific samples/features of interest</a:t>
-            </a:r>
-          </a:p>
-          <a:p>
-            <a:pPr lvl="1">
-              <a:lnSpc>
-                <a:spcPct val="100000"/>
-              </a:lnSpc>
-              <a:spcBef>
-                <a:spcPts val="200"/>
-              </a:spcBef>
-            </a:pPr>
-            <a:r>
-              <a:rPr lang="de-DE" sz="1400" i="1" dirty="0" err="1">
-                <a:solidFill>
-                  <a:srgbClr val="C00000"/>
-                </a:solidFill>
-              </a:rPr>
-              <a:t>Correlation</a:t>
-            </a:r>
-            <a:r>
-              <a:rPr lang="de-DE" sz="1400" i="1" dirty="0">
-                <a:solidFill>
-                  <a:srgbClr val="C00000"/>
-                </a:solidFill>
-              </a:rPr>
-              <a:t> </a:t>
-            </a:r>
-            <a:r>
-              <a:rPr lang="de-DE" sz="1400" i="1" dirty="0" err="1">
-                <a:solidFill>
-                  <a:srgbClr val="C00000"/>
-                </a:solidFill>
-              </a:rPr>
-              <a:t>between</a:t>
-            </a:r>
-            <a:r>
-              <a:rPr lang="de-DE" sz="1400" i="1" dirty="0">
-                <a:solidFill>
-                  <a:srgbClr val="C00000"/>
-                </a:solidFill>
-              </a:rPr>
-              <a:t> </a:t>
-            </a:r>
-            <a:r>
-              <a:rPr lang="de-DE" sz="1400" i="1" dirty="0" err="1">
-                <a:solidFill>
-                  <a:srgbClr val="C00000"/>
-                </a:solidFill>
-              </a:rPr>
-              <a:t>gene</a:t>
-            </a:r>
-            <a:r>
-              <a:rPr lang="de-DE" sz="1400" i="1" dirty="0">
-                <a:solidFill>
-                  <a:srgbClr val="C00000"/>
-                </a:solidFill>
-              </a:rPr>
-              <a:t> </a:t>
-            </a:r>
-            <a:r>
-              <a:rPr lang="de-DE" sz="1400" i="1" dirty="0" err="1">
-                <a:solidFill>
-                  <a:srgbClr val="C00000"/>
-                </a:solidFill>
-              </a:rPr>
-              <a:t>expression</a:t>
-            </a:r>
-            <a:r>
-              <a:rPr lang="de-DE" sz="1400" i="1" dirty="0">
-                <a:solidFill>
-                  <a:srgbClr val="C00000"/>
-                </a:solidFill>
-              </a:rPr>
-              <a:t> &amp; </a:t>
-            </a:r>
-            <a:r>
-              <a:rPr lang="de-DE" sz="1400" i="1" dirty="0" err="1">
-                <a:solidFill>
-                  <a:srgbClr val="C00000"/>
-                </a:solidFill>
-              </a:rPr>
-              <a:t>copy</a:t>
-            </a:r>
-            <a:r>
-              <a:rPr lang="de-DE" sz="1400" i="1" dirty="0">
-                <a:solidFill>
-                  <a:srgbClr val="C00000"/>
-                </a:solidFill>
-              </a:rPr>
-              <a:t> </a:t>
-            </a:r>
-            <a:r>
-              <a:rPr lang="de-DE" sz="1400" i="1" dirty="0" err="1">
-                <a:solidFill>
-                  <a:srgbClr val="C00000"/>
-                </a:solidFill>
-              </a:rPr>
-              <a:t>number</a:t>
-            </a:r>
-            <a:r>
-              <a:rPr lang="de-DE" sz="1400" i="1" dirty="0">
-                <a:solidFill>
-                  <a:srgbClr val="C00000"/>
-                </a:solidFill>
-              </a:rPr>
-              <a:t> &amp; </a:t>
-            </a:r>
-            <a:r>
-              <a:rPr lang="de-DE" sz="1400" i="1" dirty="0" err="1">
-                <a:solidFill>
-                  <a:srgbClr val="C00000"/>
-                </a:solidFill>
-              </a:rPr>
-              <a:t>treatment</a:t>
-            </a:r>
-            <a:r>
-              <a:rPr lang="de-DE" sz="1400" i="1" dirty="0">
-                <a:solidFill>
-                  <a:srgbClr val="C00000"/>
-                </a:solidFill>
-              </a:rPr>
-              <a:t> </a:t>
-            </a:r>
-            <a:r>
-              <a:rPr lang="de-DE" sz="1400" i="1" dirty="0" err="1">
-                <a:solidFill>
-                  <a:srgbClr val="C00000"/>
-                </a:solidFill>
-              </a:rPr>
-              <a:t>effect</a:t>
-            </a:r>
-            <a:endParaRPr lang="de-DE" sz="1400" i="1" kern="100" dirty="0">
-              <a:solidFill>
-                <a:srgbClr val="C00000"/>
-              </a:solidFill>
-              <a:cs typeface="Arial" panose="020B0604020202020204" pitchFamily="34" charset="0"/>
-            </a:endParaRPr>
-          </a:p>
-          <a:p>
-            <a:pPr lvl="1">
-              <a:lnSpc>
-                <a:spcPct val="100000"/>
-              </a:lnSpc>
-              <a:spcBef>
-                <a:spcPts val="200"/>
-              </a:spcBef>
-            </a:pPr>
-            <a:r>
-              <a:rPr lang="en-US" sz="1400" kern="100" dirty="0">
-                <a:solidFill>
-                  <a:srgbClr val="1F2328"/>
-                </a:solidFill>
-                <a:effectLst/>
-                <a:ea typeface="Arial" panose="020B0604020202020204" pitchFamily="34" charset="0"/>
-                <a:cs typeface="Arial" panose="020B0604020202020204" pitchFamily="34" charset="0"/>
-              </a:rPr>
-              <a:t>Check some of your hypothesis like - is something high/low between two conditions </a:t>
-            </a:r>
-            <a:r>
-              <a:rPr lang="en-US" sz="1400" kern="100" dirty="0" err="1">
-                <a:solidFill>
-                  <a:srgbClr val="1F2328"/>
-                </a:solidFill>
-                <a:effectLst/>
-                <a:ea typeface="Arial" panose="020B0604020202020204" pitchFamily="34" charset="0"/>
-                <a:cs typeface="Arial" panose="020B0604020202020204" pitchFamily="34" charset="0"/>
-              </a:rPr>
-              <a:t>etc</a:t>
-            </a:r>
-            <a:endParaRPr lang="en-US" sz="1400" kern="100" dirty="0">
-              <a:solidFill>
-                <a:srgbClr val="1F2328"/>
-              </a:solidFill>
-              <a:ea typeface="Arial" panose="020B0604020202020204" pitchFamily="34" charset="0"/>
-              <a:cs typeface="Arial" panose="020B0604020202020204" pitchFamily="34" charset="0"/>
-            </a:endParaRPr>
-          </a:p>
-          <a:p>
-            <a:pPr lvl="1">
-              <a:lnSpc>
-                <a:spcPct val="100000"/>
-              </a:lnSpc>
-              <a:spcBef>
-                <a:spcPts val="200"/>
-              </a:spcBef>
-            </a:pPr>
-            <a:r>
-              <a:rPr lang="de-DE" sz="1400" i="1" dirty="0" err="1">
-                <a:solidFill>
-                  <a:srgbClr val="C00000"/>
-                </a:solidFill>
-              </a:rPr>
-              <a:t>Identification</a:t>
-            </a:r>
-            <a:r>
-              <a:rPr lang="de-DE" sz="1400" i="1" dirty="0">
-                <a:solidFill>
-                  <a:srgbClr val="C00000"/>
-                </a:solidFill>
-              </a:rPr>
-              <a:t> </a:t>
-            </a:r>
-            <a:r>
-              <a:rPr lang="de-DE" sz="1400" i="1" dirty="0" err="1">
-                <a:solidFill>
-                  <a:srgbClr val="C00000"/>
-                </a:solidFill>
-              </a:rPr>
-              <a:t>of</a:t>
-            </a:r>
-            <a:r>
-              <a:rPr lang="de-DE" sz="1400" i="1" dirty="0">
-                <a:solidFill>
-                  <a:srgbClr val="C00000"/>
-                </a:solidFill>
-              </a:rPr>
-              <a:t> </a:t>
-            </a:r>
-            <a:r>
-              <a:rPr lang="de-DE" sz="1400" i="1" dirty="0" err="1">
-                <a:solidFill>
-                  <a:srgbClr val="C00000"/>
-                </a:solidFill>
-              </a:rPr>
-              <a:t>thresholds</a:t>
-            </a:r>
-            <a:r>
-              <a:rPr lang="de-DE" sz="1400" i="1" dirty="0">
-                <a:solidFill>
-                  <a:srgbClr val="C00000"/>
-                </a:solidFill>
-              </a:rPr>
-              <a:t> </a:t>
-            </a:r>
-          </a:p>
-          <a:p>
-            <a:pPr lvl="1">
-              <a:lnSpc>
-                <a:spcPct val="100000"/>
-              </a:lnSpc>
-              <a:spcBef>
-                <a:spcPts val="200"/>
-              </a:spcBef>
-            </a:pPr>
-            <a:r>
-              <a:rPr lang="en-US" sz="1400" i="1" kern="100" dirty="0">
-                <a:solidFill>
-                  <a:srgbClr val="C00000"/>
-                </a:solidFill>
-                <a:effectLst/>
-                <a:ea typeface="Arial" panose="020B0604020202020204" pitchFamily="34" charset="0"/>
-                <a:cs typeface="Arial" panose="020B0604020202020204" pitchFamily="34" charset="0"/>
-              </a:rPr>
-              <a:t>Identification of housekeeping /tumor </a:t>
-            </a:r>
-            <a:r>
-              <a:rPr lang="en-US" sz="1400" i="1" kern="100" dirty="0" err="1">
-                <a:solidFill>
-                  <a:srgbClr val="C00000"/>
-                </a:solidFill>
-                <a:effectLst/>
-                <a:ea typeface="Arial" panose="020B0604020202020204" pitchFamily="34" charset="0"/>
-                <a:cs typeface="Arial" panose="020B0604020202020204" pitchFamily="34" charset="0"/>
-              </a:rPr>
-              <a:t>supressor</a:t>
-            </a:r>
-            <a:r>
-              <a:rPr lang="en-US" sz="1400" i="1" kern="100" dirty="0">
-                <a:solidFill>
-                  <a:srgbClr val="C00000"/>
-                </a:solidFill>
-                <a:effectLst/>
-                <a:ea typeface="Arial" panose="020B0604020202020204" pitchFamily="34" charset="0"/>
-                <a:cs typeface="Arial" panose="020B0604020202020204" pitchFamily="34" charset="0"/>
-              </a:rPr>
-              <a:t> genes</a:t>
-            </a:r>
-          </a:p>
-          <a:p>
-            <a:pPr lvl="1">
-              <a:lnSpc>
-                <a:spcPct val="100000"/>
-              </a:lnSpc>
-              <a:spcBef>
-                <a:spcPts val="200"/>
-              </a:spcBef>
-            </a:pPr>
-            <a:endParaRPr lang="en-US" sz="1400" kern="100" dirty="0">
-              <a:solidFill>
-                <a:srgbClr val="1F2328"/>
-              </a:solidFill>
-              <a:effectLst/>
-              <a:ea typeface="Arial" panose="020B0604020202020204" pitchFamily="34" charset="0"/>
-              <a:cs typeface="Arial" panose="020B0604020202020204" pitchFamily="34" charset="0"/>
-            </a:endParaRPr>
-          </a:p>
-          <a:p>
-            <a:pPr marL="0" lvl="0" indent="0">
-              <a:lnSpc>
-                <a:spcPct val="100000"/>
-              </a:lnSpc>
-              <a:spcBef>
-                <a:spcPts val="300"/>
-              </a:spcBef>
-              <a:spcAft>
-                <a:spcPts val="800"/>
-              </a:spcAft>
-              <a:buSzPts val="1000"/>
-              <a:buNone/>
-              <a:tabLst>
-                <a:tab pos="457200" algn="l"/>
-              </a:tabLst>
-            </a:pPr>
-            <a:endParaRPr lang="de-DE" sz="1100" dirty="0">
-              <a:effectLst/>
-              <a:ea typeface="Times New Roman" panose="02020603050405020304" pitchFamily="18" charset="0"/>
-              <a:cs typeface="Arial" panose="020B0604020202020204" pitchFamily="34" charset="0"/>
-            </a:endParaRPr>
-          </a:p>
-        </p:txBody>
-      </p:sp>
-      <p:sp>
-        <p:nvSpPr>
-          <p:cNvPr id="4" name="Foliennummernplatzhalter 3">
-            <a:extLst>
-              <a:ext uri="{FF2B5EF4-FFF2-40B4-BE49-F238E27FC236}">
-                <a16:creationId xmlns:a16="http://schemas.microsoft.com/office/drawing/2014/main" id="{32FB03C4-85BF-0839-D2CD-ABD61F11E750}"/>
-              </a:ext>
-            </a:extLst>
-          </p:cNvPr>
-          <p:cNvSpPr>
-            <a:spLocks noGrp="1"/>
-          </p:cNvSpPr>
-          <p:nvPr>
-            <p:ph type="sldNum" sz="quarter" idx="12"/>
-          </p:nvPr>
-        </p:nvSpPr>
-        <p:spPr/>
-        <p:txBody>
-          <a:bodyPr/>
-          <a:lstStyle/>
-          <a:p>
-            <a:fld id="{0D3027C9-B0A7-44EF-8D79-5CE31909392B}" type="slidenum">
-              <a:rPr lang="de-DE" smtClean="0"/>
-              <a:t>11</a:t>
-            </a:fld>
-            <a:endParaRPr lang="de-DE"/>
-          </a:p>
-        </p:txBody>
-      </p:sp>
-    </p:spTree>
-    <p:extLst>
-      <p:ext uri="{BB962C8B-B14F-4D97-AF65-F5344CB8AC3E}">
-        <p14:creationId xmlns:p14="http://schemas.microsoft.com/office/powerpoint/2010/main" val="3106917998"/>
       </p:ext>
     </p:extLst>
   </p:cSld>
@@ -7889,6 +8693,1570 @@
           <a:lstStyle/>
           <a:p>
             <a:r>
+              <a:rPr lang="de-DE" dirty="0" err="1"/>
+              <a:t>Steps</a:t>
+            </a:r>
+            <a:r>
+              <a:rPr lang="de-DE" dirty="0"/>
+              <a:t> and </a:t>
+            </a:r>
+            <a:r>
+              <a:rPr lang="de-DE" dirty="0" err="1"/>
+              <a:t>to-do‘s</a:t>
+            </a:r>
+            <a:r>
+              <a:rPr lang="de-DE" dirty="0"/>
+              <a:t> </a:t>
+            </a:r>
+          </a:p>
+        </p:txBody>
+      </p:sp>
+      <p:sp>
+        <p:nvSpPr>
+          <p:cNvPr id="3" name="Inhaltsplatzhalter 2">
+            <a:extLst>
+              <a:ext uri="{FF2B5EF4-FFF2-40B4-BE49-F238E27FC236}">
+                <a16:creationId xmlns:a16="http://schemas.microsoft.com/office/drawing/2014/main" id="{4A6F4B08-1CFC-D72D-9BC9-79D8B61CBDC3}"/>
+              </a:ext>
+            </a:extLst>
+          </p:cNvPr>
+          <p:cNvSpPr>
+            <a:spLocks noGrp="1"/>
+          </p:cNvSpPr>
+          <p:nvPr>
+            <p:ph idx="1"/>
+          </p:nvPr>
+        </p:nvSpPr>
+        <p:spPr/>
+        <p:txBody>
+          <a:bodyPr>
+            <a:noAutofit/>
+          </a:bodyPr>
+          <a:lstStyle/>
+          <a:p>
+            <a:pPr>
+              <a:lnSpc>
+                <a:spcPct val="100000"/>
+              </a:lnSpc>
+              <a:spcBef>
+                <a:spcPts val="200"/>
+              </a:spcBef>
+              <a:buFont typeface="+mj-lt"/>
+              <a:buAutoNum type="arabicPeriod"/>
+            </a:pPr>
+            <a:r>
+              <a:rPr lang="de-DE" sz="1400" b="1" kern="100" dirty="0">
+                <a:solidFill>
+                  <a:srgbClr val="294E1C"/>
+                </a:solidFill>
+                <a:effectLst/>
+                <a:ea typeface="Times New Roman" panose="02020603050405020304" pitchFamily="18" charset="0"/>
+                <a:cs typeface="Arial" panose="020B0604020202020204" pitchFamily="34" charset="0"/>
+              </a:rPr>
+              <a:t>Data </a:t>
+            </a:r>
+            <a:r>
+              <a:rPr lang="de-DE" sz="1400" b="1" kern="100" dirty="0" err="1">
+                <a:solidFill>
+                  <a:srgbClr val="294E1C"/>
+                </a:solidFill>
+                <a:effectLst/>
+                <a:ea typeface="Times New Roman" panose="02020603050405020304" pitchFamily="18" charset="0"/>
+                <a:cs typeface="Arial" panose="020B0604020202020204" pitchFamily="34" charset="0"/>
+              </a:rPr>
+              <a:t>cleanup</a:t>
+            </a:r>
+            <a:endParaRPr lang="de-DE" sz="1400" b="1" kern="100" dirty="0">
+              <a:solidFill>
+                <a:srgbClr val="294E1C"/>
+              </a:solidFill>
+              <a:effectLst/>
+              <a:ea typeface="Times New Roman" panose="02020603050405020304" pitchFamily="18" charset="0"/>
+              <a:cs typeface="Arial" panose="020B0604020202020204" pitchFamily="34" charset="0"/>
+            </a:endParaRPr>
+          </a:p>
+          <a:p>
+            <a:pPr lvl="1">
+              <a:lnSpc>
+                <a:spcPct val="100000"/>
+              </a:lnSpc>
+              <a:spcBef>
+                <a:spcPts val="200"/>
+              </a:spcBef>
+            </a:pPr>
+            <a:r>
+              <a:rPr lang="de-DE" sz="1400" kern="100" dirty="0" err="1">
+                <a:solidFill>
+                  <a:srgbClr val="1F2328"/>
+                </a:solidFill>
+                <a:effectLst/>
+                <a:ea typeface="Arial" panose="020B0604020202020204" pitchFamily="34" charset="0"/>
+                <a:cs typeface="Arial" panose="020B0604020202020204" pitchFamily="34" charset="0"/>
+              </a:rPr>
+              <a:t>Removing</a:t>
+            </a:r>
+            <a:r>
+              <a:rPr lang="de-DE" sz="1400" kern="100" dirty="0">
+                <a:solidFill>
+                  <a:srgbClr val="1F2328"/>
+                </a:solidFill>
+                <a:effectLst/>
+                <a:ea typeface="Arial" panose="020B0604020202020204" pitchFamily="34" charset="0"/>
+                <a:cs typeface="Arial" panose="020B0604020202020204" pitchFamily="34" charset="0"/>
+              </a:rPr>
+              <a:t> </a:t>
+            </a:r>
+            <a:r>
+              <a:rPr lang="de-DE" sz="1400" kern="100" dirty="0" err="1">
+                <a:solidFill>
+                  <a:srgbClr val="1F2328"/>
+                </a:solidFill>
+                <a:effectLst/>
+                <a:ea typeface="Arial" panose="020B0604020202020204" pitchFamily="34" charset="0"/>
+                <a:cs typeface="Arial" panose="020B0604020202020204" pitchFamily="34" charset="0"/>
+              </a:rPr>
+              <a:t>missing</a:t>
+            </a:r>
+            <a:r>
+              <a:rPr lang="de-DE" sz="1400" kern="100" dirty="0">
+                <a:solidFill>
+                  <a:srgbClr val="1F2328"/>
+                </a:solidFill>
+                <a:effectLst/>
+                <a:ea typeface="Arial" panose="020B0604020202020204" pitchFamily="34" charset="0"/>
+                <a:cs typeface="Arial" panose="020B0604020202020204" pitchFamily="34" charset="0"/>
+              </a:rPr>
+              <a:t> </a:t>
+            </a:r>
+            <a:r>
+              <a:rPr lang="de-DE" sz="1400" kern="100" dirty="0" err="1">
+                <a:solidFill>
+                  <a:srgbClr val="1F2328"/>
+                </a:solidFill>
+                <a:effectLst/>
+                <a:ea typeface="Arial" panose="020B0604020202020204" pitchFamily="34" charset="0"/>
+                <a:cs typeface="Arial" panose="020B0604020202020204" pitchFamily="34" charset="0"/>
+              </a:rPr>
+              <a:t>values</a:t>
+            </a:r>
+            <a:r>
+              <a:rPr lang="de-DE" sz="1400" kern="100" dirty="0">
+                <a:solidFill>
+                  <a:srgbClr val="1F2328"/>
+                </a:solidFill>
+                <a:effectLst/>
+                <a:ea typeface="Arial" panose="020B0604020202020204" pitchFamily="34" charset="0"/>
+                <a:cs typeface="Arial" panose="020B0604020202020204" pitchFamily="34" charset="0"/>
+              </a:rPr>
+              <a:t>  </a:t>
+            </a:r>
+            <a:r>
+              <a:rPr lang="de-DE" sz="1400" kern="100" dirty="0" err="1">
+                <a:solidFill>
+                  <a:srgbClr val="1F2328"/>
+                </a:solidFill>
+                <a:effectLst/>
+                <a:ea typeface="Arial" panose="020B0604020202020204" pitchFamily="34" charset="0"/>
+                <a:cs typeface="Arial" panose="020B0604020202020204" pitchFamily="34" charset="0"/>
+              </a:rPr>
+              <a:t>or</a:t>
+            </a:r>
+            <a:r>
+              <a:rPr lang="de-DE" sz="1400" kern="100" dirty="0">
+                <a:solidFill>
+                  <a:srgbClr val="1F2328"/>
+                </a:solidFill>
+                <a:effectLst/>
+                <a:ea typeface="Arial" panose="020B0604020202020204" pitchFamily="34" charset="0"/>
+                <a:cs typeface="Arial" panose="020B0604020202020204" pitchFamily="34" charset="0"/>
+              </a:rPr>
+              <a:t> </a:t>
+            </a:r>
+            <a:r>
+              <a:rPr lang="de-DE" sz="1400" kern="100" dirty="0" err="1">
+                <a:solidFill>
+                  <a:srgbClr val="1F2328"/>
+                </a:solidFill>
+                <a:effectLst/>
+                <a:ea typeface="Arial" panose="020B0604020202020204" pitchFamily="34" charset="0"/>
+                <a:cs typeface="Arial" panose="020B0604020202020204" pitchFamily="34" charset="0"/>
+              </a:rPr>
+              <a:t>Imputing</a:t>
+            </a:r>
+            <a:r>
+              <a:rPr lang="de-DE" sz="1400" kern="100" dirty="0">
+                <a:solidFill>
+                  <a:srgbClr val="1F2328"/>
+                </a:solidFill>
+                <a:effectLst/>
+                <a:ea typeface="Arial" panose="020B0604020202020204" pitchFamily="34" charset="0"/>
+                <a:cs typeface="Arial" panose="020B0604020202020204" pitchFamily="34" charset="0"/>
+              </a:rPr>
+              <a:t> </a:t>
+            </a:r>
+            <a:r>
+              <a:rPr lang="de-DE" sz="1400" kern="100" dirty="0" err="1">
+                <a:solidFill>
+                  <a:srgbClr val="1F2328"/>
+                </a:solidFill>
+                <a:effectLst/>
+                <a:ea typeface="Arial" panose="020B0604020202020204" pitchFamily="34" charset="0"/>
+                <a:cs typeface="Arial" panose="020B0604020202020204" pitchFamily="34" charset="0"/>
+              </a:rPr>
+              <a:t>missing</a:t>
+            </a:r>
+            <a:r>
+              <a:rPr lang="de-DE" sz="1400" kern="100" dirty="0">
+                <a:solidFill>
+                  <a:srgbClr val="1F2328"/>
+                </a:solidFill>
+                <a:effectLst/>
+                <a:ea typeface="Arial" panose="020B0604020202020204" pitchFamily="34" charset="0"/>
+                <a:cs typeface="Arial" panose="020B0604020202020204" pitchFamily="34" charset="0"/>
+              </a:rPr>
+              <a:t> </a:t>
+            </a:r>
+            <a:r>
+              <a:rPr lang="de-DE" sz="1400" kern="100" dirty="0" err="1">
+                <a:solidFill>
+                  <a:srgbClr val="1F2328"/>
+                </a:solidFill>
+                <a:effectLst/>
+                <a:ea typeface="Arial" panose="020B0604020202020204" pitchFamily="34" charset="0"/>
+                <a:cs typeface="Arial" panose="020B0604020202020204" pitchFamily="34" charset="0"/>
+              </a:rPr>
+              <a:t>values</a:t>
+            </a:r>
+            <a:endParaRPr lang="de-DE" sz="1400" kern="100" dirty="0">
+              <a:solidFill>
+                <a:srgbClr val="1F2328"/>
+              </a:solidFill>
+              <a:effectLst/>
+              <a:ea typeface="Arial" panose="020B0604020202020204" pitchFamily="34" charset="0"/>
+              <a:cs typeface="Arial" panose="020B0604020202020204" pitchFamily="34" charset="0"/>
+            </a:endParaRPr>
+          </a:p>
+          <a:p>
+            <a:pPr lvl="1">
+              <a:lnSpc>
+                <a:spcPct val="100000"/>
+              </a:lnSpc>
+              <a:spcBef>
+                <a:spcPts val="200"/>
+              </a:spcBef>
+            </a:pPr>
+            <a:r>
+              <a:rPr lang="de-DE" sz="1400" i="1" dirty="0" err="1">
+                <a:solidFill>
+                  <a:srgbClr val="C00000"/>
+                </a:solidFill>
+              </a:rPr>
+              <a:t>Is</a:t>
+            </a:r>
+            <a:r>
+              <a:rPr lang="de-DE" sz="1400" i="1" dirty="0">
+                <a:solidFill>
+                  <a:srgbClr val="C00000"/>
+                </a:solidFill>
+              </a:rPr>
+              <a:t> </a:t>
+            </a:r>
+            <a:r>
+              <a:rPr lang="de-DE" sz="1400" i="1" dirty="0" err="1">
+                <a:solidFill>
+                  <a:srgbClr val="C00000"/>
+                </a:solidFill>
+              </a:rPr>
+              <a:t>there</a:t>
+            </a:r>
+            <a:r>
+              <a:rPr lang="de-DE" sz="1400" i="1" dirty="0">
+                <a:solidFill>
+                  <a:srgbClr val="C00000"/>
+                </a:solidFill>
+              </a:rPr>
+              <a:t> </a:t>
+            </a:r>
+            <a:r>
+              <a:rPr lang="de-DE" sz="1400" i="1" dirty="0" err="1">
+                <a:solidFill>
+                  <a:srgbClr val="C00000"/>
+                </a:solidFill>
+              </a:rPr>
+              <a:t>any</a:t>
+            </a:r>
+            <a:r>
+              <a:rPr lang="de-DE" sz="1400" i="1" dirty="0">
+                <a:solidFill>
+                  <a:srgbClr val="C00000"/>
+                </a:solidFill>
+              </a:rPr>
+              <a:t> </a:t>
+            </a:r>
+            <a:r>
+              <a:rPr lang="de-DE" sz="1400" i="1" dirty="0" err="1">
+                <a:solidFill>
+                  <a:srgbClr val="C00000"/>
+                </a:solidFill>
+              </a:rPr>
+              <a:t>loss</a:t>
+            </a:r>
+            <a:r>
+              <a:rPr lang="de-DE" sz="1400" i="1" dirty="0">
+                <a:solidFill>
+                  <a:srgbClr val="C00000"/>
+                </a:solidFill>
+              </a:rPr>
+              <a:t> </a:t>
+            </a:r>
+            <a:r>
+              <a:rPr lang="de-DE" sz="1400" i="1" dirty="0" err="1">
+                <a:solidFill>
+                  <a:srgbClr val="C00000"/>
+                </a:solidFill>
+              </a:rPr>
+              <a:t>of</a:t>
+            </a:r>
+            <a:r>
+              <a:rPr lang="de-DE" sz="1400" i="1" dirty="0">
+                <a:solidFill>
+                  <a:srgbClr val="C00000"/>
+                </a:solidFill>
+              </a:rPr>
+              <a:t> </a:t>
+            </a:r>
+            <a:r>
+              <a:rPr lang="de-DE" sz="1400" i="1" dirty="0" err="1">
+                <a:solidFill>
+                  <a:srgbClr val="C00000"/>
+                </a:solidFill>
+              </a:rPr>
+              <a:t>information</a:t>
+            </a:r>
+            <a:r>
+              <a:rPr lang="de-DE" sz="1400" i="1" dirty="0">
+                <a:solidFill>
+                  <a:srgbClr val="C00000"/>
+                </a:solidFill>
+              </a:rPr>
+              <a:t> </a:t>
+            </a:r>
+            <a:r>
+              <a:rPr lang="de-DE" sz="1400" i="1" dirty="0" err="1">
+                <a:solidFill>
+                  <a:srgbClr val="C00000"/>
+                </a:solidFill>
+              </a:rPr>
+              <a:t>if</a:t>
+            </a:r>
+            <a:r>
+              <a:rPr lang="de-DE" sz="1400" i="1" dirty="0">
+                <a:solidFill>
+                  <a:srgbClr val="C00000"/>
+                </a:solidFill>
+              </a:rPr>
+              <a:t> </a:t>
+            </a:r>
+            <a:r>
+              <a:rPr lang="de-DE" sz="1400" i="1" dirty="0" err="1">
+                <a:solidFill>
+                  <a:srgbClr val="C00000"/>
+                </a:solidFill>
+              </a:rPr>
+              <a:t>we</a:t>
+            </a:r>
+            <a:r>
+              <a:rPr lang="de-DE" sz="1400" i="1" dirty="0">
+                <a:solidFill>
+                  <a:srgbClr val="C00000"/>
+                </a:solidFill>
+              </a:rPr>
+              <a:t> </a:t>
+            </a:r>
+            <a:r>
+              <a:rPr lang="de-DE" sz="1400" i="1" dirty="0" err="1">
+                <a:solidFill>
+                  <a:srgbClr val="C00000"/>
+                </a:solidFill>
+              </a:rPr>
+              <a:t>condense</a:t>
+            </a:r>
+            <a:r>
+              <a:rPr lang="de-DE" sz="1400" i="1" dirty="0">
+                <a:solidFill>
+                  <a:srgbClr val="C00000"/>
+                </a:solidFill>
+              </a:rPr>
+              <a:t> </a:t>
+            </a:r>
+            <a:r>
+              <a:rPr lang="de-DE" sz="1400" i="1" dirty="0" err="1">
+                <a:solidFill>
+                  <a:srgbClr val="C00000"/>
+                </a:solidFill>
+              </a:rPr>
+              <a:t>prism</a:t>
+            </a:r>
+            <a:r>
+              <a:rPr lang="de-DE" sz="1400" i="1" dirty="0">
+                <a:solidFill>
+                  <a:srgbClr val="C00000"/>
+                </a:solidFill>
+              </a:rPr>
+              <a:t> </a:t>
+            </a:r>
+            <a:r>
+              <a:rPr lang="de-DE" sz="1400" i="1" dirty="0" err="1">
+                <a:solidFill>
+                  <a:srgbClr val="C00000"/>
+                </a:solidFill>
+              </a:rPr>
+              <a:t>to</a:t>
+            </a:r>
+            <a:r>
+              <a:rPr lang="de-DE" sz="1400" i="1" dirty="0">
+                <a:solidFill>
+                  <a:srgbClr val="C00000"/>
+                </a:solidFill>
+              </a:rPr>
+              <a:t> </a:t>
+            </a:r>
+            <a:r>
+              <a:rPr lang="de-DE" sz="1400" i="1" dirty="0" err="1">
+                <a:solidFill>
+                  <a:srgbClr val="C00000"/>
+                </a:solidFill>
+              </a:rPr>
+              <a:t>prism.drug.means</a:t>
+            </a:r>
+            <a:r>
+              <a:rPr lang="de-DE" sz="1400" i="1" dirty="0">
+                <a:solidFill>
+                  <a:srgbClr val="C00000"/>
+                </a:solidFill>
+              </a:rPr>
+              <a:t>? </a:t>
+            </a:r>
+            <a:r>
+              <a:rPr lang="de-DE" sz="1400" i="1" dirty="0">
+                <a:solidFill>
+                  <a:srgbClr val="C00000"/>
+                </a:solidFill>
+                <a:sym typeface="Wingdings" panose="05000000000000000000" pitchFamily="2" charset="2"/>
+              </a:rPr>
+              <a:t></a:t>
+            </a:r>
+            <a:endParaRPr lang="de-DE" sz="1400" i="1" dirty="0">
+              <a:solidFill>
+                <a:srgbClr val="C00000"/>
+              </a:solidFill>
+            </a:endParaRPr>
+          </a:p>
+          <a:p>
+            <a:pPr lvl="2">
+              <a:lnSpc>
+                <a:spcPct val="100000"/>
+              </a:lnSpc>
+              <a:spcBef>
+                <a:spcPts val="200"/>
+              </a:spcBef>
+              <a:buFont typeface="Wingdings 3" panose="05040102010807070707" pitchFamily="18" charset="2"/>
+              <a:buChar char=""/>
+            </a:pPr>
+            <a:r>
+              <a:rPr lang="de-DE" sz="1400" i="1" kern="100" dirty="0">
+                <a:solidFill>
+                  <a:srgbClr val="C00000"/>
+                </a:solidFill>
+                <a:effectLst/>
+                <a:ea typeface="Arial" panose="020B0604020202020204" pitchFamily="34" charset="0"/>
+                <a:cs typeface="Arial" panose="020B0604020202020204" pitchFamily="34" charset="0"/>
+              </a:rPr>
+              <a:t>Yes </a:t>
+            </a:r>
+            <a:r>
+              <a:rPr lang="de-DE" sz="1400" i="1" kern="100" dirty="0" err="1">
+                <a:solidFill>
+                  <a:srgbClr val="C00000"/>
+                </a:solidFill>
+                <a:effectLst/>
+                <a:ea typeface="Arial" panose="020B0604020202020204" pitchFamily="34" charset="0"/>
+                <a:cs typeface="Arial" panose="020B0604020202020204" pitchFamily="34" charset="0"/>
+              </a:rPr>
+              <a:t>it</a:t>
+            </a:r>
+            <a:r>
+              <a:rPr lang="de-DE" sz="1400" i="1" kern="100" dirty="0">
+                <a:solidFill>
+                  <a:srgbClr val="C00000"/>
+                </a:solidFill>
+                <a:effectLst/>
+                <a:ea typeface="Arial" panose="020B0604020202020204" pitchFamily="34" charset="0"/>
+                <a:cs typeface="Arial" panose="020B0604020202020204" pitchFamily="34" charset="0"/>
+              </a:rPr>
+              <a:t> </a:t>
+            </a:r>
+            <a:r>
+              <a:rPr lang="de-DE" sz="1400" i="1" kern="100" dirty="0" err="1">
+                <a:solidFill>
+                  <a:srgbClr val="C00000"/>
+                </a:solidFill>
+                <a:effectLst/>
+                <a:ea typeface="Arial" panose="020B0604020202020204" pitchFamily="34" charset="0"/>
+                <a:cs typeface="Arial" panose="020B0604020202020204" pitchFamily="34" charset="0"/>
+              </a:rPr>
+              <a:t>is</a:t>
+            </a:r>
+            <a:endParaRPr lang="de-DE" sz="1400" kern="100" dirty="0">
+              <a:solidFill>
+                <a:srgbClr val="C00000"/>
+              </a:solidFill>
+              <a:effectLst/>
+              <a:ea typeface="Arial" panose="020B0604020202020204" pitchFamily="34" charset="0"/>
+              <a:cs typeface="Arial" panose="020B0604020202020204" pitchFamily="34" charset="0"/>
+            </a:endParaRPr>
+          </a:p>
+          <a:p>
+            <a:pPr lvl="1">
+              <a:lnSpc>
+                <a:spcPct val="100000"/>
+              </a:lnSpc>
+              <a:spcBef>
+                <a:spcPts val="200"/>
+              </a:spcBef>
+            </a:pPr>
+            <a:r>
+              <a:rPr lang="de-DE" sz="1400" kern="100" dirty="0" err="1">
+                <a:solidFill>
+                  <a:srgbClr val="1F2328"/>
+                </a:solidFill>
+                <a:effectLst/>
+                <a:ea typeface="Arial" panose="020B0604020202020204" pitchFamily="34" charset="0"/>
+                <a:cs typeface="Arial" panose="020B0604020202020204" pitchFamily="34" charset="0"/>
+              </a:rPr>
+              <a:t>Removing</a:t>
+            </a:r>
+            <a:r>
+              <a:rPr lang="de-DE" sz="1400" kern="100" dirty="0">
+                <a:solidFill>
+                  <a:srgbClr val="1F2328"/>
+                </a:solidFill>
+                <a:effectLst/>
+                <a:ea typeface="Arial" panose="020B0604020202020204" pitchFamily="34" charset="0"/>
+                <a:cs typeface="Arial" panose="020B0604020202020204" pitchFamily="34" charset="0"/>
+              </a:rPr>
+              <a:t> </a:t>
+            </a:r>
+            <a:r>
+              <a:rPr lang="de-DE" sz="1400" kern="100" dirty="0" err="1">
+                <a:solidFill>
+                  <a:srgbClr val="1F2328"/>
+                </a:solidFill>
+                <a:effectLst/>
+                <a:ea typeface="Arial" panose="020B0604020202020204" pitchFamily="34" charset="0"/>
+                <a:cs typeface="Arial" panose="020B0604020202020204" pitchFamily="34" charset="0"/>
+              </a:rPr>
+              <a:t>low</a:t>
+            </a:r>
+            <a:r>
+              <a:rPr lang="de-DE" sz="1400" kern="100" dirty="0">
+                <a:solidFill>
+                  <a:srgbClr val="1F2328"/>
+                </a:solidFill>
+                <a:effectLst/>
+                <a:ea typeface="Arial" panose="020B0604020202020204" pitchFamily="34" charset="0"/>
+                <a:cs typeface="Arial" panose="020B0604020202020204" pitchFamily="34" charset="0"/>
+              </a:rPr>
+              <a:t> </a:t>
+            </a:r>
+            <a:r>
+              <a:rPr lang="de-DE" sz="1400" kern="100" dirty="0" err="1">
+                <a:solidFill>
+                  <a:srgbClr val="1F2328"/>
+                </a:solidFill>
+                <a:effectLst/>
+                <a:ea typeface="Arial" panose="020B0604020202020204" pitchFamily="34" charset="0"/>
+                <a:cs typeface="Arial" panose="020B0604020202020204" pitchFamily="34" charset="0"/>
+              </a:rPr>
+              <a:t>variance</a:t>
+            </a:r>
+            <a:r>
+              <a:rPr lang="de-DE" sz="1400" kern="100" dirty="0">
+                <a:solidFill>
+                  <a:srgbClr val="1F2328"/>
+                </a:solidFill>
+                <a:effectLst/>
+                <a:ea typeface="Arial" panose="020B0604020202020204" pitchFamily="34" charset="0"/>
+                <a:cs typeface="Arial" panose="020B0604020202020204" pitchFamily="34" charset="0"/>
+              </a:rPr>
+              <a:t> </a:t>
+            </a:r>
+            <a:r>
+              <a:rPr lang="de-DE" sz="1400" kern="100" dirty="0" err="1">
+                <a:solidFill>
+                  <a:srgbClr val="1F2328"/>
+                </a:solidFill>
+                <a:effectLst/>
+                <a:ea typeface="Arial" panose="020B0604020202020204" pitchFamily="34" charset="0"/>
+                <a:cs typeface="Arial" panose="020B0604020202020204" pitchFamily="34" charset="0"/>
+              </a:rPr>
+              <a:t>columns</a:t>
+            </a:r>
+            <a:r>
+              <a:rPr lang="de-DE" sz="1400" kern="100" dirty="0">
+                <a:solidFill>
+                  <a:srgbClr val="1F2328"/>
+                </a:solidFill>
+                <a:effectLst/>
+                <a:ea typeface="Arial" panose="020B0604020202020204" pitchFamily="34" charset="0"/>
+                <a:cs typeface="Arial" panose="020B0604020202020204" pitchFamily="34" charset="0"/>
+              </a:rPr>
+              <a:t>/</a:t>
+            </a:r>
+            <a:r>
+              <a:rPr lang="de-DE" sz="1400" kern="100" dirty="0" err="1">
+                <a:solidFill>
+                  <a:srgbClr val="1F2328"/>
+                </a:solidFill>
+                <a:effectLst/>
+                <a:ea typeface="Arial" panose="020B0604020202020204" pitchFamily="34" charset="0"/>
+                <a:cs typeface="Arial" panose="020B0604020202020204" pitchFamily="34" charset="0"/>
+              </a:rPr>
+              <a:t>rows</a:t>
+            </a:r>
+            <a:endParaRPr lang="de-DE" sz="1400" kern="100" dirty="0">
+              <a:solidFill>
+                <a:srgbClr val="1F2328"/>
+              </a:solidFill>
+              <a:effectLst/>
+              <a:ea typeface="Arial" panose="020B0604020202020204" pitchFamily="34" charset="0"/>
+              <a:cs typeface="Arial" panose="020B0604020202020204" pitchFamily="34" charset="0"/>
+            </a:endParaRPr>
+          </a:p>
+          <a:p>
+            <a:pPr lvl="1">
+              <a:lnSpc>
+                <a:spcPct val="100000"/>
+              </a:lnSpc>
+              <a:spcBef>
+                <a:spcPts val="200"/>
+              </a:spcBef>
+            </a:pPr>
+            <a:r>
+              <a:rPr lang="en-US" sz="1400" kern="100" dirty="0">
+                <a:solidFill>
+                  <a:srgbClr val="1F2328"/>
+                </a:solidFill>
+                <a:effectLst/>
+                <a:ea typeface="Arial" panose="020B0604020202020204" pitchFamily="34" charset="0"/>
+                <a:cs typeface="Arial" panose="020B0604020202020204" pitchFamily="34" charset="0"/>
+              </a:rPr>
+              <a:t>Re-ordering rows/columns in meaningful and useful ways </a:t>
+            </a:r>
+            <a:r>
+              <a:rPr lang="en-US" sz="1400" kern="100" dirty="0">
+                <a:solidFill>
+                  <a:srgbClr val="1F2328"/>
+                </a:solidFill>
+                <a:effectLst/>
+                <a:ea typeface="Arial" panose="020B0604020202020204" pitchFamily="34" charset="0"/>
+                <a:cs typeface="Arial" panose="020B0604020202020204" pitchFamily="34" charset="0"/>
+                <a:sym typeface="Wingdings" panose="05000000000000000000" pitchFamily="2" charset="2"/>
+              </a:rPr>
+              <a:t></a:t>
+            </a:r>
+            <a:endParaRPr lang="de-DE" sz="1400" b="1" kern="100" dirty="0">
+              <a:solidFill>
+                <a:srgbClr val="294E1C"/>
+              </a:solidFill>
+              <a:effectLst/>
+              <a:ea typeface="Times New Roman" panose="02020603050405020304" pitchFamily="18" charset="0"/>
+              <a:cs typeface="Arial" panose="020B0604020202020204" pitchFamily="34" charset="0"/>
+            </a:endParaRPr>
+          </a:p>
+          <a:p>
+            <a:pPr marL="0" indent="0">
+              <a:lnSpc>
+                <a:spcPct val="100000"/>
+              </a:lnSpc>
+              <a:spcBef>
+                <a:spcPts val="200"/>
+              </a:spcBef>
+              <a:buNone/>
+            </a:pPr>
+            <a:endParaRPr lang="de-DE" sz="1400" b="1" kern="100" dirty="0">
+              <a:solidFill>
+                <a:srgbClr val="294E1C"/>
+              </a:solidFill>
+              <a:ea typeface="Times New Roman" panose="02020603050405020304" pitchFamily="18" charset="0"/>
+              <a:cs typeface="Arial" panose="020B0604020202020204" pitchFamily="34" charset="0"/>
+            </a:endParaRPr>
+          </a:p>
+          <a:p>
+            <a:pPr marL="342900" indent="-342900">
+              <a:lnSpc>
+                <a:spcPct val="100000"/>
+              </a:lnSpc>
+              <a:spcBef>
+                <a:spcPts val="200"/>
+              </a:spcBef>
+              <a:buFont typeface="+mj-lt"/>
+              <a:buAutoNum type="arabicPeriod" startAt="2"/>
+            </a:pPr>
+            <a:r>
+              <a:rPr lang="de-DE" sz="1400" b="1" kern="100" dirty="0">
+                <a:solidFill>
+                  <a:srgbClr val="294E1C"/>
+                </a:solidFill>
+                <a:ea typeface="Times New Roman" panose="02020603050405020304" pitchFamily="18" charset="0"/>
+                <a:cs typeface="Arial" panose="020B0604020202020204" pitchFamily="34" charset="0"/>
+              </a:rPr>
+              <a:t>Data </a:t>
+            </a:r>
+            <a:r>
+              <a:rPr lang="de-DE" sz="1400" b="1" kern="100" dirty="0" err="1">
+                <a:solidFill>
+                  <a:srgbClr val="294E1C"/>
+                </a:solidFill>
+                <a:ea typeface="Times New Roman" panose="02020603050405020304" pitchFamily="18" charset="0"/>
+                <a:cs typeface="Arial" panose="020B0604020202020204" pitchFamily="34" charset="0"/>
+              </a:rPr>
+              <a:t>exploration</a:t>
+            </a:r>
+            <a:endParaRPr lang="de-DE" sz="1400" b="1" kern="100" dirty="0">
+              <a:solidFill>
+                <a:srgbClr val="294E1C"/>
+              </a:solidFill>
+              <a:ea typeface="Times New Roman" panose="02020603050405020304" pitchFamily="18" charset="0"/>
+              <a:cs typeface="Arial" panose="020B0604020202020204" pitchFamily="34" charset="0"/>
+            </a:endParaRPr>
+          </a:p>
+          <a:p>
+            <a:pPr lvl="1">
+              <a:lnSpc>
+                <a:spcPct val="100000"/>
+              </a:lnSpc>
+              <a:spcBef>
+                <a:spcPts val="200"/>
+              </a:spcBef>
+            </a:pPr>
+            <a:r>
+              <a:rPr lang="de-DE" sz="1400" dirty="0" err="1">
+                <a:solidFill>
+                  <a:srgbClr val="1F2328"/>
+                </a:solidFill>
+                <a:effectLst/>
+                <a:ea typeface="Times New Roman" panose="02020603050405020304" pitchFamily="18" charset="0"/>
+                <a:cs typeface="Arial" panose="020B0604020202020204" pitchFamily="34" charset="0"/>
+              </a:rPr>
+              <a:t>basic</a:t>
+            </a:r>
+            <a:r>
+              <a:rPr lang="de-DE" sz="1400" dirty="0">
+                <a:solidFill>
+                  <a:srgbClr val="1F2328"/>
+                </a:solidFill>
+                <a:effectLst/>
+                <a:ea typeface="Times New Roman" panose="02020603050405020304" pitchFamily="18" charset="0"/>
+                <a:cs typeface="Arial" panose="020B0604020202020204" pitchFamily="34" charset="0"/>
+              </a:rPr>
+              <a:t> </a:t>
+            </a:r>
+            <a:r>
+              <a:rPr lang="de-DE" sz="1400" dirty="0" err="1">
+                <a:solidFill>
+                  <a:srgbClr val="1F2328"/>
+                </a:solidFill>
+                <a:effectLst/>
+                <a:ea typeface="Times New Roman" panose="02020603050405020304" pitchFamily="18" charset="0"/>
+                <a:cs typeface="Arial" panose="020B0604020202020204" pitchFamily="34" charset="0"/>
+              </a:rPr>
+              <a:t>exploratory</a:t>
+            </a:r>
+            <a:r>
+              <a:rPr lang="de-DE" sz="1400" dirty="0">
+                <a:solidFill>
+                  <a:srgbClr val="1F2328"/>
+                </a:solidFill>
+                <a:effectLst/>
+                <a:ea typeface="Times New Roman" panose="02020603050405020304" pitchFamily="18" charset="0"/>
+                <a:cs typeface="Arial" panose="020B0604020202020204" pitchFamily="34" charset="0"/>
+              </a:rPr>
+              <a:t> </a:t>
+            </a:r>
+            <a:r>
+              <a:rPr lang="de-DE" sz="1400" dirty="0" err="1">
+                <a:solidFill>
+                  <a:srgbClr val="1F2328"/>
+                </a:solidFill>
+                <a:effectLst/>
+                <a:ea typeface="Times New Roman" panose="02020603050405020304" pitchFamily="18" charset="0"/>
+                <a:cs typeface="Arial" panose="020B0604020202020204" pitchFamily="34" charset="0"/>
+              </a:rPr>
+              <a:t>data</a:t>
+            </a:r>
+            <a:r>
+              <a:rPr lang="de-DE" sz="1400" dirty="0">
+                <a:solidFill>
+                  <a:srgbClr val="1F2328"/>
+                </a:solidFill>
+                <a:effectLst/>
+                <a:ea typeface="Times New Roman" panose="02020603050405020304" pitchFamily="18" charset="0"/>
+                <a:cs typeface="Arial" panose="020B0604020202020204" pitchFamily="34" charset="0"/>
+              </a:rPr>
+              <a:t> </a:t>
+            </a:r>
+            <a:r>
+              <a:rPr lang="de-DE" sz="1400" dirty="0" err="1">
+                <a:solidFill>
+                  <a:srgbClr val="1F2328"/>
+                </a:solidFill>
+                <a:effectLst/>
+                <a:ea typeface="Times New Roman" panose="02020603050405020304" pitchFamily="18" charset="0"/>
+                <a:cs typeface="Arial" panose="020B0604020202020204" pitchFamily="34" charset="0"/>
+              </a:rPr>
+              <a:t>analysis</a:t>
+            </a:r>
+            <a:r>
+              <a:rPr lang="de-DE" sz="1400" dirty="0">
+                <a:solidFill>
+                  <a:srgbClr val="1F2328"/>
+                </a:solidFill>
+                <a:effectLst/>
+                <a:ea typeface="Times New Roman" panose="02020603050405020304" pitchFamily="18" charset="0"/>
+                <a:cs typeface="Arial" panose="020B0604020202020204" pitchFamily="34" charset="0"/>
+              </a:rPr>
+              <a:t> (</a:t>
+            </a:r>
+            <a:r>
+              <a:rPr lang="en-US" sz="1400" kern="100" dirty="0">
+                <a:solidFill>
+                  <a:srgbClr val="1F2328"/>
+                </a:solidFill>
+                <a:effectLst/>
+                <a:ea typeface="Arial" panose="020B0604020202020204" pitchFamily="34" charset="0"/>
+                <a:cs typeface="Arial" panose="020B0604020202020204" pitchFamily="34" charset="0"/>
+              </a:rPr>
+              <a:t>distribution of the overall data, specific samples or features) </a:t>
+            </a:r>
+            <a:r>
+              <a:rPr lang="en-US" sz="1400" kern="100" dirty="0">
+                <a:solidFill>
+                  <a:srgbClr val="1F2328"/>
+                </a:solidFill>
+                <a:effectLst/>
+                <a:ea typeface="Arial" panose="020B0604020202020204" pitchFamily="34" charset="0"/>
+                <a:cs typeface="Arial" panose="020B0604020202020204" pitchFamily="34" charset="0"/>
+                <a:sym typeface="Wingdings" panose="05000000000000000000" pitchFamily="2" charset="2"/>
+              </a:rPr>
+              <a:t></a:t>
+            </a:r>
+            <a:endParaRPr lang="de-DE" sz="1400" kern="100" dirty="0">
+              <a:solidFill>
+                <a:srgbClr val="1F2328"/>
+              </a:solidFill>
+              <a:ea typeface="Arial" panose="020B0604020202020204" pitchFamily="34" charset="0"/>
+              <a:cs typeface="Arial" panose="020B0604020202020204" pitchFamily="34" charset="0"/>
+            </a:endParaRPr>
+          </a:p>
+          <a:p>
+            <a:pPr lvl="1">
+              <a:lnSpc>
+                <a:spcPct val="100000"/>
+              </a:lnSpc>
+              <a:spcBef>
+                <a:spcPts val="200"/>
+              </a:spcBef>
+            </a:pPr>
+            <a:r>
+              <a:rPr lang="de-DE" sz="1400" kern="100" dirty="0" err="1">
+                <a:solidFill>
+                  <a:srgbClr val="1F2328"/>
+                </a:solidFill>
+                <a:effectLst/>
+                <a:ea typeface="Arial" panose="020B0604020202020204" pitchFamily="34" charset="0"/>
+                <a:cs typeface="Arial" panose="020B0604020202020204" pitchFamily="34" charset="0"/>
+              </a:rPr>
+              <a:t>Visualize</a:t>
+            </a:r>
+            <a:r>
+              <a:rPr lang="de-DE" sz="1400" kern="100" dirty="0">
+                <a:solidFill>
+                  <a:srgbClr val="1F2328"/>
+                </a:solidFill>
+                <a:effectLst/>
+                <a:ea typeface="Arial" panose="020B0604020202020204" pitchFamily="34" charset="0"/>
+                <a:cs typeface="Arial" panose="020B0604020202020204" pitchFamily="34" charset="0"/>
+              </a:rPr>
+              <a:t> </a:t>
+            </a:r>
+            <a:r>
+              <a:rPr lang="de-DE" sz="1400" kern="100" dirty="0" err="1">
+                <a:solidFill>
+                  <a:srgbClr val="1F2328"/>
+                </a:solidFill>
+                <a:effectLst/>
+                <a:ea typeface="Arial" panose="020B0604020202020204" pitchFamily="34" charset="0"/>
+                <a:cs typeface="Arial" panose="020B0604020202020204" pitchFamily="34" charset="0"/>
+              </a:rPr>
+              <a:t>the</a:t>
+            </a:r>
+            <a:r>
+              <a:rPr lang="de-DE" sz="1400" kern="100" dirty="0">
+                <a:solidFill>
+                  <a:srgbClr val="1F2328"/>
+                </a:solidFill>
+                <a:effectLst/>
+                <a:ea typeface="Arial" panose="020B0604020202020204" pitchFamily="34" charset="0"/>
+                <a:cs typeface="Arial" panose="020B0604020202020204" pitchFamily="34" charset="0"/>
+              </a:rPr>
+              <a:t> </a:t>
+            </a:r>
+            <a:r>
+              <a:rPr lang="de-DE" sz="1400" kern="100" dirty="0" err="1">
+                <a:solidFill>
+                  <a:srgbClr val="1F2328"/>
+                </a:solidFill>
+                <a:effectLst/>
+                <a:ea typeface="Arial" panose="020B0604020202020204" pitchFamily="34" charset="0"/>
+                <a:cs typeface="Arial" panose="020B0604020202020204" pitchFamily="34" charset="0"/>
+              </a:rPr>
+              <a:t>data</a:t>
+            </a:r>
+            <a:r>
+              <a:rPr lang="de-DE" sz="1400" kern="100" dirty="0">
+                <a:solidFill>
+                  <a:srgbClr val="1F2328"/>
+                </a:solidFill>
+                <a:effectLst/>
+                <a:ea typeface="Arial" panose="020B0604020202020204" pitchFamily="34" charset="0"/>
+                <a:cs typeface="Arial" panose="020B0604020202020204" pitchFamily="34" charset="0"/>
+              </a:rPr>
+              <a:t> </a:t>
+            </a:r>
+            <a:r>
+              <a:rPr lang="de-DE" sz="1400" kern="100" dirty="0" err="1">
+                <a:solidFill>
+                  <a:srgbClr val="1F2328"/>
+                </a:solidFill>
+                <a:effectLst/>
+                <a:ea typeface="Arial" panose="020B0604020202020204" pitchFamily="34" charset="0"/>
+                <a:cs typeface="Arial" panose="020B0604020202020204" pitchFamily="34" charset="0"/>
+              </a:rPr>
+              <a:t>distribution</a:t>
+            </a:r>
+            <a:r>
+              <a:rPr lang="de-DE" sz="1400" kern="100" dirty="0">
+                <a:solidFill>
+                  <a:srgbClr val="1F2328"/>
+                </a:solidFill>
+                <a:effectLst/>
+                <a:ea typeface="Arial" panose="020B0604020202020204" pitchFamily="34" charset="0"/>
+                <a:cs typeface="Arial" panose="020B0604020202020204" pitchFamily="34" charset="0"/>
+              </a:rPr>
+              <a:t> </a:t>
+            </a:r>
+            <a:r>
+              <a:rPr lang="en-US" sz="1400" kern="100" dirty="0">
+                <a:solidFill>
+                  <a:srgbClr val="1F2328"/>
+                </a:solidFill>
+                <a:effectLst/>
+                <a:ea typeface="Arial" panose="020B0604020202020204" pitchFamily="34" charset="0"/>
+                <a:cs typeface="Arial" panose="020B0604020202020204" pitchFamily="34" charset="0"/>
+                <a:sym typeface="Wingdings" panose="05000000000000000000" pitchFamily="2" charset="2"/>
+              </a:rPr>
+              <a:t></a:t>
+            </a:r>
+            <a:endParaRPr lang="de-DE" sz="1400" kern="100" dirty="0">
+              <a:solidFill>
+                <a:srgbClr val="1F2328"/>
+              </a:solidFill>
+              <a:ea typeface="Arial" panose="020B0604020202020204" pitchFamily="34" charset="0"/>
+              <a:cs typeface="Arial" panose="020B0604020202020204" pitchFamily="34" charset="0"/>
+            </a:endParaRPr>
+          </a:p>
+          <a:p>
+            <a:pPr lvl="1">
+              <a:lnSpc>
+                <a:spcPct val="100000"/>
+              </a:lnSpc>
+              <a:spcBef>
+                <a:spcPts val="200"/>
+              </a:spcBef>
+            </a:pPr>
+            <a:r>
+              <a:rPr lang="de-DE" sz="1400" i="1" dirty="0" err="1">
+                <a:solidFill>
+                  <a:srgbClr val="C00000"/>
+                </a:solidFill>
+              </a:rPr>
+              <a:t>Is</a:t>
+            </a:r>
+            <a:r>
+              <a:rPr lang="de-DE" sz="1400" i="1" dirty="0">
+                <a:solidFill>
+                  <a:srgbClr val="C00000"/>
+                </a:solidFill>
+              </a:rPr>
+              <a:t> </a:t>
+            </a:r>
+            <a:r>
+              <a:rPr lang="de-DE" sz="1400" i="1" dirty="0" err="1">
+                <a:solidFill>
+                  <a:srgbClr val="C00000"/>
+                </a:solidFill>
+              </a:rPr>
+              <a:t>there</a:t>
+            </a:r>
+            <a:r>
+              <a:rPr lang="de-DE" sz="1400" i="1" dirty="0">
+                <a:solidFill>
+                  <a:srgbClr val="C00000"/>
+                </a:solidFill>
+              </a:rPr>
+              <a:t> a </a:t>
+            </a:r>
+            <a:r>
+              <a:rPr lang="de-DE" sz="1400" i="1" dirty="0" err="1">
+                <a:solidFill>
+                  <a:srgbClr val="C00000"/>
+                </a:solidFill>
+              </a:rPr>
+              <a:t>mode</a:t>
+            </a:r>
+            <a:r>
+              <a:rPr lang="de-DE" sz="1400" i="1" dirty="0">
+                <a:solidFill>
+                  <a:srgbClr val="C00000"/>
+                </a:solidFill>
+              </a:rPr>
+              <a:t> </a:t>
+            </a:r>
+            <a:r>
+              <a:rPr lang="de-DE" sz="1400" i="1" dirty="0" err="1">
+                <a:solidFill>
+                  <a:srgbClr val="C00000"/>
+                </a:solidFill>
+              </a:rPr>
+              <a:t>of</a:t>
+            </a:r>
+            <a:r>
+              <a:rPr lang="de-DE" sz="1400" i="1" dirty="0">
+                <a:solidFill>
+                  <a:srgbClr val="C00000"/>
+                </a:solidFill>
+              </a:rPr>
+              <a:t> </a:t>
+            </a:r>
+            <a:r>
+              <a:rPr lang="de-DE" sz="1400" i="1" dirty="0" err="1">
+                <a:solidFill>
+                  <a:srgbClr val="C00000"/>
+                </a:solidFill>
+              </a:rPr>
+              <a:t>action</a:t>
+            </a:r>
+            <a:r>
+              <a:rPr lang="de-DE" sz="1400" i="1" dirty="0">
+                <a:solidFill>
+                  <a:srgbClr val="C00000"/>
+                </a:solidFill>
+              </a:rPr>
+              <a:t> </a:t>
+            </a:r>
+            <a:r>
+              <a:rPr lang="de-DE" sz="1400" i="1" dirty="0" err="1">
+                <a:solidFill>
+                  <a:srgbClr val="C00000"/>
+                </a:solidFill>
+              </a:rPr>
+              <a:t>which</a:t>
+            </a:r>
+            <a:r>
+              <a:rPr lang="de-DE" sz="1400" i="1" dirty="0">
+                <a:solidFill>
+                  <a:srgbClr val="C00000"/>
+                </a:solidFill>
+              </a:rPr>
+              <a:t> </a:t>
+            </a:r>
+            <a:r>
+              <a:rPr lang="de-DE" sz="1400" i="1" dirty="0" err="1">
+                <a:solidFill>
+                  <a:srgbClr val="C00000"/>
+                </a:solidFill>
+              </a:rPr>
+              <a:t>is</a:t>
+            </a:r>
+            <a:r>
+              <a:rPr lang="de-DE" sz="1400" i="1" dirty="0">
+                <a:solidFill>
+                  <a:srgbClr val="C00000"/>
+                </a:solidFill>
+              </a:rPr>
+              <a:t> </a:t>
+            </a:r>
+            <a:r>
+              <a:rPr lang="de-DE" sz="1400" i="1" dirty="0" err="1">
+                <a:solidFill>
+                  <a:srgbClr val="C00000"/>
+                </a:solidFill>
+              </a:rPr>
+              <a:t>more</a:t>
+            </a:r>
+            <a:r>
+              <a:rPr lang="de-DE" sz="1400" i="1" dirty="0">
+                <a:solidFill>
+                  <a:srgbClr val="C00000"/>
+                </a:solidFill>
+              </a:rPr>
+              <a:t> </a:t>
+            </a:r>
+            <a:r>
+              <a:rPr lang="de-DE" sz="1400" i="1" dirty="0" err="1">
+                <a:solidFill>
+                  <a:srgbClr val="C00000"/>
+                </a:solidFill>
+              </a:rPr>
+              <a:t>represented</a:t>
+            </a:r>
+            <a:r>
+              <a:rPr lang="de-DE" sz="1400" i="1" dirty="0">
+                <a:solidFill>
+                  <a:srgbClr val="C00000"/>
+                </a:solidFill>
+              </a:rPr>
+              <a:t>?</a:t>
+            </a:r>
+            <a:endParaRPr lang="de-DE" sz="1400" i="1" kern="100" dirty="0">
+              <a:solidFill>
+                <a:srgbClr val="C00000"/>
+              </a:solidFill>
+              <a:cs typeface="Arial" panose="020B0604020202020204" pitchFamily="34" charset="0"/>
+            </a:endParaRPr>
+          </a:p>
+          <a:p>
+            <a:pPr lvl="1">
+              <a:lnSpc>
+                <a:spcPct val="100000"/>
+              </a:lnSpc>
+              <a:spcBef>
+                <a:spcPts val="200"/>
+              </a:spcBef>
+            </a:pPr>
+            <a:r>
+              <a:rPr lang="en-US" sz="1400" kern="100" dirty="0">
+                <a:solidFill>
+                  <a:srgbClr val="1F2328"/>
+                </a:solidFill>
+                <a:effectLst/>
+                <a:ea typeface="Arial" panose="020B0604020202020204" pitchFamily="34" charset="0"/>
+                <a:cs typeface="Arial" panose="020B0604020202020204" pitchFamily="34" charset="0"/>
+              </a:rPr>
+              <a:t>Visualize the inter-dependencies among specific samples/features of interest</a:t>
+            </a:r>
+          </a:p>
+          <a:p>
+            <a:pPr lvl="1">
+              <a:lnSpc>
+                <a:spcPct val="100000"/>
+              </a:lnSpc>
+              <a:spcBef>
+                <a:spcPts val="200"/>
+              </a:spcBef>
+            </a:pPr>
+            <a:r>
+              <a:rPr lang="de-DE" sz="1400" i="1" dirty="0" err="1">
+                <a:solidFill>
+                  <a:srgbClr val="C00000"/>
+                </a:solidFill>
+              </a:rPr>
+              <a:t>Correlation</a:t>
+            </a:r>
+            <a:r>
+              <a:rPr lang="de-DE" sz="1400" i="1" dirty="0">
+                <a:solidFill>
+                  <a:srgbClr val="C00000"/>
+                </a:solidFill>
+              </a:rPr>
+              <a:t> </a:t>
+            </a:r>
+            <a:r>
+              <a:rPr lang="de-DE" sz="1400" i="1" dirty="0" err="1">
+                <a:solidFill>
+                  <a:srgbClr val="C00000"/>
+                </a:solidFill>
+              </a:rPr>
+              <a:t>between</a:t>
+            </a:r>
+            <a:r>
+              <a:rPr lang="de-DE" sz="1400" i="1" dirty="0">
+                <a:solidFill>
+                  <a:srgbClr val="C00000"/>
+                </a:solidFill>
+              </a:rPr>
+              <a:t> </a:t>
+            </a:r>
+            <a:r>
+              <a:rPr lang="de-DE" sz="1400" i="1" dirty="0" err="1">
+                <a:solidFill>
+                  <a:srgbClr val="C00000"/>
+                </a:solidFill>
+              </a:rPr>
+              <a:t>gene</a:t>
+            </a:r>
+            <a:r>
+              <a:rPr lang="de-DE" sz="1400" i="1" dirty="0">
+                <a:solidFill>
+                  <a:srgbClr val="C00000"/>
+                </a:solidFill>
+              </a:rPr>
+              <a:t> </a:t>
+            </a:r>
+            <a:r>
+              <a:rPr lang="de-DE" sz="1400" i="1" dirty="0" err="1">
+                <a:solidFill>
+                  <a:srgbClr val="C00000"/>
+                </a:solidFill>
+              </a:rPr>
+              <a:t>expression</a:t>
+            </a:r>
+            <a:r>
+              <a:rPr lang="de-DE" sz="1400" i="1" dirty="0">
+                <a:solidFill>
+                  <a:srgbClr val="C00000"/>
+                </a:solidFill>
+              </a:rPr>
+              <a:t> &amp; </a:t>
+            </a:r>
+            <a:r>
+              <a:rPr lang="de-DE" sz="1400" i="1" dirty="0" err="1">
+                <a:solidFill>
+                  <a:srgbClr val="C00000"/>
+                </a:solidFill>
+              </a:rPr>
+              <a:t>copy</a:t>
+            </a:r>
+            <a:r>
+              <a:rPr lang="de-DE" sz="1400" i="1" dirty="0">
+                <a:solidFill>
+                  <a:srgbClr val="C00000"/>
+                </a:solidFill>
+              </a:rPr>
+              <a:t> </a:t>
+            </a:r>
+            <a:r>
+              <a:rPr lang="de-DE" sz="1400" i="1" dirty="0" err="1">
+                <a:solidFill>
+                  <a:srgbClr val="C00000"/>
+                </a:solidFill>
+              </a:rPr>
+              <a:t>number</a:t>
+            </a:r>
+            <a:r>
+              <a:rPr lang="de-DE" sz="1400" i="1" dirty="0">
+                <a:solidFill>
+                  <a:srgbClr val="C00000"/>
+                </a:solidFill>
+              </a:rPr>
+              <a:t> &amp; </a:t>
+            </a:r>
+            <a:r>
+              <a:rPr lang="de-DE" sz="1400" i="1" dirty="0" err="1">
+                <a:solidFill>
+                  <a:srgbClr val="C00000"/>
+                </a:solidFill>
+              </a:rPr>
+              <a:t>treatment</a:t>
+            </a:r>
+            <a:r>
+              <a:rPr lang="de-DE" sz="1400" i="1" dirty="0">
+                <a:solidFill>
+                  <a:srgbClr val="C00000"/>
+                </a:solidFill>
+              </a:rPr>
+              <a:t> </a:t>
+            </a:r>
+            <a:r>
+              <a:rPr lang="de-DE" sz="1400" i="1" dirty="0" err="1">
+                <a:solidFill>
+                  <a:srgbClr val="C00000"/>
+                </a:solidFill>
+              </a:rPr>
+              <a:t>effect</a:t>
+            </a:r>
+            <a:endParaRPr lang="de-DE" sz="1400" i="1" kern="100" dirty="0">
+              <a:solidFill>
+                <a:srgbClr val="C00000"/>
+              </a:solidFill>
+              <a:cs typeface="Arial" panose="020B0604020202020204" pitchFamily="34" charset="0"/>
+            </a:endParaRPr>
+          </a:p>
+          <a:p>
+            <a:pPr lvl="1">
+              <a:lnSpc>
+                <a:spcPct val="100000"/>
+              </a:lnSpc>
+              <a:spcBef>
+                <a:spcPts val="200"/>
+              </a:spcBef>
+            </a:pPr>
+            <a:r>
+              <a:rPr lang="en-US" sz="1400" kern="100" dirty="0">
+                <a:solidFill>
+                  <a:srgbClr val="1F2328"/>
+                </a:solidFill>
+                <a:effectLst/>
+                <a:ea typeface="Arial" panose="020B0604020202020204" pitchFamily="34" charset="0"/>
+                <a:cs typeface="Arial" panose="020B0604020202020204" pitchFamily="34" charset="0"/>
+              </a:rPr>
+              <a:t>Check some of your hypothesis like - is something high/low between two conditions </a:t>
+            </a:r>
+            <a:r>
+              <a:rPr lang="en-US" sz="1400" kern="100" dirty="0" err="1">
+                <a:solidFill>
+                  <a:srgbClr val="1F2328"/>
+                </a:solidFill>
+                <a:effectLst/>
+                <a:ea typeface="Arial" panose="020B0604020202020204" pitchFamily="34" charset="0"/>
+                <a:cs typeface="Arial" panose="020B0604020202020204" pitchFamily="34" charset="0"/>
+              </a:rPr>
+              <a:t>etc</a:t>
+            </a:r>
+            <a:endParaRPr lang="en-US" sz="1400" kern="100" dirty="0">
+              <a:solidFill>
+                <a:srgbClr val="1F2328"/>
+              </a:solidFill>
+              <a:ea typeface="Arial" panose="020B0604020202020204" pitchFamily="34" charset="0"/>
+              <a:cs typeface="Arial" panose="020B0604020202020204" pitchFamily="34" charset="0"/>
+            </a:endParaRPr>
+          </a:p>
+          <a:p>
+            <a:pPr lvl="1">
+              <a:lnSpc>
+                <a:spcPct val="100000"/>
+              </a:lnSpc>
+              <a:spcBef>
+                <a:spcPts val="200"/>
+              </a:spcBef>
+            </a:pPr>
+            <a:r>
+              <a:rPr lang="de-DE" sz="1400" i="1" dirty="0" err="1">
+                <a:solidFill>
+                  <a:srgbClr val="C00000"/>
+                </a:solidFill>
+              </a:rPr>
+              <a:t>Identification</a:t>
+            </a:r>
+            <a:r>
+              <a:rPr lang="de-DE" sz="1400" i="1" dirty="0">
+                <a:solidFill>
+                  <a:srgbClr val="C00000"/>
+                </a:solidFill>
+              </a:rPr>
+              <a:t> </a:t>
+            </a:r>
+            <a:r>
+              <a:rPr lang="de-DE" sz="1400" i="1" dirty="0" err="1">
+                <a:solidFill>
+                  <a:srgbClr val="C00000"/>
+                </a:solidFill>
+              </a:rPr>
+              <a:t>of</a:t>
+            </a:r>
+            <a:r>
+              <a:rPr lang="de-DE" sz="1400" i="1" dirty="0">
+                <a:solidFill>
+                  <a:srgbClr val="C00000"/>
+                </a:solidFill>
+              </a:rPr>
+              <a:t> </a:t>
+            </a:r>
+            <a:r>
+              <a:rPr lang="de-DE" sz="1400" i="1" dirty="0" err="1">
+                <a:solidFill>
+                  <a:srgbClr val="C00000"/>
+                </a:solidFill>
+              </a:rPr>
+              <a:t>thresholds</a:t>
+            </a:r>
+            <a:r>
+              <a:rPr lang="de-DE" sz="1400" i="1" dirty="0">
+                <a:solidFill>
+                  <a:srgbClr val="C00000"/>
+                </a:solidFill>
+              </a:rPr>
+              <a:t> </a:t>
+            </a:r>
+          </a:p>
+          <a:p>
+            <a:pPr lvl="1">
+              <a:lnSpc>
+                <a:spcPct val="100000"/>
+              </a:lnSpc>
+              <a:spcBef>
+                <a:spcPts val="200"/>
+              </a:spcBef>
+            </a:pPr>
+            <a:r>
+              <a:rPr lang="en-US" sz="1400" i="1" kern="100" dirty="0">
+                <a:solidFill>
+                  <a:srgbClr val="C00000"/>
+                </a:solidFill>
+                <a:effectLst/>
+                <a:ea typeface="Arial" panose="020B0604020202020204" pitchFamily="34" charset="0"/>
+                <a:cs typeface="Arial" panose="020B0604020202020204" pitchFamily="34" charset="0"/>
+              </a:rPr>
+              <a:t>Identification of housekeeping /tumor </a:t>
+            </a:r>
+            <a:r>
+              <a:rPr lang="en-US" sz="1400" i="1" kern="100" dirty="0" err="1">
+                <a:solidFill>
+                  <a:srgbClr val="C00000"/>
+                </a:solidFill>
+                <a:effectLst/>
+                <a:ea typeface="Arial" panose="020B0604020202020204" pitchFamily="34" charset="0"/>
+                <a:cs typeface="Arial" panose="020B0604020202020204" pitchFamily="34" charset="0"/>
+              </a:rPr>
+              <a:t>supressor</a:t>
+            </a:r>
+            <a:r>
+              <a:rPr lang="en-US" sz="1400" i="1" kern="100" dirty="0">
+                <a:solidFill>
+                  <a:srgbClr val="C00000"/>
+                </a:solidFill>
+                <a:effectLst/>
+                <a:ea typeface="Arial" panose="020B0604020202020204" pitchFamily="34" charset="0"/>
+                <a:cs typeface="Arial" panose="020B0604020202020204" pitchFamily="34" charset="0"/>
+              </a:rPr>
+              <a:t> genes</a:t>
+            </a:r>
+          </a:p>
+          <a:p>
+            <a:pPr lvl="1">
+              <a:lnSpc>
+                <a:spcPct val="100000"/>
+              </a:lnSpc>
+              <a:spcBef>
+                <a:spcPts val="200"/>
+              </a:spcBef>
+            </a:pPr>
+            <a:endParaRPr lang="en-US" sz="1400" kern="100" dirty="0">
+              <a:solidFill>
+                <a:srgbClr val="1F2328"/>
+              </a:solidFill>
+              <a:effectLst/>
+              <a:ea typeface="Arial" panose="020B0604020202020204" pitchFamily="34" charset="0"/>
+              <a:cs typeface="Arial" panose="020B0604020202020204" pitchFamily="34" charset="0"/>
+            </a:endParaRPr>
+          </a:p>
+          <a:p>
+            <a:pPr marL="0" lvl="0" indent="0">
+              <a:lnSpc>
+                <a:spcPct val="100000"/>
+              </a:lnSpc>
+              <a:spcBef>
+                <a:spcPts val="300"/>
+              </a:spcBef>
+              <a:spcAft>
+                <a:spcPts val="800"/>
+              </a:spcAft>
+              <a:buSzPts val="1000"/>
+              <a:buNone/>
+              <a:tabLst>
+                <a:tab pos="457200" algn="l"/>
+              </a:tabLst>
+            </a:pPr>
+            <a:endParaRPr lang="de-DE" sz="1100" dirty="0">
+              <a:effectLst/>
+              <a:ea typeface="Times New Roman" panose="02020603050405020304" pitchFamily="18" charset="0"/>
+              <a:cs typeface="Arial" panose="020B0604020202020204" pitchFamily="34" charset="0"/>
+            </a:endParaRPr>
+          </a:p>
+        </p:txBody>
+      </p:sp>
+      <p:sp>
+        <p:nvSpPr>
+          <p:cNvPr id="4" name="Foliennummernplatzhalter 3">
+            <a:extLst>
+              <a:ext uri="{FF2B5EF4-FFF2-40B4-BE49-F238E27FC236}">
+                <a16:creationId xmlns:a16="http://schemas.microsoft.com/office/drawing/2014/main" id="{32FB03C4-85BF-0839-D2CD-ABD61F11E750}"/>
+              </a:ext>
+            </a:extLst>
+          </p:cNvPr>
+          <p:cNvSpPr>
+            <a:spLocks noGrp="1"/>
+          </p:cNvSpPr>
+          <p:nvPr>
+            <p:ph type="sldNum" sz="quarter" idx="12"/>
+          </p:nvPr>
+        </p:nvSpPr>
+        <p:spPr/>
+        <p:txBody>
+          <a:bodyPr/>
+          <a:lstStyle/>
+          <a:p>
+            <a:fld id="{0D3027C9-B0A7-44EF-8D79-5CE31909392B}" type="slidenum">
+              <a:rPr lang="de-DE" smtClean="0"/>
+              <a:t>12</a:t>
+            </a:fld>
+            <a:endParaRPr lang="de-DE"/>
+          </a:p>
+        </p:txBody>
+      </p:sp>
+    </p:spTree>
+    <p:extLst>
+      <p:ext uri="{BB962C8B-B14F-4D97-AF65-F5344CB8AC3E}">
+        <p14:creationId xmlns:p14="http://schemas.microsoft.com/office/powerpoint/2010/main" val="3106917998"/>
+      </p:ext>
+    </p:extLst>
+  </p:cSld>
+  <p:clrMapOvr>
+    <a:masterClrMapping/>
+  </p:clrMapOvr>
+</p:sld>
+</file>
+
+<file path=ppt/slides/slide13.xml><?xml version="1.0" encoding="utf-8"?>
+<p:sld xmlns:a="http://schemas.openxmlformats.org/drawingml/2006/main" xmlns:r="http://schemas.openxmlformats.org/officeDocument/2006/relationships" xmlns:p="http://schemas.openxmlformats.org/presentationml/2006/main">
+  <p:cSld>
+    <p:spTree>
+      <p:nvGrpSpPr>
+        <p:cNvPr id="1" name=""/>
+        <p:cNvGrpSpPr/>
+        <p:nvPr/>
+      </p:nvGrpSpPr>
+      <p:grpSpPr>
+        <a:xfrm>
+          <a:off x="0" y="0"/>
+          <a:ext cx="0" cy="0"/>
+          <a:chOff x="0" y="0"/>
+          <a:chExt cx="0" cy="0"/>
+        </a:xfrm>
+      </p:grpSpPr>
+      <p:sp>
+        <p:nvSpPr>
+          <p:cNvPr id="2" name="Titel 1">
+            <a:extLst>
+              <a:ext uri="{FF2B5EF4-FFF2-40B4-BE49-F238E27FC236}">
+                <a16:creationId xmlns:a16="http://schemas.microsoft.com/office/drawing/2014/main" id="{C45EEC0D-DFF6-9EFA-1948-E75345E5F82E}"/>
+              </a:ext>
+            </a:extLst>
+          </p:cNvPr>
+          <p:cNvSpPr>
+            <a:spLocks noGrp="1"/>
+          </p:cNvSpPr>
+          <p:nvPr>
+            <p:ph type="title"/>
+          </p:nvPr>
+        </p:nvSpPr>
+        <p:spPr/>
+        <p:txBody>
+          <a:bodyPr/>
+          <a:lstStyle/>
+          <a:p>
+            <a:r>
               <a:rPr lang="en-US" dirty="0"/>
               <a:t>Steps and to-do‘s </a:t>
             </a:r>
@@ -8167,7 +10535,7 @@
           <a:p>
             <a:fld id="{0D3027C9-B0A7-44EF-8D79-5CE31909392B}" type="slidenum">
               <a:rPr lang="en-US" smtClean="0"/>
-              <a:t>12</a:t>
+              <a:t>13</a:t>
             </a:fld>
             <a:endParaRPr lang="en-US" dirty="0"/>
           </a:p>
@@ -8186,7 +10554,7 @@
 </p:sld>
 </file>
 
-<file path=ppt/slides/slide13.xml><?xml version="1.0" encoding="utf-8"?>
+<file path=ppt/slides/slide14.xml><?xml version="1.0" encoding="utf-8"?>
 <p:sld xmlns:a="http://schemas.openxmlformats.org/drawingml/2006/main" xmlns:r="http://schemas.openxmlformats.org/officeDocument/2006/relationships" xmlns:p="http://schemas.openxmlformats.org/presentationml/2006/main">
   <p:cSld>
     <p:spTree>
@@ -9098,7 +11466,7 @@
           <a:p>
             <a:fld id="{0D3027C9-B0A7-44EF-8D79-5CE31909392B}" type="slidenum">
               <a:rPr lang="de-DE" smtClean="0"/>
-              <a:t>13</a:t>
+              <a:t>14</a:t>
             </a:fld>
             <a:endParaRPr lang="de-DE"/>
           </a:p>
@@ -9117,7 +11485,7 @@
 </p:sld>
 </file>
 
-<file path=ppt/slides/slide14.xml><?xml version="1.0" encoding="utf-8"?>
+<file path=ppt/slides/slide15.xml><?xml version="1.0" encoding="utf-8"?>
 <p:sld xmlns:a="http://schemas.openxmlformats.org/drawingml/2006/main" xmlns:r="http://schemas.openxmlformats.org/officeDocument/2006/relationships" xmlns:p="http://schemas.openxmlformats.org/presentationml/2006/main">
   <p:cSld>
     <p:spTree>
@@ -9219,7 +11587,7 @@
           <a:p>
             <a:fld id="{0D3027C9-B0A7-44EF-8D79-5CE31909392B}" type="slidenum">
               <a:rPr lang="de-DE" smtClean="0"/>
-              <a:t>14</a:t>
+              <a:t>15</a:t>
             </a:fld>
             <a:endParaRPr lang="de-DE"/>
           </a:p>
@@ -9238,7 +11606,7 @@
 </p:sld>
 </file>
 
-<file path=ppt/slides/slide15.xml><?xml version="1.0" encoding="utf-8"?>
+<file path=ppt/slides/slide16.xml><?xml version="1.0" encoding="utf-8"?>
 <p:sld xmlns:a="http://schemas.openxmlformats.org/drawingml/2006/main" xmlns:r="http://schemas.openxmlformats.org/officeDocument/2006/relationships" xmlns:p="http://schemas.openxmlformats.org/presentationml/2006/main">
   <p:cSld>
     <p:spTree>
@@ -9385,7 +11753,7 @@
           <a:p>
             <a:fld id="{0D3027C9-B0A7-44EF-8D79-5CE31909392B}" type="slidenum">
               <a:rPr lang="de-DE" smtClean="0"/>
-              <a:t>15</a:t>
+              <a:t>16</a:t>
             </a:fld>
             <a:endParaRPr lang="de-DE"/>
           </a:p>
@@ -9404,7 +11772,7 @@
 </p:sld>
 </file>
 
-<file path=ppt/slides/slide16.xml><?xml version="1.0" encoding="utf-8"?>
+<file path=ppt/slides/slide17.xml><?xml version="1.0" encoding="utf-8"?>
 <p:sld xmlns:a="http://schemas.openxmlformats.org/drawingml/2006/main" xmlns:r="http://schemas.openxmlformats.org/officeDocument/2006/relationships" xmlns:p="http://schemas.openxmlformats.org/presentationml/2006/main">
   <p:cSld>
     <p:spTree>
@@ -9469,7 +11837,7 @@
           <a:p>
             <a:fld id="{0D3027C9-B0A7-44EF-8D79-5CE31909392B}" type="slidenum">
               <a:rPr lang="de-DE" smtClean="0"/>
-              <a:t>16</a:t>
+              <a:t>17</a:t>
             </a:fld>
             <a:endParaRPr lang="de-DE"/>
           </a:p>
@@ -9559,7 +11927,110 @@
           <a:bodyPr/>
           <a:lstStyle/>
           <a:p>
+            <a:r>
+              <a:rPr lang="de-DE" dirty="0"/>
+              <a:t>3 </a:t>
+            </a:r>
+            <a:r>
+              <a:rPr lang="de-DE" dirty="0" err="1"/>
+              <a:t>benefits</a:t>
+            </a:r>
             <a:endParaRPr lang="de-DE" dirty="0"/>
+          </a:p>
+          <a:p>
+            <a:pPr lvl="1"/>
+            <a:r>
+              <a:rPr lang="de-DE" dirty="0"/>
+              <a:t>Lower </a:t>
+            </a:r>
+            <a:r>
+              <a:rPr lang="de-DE" dirty="0" err="1"/>
+              <a:t>risk</a:t>
+            </a:r>
+            <a:r>
+              <a:rPr lang="de-DE" dirty="0"/>
+              <a:t> </a:t>
+            </a:r>
+            <a:r>
+              <a:rPr lang="de-DE" dirty="0" err="1"/>
+              <a:t>for</a:t>
+            </a:r>
+            <a:r>
+              <a:rPr lang="de-DE" dirty="0"/>
+              <a:t> </a:t>
+            </a:r>
+            <a:r>
+              <a:rPr lang="de-DE" dirty="0" err="1"/>
+              <a:t>failure</a:t>
+            </a:r>
+            <a:endParaRPr lang="de-DE" dirty="0"/>
+          </a:p>
+          <a:p>
+            <a:pPr lvl="1"/>
+            <a:r>
+              <a:rPr lang="de-DE" dirty="0"/>
+              <a:t>Development </a:t>
+            </a:r>
+            <a:r>
+              <a:rPr lang="de-DE" dirty="0" err="1"/>
+              <a:t>takes</a:t>
+            </a:r>
+            <a:r>
+              <a:rPr lang="de-DE" dirty="0"/>
+              <a:t> </a:t>
+            </a:r>
+            <a:r>
+              <a:rPr lang="de-DE" dirty="0" err="1"/>
+              <a:t>less</a:t>
+            </a:r>
+            <a:r>
+              <a:rPr lang="de-DE" dirty="0"/>
+              <a:t> time</a:t>
+            </a:r>
+          </a:p>
+          <a:p>
+            <a:pPr lvl="1"/>
+            <a:r>
+              <a:rPr lang="de-DE" dirty="0" err="1"/>
+              <a:t>Less</a:t>
+            </a:r>
+            <a:r>
+              <a:rPr lang="de-DE" dirty="0"/>
+              <a:t> </a:t>
+            </a:r>
+            <a:r>
+              <a:rPr lang="de-DE" dirty="0" err="1"/>
+              <a:t>investment</a:t>
+            </a:r>
+            <a:r>
+              <a:rPr lang="de-DE" dirty="0"/>
+              <a:t> </a:t>
+            </a:r>
+          </a:p>
+          <a:p>
+            <a:pPr lvl="1"/>
+            <a:endParaRPr lang="de-DE" dirty="0"/>
+          </a:p>
+          <a:p>
+            <a:r>
+              <a:rPr lang="de-DE" dirty="0" err="1"/>
+              <a:t>Approaches</a:t>
+            </a:r>
+            <a:endParaRPr lang="de-DE" dirty="0"/>
+          </a:p>
+          <a:p>
+            <a:pPr lvl="1"/>
+            <a:r>
+              <a:rPr lang="de-DE" dirty="0"/>
+              <a:t>Computational </a:t>
+            </a:r>
+          </a:p>
+          <a:p>
+            <a:pPr lvl="1"/>
+            <a:r>
+              <a:rPr lang="de-DE" dirty="0"/>
+              <a:t>experimental</a:t>
+            </a:r>
           </a:p>
         </p:txBody>
       </p:sp>
@@ -9929,6 +12400,36 @@
               <a:t>4</a:t>
             </a:fld>
             <a:endParaRPr lang="de-DE"/>
+          </a:p>
+        </p:txBody>
+      </p:sp>
+      <p:sp>
+        <p:nvSpPr>
+          <p:cNvPr id="3" name="Inhaltsplatzhalter 2">
+            <a:extLst>
+              <a:ext uri="{FF2B5EF4-FFF2-40B4-BE49-F238E27FC236}">
+                <a16:creationId xmlns:a16="http://schemas.microsoft.com/office/drawing/2014/main" id="{1DDCD100-DAB5-3DA9-A978-0BD6311771F9}"/>
+              </a:ext>
+            </a:extLst>
+          </p:cNvPr>
+          <p:cNvSpPr>
+            <a:spLocks noGrp="1"/>
+          </p:cNvSpPr>
+          <p:nvPr>
+            <p:ph idx="1"/>
+          </p:nvPr>
+        </p:nvSpPr>
+        <p:spPr>
+          <a:xfrm>
+            <a:off x="838200" y="1556238"/>
+            <a:ext cx="10515600" cy="4620725"/>
+          </a:xfrm>
+        </p:spPr>
+        <p:txBody>
+          <a:bodyPr/>
+          <a:lstStyle/>
+          <a:p>
+            <a:endParaRPr lang="de-DE" dirty="0"/>
           </a:p>
         </p:txBody>
       </p:sp>
@@ -10301,6 +12802,361 @@
 </file>
 
 <file path=ppt/slides/slide6.xml><?xml version="1.0" encoding="utf-8"?>
+<p:sld xmlns:a="http://schemas.openxmlformats.org/drawingml/2006/main" xmlns:r="http://schemas.openxmlformats.org/officeDocument/2006/relationships" xmlns:p="http://schemas.openxmlformats.org/presentationml/2006/main" show="0">
+  <p:cSld>
+    <p:spTree>
+      <p:nvGrpSpPr>
+        <p:cNvPr id="1" name=""/>
+        <p:cNvGrpSpPr/>
+        <p:nvPr/>
+      </p:nvGrpSpPr>
+      <p:grpSpPr>
+        <a:xfrm>
+          <a:off x="0" y="0"/>
+          <a:ext cx="0" cy="0"/>
+          <a:chOff x="0" y="0"/>
+          <a:chExt cx="0" cy="0"/>
+        </a:xfrm>
+      </p:grpSpPr>
+      <p:sp>
+        <p:nvSpPr>
+          <p:cNvPr id="2" name="Titel 1">
+            <a:extLst>
+              <a:ext uri="{FF2B5EF4-FFF2-40B4-BE49-F238E27FC236}">
+                <a16:creationId xmlns:a16="http://schemas.microsoft.com/office/drawing/2014/main" id="{EA79D227-51F1-8762-A9A1-4CEE300E4BEB}"/>
+              </a:ext>
+            </a:extLst>
+          </p:cNvPr>
+          <p:cNvSpPr>
+            <a:spLocks noGrp="1"/>
+          </p:cNvSpPr>
+          <p:nvPr>
+            <p:ph type="title"/>
+          </p:nvPr>
+        </p:nvSpPr>
+        <p:spPr/>
+        <p:txBody>
+          <a:bodyPr/>
+          <a:lstStyle/>
+          <a:p>
+            <a:r>
+              <a:rPr lang="de-DE" dirty="0" err="1"/>
+              <a:t>prism</a:t>
+            </a:r>
+            <a:endParaRPr lang="de-DE" dirty="0"/>
+          </a:p>
+        </p:txBody>
+      </p:sp>
+      <p:graphicFrame>
+        <p:nvGraphicFramePr>
+          <p:cNvPr id="7" name="Inhaltsplatzhalter 7">
+            <a:extLst>
+              <a:ext uri="{FF2B5EF4-FFF2-40B4-BE49-F238E27FC236}">
+                <a16:creationId xmlns:a16="http://schemas.microsoft.com/office/drawing/2014/main" id="{E998CCA8-6D09-5153-71D3-930CD39606E7}"/>
+              </a:ext>
+            </a:extLst>
+          </p:cNvPr>
+          <p:cNvGraphicFramePr>
+            <a:graphicFrameLocks/>
+          </p:cNvGraphicFramePr>
+          <p:nvPr/>
+        </p:nvGraphicFramePr>
+        <p:xfrm>
+          <a:off x="838200" y="1556238"/>
+          <a:ext cx="4396273" cy="1010920"/>
+        </p:xfrm>
+        <a:graphic>
+          <a:graphicData uri="http://schemas.openxmlformats.org/drawingml/2006/table">
+            <a:tbl>
+              <a:tblPr firstRow="1" bandRow="1">
+                <a:tableStyleId>{F5AB1C69-6EDB-4FF4-983F-18BD219EF322}</a:tableStyleId>
+              </a:tblPr>
+              <a:tblGrid>
+                <a:gridCol w="1427445">
+                  <a:extLst>
+                    <a:ext uri="{9D8B030D-6E8A-4147-A177-3AD203B41FA5}">
+                      <a16:colId xmlns:a16="http://schemas.microsoft.com/office/drawing/2014/main" val="1690613930"/>
+                    </a:ext>
+                  </a:extLst>
+                </a:gridCol>
+                <a:gridCol w="2968828">
+                  <a:extLst>
+                    <a:ext uri="{9D8B030D-6E8A-4147-A177-3AD203B41FA5}">
+                      <a16:colId xmlns:a16="http://schemas.microsoft.com/office/drawing/2014/main" val="981900185"/>
+                    </a:ext>
+                  </a:extLst>
+                </a:gridCol>
+              </a:tblGrid>
+              <a:tr h="370840">
+                <a:tc>
+                  <a:txBody>
+                    <a:bodyPr/>
+                    <a:lstStyle/>
+                    <a:p>
+                      <a:endParaRPr lang="de-DE" dirty="0"/>
+                    </a:p>
+                  </a:txBody>
+                  <a:tcPr/>
+                </a:tc>
+                <a:tc>
+                  <a:txBody>
+                    <a:bodyPr/>
+                    <a:lstStyle/>
+                    <a:p>
+                      <a:r>
+                        <a:rPr lang="de-DE" dirty="0" err="1"/>
+                        <a:t>treatment</a:t>
+                      </a:r>
+                      <a:endParaRPr lang="de-DE" dirty="0"/>
+                    </a:p>
+                  </a:txBody>
+                  <a:tcPr/>
+                </a:tc>
+                <a:extLst>
+                  <a:ext uri="{0D108BD9-81ED-4DB2-BD59-A6C34878D82A}">
+                    <a16:rowId xmlns:a16="http://schemas.microsoft.com/office/drawing/2014/main" val="1940948449"/>
+                  </a:ext>
+                </a:extLst>
+              </a:tr>
+              <a:tr h="370840">
+                <a:tc>
+                  <a:txBody>
+                    <a:bodyPr/>
+                    <a:lstStyle/>
+                    <a:p>
+                      <a:r>
+                        <a:rPr lang="de-DE" b="1">
+                          <a:solidFill>
+                            <a:schemeClr val="bg1"/>
+                          </a:solidFill>
+                        </a:rPr>
+                        <a:t>Cell lines</a:t>
+                      </a:r>
+                      <a:endParaRPr lang="de-DE" b="1" dirty="0">
+                        <a:solidFill>
+                          <a:schemeClr val="bg1"/>
+                        </a:solidFill>
+                      </a:endParaRPr>
+                    </a:p>
+                  </a:txBody>
+                  <a:tcPr>
+                    <a:solidFill>
+                      <a:schemeClr val="bg1">
+                        <a:lumMod val="65000"/>
+                      </a:schemeClr>
+                    </a:solidFill>
+                  </a:tcPr>
+                </a:tc>
+                <a:tc>
+                  <a:txBody>
+                    <a:bodyPr/>
+                    <a:lstStyle/>
+                    <a:p>
+                      <a:pPr marL="0" marR="0" lvl="0" indent="0" algn="l" defTabSz="914400" rtl="0" eaLnBrk="1" fontAlgn="auto" latinLnBrk="0" hangingPunct="1">
+                        <a:lnSpc>
+                          <a:spcPct val="100000"/>
+                        </a:lnSpc>
+                        <a:spcBef>
+                          <a:spcPts val="0"/>
+                        </a:spcBef>
+                        <a:spcAft>
+                          <a:spcPts val="0"/>
+                        </a:spcAft>
+                        <a:buClrTx/>
+                        <a:buSzTx/>
+                        <a:buFontTx/>
+                        <a:buNone/>
+                        <a:tabLst/>
+                        <a:defRPr/>
+                      </a:pPr>
+                      <a:r>
+                        <a:rPr lang="de-DE" dirty="0" err="1"/>
+                        <a:t>Effect</a:t>
+                      </a:r>
+                      <a:r>
+                        <a:rPr lang="de-DE" dirty="0"/>
+                        <a:t> </a:t>
+                      </a:r>
+                      <a:r>
+                        <a:rPr lang="de-DE" dirty="0" err="1"/>
+                        <a:t>of</a:t>
+                      </a:r>
+                      <a:r>
+                        <a:rPr lang="de-DE" dirty="0"/>
+                        <a:t> </a:t>
+                      </a:r>
+                      <a:r>
+                        <a:rPr lang="de-DE" dirty="0" err="1"/>
+                        <a:t>treatment</a:t>
+                      </a:r>
+                      <a:r>
+                        <a:rPr lang="de-DE" dirty="0"/>
+                        <a:t> on </a:t>
+                      </a:r>
+                      <a:r>
+                        <a:rPr lang="de-DE" dirty="0" err="1"/>
+                        <a:t>cell</a:t>
+                      </a:r>
+                      <a:r>
+                        <a:rPr lang="de-DE" dirty="0"/>
+                        <a:t> </a:t>
+                      </a:r>
+                      <a:r>
+                        <a:rPr lang="de-DE" dirty="0" err="1"/>
+                        <a:t>growth</a:t>
+                      </a:r>
+                      <a:r>
+                        <a:rPr lang="en-US" dirty="0"/>
+                        <a:t> </a:t>
+                      </a:r>
+                      <a:endParaRPr lang="de-DE" dirty="0"/>
+                    </a:p>
+                  </a:txBody>
+                  <a:tcPr/>
+                </a:tc>
+                <a:extLst>
+                  <a:ext uri="{0D108BD9-81ED-4DB2-BD59-A6C34878D82A}">
+                    <a16:rowId xmlns:a16="http://schemas.microsoft.com/office/drawing/2014/main" val="3913900156"/>
+                  </a:ext>
+                </a:extLst>
+              </a:tr>
+            </a:tbl>
+          </a:graphicData>
+        </a:graphic>
+      </p:graphicFrame>
+      <p:pic>
+        <p:nvPicPr>
+          <p:cNvPr id="1026" name="Picture 2" descr="Figure 1">
+            <a:extLst>
+              <a:ext uri="{FF2B5EF4-FFF2-40B4-BE49-F238E27FC236}">
+                <a16:creationId xmlns:a16="http://schemas.microsoft.com/office/drawing/2014/main" id="{65A16476-7280-D0FF-8D00-DD56B5546756}"/>
+              </a:ext>
+            </a:extLst>
+          </p:cNvPr>
+          <p:cNvPicPr>
+            <a:picLocks noChangeAspect="1" noChangeArrowheads="1"/>
+          </p:cNvPicPr>
+          <p:nvPr/>
+        </p:nvPicPr>
+        <p:blipFill>
+          <a:blip r:embed="rId3">
+            <a:extLst>
+              <a:ext uri="{28A0092B-C50C-407E-A947-70E740481C1C}">
+                <a14:useLocalDpi xmlns:a14="http://schemas.microsoft.com/office/drawing/2010/main" val="0"/>
+              </a:ext>
+            </a:extLst>
+          </a:blip>
+          <a:srcRect/>
+          <a:stretch>
+            <a:fillRect/>
+          </a:stretch>
+        </p:blipFill>
+        <p:spPr bwMode="auto">
+          <a:xfrm>
+            <a:off x="8945836" y="1556238"/>
+            <a:ext cx="2051199" cy="4713395"/>
+          </a:xfrm>
+          <a:prstGeom prst="rect">
+            <a:avLst/>
+          </a:prstGeom>
+          <a:noFill/>
+          <a:extLst>
+            <a:ext uri="{909E8E84-426E-40DD-AFC4-6F175D3DCCD1}">
+              <a14:hiddenFill xmlns:a14="http://schemas.microsoft.com/office/drawing/2010/main">
+                <a:solidFill>
+                  <a:srgbClr val="FFFFFF"/>
+                </a:solidFill>
+              </a14:hiddenFill>
+            </a:ext>
+          </a:extLst>
+        </p:spPr>
+      </p:pic>
+      <p:sp>
+        <p:nvSpPr>
+          <p:cNvPr id="3" name="Foliennummernplatzhalter 2">
+            <a:extLst>
+              <a:ext uri="{FF2B5EF4-FFF2-40B4-BE49-F238E27FC236}">
+                <a16:creationId xmlns:a16="http://schemas.microsoft.com/office/drawing/2014/main" id="{E02C89AE-D7A5-3A9E-AE71-7917ED2F12E7}"/>
+              </a:ext>
+            </a:extLst>
+          </p:cNvPr>
+          <p:cNvSpPr>
+            <a:spLocks noGrp="1"/>
+          </p:cNvSpPr>
+          <p:nvPr>
+            <p:ph type="sldNum" sz="quarter" idx="12"/>
+          </p:nvPr>
+        </p:nvSpPr>
+        <p:spPr/>
+        <p:txBody>
+          <a:bodyPr/>
+          <a:lstStyle/>
+          <a:p>
+            <a:fld id="{0D3027C9-B0A7-44EF-8D79-5CE31909392B}" type="slidenum">
+              <a:rPr lang="de-DE" smtClean="0"/>
+              <a:t>6</a:t>
+            </a:fld>
+            <a:endParaRPr lang="de-DE"/>
+          </a:p>
+        </p:txBody>
+      </p:sp>
+      <p:pic>
+        <p:nvPicPr>
+          <p:cNvPr id="9" name="Inhaltsplatzhalter 8">
+            <a:extLst>
+              <a:ext uri="{FF2B5EF4-FFF2-40B4-BE49-F238E27FC236}">
+                <a16:creationId xmlns:a16="http://schemas.microsoft.com/office/drawing/2014/main" id="{A80EDECD-C9D0-303C-407C-4CA78755FCF9}"/>
+              </a:ext>
+            </a:extLst>
+          </p:cNvPr>
+          <p:cNvPicPr>
+            <a:picLocks noGrp="1" noChangeAspect="1"/>
+          </p:cNvPicPr>
+          <p:nvPr>
+            <p:ph idx="1"/>
+          </p:nvPr>
+        </p:nvPicPr>
+        <p:blipFill>
+          <a:blip r:embed="rId4">
+            <a:clrChange>
+              <a:clrFrom>
+                <a:srgbClr val="FFFFFF"/>
+              </a:clrFrom>
+              <a:clrTo>
+                <a:srgbClr val="FFFFFF">
+                  <a:alpha val="0"/>
+                </a:srgbClr>
+              </a:clrTo>
+            </a:clrChange>
+          </a:blip>
+          <a:stretch>
+            <a:fillRect/>
+          </a:stretch>
+        </p:blipFill>
+        <p:spPr>
+          <a:xfrm>
+            <a:off x="235379" y="2299115"/>
+            <a:ext cx="8484078" cy="4558885"/>
+          </a:xfrm>
+          <a:prstGeom prst="rect">
+            <a:avLst/>
+          </a:prstGeom>
+        </p:spPr>
+      </p:pic>
+    </p:spTree>
+    <p:extLst>
+      <p:ext uri="{BB962C8B-B14F-4D97-AF65-F5344CB8AC3E}">
+        <p14:creationId xmlns:p14="http://schemas.microsoft.com/office/powerpoint/2010/main" val="2103211795"/>
+      </p:ext>
+    </p:extLst>
+  </p:cSld>
+  <p:clrMapOvr>
+    <a:masterClrMapping/>
+  </p:clrMapOvr>
+</p:sld>
+</file>
+
+<file path=ppt/slides/slide7.xml><?xml version="1.0" encoding="utf-8"?>
 <p:sld xmlns:a="http://schemas.openxmlformats.org/drawingml/2006/main" xmlns:r="http://schemas.openxmlformats.org/officeDocument/2006/relationships" xmlns:p="http://schemas.openxmlformats.org/presentationml/2006/main">
   <p:cSld>
     <p:spTree>
@@ -10485,43 +13341,6 @@
           </a:graphicData>
         </a:graphic>
       </p:graphicFrame>
-      <p:pic>
-        <p:nvPicPr>
-          <p:cNvPr id="4" name="Inhaltsplatzhalter 3">
-            <a:extLst>
-              <a:ext uri="{FF2B5EF4-FFF2-40B4-BE49-F238E27FC236}">
-                <a16:creationId xmlns:a16="http://schemas.microsoft.com/office/drawing/2014/main" id="{7B0F97BB-A6E9-3242-EEBC-A7A8CA0BF144}"/>
-              </a:ext>
-            </a:extLst>
-          </p:cNvPr>
-          <p:cNvPicPr>
-            <a:picLocks noGrp="1" noChangeAspect="1"/>
-          </p:cNvPicPr>
-          <p:nvPr>
-            <p:ph idx="1"/>
-          </p:nvPr>
-        </p:nvPicPr>
-        <p:blipFill rotWithShape="1">
-          <a:blip r:embed="rId3">
-            <a:extLst>
-              <a:ext uri="{28A0092B-C50C-407E-A947-70E740481C1C}">
-                <a14:useLocalDpi xmlns:a14="http://schemas.microsoft.com/office/drawing/2010/main" val="0"/>
-              </a:ext>
-            </a:extLst>
-          </a:blip>
-          <a:srcRect l="1097"/>
-          <a:stretch/>
-        </p:blipFill>
-        <p:spPr>
-          <a:xfrm>
-            <a:off x="670249" y="2504900"/>
-            <a:ext cx="6514322" cy="3987975"/>
-          </a:xfrm>
-          <a:prstGeom prst="rect">
-            <a:avLst/>
-          </a:prstGeom>
-        </p:spPr>
-      </p:pic>
       <p:sp>
         <p:nvSpPr>
           <p:cNvPr id="3" name="Foliennummernplatzhalter 2">
@@ -10545,12 +13364,43 @@
           <a:p>
             <a:fld id="{0D3027C9-B0A7-44EF-8D79-5CE31909392B}" type="slidenum">
               <a:rPr lang="de-DE" smtClean="0"/>
-              <a:t>6</a:t>
+              <a:t>7</a:t>
             </a:fld>
             <a:endParaRPr lang="de-DE"/>
           </a:p>
         </p:txBody>
       </p:sp>
+      <p:pic>
+        <p:nvPicPr>
+          <p:cNvPr id="16" name="Inhaltsplatzhalter 15">
+            <a:extLst>
+              <a:ext uri="{FF2B5EF4-FFF2-40B4-BE49-F238E27FC236}">
+                <a16:creationId xmlns:a16="http://schemas.microsoft.com/office/drawing/2014/main" id="{8B5B21C2-5471-7E2C-9556-1986703B02E4}"/>
+              </a:ext>
+            </a:extLst>
+          </p:cNvPr>
+          <p:cNvPicPr>
+            <a:picLocks noGrp="1" noChangeAspect="1"/>
+          </p:cNvPicPr>
+          <p:nvPr>
+            <p:ph idx="1"/>
+          </p:nvPr>
+        </p:nvPicPr>
+        <p:blipFill rotWithShape="1">
+          <a:blip r:embed="rId3"/>
+          <a:srcRect t="7801"/>
+          <a:stretch/>
+        </p:blipFill>
+        <p:spPr>
+          <a:xfrm>
+            <a:off x="619994" y="2460746"/>
+            <a:ext cx="5705097" cy="4260729"/>
+          </a:xfrm>
+          <a:prstGeom prst="rect">
+            <a:avLst/>
+          </a:prstGeom>
+        </p:spPr>
+      </p:pic>
     </p:spTree>
     <p:extLst>
       <p:ext uri="{BB962C8B-B14F-4D97-AF65-F5344CB8AC3E}">
@@ -10564,7 +13414,7 @@
 </p:sld>
 </file>
 
-<file path=ppt/slides/slide7.xml><?xml version="1.0" encoding="utf-8"?>
+<file path=ppt/slides/slide8.xml><?xml version="1.0" encoding="utf-8"?>
 <p:sld xmlns:a="http://schemas.openxmlformats.org/drawingml/2006/main" xmlns:r="http://schemas.openxmlformats.org/officeDocument/2006/relationships" xmlns:p="http://schemas.openxmlformats.org/presentationml/2006/main">
   <p:cSld>
     <p:spTree>
@@ -10625,13 +13475,13 @@
           <p:nvPr>
             <p:extLst>
               <p:ext uri="{D42A27DB-BD31-4B8C-83A1-F6EECF244321}">
-                <p14:modId xmlns:p14="http://schemas.microsoft.com/office/powerpoint/2010/main" val="4107533981"/>
+                <p14:modId xmlns:p14="http://schemas.microsoft.com/office/powerpoint/2010/main" val="1282893959"/>
               </p:ext>
             </p:extLst>
           </p:nvPr>
         </p:nvGraphicFramePr>
         <p:xfrm>
-          <a:off x="838200" y="1556238"/>
+          <a:off x="431800" y="1556237"/>
           <a:ext cx="4396273" cy="1010920"/>
         </p:xfrm>
         <a:graphic>
@@ -10770,41 +13620,6 @@
           </a:graphicData>
         </a:graphic>
       </p:graphicFrame>
-      <p:pic>
-        <p:nvPicPr>
-          <p:cNvPr id="8" name="Inhaltsplatzhalter 7">
-            <a:extLst>
-              <a:ext uri="{FF2B5EF4-FFF2-40B4-BE49-F238E27FC236}">
-                <a16:creationId xmlns:a16="http://schemas.microsoft.com/office/drawing/2014/main" id="{BB5DBDD7-DF66-B12A-310A-842A34F62F9D}"/>
-              </a:ext>
-            </a:extLst>
-          </p:cNvPr>
-          <p:cNvPicPr>
-            <a:picLocks noGrp="1" noChangeAspect="1"/>
-          </p:cNvPicPr>
-          <p:nvPr>
-            <p:ph idx="1"/>
-          </p:nvPr>
-        </p:nvPicPr>
-        <p:blipFill>
-          <a:blip r:embed="rId3">
-            <a:extLst>
-              <a:ext uri="{28A0092B-C50C-407E-A947-70E740481C1C}">
-                <a14:useLocalDpi xmlns:a14="http://schemas.microsoft.com/office/drawing/2010/main" val="0"/>
-              </a:ext>
-            </a:extLst>
-          </a:blip>
-          <a:stretch>
-            <a:fillRect/>
-          </a:stretch>
-        </p:blipFill>
-        <p:spPr>
-          <a:xfrm>
-            <a:off x="735563" y="2749233"/>
-            <a:ext cx="6374364" cy="3934553"/>
-          </a:xfrm>
-        </p:spPr>
-      </p:pic>
       <p:sp>
         <p:nvSpPr>
           <p:cNvPr id="3" name="Foliennummernplatzhalter 2">
@@ -10828,7 +13643,7 @@
           <a:p>
             <a:fld id="{0D3027C9-B0A7-44EF-8D79-5CE31909392B}" type="slidenum">
               <a:rPr lang="de-DE" smtClean="0"/>
-              <a:t>7</a:t>
+              <a:t>8</a:t>
             </a:fld>
             <a:endParaRPr lang="de-DE"/>
           </a:p>
@@ -10849,15 +13664,149 @@
           <p:nvPr/>
         </p:nvPicPr>
         <p:blipFill>
-          <a:blip r:embed="rId4"/>
+          <a:blip r:embed="rId3"/>
           <a:stretch>
             <a:fillRect/>
           </a:stretch>
         </p:blipFill>
         <p:spPr>
           <a:xfrm>
-            <a:off x="6543040" y="1377830"/>
-            <a:ext cx="5360352" cy="1590814"/>
+            <a:off x="6780122" y="817258"/>
+            <a:ext cx="4980078" cy="1477958"/>
+          </a:xfrm>
+          <a:prstGeom prst="rect">
+            <a:avLst/>
+          </a:prstGeom>
+        </p:spPr>
+      </p:pic>
+      <p:sp>
+        <p:nvSpPr>
+          <p:cNvPr id="4" name="AutoShape 2">
+            <a:extLst>
+              <a:ext uri="{FF2B5EF4-FFF2-40B4-BE49-F238E27FC236}">
+                <a16:creationId xmlns:a16="http://schemas.microsoft.com/office/drawing/2014/main" id="{EFEB2ACE-F585-B1BF-C1F9-3C00774F359A}"/>
+              </a:ext>
+            </a:extLst>
+          </p:cNvPr>
+          <p:cNvSpPr>
+            <a:spLocks noChangeAspect="1" noChangeArrowheads="1"/>
+          </p:cNvSpPr>
+          <p:nvPr/>
+        </p:nvSpPr>
+        <p:spPr bwMode="auto">
+          <a:xfrm>
+            <a:off x="5943600" y="3276600"/>
+            <a:ext cx="304800" cy="304800"/>
+          </a:xfrm>
+          <a:prstGeom prst="rect">
+            <a:avLst/>
+          </a:prstGeom>
+          <a:noFill/>
+          <a:extLst>
+            <a:ext uri="{909E8E84-426E-40DD-AFC4-6F175D3DCCD1}">
+              <a14:hiddenFill xmlns:a14="http://schemas.microsoft.com/office/drawing/2010/main">
+                <a:solidFill>
+                  <a:srgbClr val="FFFFFF"/>
+                </a:solidFill>
+              </a14:hiddenFill>
+            </a:ext>
+          </a:extLst>
+        </p:spPr>
+        <p:txBody>
+          <a:bodyPr vert="horz" wrap="square" lIns="91440" tIns="45720" rIns="91440" bIns="45720" numCol="1" anchor="t" anchorCtr="0" compatLnSpc="1">
+            <a:prstTxWarp prst="textNoShape">
+              <a:avLst/>
+            </a:prstTxWarp>
+          </a:bodyPr>
+          <a:lstStyle/>
+          <a:p>
+            <a:endParaRPr lang="en-US"/>
+          </a:p>
+        </p:txBody>
+      </p:sp>
+      <p:pic>
+        <p:nvPicPr>
+          <p:cNvPr id="13" name="Inhaltsplatzhalter 12">
+            <a:extLst>
+              <a:ext uri="{FF2B5EF4-FFF2-40B4-BE49-F238E27FC236}">
+                <a16:creationId xmlns:a16="http://schemas.microsoft.com/office/drawing/2014/main" id="{D0F11201-C12D-CB3A-F5EB-C24630CBE3FA}"/>
+              </a:ext>
+            </a:extLst>
+          </p:cNvPr>
+          <p:cNvPicPr>
+            <a:picLocks noGrp="1" noChangeAspect="1"/>
+          </p:cNvPicPr>
+          <p:nvPr>
+            <p:ph idx="1"/>
+          </p:nvPr>
+        </p:nvPicPr>
+        <p:blipFill>
+          <a:blip r:embed="rId4">
+            <a:clrChange>
+              <a:clrFrom>
+                <a:srgbClr val="FFFFFF"/>
+              </a:clrFrom>
+              <a:clrTo>
+                <a:srgbClr val="FFFFFF">
+                  <a:alpha val="0"/>
+                </a:srgbClr>
+              </a:clrTo>
+            </a:clrChange>
+            <a:extLst>
+              <a:ext uri="{28A0092B-C50C-407E-A947-70E740481C1C}">
+                <a14:useLocalDpi xmlns:a14="http://schemas.microsoft.com/office/drawing/2010/main" val="0"/>
+              </a:ext>
+            </a:extLst>
+          </a:blip>
+          <a:stretch>
+            <a:fillRect/>
+          </a:stretch>
+        </p:blipFill>
+        <p:spPr>
+          <a:xfrm>
+            <a:off x="5442857" y="2460668"/>
+            <a:ext cx="6508432" cy="4021572"/>
+          </a:xfrm>
+          <a:prstGeom prst="rect">
+            <a:avLst/>
+          </a:prstGeom>
+        </p:spPr>
+      </p:pic>
+      <p:pic>
+        <p:nvPicPr>
+          <p:cNvPr id="15" name="Grafik 14">
+            <a:extLst>
+              <a:ext uri="{FF2B5EF4-FFF2-40B4-BE49-F238E27FC236}">
+                <a16:creationId xmlns:a16="http://schemas.microsoft.com/office/drawing/2014/main" id="{32A0C419-388C-113C-8C04-0CF044F460D7}"/>
+              </a:ext>
+            </a:extLst>
+          </p:cNvPr>
+          <p:cNvPicPr>
+            <a:picLocks noChangeAspect="1"/>
+          </p:cNvPicPr>
+          <p:nvPr/>
+        </p:nvPicPr>
+        <p:blipFill>
+          <a:blip r:embed="rId5">
+            <a:clrChange>
+              <a:clrFrom>
+                <a:srgbClr val="FFFFFF"/>
+              </a:clrFrom>
+              <a:clrTo>
+                <a:srgbClr val="FFFFFF">
+                  <a:alpha val="0"/>
+                </a:srgbClr>
+              </a:clrTo>
+            </a:clrChange>
+          </a:blip>
+          <a:stretch>
+            <a:fillRect/>
+          </a:stretch>
+        </p:blipFill>
+        <p:spPr>
+          <a:xfrm>
+            <a:off x="281669" y="2732609"/>
+            <a:ext cx="5161188" cy="4100361"/>
           </a:xfrm>
           <a:prstGeom prst="rect">
             <a:avLst/>
@@ -10874,10 +13823,88 @@
   <p:clrMapOvr>
     <a:masterClrMapping/>
   </p:clrMapOvr>
+  <p:timing>
+    <p:tnLst>
+      <p:par>
+        <p:cTn id="1" dur="indefinite" restart="never" nodeType="tmRoot">
+          <p:childTnLst>
+            <p:seq concurrent="1" nextAc="seek">
+              <p:cTn id="2" restart="whenNotActive" fill="hold" evtFilter="cancelBubble" nodeType="interactiveSeq">
+                <p:stCondLst>
+                  <p:cond evt="onClick" delay="0">
+                    <p:tgtEl>
+                      <p:spTgt spid="2"/>
+                    </p:tgtEl>
+                  </p:cond>
+                </p:stCondLst>
+                <p:endSync evt="end" delay="0">
+                  <p:rtn val="all"/>
+                </p:endSync>
+                <p:childTnLst>
+                  <p:par>
+                    <p:cTn id="3" fill="hold">
+                      <p:stCondLst>
+                        <p:cond delay="0"/>
+                      </p:stCondLst>
+                      <p:childTnLst>
+                        <p:par>
+                          <p:cTn id="4" fill="hold">
+                            <p:stCondLst>
+                              <p:cond delay="0"/>
+                            </p:stCondLst>
+                            <p:childTnLst>
+                              <p:par>
+                                <p:cTn id="5" presetID="1" presetClass="entr" presetSubtype="0" fill="hold" nodeType="clickEffect">
+                                  <p:stCondLst>
+                                    <p:cond delay="0"/>
+                                  </p:stCondLst>
+                                  <p:childTnLst>
+                                    <p:set>
+                                      <p:cBhvr>
+                                        <p:cTn id="6" dur="1" fill="hold">
+                                          <p:stCondLst>
+                                            <p:cond delay="0"/>
+                                          </p:stCondLst>
+                                        </p:cTn>
+                                        <p:tgtEl>
+                                          <p:spTgt spid="5"/>
+                                        </p:tgtEl>
+                                        <p:attrNameLst>
+                                          <p:attrName>style.visibility</p:attrName>
+                                        </p:attrNameLst>
+                                      </p:cBhvr>
+                                      <p:to>
+                                        <p:strVal val="visible"/>
+                                      </p:to>
+                                    </p:set>
+                                  </p:childTnLst>
+                                </p:cTn>
+                              </p:par>
+                            </p:childTnLst>
+                          </p:cTn>
+                        </p:par>
+                      </p:childTnLst>
+                    </p:cTn>
+                  </p:par>
+                </p:childTnLst>
+              </p:cTn>
+              <p:nextCondLst>
+                <p:cond evt="onClick" delay="0">
+                  <p:tgtEl>
+                    <p:spTgt spid="2"/>
+                  </p:tgtEl>
+                </p:cond>
+              </p:nextCondLst>
+            </p:seq>
+          </p:childTnLst>
+        </p:cTn>
+      </p:par>
+    </p:tnLst>
+  </p:timing>
 </p:sld>
 </file>
 
-<file path=ppt/slides/slide8.xml><?xml version="1.0" encoding="utf-8"?>
+<file path=ppt/slides/slide9.xml><?xml version="1.0" encoding="utf-8"?>
 <p:sld xmlns:a="http://schemas.openxmlformats.org/drawingml/2006/main" xmlns:r="http://schemas.openxmlformats.org/officeDocument/2006/relationships" xmlns:p="http://schemas.openxmlformats.org/presentationml/2006/main">
   <p:cSld>
     <p:spTree>
@@ -10923,41 +13950,6 @@
           </a:p>
         </p:txBody>
       </p:sp>
-      <p:pic>
-        <p:nvPicPr>
-          <p:cNvPr id="6" name="Inhaltsplatzhalter 5">
-            <a:extLst>
-              <a:ext uri="{FF2B5EF4-FFF2-40B4-BE49-F238E27FC236}">
-                <a16:creationId xmlns:a16="http://schemas.microsoft.com/office/drawing/2014/main" id="{BF7DFEEB-47A3-CC0F-2EF2-D0F798CE43B0}"/>
-              </a:ext>
-            </a:extLst>
-          </p:cNvPr>
-          <p:cNvPicPr>
-            <a:picLocks noGrp="1" noChangeAspect="1"/>
-          </p:cNvPicPr>
-          <p:nvPr>
-            <p:ph idx="1"/>
-          </p:nvPr>
-        </p:nvPicPr>
-        <p:blipFill>
-          <a:blip r:embed="rId3">
-            <a:extLst>
-              <a:ext uri="{28A0092B-C50C-407E-A947-70E740481C1C}">
-                <a14:useLocalDpi xmlns:a14="http://schemas.microsoft.com/office/drawing/2010/main" val="0"/>
-              </a:ext>
-            </a:extLst>
-          </a:blip>
-          <a:stretch>
-            <a:fillRect/>
-          </a:stretch>
-        </p:blipFill>
-        <p:spPr>
-          <a:xfrm>
-            <a:off x="726233" y="2884892"/>
-            <a:ext cx="6029130" cy="3607983"/>
-          </a:xfrm>
-        </p:spPr>
-      </p:pic>
       <p:graphicFrame>
         <p:nvGraphicFramePr>
           <p:cNvPr id="7" name="Inhaltsplatzhalter 7">
@@ -11178,399 +14170,48 @@
           <a:p>
             <a:fld id="{0D3027C9-B0A7-44EF-8D79-5CE31909392B}" type="slidenum">
               <a:rPr lang="de-DE" smtClean="0"/>
-              <a:t>8</a:t>
+              <a:t>9</a:t>
             </a:fld>
             <a:endParaRPr lang="de-DE"/>
           </a:p>
         </p:txBody>
       </p:sp>
-    </p:spTree>
-    <p:extLst>
-      <p:ext uri="{BB962C8B-B14F-4D97-AF65-F5344CB8AC3E}">
-        <p14:creationId xmlns:p14="http://schemas.microsoft.com/office/powerpoint/2010/main" val="3436260886"/>
-      </p:ext>
-    </p:extLst>
-  </p:cSld>
-  <p:clrMapOvr>
-    <a:masterClrMapping/>
-  </p:clrMapOvr>
-</p:sld>
-</file>
-
-<file path=ppt/slides/slide9.xml><?xml version="1.0" encoding="utf-8"?>
-<p:sld xmlns:a="http://schemas.openxmlformats.org/drawingml/2006/main" xmlns:r="http://schemas.openxmlformats.org/officeDocument/2006/relationships" xmlns:p="http://schemas.openxmlformats.org/presentationml/2006/main">
-  <p:cSld>
-    <p:spTree>
-      <p:nvGrpSpPr>
-        <p:cNvPr id="1" name=""/>
-        <p:cNvGrpSpPr/>
-        <p:nvPr/>
-      </p:nvGrpSpPr>
-      <p:grpSpPr>
-        <a:xfrm>
-          <a:off x="0" y="0"/>
-          <a:ext cx="0" cy="0"/>
-          <a:chOff x="0" y="0"/>
-          <a:chExt cx="0" cy="0"/>
-        </a:xfrm>
-      </p:grpSpPr>
-      <p:sp>
-        <p:nvSpPr>
-          <p:cNvPr id="6" name="Inhaltsplatzhalter 5">
+      <p:pic>
+        <p:nvPicPr>
+          <p:cNvPr id="10" name="Inhaltsplatzhalter 9">
             <a:extLst>
               <a:ext uri="{FF2B5EF4-FFF2-40B4-BE49-F238E27FC236}">
-                <a16:creationId xmlns:a16="http://schemas.microsoft.com/office/drawing/2014/main" id="{7D15C65D-A841-0033-CC2A-8DA537F3A15D}"/>
-              </a:ext>
-            </a:extLst>
-          </p:cNvPr>
-          <p:cNvSpPr>
-            <a:spLocks noGrp="1"/>
-          </p:cNvSpPr>
-          <p:nvPr>
-            <p:ph idx="1"/>
-          </p:nvPr>
-        </p:nvSpPr>
-        <p:spPr/>
-        <p:txBody>
-          <a:bodyPr/>
-          <a:lstStyle/>
-          <a:p>
-            <a:r>
-              <a:rPr lang="de-DE" dirty="0"/>
-              <a:t> </a:t>
-            </a:r>
-            <a:r>
-              <a:rPr lang="de-DE" dirty="0" err="1"/>
-              <a:t>cell</a:t>
-            </a:r>
-            <a:r>
-              <a:rPr lang="de-DE" dirty="0"/>
-              <a:t> </a:t>
-            </a:r>
-            <a:r>
-              <a:rPr lang="de-DE" dirty="0" err="1"/>
-              <a:t>line</a:t>
-            </a:r>
-            <a:r>
-              <a:rPr lang="de-DE" dirty="0"/>
-              <a:t> </a:t>
-            </a:r>
-            <a:r>
-              <a:rPr lang="de-DE" dirty="0" err="1"/>
-              <a:t>information</a:t>
-            </a:r>
-            <a:endParaRPr lang="de-DE" dirty="0"/>
-          </a:p>
-        </p:txBody>
-      </p:sp>
-      <p:sp>
-        <p:nvSpPr>
-          <p:cNvPr id="2" name="Titel 1">
-            <a:extLst>
-              <a:ext uri="{FF2B5EF4-FFF2-40B4-BE49-F238E27FC236}">
-                <a16:creationId xmlns:a16="http://schemas.microsoft.com/office/drawing/2014/main" id="{EA79D227-51F1-8762-A9A1-4CEE300E4BEB}"/>
-              </a:ext>
-            </a:extLst>
-          </p:cNvPr>
-          <p:cNvSpPr>
-            <a:spLocks noGrp="1"/>
-          </p:cNvSpPr>
-          <p:nvPr>
-            <p:ph type="title"/>
-          </p:nvPr>
-        </p:nvSpPr>
-        <p:spPr/>
-        <p:txBody>
-          <a:bodyPr/>
-          <a:lstStyle/>
-          <a:p>
-            <a:r>
-              <a:rPr lang="de-DE" dirty="0"/>
-              <a:t>prism.cl</a:t>
-            </a:r>
-          </a:p>
-        </p:txBody>
-      </p:sp>
-      <p:pic>
-        <p:nvPicPr>
-          <p:cNvPr id="4" name="Grafik 3">
-            <a:extLst>
-              <a:ext uri="{FF2B5EF4-FFF2-40B4-BE49-F238E27FC236}">
-                <a16:creationId xmlns:a16="http://schemas.microsoft.com/office/drawing/2014/main" id="{D41CB430-154F-DDD8-0AA5-870903DC1FA4}"/>
+                <a16:creationId xmlns:a16="http://schemas.microsoft.com/office/drawing/2014/main" id="{6457FFDC-F132-66E2-FABF-840B3DD392EF}"/>
               </a:ext>
             </a:extLst>
           </p:cNvPr>
           <p:cNvPicPr>
-            <a:picLocks noChangeAspect="1"/>
+            <a:picLocks noGrp="1" noChangeAspect="1"/>
           </p:cNvPicPr>
-          <p:nvPr/>
+          <p:nvPr>
+            <p:ph idx="1"/>
+          </p:nvPr>
         </p:nvPicPr>
-        <p:blipFill rotWithShape="1">
+        <p:blipFill>
           <a:blip r:embed="rId3"/>
-          <a:srcRect t="7197" b="64035"/>
-          <a:stretch/>
+          <a:stretch>
+            <a:fillRect/>
+          </a:stretch>
         </p:blipFill>
         <p:spPr>
           <a:xfrm>
-            <a:off x="271603" y="2873829"/>
-            <a:ext cx="11648793" cy="2034072"/>
+            <a:off x="597936" y="2408765"/>
+            <a:ext cx="7174464" cy="4449235"/>
           </a:xfrm>
           <a:prstGeom prst="rect">
             <a:avLst/>
           </a:prstGeom>
         </p:spPr>
       </p:pic>
-      <p:sp>
-        <p:nvSpPr>
-          <p:cNvPr id="3" name="Inhaltsplatzhalter 2">
-            <a:extLst>
-              <a:ext uri="{FF2B5EF4-FFF2-40B4-BE49-F238E27FC236}">
-                <a16:creationId xmlns:a16="http://schemas.microsoft.com/office/drawing/2014/main" id="{13135DA9-B2B9-182E-40B8-926AD412400B}"/>
-              </a:ext>
-            </a:extLst>
-          </p:cNvPr>
-          <p:cNvSpPr txBox="1">
-            <a:spLocks/>
-          </p:cNvSpPr>
-          <p:nvPr/>
-        </p:nvSpPr>
-        <p:spPr>
-          <a:xfrm>
-            <a:off x="990600" y="1708638"/>
-            <a:ext cx="10515600" cy="4620725"/>
-          </a:xfrm>
-          <a:prstGeom prst="rect">
-            <a:avLst/>
-          </a:prstGeom>
-        </p:spPr>
-        <p:txBody>
-          <a:bodyPr vert="horz" lIns="91440" tIns="45720" rIns="91440" bIns="45720" rtlCol="0">
-            <a:noAutofit/>
-          </a:bodyPr>
-          <a:lstStyle>
-            <a:lvl1pPr marL="228600" indent="-228600" algn="l" defTabSz="914400" rtl="0" eaLnBrk="1" latinLnBrk="0" hangingPunct="1">
-              <a:lnSpc>
-                <a:spcPct val="90000"/>
-              </a:lnSpc>
-              <a:spcBef>
-                <a:spcPts val="1000"/>
-              </a:spcBef>
-              <a:buFont typeface="Arial" panose="020B0604020202020204" pitchFamily="34" charset="0"/>
-              <a:buChar char="•"/>
-              <a:defRPr sz="2800" kern="1200">
-                <a:solidFill>
-                  <a:schemeClr val="tx1"/>
-                </a:solidFill>
-                <a:latin typeface="+mn-lt"/>
-                <a:ea typeface="+mn-ea"/>
-                <a:cs typeface="+mn-cs"/>
-              </a:defRPr>
-            </a:lvl1pPr>
-            <a:lvl2pPr marL="685800" indent="-228600" algn="l" defTabSz="914400" rtl="0" eaLnBrk="1" latinLnBrk="0" hangingPunct="1">
-              <a:lnSpc>
-                <a:spcPct val="90000"/>
-              </a:lnSpc>
-              <a:spcBef>
-                <a:spcPts val="500"/>
-              </a:spcBef>
-              <a:buFont typeface="Arial" panose="020B0604020202020204" pitchFamily="34" charset="0"/>
-              <a:buChar char="•"/>
-              <a:defRPr sz="2400" kern="1200">
-                <a:solidFill>
-                  <a:schemeClr val="tx1"/>
-                </a:solidFill>
-                <a:latin typeface="+mn-lt"/>
-                <a:ea typeface="+mn-ea"/>
-                <a:cs typeface="+mn-cs"/>
-              </a:defRPr>
-            </a:lvl2pPr>
-            <a:lvl3pPr marL="1143000" indent="-228600" algn="l" defTabSz="914400" rtl="0" eaLnBrk="1" latinLnBrk="0" hangingPunct="1">
-              <a:lnSpc>
-                <a:spcPct val="90000"/>
-              </a:lnSpc>
-              <a:spcBef>
-                <a:spcPts val="500"/>
-              </a:spcBef>
-              <a:buFont typeface="Arial" panose="020B0604020202020204" pitchFamily="34" charset="0"/>
-              <a:buChar char="•"/>
-              <a:defRPr sz="2000" kern="1200">
-                <a:solidFill>
-                  <a:schemeClr val="tx1"/>
-                </a:solidFill>
-                <a:latin typeface="+mn-lt"/>
-                <a:ea typeface="+mn-ea"/>
-                <a:cs typeface="+mn-cs"/>
-              </a:defRPr>
-            </a:lvl3pPr>
-            <a:lvl4pPr marL="1600200" indent="-228600" algn="l" defTabSz="914400" rtl="0" eaLnBrk="1" latinLnBrk="0" hangingPunct="1">
-              <a:lnSpc>
-                <a:spcPct val="90000"/>
-              </a:lnSpc>
-              <a:spcBef>
-                <a:spcPts val="500"/>
-              </a:spcBef>
-              <a:buFont typeface="Arial" panose="020B0604020202020204" pitchFamily="34" charset="0"/>
-              <a:buChar char="•"/>
-              <a:defRPr sz="1800" kern="1200">
-                <a:solidFill>
-                  <a:schemeClr val="tx1"/>
-                </a:solidFill>
-                <a:latin typeface="+mn-lt"/>
-                <a:ea typeface="+mn-ea"/>
-                <a:cs typeface="+mn-cs"/>
-              </a:defRPr>
-            </a:lvl4pPr>
-            <a:lvl5pPr marL="2057400" indent="-228600" algn="l" defTabSz="914400" rtl="0" eaLnBrk="1" latinLnBrk="0" hangingPunct="1">
-              <a:lnSpc>
-                <a:spcPct val="90000"/>
-              </a:lnSpc>
-              <a:spcBef>
-                <a:spcPts val="500"/>
-              </a:spcBef>
-              <a:buFont typeface="Arial" panose="020B0604020202020204" pitchFamily="34" charset="0"/>
-              <a:buChar char="•"/>
-              <a:defRPr sz="1800" kern="1200">
-                <a:solidFill>
-                  <a:schemeClr val="tx1"/>
-                </a:solidFill>
-                <a:latin typeface="+mn-lt"/>
-                <a:ea typeface="+mn-ea"/>
-                <a:cs typeface="+mn-cs"/>
-              </a:defRPr>
-            </a:lvl5pPr>
-            <a:lvl6pPr marL="2514600" indent="-228600" algn="l" defTabSz="914400" rtl="0" eaLnBrk="1" latinLnBrk="0" hangingPunct="1">
-              <a:lnSpc>
-                <a:spcPct val="90000"/>
-              </a:lnSpc>
-              <a:spcBef>
-                <a:spcPts val="500"/>
-              </a:spcBef>
-              <a:buFont typeface="Arial" panose="020B0604020202020204" pitchFamily="34" charset="0"/>
-              <a:buChar char="•"/>
-              <a:defRPr sz="1800" kern="1200">
-                <a:solidFill>
-                  <a:schemeClr val="tx1"/>
-                </a:solidFill>
-                <a:latin typeface="+mn-lt"/>
-                <a:ea typeface="+mn-ea"/>
-                <a:cs typeface="+mn-cs"/>
-              </a:defRPr>
-            </a:lvl6pPr>
-            <a:lvl7pPr marL="2971800" indent="-228600" algn="l" defTabSz="914400" rtl="0" eaLnBrk="1" latinLnBrk="0" hangingPunct="1">
-              <a:lnSpc>
-                <a:spcPct val="90000"/>
-              </a:lnSpc>
-              <a:spcBef>
-                <a:spcPts val="500"/>
-              </a:spcBef>
-              <a:buFont typeface="Arial" panose="020B0604020202020204" pitchFamily="34" charset="0"/>
-              <a:buChar char="•"/>
-              <a:defRPr sz="1800" kern="1200">
-                <a:solidFill>
-                  <a:schemeClr val="tx1"/>
-                </a:solidFill>
-                <a:latin typeface="+mn-lt"/>
-                <a:ea typeface="+mn-ea"/>
-                <a:cs typeface="+mn-cs"/>
-              </a:defRPr>
-            </a:lvl7pPr>
-            <a:lvl8pPr marL="3429000" indent="-228600" algn="l" defTabSz="914400" rtl="0" eaLnBrk="1" latinLnBrk="0" hangingPunct="1">
-              <a:lnSpc>
-                <a:spcPct val="90000"/>
-              </a:lnSpc>
-              <a:spcBef>
-                <a:spcPts val="500"/>
-              </a:spcBef>
-              <a:buFont typeface="Arial" panose="020B0604020202020204" pitchFamily="34" charset="0"/>
-              <a:buChar char="•"/>
-              <a:defRPr sz="1800" kern="1200">
-                <a:solidFill>
-                  <a:schemeClr val="tx1"/>
-                </a:solidFill>
-                <a:latin typeface="+mn-lt"/>
-                <a:ea typeface="+mn-ea"/>
-                <a:cs typeface="+mn-cs"/>
-              </a:defRPr>
-            </a:lvl8pPr>
-            <a:lvl9pPr marL="3886200" indent="-228600" algn="l" defTabSz="914400" rtl="0" eaLnBrk="1" latinLnBrk="0" hangingPunct="1">
-              <a:lnSpc>
-                <a:spcPct val="90000"/>
-              </a:lnSpc>
-              <a:spcBef>
-                <a:spcPts val="500"/>
-              </a:spcBef>
-              <a:buFont typeface="Arial" panose="020B0604020202020204" pitchFamily="34" charset="0"/>
-              <a:buChar char="•"/>
-              <a:defRPr sz="1800" kern="1200">
-                <a:solidFill>
-                  <a:schemeClr val="tx1"/>
-                </a:solidFill>
-                <a:latin typeface="+mn-lt"/>
-                <a:ea typeface="+mn-ea"/>
-                <a:cs typeface="+mn-cs"/>
-              </a:defRPr>
-            </a:lvl9pPr>
-          </a:lstStyle>
-          <a:p>
-            <a:pPr marL="0" indent="0">
-              <a:lnSpc>
-                <a:spcPct val="120000"/>
-              </a:lnSpc>
-              <a:spcBef>
-                <a:spcPts val="300"/>
-              </a:spcBef>
-              <a:spcAft>
-                <a:spcPts val="800"/>
-              </a:spcAft>
-              <a:buSzPts val="1000"/>
-              <a:buNone/>
-              <a:tabLst>
-                <a:tab pos="457200" algn="l"/>
-              </a:tabLst>
-            </a:pPr>
-            <a:endParaRPr lang="de-DE" sz="1400" b="1" kern="100" dirty="0">
-              <a:solidFill>
-                <a:srgbClr val="294E1C"/>
-              </a:solidFill>
-              <a:ea typeface="Times New Roman" panose="02020603050405020304" pitchFamily="18" charset="0"/>
-              <a:cs typeface="Arial" panose="020B0604020202020204" pitchFamily="34" charset="0"/>
-            </a:endParaRPr>
-          </a:p>
-        </p:txBody>
-      </p:sp>
-      <p:sp>
-        <p:nvSpPr>
-          <p:cNvPr id="5" name="Foliennummernplatzhalter 4">
-            <a:extLst>
-              <a:ext uri="{FF2B5EF4-FFF2-40B4-BE49-F238E27FC236}">
-                <a16:creationId xmlns:a16="http://schemas.microsoft.com/office/drawing/2014/main" id="{3506EF04-AE15-9973-6737-ACFAF1E698AC}"/>
-              </a:ext>
-            </a:extLst>
-          </p:cNvPr>
-          <p:cNvSpPr>
-            <a:spLocks noGrp="1"/>
-          </p:cNvSpPr>
-          <p:nvPr>
-            <p:ph type="sldNum" sz="quarter" idx="12"/>
-          </p:nvPr>
-        </p:nvSpPr>
-        <p:spPr/>
-        <p:txBody>
-          <a:bodyPr/>
-          <a:lstStyle/>
-          <a:p>
-            <a:fld id="{0D3027C9-B0A7-44EF-8D79-5CE31909392B}" type="slidenum">
-              <a:rPr lang="de-DE" smtClean="0"/>
-              <a:t>9</a:t>
-            </a:fld>
-            <a:endParaRPr lang="de-DE"/>
-          </a:p>
-        </p:txBody>
-      </p:sp>
     </p:spTree>
     <p:extLst>
       <p:ext uri="{BB962C8B-B14F-4D97-AF65-F5344CB8AC3E}">
-        <p14:creationId xmlns:p14="http://schemas.microsoft.com/office/powerpoint/2010/main" val="2255992652"/>
+        <p14:creationId xmlns:p14="http://schemas.microsoft.com/office/powerpoint/2010/main" val="3436260886"/>
       </p:ext>
     </p:extLst>
   </p:cSld>

--- a/project proposal.pptx
+++ b/project proposal.pptx
@@ -11,17 +11,17 @@
     <p:sldId id="256" r:id="rId2"/>
     <p:sldId id="279" r:id="rId3"/>
     <p:sldId id="259" r:id="rId4"/>
-    <p:sldId id="280" r:id="rId5"/>
+    <p:sldId id="287" r:id="rId5"/>
     <p:sldId id="260" r:id="rId6"/>
     <p:sldId id="281" r:id="rId7"/>
-    <p:sldId id="265" r:id="rId8"/>
-    <p:sldId id="270" r:id="rId9"/>
+    <p:sldId id="282" r:id="rId8"/>
+    <p:sldId id="283" r:id="rId9"/>
     <p:sldId id="264" r:id="rId10"/>
     <p:sldId id="272" r:id="rId11"/>
     <p:sldId id="274" r:id="rId12"/>
-    <p:sldId id="275" r:id="rId13"/>
-    <p:sldId id="276" r:id="rId14"/>
-    <p:sldId id="258" r:id="rId15"/>
+    <p:sldId id="284" r:id="rId13"/>
+    <p:sldId id="285" r:id="rId14"/>
+    <p:sldId id="286" r:id="rId15"/>
     <p:sldId id="277" r:id="rId16"/>
     <p:sldId id="278" r:id="rId17"/>
     <p:sldId id="257" r:id="rId18"/>
@@ -224,7 +224,7 @@
           <a:p>
             <a:fld id="{2D208471-9AED-4261-89E0-12814E5E5A8B}" type="datetimeFigureOut">
               <a:rPr lang="de-DE" smtClean="0"/>
-              <a:t>16.05.2023</a:t>
+              <a:t>17.05.2023</a:t>
             </a:fld>
             <a:endParaRPr lang="de-DE"/>
           </a:p>
@@ -739,7 +739,7 @@
     </p:spTree>
     <p:extLst>
       <p:ext uri="{BB962C8B-B14F-4D97-AF65-F5344CB8AC3E}">
-        <p14:creationId xmlns:p14="http://schemas.microsoft.com/office/powerpoint/2010/main" val="82889496"/>
+        <p14:creationId xmlns:p14="http://schemas.microsoft.com/office/powerpoint/2010/main" val="4036015404"/>
       </p:ext>
     </p:extLst>
   </p:cSld>
@@ -826,7 +826,7 @@
     </p:spTree>
     <p:extLst>
       <p:ext uri="{BB962C8B-B14F-4D97-AF65-F5344CB8AC3E}">
-        <p14:creationId xmlns:p14="http://schemas.microsoft.com/office/powerpoint/2010/main" val="2766193051"/>
+        <p14:creationId xmlns:p14="http://schemas.microsoft.com/office/powerpoint/2010/main" val="1598789696"/>
       </p:ext>
     </p:extLst>
   </p:cSld>
@@ -913,7 +913,7 @@
     </p:spTree>
     <p:extLst>
       <p:ext uri="{BB962C8B-B14F-4D97-AF65-F5344CB8AC3E}">
-        <p14:creationId xmlns:p14="http://schemas.microsoft.com/office/powerpoint/2010/main" val="658024605"/>
+        <p14:creationId xmlns:p14="http://schemas.microsoft.com/office/powerpoint/2010/main" val="2403340133"/>
       </p:ext>
     </p:extLst>
   </p:cSld>
@@ -1211,28 +1211,6 @@
               <a:latin typeface="-apple-system"/>
             </a:endParaRPr>
           </a:p>
-          <a:p>
-            <a:endParaRPr lang="de-DE" b="0" i="0" dirty="0">
-              <a:solidFill>
-                <a:srgbClr val="1F2328"/>
-              </a:solidFill>
-              <a:effectLst/>
-              <a:latin typeface="-apple-system"/>
-            </a:endParaRPr>
-          </a:p>
-          <a:p>
-            <a:r>
-              <a:rPr lang="de-DE" b="0" i="0" dirty="0">
-                <a:solidFill>
-                  <a:srgbClr val="1F2328"/>
-                </a:solidFill>
-                <a:effectLst/>
-                <a:latin typeface="-apple-system"/>
-              </a:rPr>
-              <a:t>schöner</a:t>
-            </a:r>
-            <a:endParaRPr lang="de-DE" dirty="0"/>
-          </a:p>
         </p:txBody>
       </p:sp>
       <p:sp>
@@ -1315,68 +1293,6 @@
           <a:bodyPr/>
           <a:lstStyle/>
           <a:p>
-            <a:r>
-              <a:rPr lang="de-DE" b="0" i="0" dirty="0" err="1">
-                <a:solidFill>
-                  <a:srgbClr val="1F2328"/>
-                </a:solidFill>
-                <a:effectLst/>
-                <a:latin typeface="-apple-system"/>
-              </a:rPr>
-              <a:t>drug</a:t>
-            </a:r>
-            <a:r>
-              <a:rPr lang="de-DE" b="0" i="0" dirty="0">
-                <a:solidFill>
-                  <a:srgbClr val="1F2328"/>
-                </a:solidFill>
-                <a:effectLst/>
-                <a:latin typeface="-apple-system"/>
-              </a:rPr>
-              <a:t> </a:t>
-            </a:r>
-            <a:r>
-              <a:rPr lang="de-DE" b="0" i="0" dirty="0" err="1">
-                <a:solidFill>
-                  <a:srgbClr val="1F2328"/>
-                </a:solidFill>
-                <a:effectLst/>
-                <a:latin typeface="-apple-system"/>
-              </a:rPr>
-              <a:t>repurposing</a:t>
-            </a:r>
-            <a:r>
-              <a:rPr lang="de-DE" b="0" i="0" dirty="0">
-                <a:solidFill>
-                  <a:srgbClr val="1F2328"/>
-                </a:solidFill>
-                <a:effectLst/>
-                <a:latin typeface="-apple-system"/>
-              </a:rPr>
-              <a:t>? </a:t>
-            </a:r>
-          </a:p>
-          <a:p>
-            <a:r>
-              <a:rPr lang="de-DE" b="0" i="0" dirty="0">
-                <a:solidFill>
-                  <a:srgbClr val="1F2328"/>
-                </a:solidFill>
-                <a:effectLst/>
-                <a:latin typeface="-apple-system"/>
-              </a:rPr>
-              <a:t>General </a:t>
-            </a:r>
-            <a:r>
-              <a:rPr lang="de-DE" b="0" i="0" dirty="0" err="1">
-                <a:solidFill>
-                  <a:srgbClr val="1F2328"/>
-                </a:solidFill>
-                <a:effectLst/>
-                <a:latin typeface="-apple-system"/>
-              </a:rPr>
-              <a:t>benefits</a:t>
-            </a:r>
             <a:endParaRPr lang="de-DE" b="0" i="0" dirty="0">
               <a:solidFill>
                 <a:srgbClr val="1F2328"/>
@@ -1385,28 +1301,6 @@
               <a:latin typeface="-apple-system"/>
             </a:endParaRPr>
           </a:p>
-          <a:p>
-            <a:endParaRPr lang="de-DE" b="0" i="0" dirty="0">
-              <a:solidFill>
-                <a:srgbClr val="1F2328"/>
-              </a:solidFill>
-              <a:effectLst/>
-              <a:latin typeface="-apple-system"/>
-            </a:endParaRPr>
-          </a:p>
-          <a:p>
-            <a:r>
-              <a:rPr lang="de-DE" b="0" i="0" dirty="0">
-                <a:solidFill>
-                  <a:srgbClr val="1F2328"/>
-                </a:solidFill>
-                <a:effectLst/>
-                <a:latin typeface="-apple-system"/>
-              </a:rPr>
-              <a:t>schöner</a:t>
-            </a:r>
-            <a:endParaRPr lang="de-DE" dirty="0"/>
-          </a:p>
         </p:txBody>
       </p:sp>
       <p:sp>
@@ -1435,7 +1329,7 @@
     </p:spTree>
     <p:extLst>
       <p:ext uri="{BB962C8B-B14F-4D97-AF65-F5344CB8AC3E}">
-        <p14:creationId xmlns:p14="http://schemas.microsoft.com/office/powerpoint/2010/main" val="1878214399"/>
+        <p14:creationId xmlns:p14="http://schemas.microsoft.com/office/powerpoint/2010/main" val="1609730195"/>
       </p:ext>
     </p:extLst>
   </p:cSld>
@@ -2162,8 +2056,8 @@
         </p:nvSpPr>
         <p:spPr/>
       </p:sp>
-      <mc:AlternateContent xmlns:mc="http://schemas.openxmlformats.org/markup-compatibility/2006">
-        <mc:Choice xmlns:a14="http://schemas.microsoft.com/office/drawing/2010/main" Requires="a14">
+      <mc:AlternateContent xmlns:mc="http://schemas.openxmlformats.org/markup-compatibility/2006" xmlns:a14="http://schemas.microsoft.com/office/drawing/2010/main">
+        <mc:Choice Requires="a14">
           <p:sp>
             <p:nvSpPr>
               <p:cNvPr id="3" name="Notizenplatzhalter 2"/>
@@ -2185,44 +2079,11 @@
                 </a:r>
               </a:p>
               <a:p>
-                <a:pPr marL="0" marR="0" lvl="0" indent="0" algn="l" defTabSz="914400" rtl="0" eaLnBrk="1" fontAlgn="auto" latinLnBrk="0" hangingPunct="1">
-                  <a:lnSpc>
-                    <a:spcPct val="100000"/>
-                  </a:lnSpc>
-                  <a:spcBef>
-                    <a:spcPts val="0"/>
-                  </a:spcBef>
-                  <a:spcAft>
-                    <a:spcPts val="0"/>
-                  </a:spcAft>
-                  <a:buClrTx/>
-                  <a:buSzTx/>
-                  <a:buFontTx/>
-                  <a:buNone/>
-                  <a:tabLst/>
-                  <a:defRPr/>
-                </a:pPr>
                 <a:r>
-                  <a:rPr lang="en-US" sz="2400" b="0" i="0" u="none" strike="noStrike" dirty="0">
-                    <a:solidFill>
-                      <a:srgbClr val="1F2328"/>
-                    </a:solidFill>
-                    <a:effectLst/>
-                    <a:latin typeface="-apple-system"/>
-                    <a:hlinkClick r:id="rId3"/>
-                  </a:rPr>
-                  <a:t>TPM</a:t>
+                  <a:rPr lang="en-GB" sz="3600" dirty="0"/>
+                  <a:t>Range [1] 0.00000 17.25397</a:t>
                 </a:r>
-                <a:r>
-                  <a:rPr lang="en-US" sz="2400" b="0" i="0" dirty="0">
-                    <a:solidFill>
-                      <a:srgbClr val="1F2328"/>
-                    </a:solidFill>
-                    <a:effectLst/>
-                    <a:latin typeface="-apple-system"/>
-                  </a:rPr>
-                  <a:t> (transcripts per million) values</a:t>
-                </a:r>
+                <a:endParaRPr lang="de-DE" sz="2400" dirty="0"/>
               </a:p>
               <a:p>
                 <a:pPr marL="0" marR="0" lvl="0" indent="0" algn="l" defTabSz="914400" rtl="0" eaLnBrk="1" fontAlgn="auto" latinLnBrk="0" hangingPunct="1">
@@ -3208,7 +3069,7 @@
             </p:txBody>
           </p:sp>
         </mc:Choice>
-        <mc:Fallback>
+        <mc:Fallback xmlns="">
           <p:sp>
             <p:nvSpPr>
               <p:cNvPr id="3" name="Notizenplatzhalter 2"/>
@@ -3910,7 +3771,7 @@
     </p:spTree>
     <p:extLst>
       <p:ext uri="{BB962C8B-B14F-4D97-AF65-F5344CB8AC3E}">
-        <p14:creationId xmlns:p14="http://schemas.microsoft.com/office/powerpoint/2010/main" val="1711270118"/>
+        <p14:creationId xmlns:p14="http://schemas.microsoft.com/office/powerpoint/2010/main" val="1272405539"/>
       </p:ext>
     </p:extLst>
   </p:cSld>
@@ -3969,6 +3830,13 @@
               <a:t>J</a:t>
             </a:r>
           </a:p>
+          <a:p>
+            <a:r>
+              <a:rPr lang="en-GB" dirty="0"/>
+              <a:t>Range [1] 0.00000 16.48586</a:t>
+            </a:r>
+            <a:endParaRPr lang="de-DE" dirty="0"/>
+          </a:p>
         </p:txBody>
       </p:sp>
       <p:sp>
@@ -3997,7 +3865,7 @@
     </p:spTree>
     <p:extLst>
       <p:ext uri="{BB962C8B-B14F-4D97-AF65-F5344CB8AC3E}">
-        <p14:creationId xmlns:p14="http://schemas.microsoft.com/office/powerpoint/2010/main" val="3822410563"/>
+        <p14:creationId xmlns:p14="http://schemas.microsoft.com/office/powerpoint/2010/main" val="541607776"/>
       </p:ext>
     </p:extLst>
   </p:cSld>
@@ -4334,7 +4202,7 @@
           <a:p>
             <a:fld id="{58991DE0-4C71-4FF7-9E5D-253542EA93E7}" type="datetime1">
               <a:rPr lang="de-DE" smtClean="0"/>
-              <a:t>16.05.2023</a:t>
+              <a:t>17.05.2023</a:t>
             </a:fld>
             <a:endParaRPr lang="de-DE"/>
           </a:p>
@@ -4532,7 +4400,7 @@
           <a:p>
             <a:fld id="{D048EC47-A805-442D-8EE0-D6B6E887D107}" type="datetime1">
               <a:rPr lang="de-DE" smtClean="0"/>
-              <a:t>16.05.2023</a:t>
+              <a:t>17.05.2023</a:t>
             </a:fld>
             <a:endParaRPr lang="de-DE"/>
           </a:p>
@@ -4740,7 +4608,7 @@
           <a:p>
             <a:fld id="{24C8982D-04BA-4C81-BB69-FCD738F8C2B9}" type="datetime1">
               <a:rPr lang="de-DE" smtClean="0"/>
-              <a:t>16.05.2023</a:t>
+              <a:t>17.05.2023</a:t>
             </a:fld>
             <a:endParaRPr lang="de-DE"/>
           </a:p>
@@ -4959,7 +4827,7 @@
           <a:p>
             <a:fld id="{39264F9E-7423-460B-9588-178BF485C1E9}" type="datetime1">
               <a:rPr lang="de-DE" smtClean="0"/>
-              <a:t>16.05.2023</a:t>
+              <a:t>17.05.2023</a:t>
             </a:fld>
             <a:endParaRPr lang="de-DE"/>
           </a:p>
@@ -5234,7 +5102,7 @@
           <a:p>
             <a:fld id="{18901392-9ADC-422E-99B6-CD229B5D3473}" type="datetime1">
               <a:rPr lang="de-DE" smtClean="0"/>
-              <a:t>16.05.2023</a:t>
+              <a:t>17.05.2023</a:t>
             </a:fld>
             <a:endParaRPr lang="de-DE"/>
           </a:p>
@@ -5499,7 +5367,7 @@
           <a:p>
             <a:fld id="{3888984A-1F0A-48D3-AD48-6C9E60F27461}" type="datetime1">
               <a:rPr lang="de-DE" smtClean="0"/>
-              <a:t>16.05.2023</a:t>
+              <a:t>17.05.2023</a:t>
             </a:fld>
             <a:endParaRPr lang="de-DE"/>
           </a:p>
@@ -5911,7 +5779,7 @@
           <a:p>
             <a:fld id="{04EA79E7-915F-46AF-BEA5-D9F4D1D10FAD}" type="datetime1">
               <a:rPr lang="de-DE" smtClean="0"/>
-              <a:t>16.05.2023</a:t>
+              <a:t>17.05.2023</a:t>
             </a:fld>
             <a:endParaRPr lang="de-DE"/>
           </a:p>
@@ -6052,7 +5920,7 @@
           <a:p>
             <a:fld id="{B151B408-E235-40E3-A761-E56F4F7EF84A}" type="datetime1">
               <a:rPr lang="de-DE" smtClean="0"/>
-              <a:t>16.05.2023</a:t>
+              <a:t>17.05.2023</a:t>
             </a:fld>
             <a:endParaRPr lang="de-DE"/>
           </a:p>
@@ -6165,7 +6033,7 @@
           <a:p>
             <a:fld id="{B873FA74-A82E-4415-892D-F6C7B0D66B04}" type="datetime1">
               <a:rPr lang="de-DE" smtClean="0"/>
-              <a:t>16.05.2023</a:t>
+              <a:t>17.05.2023</a:t>
             </a:fld>
             <a:endParaRPr lang="de-DE"/>
           </a:p>
@@ -6476,7 +6344,7 @@
           <a:p>
             <a:fld id="{0F603FC4-19A3-456F-BD25-B9C5890530F6}" type="datetime1">
               <a:rPr lang="de-DE" smtClean="0"/>
-              <a:t>16.05.2023</a:t>
+              <a:t>17.05.2023</a:t>
             </a:fld>
             <a:endParaRPr lang="de-DE"/>
           </a:p>
@@ -6764,7 +6632,7 @@
           <a:p>
             <a:fld id="{D5DFF08C-DB84-4833-9C81-24702901A362}" type="datetime1">
               <a:rPr lang="de-DE" smtClean="0"/>
-              <a:t>16.05.2023</a:t>
+              <a:t>17.05.2023</a:t>
             </a:fld>
             <a:endParaRPr lang="de-DE"/>
           </a:p>
@@ -7005,7 +6873,7 @@
           <a:p>
             <a:fld id="{CABAEC15-7318-43E5-AFE8-0498A2F1E27F}" type="datetime1">
               <a:rPr lang="de-DE" smtClean="0"/>
-              <a:t>16.05.2023</a:t>
+              <a:t>17.05.2023</a:t>
             </a:fld>
             <a:endParaRPr lang="de-DE"/>
           </a:p>
@@ -7498,7 +7366,9 @@
           </a:xfrm>
         </p:spPr>
         <p:txBody>
-          <a:bodyPr/>
+          <a:bodyPr>
+            <a:normAutofit/>
+          </a:bodyPr>
           <a:lstStyle/>
           <a:p>
             <a:pPr algn="l"/>
@@ -7509,6 +7379,59 @@
                 </a:solidFill>
               </a:rPr>
               <a:t>topic05 team02</a:t>
+            </a:r>
+            <a:br>
+              <a:rPr lang="en-US" sz="1800" dirty="0">
+                <a:solidFill>
+                  <a:schemeClr val="bg1"/>
+                </a:solidFill>
+              </a:rPr>
+            </a:br>
+            <a:r>
+              <a:rPr lang="en-US" sz="1050" dirty="0">
+                <a:solidFill>
+                  <a:schemeClr val="bg1"/>
+                </a:solidFill>
+              </a:rPr>
+              <a:t>Arne </a:t>
+            </a:r>
+            <a:r>
+              <a:rPr lang="en-US" sz="1050" dirty="0" err="1">
+                <a:solidFill>
+                  <a:schemeClr val="bg1"/>
+                </a:solidFill>
+              </a:rPr>
+              <a:t>Weigelt</a:t>
+            </a:r>
+            <a:br>
+              <a:rPr lang="en-US" sz="1050" dirty="0">
+                <a:solidFill>
+                  <a:schemeClr val="bg1"/>
+                </a:solidFill>
+              </a:rPr>
+            </a:br>
+            <a:r>
+              <a:rPr lang="en-US" sz="1050" dirty="0">
+                <a:solidFill>
+                  <a:schemeClr val="bg1"/>
+                </a:solidFill>
+              </a:rPr>
+              <a:t>Franca Klaeren</a:t>
+            </a:r>
+            <a:br>
+              <a:rPr lang="en-US" sz="1050" dirty="0">
+                <a:solidFill>
+                  <a:schemeClr val="bg1"/>
+                </a:solidFill>
+              </a:rPr>
+            </a:br>
+            <a:r>
+              <a:rPr lang="en-US" sz="1050" dirty="0">
+                <a:solidFill>
+                  <a:schemeClr val="bg1"/>
+                </a:solidFill>
+              </a:rPr>
+              <a:t>Jessica Albrecht</a:t>
             </a:r>
             <a:br>
               <a:rPr lang="en-US" dirty="0">
@@ -8793,7 +8716,7 @@
                 <a:ea typeface="Arial" panose="020B0604020202020204" pitchFamily="34" charset="0"/>
                 <a:cs typeface="Arial" panose="020B0604020202020204" pitchFamily="34" charset="0"/>
               </a:rPr>
-              <a:t>Removing</a:t>
+              <a:t>Dealing</a:t>
             </a:r>
             <a:r>
               <a:rPr lang="de-DE" sz="1400" kern="100" dirty="0">
@@ -8848,7 +8771,7 @@
                 <a:ea typeface="Arial" panose="020B0604020202020204" pitchFamily="34" charset="0"/>
                 <a:cs typeface="Arial" panose="020B0604020202020204" pitchFamily="34" charset="0"/>
               </a:rPr>
-              <a:t>  </a:t>
+              <a:t> (</a:t>
             </a:r>
             <a:r>
               <a:rPr lang="de-DE" sz="1400" kern="100" dirty="0" err="1">
@@ -8859,7 +8782,7 @@
                 <a:ea typeface="Arial" panose="020B0604020202020204" pitchFamily="34" charset="0"/>
                 <a:cs typeface="Arial" panose="020B0604020202020204" pitchFamily="34" charset="0"/>
               </a:rPr>
-              <a:t>or</a:t>
+              <a:t>Removing</a:t>
             </a:r>
             <a:r>
               <a:rPr lang="de-DE" sz="1400" kern="100" dirty="0">
@@ -8881,7 +8804,7 @@
                 <a:ea typeface="Arial" panose="020B0604020202020204" pitchFamily="34" charset="0"/>
                 <a:cs typeface="Arial" panose="020B0604020202020204" pitchFamily="34" charset="0"/>
               </a:rPr>
-              <a:t>Imputing</a:t>
+              <a:t>or</a:t>
             </a:r>
             <a:r>
               <a:rPr lang="de-DE" sz="1400" kern="100" dirty="0">
@@ -8903,7 +8826,7 @@
                 <a:ea typeface="Arial" panose="020B0604020202020204" pitchFamily="34" charset="0"/>
                 <a:cs typeface="Arial" panose="020B0604020202020204" pitchFamily="34" charset="0"/>
               </a:rPr>
-              <a:t>missing</a:t>
+              <a:t>Imputing</a:t>
             </a:r>
             <a:r>
               <a:rPr lang="de-DE" sz="1400" kern="100" dirty="0">
@@ -8914,27 +8837,8 @@
                 <a:ea typeface="Arial" panose="020B0604020202020204" pitchFamily="34" charset="0"/>
                 <a:cs typeface="Arial" panose="020B0604020202020204" pitchFamily="34" charset="0"/>
               </a:rPr>
-              <a:t> </a:t>
-            </a:r>
-            <a:r>
-              <a:rPr lang="de-DE" sz="1400" kern="100" dirty="0" err="1">
-                <a:solidFill>
-                  <a:srgbClr val="1F2328"/>
-                </a:solidFill>
-                <a:effectLst/>
-                <a:ea typeface="Arial" panose="020B0604020202020204" pitchFamily="34" charset="0"/>
-                <a:cs typeface="Arial" panose="020B0604020202020204" pitchFamily="34" charset="0"/>
-              </a:rPr>
-              <a:t>values</a:t>
-            </a:r>
-            <a:endParaRPr lang="de-DE" sz="1400" kern="100" dirty="0">
-              <a:solidFill>
-                <a:srgbClr val="1F2328"/>
-              </a:solidFill>
-              <a:effectLst/>
-              <a:ea typeface="Arial" panose="020B0604020202020204" pitchFamily="34" charset="0"/>
-              <a:cs typeface="Arial" panose="020B0604020202020204" pitchFamily="34" charset="0"/>
-            </a:endParaRPr>
+              <a:t>)</a:t>
+            </a:r>
           </a:p>
           <a:p>
             <a:pPr lvl="1">
@@ -9210,123 +9114,6 @@
             <a:endParaRPr lang="de-DE" sz="1400" kern="100" dirty="0">
               <a:solidFill>
                 <a:srgbClr val="C00000"/>
-              </a:solidFill>
-              <a:effectLst/>
-              <a:ea typeface="Arial" panose="020B0604020202020204" pitchFamily="34" charset="0"/>
-              <a:cs typeface="Arial" panose="020B0604020202020204" pitchFamily="34" charset="0"/>
-            </a:endParaRPr>
-          </a:p>
-          <a:p>
-            <a:pPr lvl="1">
-              <a:lnSpc>
-                <a:spcPct val="100000"/>
-              </a:lnSpc>
-              <a:spcBef>
-                <a:spcPts val="200"/>
-              </a:spcBef>
-            </a:pPr>
-            <a:r>
-              <a:rPr lang="de-DE" sz="1400" kern="100" dirty="0" err="1">
-                <a:solidFill>
-                  <a:srgbClr val="1F2328"/>
-                </a:solidFill>
-                <a:effectLst/>
-                <a:ea typeface="Arial" panose="020B0604020202020204" pitchFamily="34" charset="0"/>
-                <a:cs typeface="Arial" panose="020B0604020202020204" pitchFamily="34" charset="0"/>
-              </a:rPr>
-              <a:t>Removing</a:t>
-            </a:r>
-            <a:r>
-              <a:rPr lang="de-DE" sz="1400" kern="100" dirty="0">
-                <a:solidFill>
-                  <a:srgbClr val="1F2328"/>
-                </a:solidFill>
-                <a:effectLst/>
-                <a:ea typeface="Arial" panose="020B0604020202020204" pitchFamily="34" charset="0"/>
-                <a:cs typeface="Arial" panose="020B0604020202020204" pitchFamily="34" charset="0"/>
-              </a:rPr>
-              <a:t> </a:t>
-            </a:r>
-            <a:r>
-              <a:rPr lang="de-DE" sz="1400" kern="100" dirty="0" err="1">
-                <a:solidFill>
-                  <a:srgbClr val="1F2328"/>
-                </a:solidFill>
-                <a:effectLst/>
-                <a:ea typeface="Arial" panose="020B0604020202020204" pitchFamily="34" charset="0"/>
-                <a:cs typeface="Arial" panose="020B0604020202020204" pitchFamily="34" charset="0"/>
-              </a:rPr>
-              <a:t>low</a:t>
-            </a:r>
-            <a:r>
-              <a:rPr lang="de-DE" sz="1400" kern="100" dirty="0">
-                <a:solidFill>
-                  <a:srgbClr val="1F2328"/>
-                </a:solidFill>
-                <a:effectLst/>
-                <a:ea typeface="Arial" panose="020B0604020202020204" pitchFamily="34" charset="0"/>
-                <a:cs typeface="Arial" panose="020B0604020202020204" pitchFamily="34" charset="0"/>
-              </a:rPr>
-              <a:t> </a:t>
-            </a:r>
-            <a:r>
-              <a:rPr lang="de-DE" sz="1400" kern="100" dirty="0" err="1">
-                <a:solidFill>
-                  <a:srgbClr val="1F2328"/>
-                </a:solidFill>
-                <a:effectLst/>
-                <a:ea typeface="Arial" panose="020B0604020202020204" pitchFamily="34" charset="0"/>
-                <a:cs typeface="Arial" panose="020B0604020202020204" pitchFamily="34" charset="0"/>
-              </a:rPr>
-              <a:t>variance</a:t>
-            </a:r>
-            <a:r>
-              <a:rPr lang="de-DE" sz="1400" kern="100" dirty="0">
-                <a:solidFill>
-                  <a:srgbClr val="1F2328"/>
-                </a:solidFill>
-                <a:effectLst/>
-                <a:ea typeface="Arial" panose="020B0604020202020204" pitchFamily="34" charset="0"/>
-                <a:cs typeface="Arial" panose="020B0604020202020204" pitchFamily="34" charset="0"/>
-              </a:rPr>
-              <a:t> </a:t>
-            </a:r>
-            <a:r>
-              <a:rPr lang="de-DE" sz="1400" kern="100" dirty="0" err="1">
-                <a:solidFill>
-                  <a:srgbClr val="1F2328"/>
-                </a:solidFill>
-                <a:effectLst/>
-                <a:ea typeface="Arial" panose="020B0604020202020204" pitchFamily="34" charset="0"/>
-                <a:cs typeface="Arial" panose="020B0604020202020204" pitchFamily="34" charset="0"/>
-              </a:rPr>
-              <a:t>columns</a:t>
-            </a:r>
-            <a:r>
-              <a:rPr lang="de-DE" sz="1400" kern="100" dirty="0">
-                <a:solidFill>
-                  <a:srgbClr val="1F2328"/>
-                </a:solidFill>
-                <a:effectLst/>
-                <a:ea typeface="Arial" panose="020B0604020202020204" pitchFamily="34" charset="0"/>
-                <a:cs typeface="Arial" panose="020B0604020202020204" pitchFamily="34" charset="0"/>
-              </a:rPr>
-              <a:t>/</a:t>
-            </a:r>
-            <a:r>
-              <a:rPr lang="de-DE" sz="1400" kern="100" dirty="0" err="1">
-                <a:solidFill>
-                  <a:srgbClr val="1F2328"/>
-                </a:solidFill>
-                <a:effectLst/>
-                <a:ea typeface="Arial" panose="020B0604020202020204" pitchFamily="34" charset="0"/>
-                <a:cs typeface="Arial" panose="020B0604020202020204" pitchFamily="34" charset="0"/>
-              </a:rPr>
-              <a:t>rows</a:t>
-            </a:r>
-            <a:endParaRPr lang="de-DE" sz="1400" kern="100" dirty="0">
-              <a:solidFill>
-                <a:srgbClr val="1F2328"/>
               </a:solidFill>
               <a:effectLst/>
               <a:ea typeface="Arial" panose="020B0604020202020204" pitchFamily="34" charset="0"/>
@@ -10208,13 +9995,513 @@
     </p:spTree>
     <p:extLst>
       <p:ext uri="{BB962C8B-B14F-4D97-AF65-F5344CB8AC3E}">
-        <p14:creationId xmlns:p14="http://schemas.microsoft.com/office/powerpoint/2010/main" val="3106917998"/>
+        <p14:creationId xmlns:p14="http://schemas.microsoft.com/office/powerpoint/2010/main" val="714549597"/>
       </p:ext>
     </p:extLst>
   </p:cSld>
   <p:clrMapOvr>
     <a:masterClrMapping/>
   </p:clrMapOvr>
+  <p:timing>
+    <p:tnLst>
+      <p:par>
+        <p:cTn id="1" dur="indefinite" restart="never" nodeType="tmRoot">
+          <p:childTnLst>
+            <p:seq concurrent="1" nextAc="seek">
+              <p:cTn id="2" dur="indefinite" nodeType="mainSeq">
+                <p:childTnLst>
+                  <p:par>
+                    <p:cTn id="3" fill="hold">
+                      <p:stCondLst>
+                        <p:cond delay="indefinite"/>
+                      </p:stCondLst>
+                      <p:childTnLst>
+                        <p:par>
+                          <p:cTn id="4" fill="hold">
+                            <p:stCondLst>
+                              <p:cond delay="0"/>
+                            </p:stCondLst>
+                            <p:childTnLst>
+                              <p:par>
+                                <p:cTn id="5" presetID="1" presetClass="entr" presetSubtype="0" fill="hold" nodeType="clickEffect">
+                                  <p:stCondLst>
+                                    <p:cond delay="0"/>
+                                  </p:stCondLst>
+                                  <p:childTnLst>
+                                    <p:set>
+                                      <p:cBhvr>
+                                        <p:cTn id="6" dur="1" fill="hold">
+                                          <p:stCondLst>
+                                            <p:cond delay="0"/>
+                                          </p:stCondLst>
+                                        </p:cTn>
+                                        <p:tgtEl>
+                                          <p:spTgt spid="3">
+                                            <p:txEl>
+                                              <p:pRg st="0" end="0"/>
+                                            </p:txEl>
+                                          </p:spTgt>
+                                        </p:tgtEl>
+                                        <p:attrNameLst>
+                                          <p:attrName>style.visibility</p:attrName>
+                                        </p:attrNameLst>
+                                      </p:cBhvr>
+                                      <p:to>
+                                        <p:strVal val="visible"/>
+                                      </p:to>
+                                    </p:set>
+                                  </p:childTnLst>
+                                </p:cTn>
+                              </p:par>
+                              <p:par>
+                                <p:cTn id="7" presetID="1" presetClass="entr" presetSubtype="0" fill="hold" nodeType="withEffect">
+                                  <p:stCondLst>
+                                    <p:cond delay="0"/>
+                                  </p:stCondLst>
+                                  <p:childTnLst>
+                                    <p:set>
+                                      <p:cBhvr>
+                                        <p:cTn id="8" dur="1" fill="hold">
+                                          <p:stCondLst>
+                                            <p:cond delay="0"/>
+                                          </p:stCondLst>
+                                        </p:cTn>
+                                        <p:tgtEl>
+                                          <p:spTgt spid="3">
+                                            <p:txEl>
+                                              <p:pRg st="1" end="1"/>
+                                            </p:txEl>
+                                          </p:spTgt>
+                                        </p:tgtEl>
+                                        <p:attrNameLst>
+                                          <p:attrName>style.visibility</p:attrName>
+                                        </p:attrNameLst>
+                                      </p:cBhvr>
+                                      <p:to>
+                                        <p:strVal val="visible"/>
+                                      </p:to>
+                                    </p:set>
+                                  </p:childTnLst>
+                                </p:cTn>
+                              </p:par>
+                              <p:par>
+                                <p:cTn id="9" presetID="1" presetClass="entr" presetSubtype="0" fill="hold" nodeType="withEffect">
+                                  <p:stCondLst>
+                                    <p:cond delay="0"/>
+                                  </p:stCondLst>
+                                  <p:childTnLst>
+                                    <p:set>
+                                      <p:cBhvr>
+                                        <p:cTn id="10" dur="1" fill="hold">
+                                          <p:stCondLst>
+                                            <p:cond delay="0"/>
+                                          </p:stCondLst>
+                                        </p:cTn>
+                                        <p:tgtEl>
+                                          <p:spTgt spid="3">
+                                            <p:txEl>
+                                              <p:pRg st="2" end="2"/>
+                                            </p:txEl>
+                                          </p:spTgt>
+                                        </p:tgtEl>
+                                        <p:attrNameLst>
+                                          <p:attrName>style.visibility</p:attrName>
+                                        </p:attrNameLst>
+                                      </p:cBhvr>
+                                      <p:to>
+                                        <p:strVal val="visible"/>
+                                      </p:to>
+                                    </p:set>
+                                  </p:childTnLst>
+                                </p:cTn>
+                              </p:par>
+                              <p:par>
+                                <p:cTn id="11" presetID="1" presetClass="entr" presetSubtype="0" fill="hold" nodeType="withEffect">
+                                  <p:stCondLst>
+                                    <p:cond delay="0"/>
+                                  </p:stCondLst>
+                                  <p:childTnLst>
+                                    <p:set>
+                                      <p:cBhvr>
+                                        <p:cTn id="12" dur="1" fill="hold">
+                                          <p:stCondLst>
+                                            <p:cond delay="0"/>
+                                          </p:stCondLst>
+                                        </p:cTn>
+                                        <p:tgtEl>
+                                          <p:spTgt spid="3">
+                                            <p:txEl>
+                                              <p:pRg st="3" end="3"/>
+                                            </p:txEl>
+                                          </p:spTgt>
+                                        </p:tgtEl>
+                                        <p:attrNameLst>
+                                          <p:attrName>style.visibility</p:attrName>
+                                        </p:attrNameLst>
+                                      </p:cBhvr>
+                                      <p:to>
+                                        <p:strVal val="visible"/>
+                                      </p:to>
+                                    </p:set>
+                                  </p:childTnLst>
+                                </p:cTn>
+                              </p:par>
+                              <p:par>
+                                <p:cTn id="13" presetID="1" presetClass="entr" presetSubtype="0" fill="hold" nodeType="withEffect">
+                                  <p:stCondLst>
+                                    <p:cond delay="0"/>
+                                  </p:stCondLst>
+                                  <p:childTnLst>
+                                    <p:set>
+                                      <p:cBhvr>
+                                        <p:cTn id="14" dur="1" fill="hold">
+                                          <p:stCondLst>
+                                            <p:cond delay="0"/>
+                                          </p:stCondLst>
+                                        </p:cTn>
+                                        <p:tgtEl>
+                                          <p:spTgt spid="3">
+                                            <p:txEl>
+                                              <p:pRg st="4" end="4"/>
+                                            </p:txEl>
+                                          </p:spTgt>
+                                        </p:tgtEl>
+                                        <p:attrNameLst>
+                                          <p:attrName>style.visibility</p:attrName>
+                                        </p:attrNameLst>
+                                      </p:cBhvr>
+                                      <p:to>
+                                        <p:strVal val="visible"/>
+                                      </p:to>
+                                    </p:set>
+                                  </p:childTnLst>
+                                </p:cTn>
+                              </p:par>
+                            </p:childTnLst>
+                          </p:cTn>
+                        </p:par>
+                      </p:childTnLst>
+                    </p:cTn>
+                  </p:par>
+                  <p:par>
+                    <p:cTn id="15" fill="hold">
+                      <p:stCondLst>
+                        <p:cond delay="indefinite"/>
+                      </p:stCondLst>
+                      <p:childTnLst>
+                        <p:par>
+                          <p:cTn id="16" fill="hold">
+                            <p:stCondLst>
+                              <p:cond delay="0"/>
+                            </p:stCondLst>
+                            <p:childTnLst>
+                              <p:par>
+                                <p:cTn id="17" presetID="1" presetClass="entr" presetSubtype="0" fill="hold" nodeType="clickEffect">
+                                  <p:stCondLst>
+                                    <p:cond delay="0"/>
+                                  </p:stCondLst>
+                                  <p:childTnLst>
+                                    <p:set>
+                                      <p:cBhvr>
+                                        <p:cTn id="18" dur="1" fill="hold">
+                                          <p:stCondLst>
+                                            <p:cond delay="0"/>
+                                          </p:stCondLst>
+                                        </p:cTn>
+                                        <p:tgtEl>
+                                          <p:spTgt spid="3">
+                                            <p:txEl>
+                                              <p:pRg st="6" end="6"/>
+                                            </p:txEl>
+                                          </p:spTgt>
+                                        </p:tgtEl>
+                                        <p:attrNameLst>
+                                          <p:attrName>style.visibility</p:attrName>
+                                        </p:attrNameLst>
+                                      </p:cBhvr>
+                                      <p:to>
+                                        <p:strVal val="visible"/>
+                                      </p:to>
+                                    </p:set>
+                                  </p:childTnLst>
+                                </p:cTn>
+                              </p:par>
+                              <p:par>
+                                <p:cTn id="19" presetID="1" presetClass="entr" presetSubtype="0" fill="hold" nodeType="withEffect">
+                                  <p:stCondLst>
+                                    <p:cond delay="0"/>
+                                  </p:stCondLst>
+                                  <p:childTnLst>
+                                    <p:set>
+                                      <p:cBhvr>
+                                        <p:cTn id="20" dur="1" fill="hold">
+                                          <p:stCondLst>
+                                            <p:cond delay="0"/>
+                                          </p:stCondLst>
+                                        </p:cTn>
+                                        <p:tgtEl>
+                                          <p:spTgt spid="3">
+                                            <p:txEl>
+                                              <p:pRg st="7" end="7"/>
+                                            </p:txEl>
+                                          </p:spTgt>
+                                        </p:tgtEl>
+                                        <p:attrNameLst>
+                                          <p:attrName>style.visibility</p:attrName>
+                                        </p:attrNameLst>
+                                      </p:cBhvr>
+                                      <p:to>
+                                        <p:strVal val="visible"/>
+                                      </p:to>
+                                    </p:set>
+                                  </p:childTnLst>
+                                </p:cTn>
+                              </p:par>
+                              <p:par>
+                                <p:cTn id="21" presetID="1" presetClass="entr" presetSubtype="0" fill="hold" nodeType="withEffect">
+                                  <p:stCondLst>
+                                    <p:cond delay="0"/>
+                                  </p:stCondLst>
+                                  <p:childTnLst>
+                                    <p:set>
+                                      <p:cBhvr>
+                                        <p:cTn id="22" dur="1" fill="hold">
+                                          <p:stCondLst>
+                                            <p:cond delay="0"/>
+                                          </p:stCondLst>
+                                        </p:cTn>
+                                        <p:tgtEl>
+                                          <p:spTgt spid="3">
+                                            <p:txEl>
+                                              <p:pRg st="8" end="8"/>
+                                            </p:txEl>
+                                          </p:spTgt>
+                                        </p:tgtEl>
+                                        <p:attrNameLst>
+                                          <p:attrName>style.visibility</p:attrName>
+                                        </p:attrNameLst>
+                                      </p:cBhvr>
+                                      <p:to>
+                                        <p:strVal val="visible"/>
+                                      </p:to>
+                                    </p:set>
+                                  </p:childTnLst>
+                                </p:cTn>
+                              </p:par>
+                              <p:par>
+                                <p:cTn id="23" presetID="1" presetClass="entr" presetSubtype="0" fill="hold" nodeType="withEffect">
+                                  <p:stCondLst>
+                                    <p:cond delay="0"/>
+                                  </p:stCondLst>
+                                  <p:childTnLst>
+                                    <p:set>
+                                      <p:cBhvr>
+                                        <p:cTn id="24" dur="1" fill="hold">
+                                          <p:stCondLst>
+                                            <p:cond delay="0"/>
+                                          </p:stCondLst>
+                                        </p:cTn>
+                                        <p:tgtEl>
+                                          <p:spTgt spid="3">
+                                            <p:txEl>
+                                              <p:pRg st="9" end="9"/>
+                                            </p:txEl>
+                                          </p:spTgt>
+                                        </p:tgtEl>
+                                        <p:attrNameLst>
+                                          <p:attrName>style.visibility</p:attrName>
+                                        </p:attrNameLst>
+                                      </p:cBhvr>
+                                      <p:to>
+                                        <p:strVal val="visible"/>
+                                      </p:to>
+                                    </p:set>
+                                  </p:childTnLst>
+                                </p:cTn>
+                              </p:par>
+                              <p:par>
+                                <p:cTn id="25" presetID="1" presetClass="entr" presetSubtype="0" fill="hold" nodeType="withEffect">
+                                  <p:stCondLst>
+                                    <p:cond delay="0"/>
+                                  </p:stCondLst>
+                                  <p:childTnLst>
+                                    <p:set>
+                                      <p:cBhvr>
+                                        <p:cTn id="26" dur="1" fill="hold">
+                                          <p:stCondLst>
+                                            <p:cond delay="0"/>
+                                          </p:stCondLst>
+                                        </p:cTn>
+                                        <p:tgtEl>
+                                          <p:spTgt spid="3">
+                                            <p:txEl>
+                                              <p:pRg st="10" end="10"/>
+                                            </p:txEl>
+                                          </p:spTgt>
+                                        </p:tgtEl>
+                                        <p:attrNameLst>
+                                          <p:attrName>style.visibility</p:attrName>
+                                        </p:attrNameLst>
+                                      </p:cBhvr>
+                                      <p:to>
+                                        <p:strVal val="visible"/>
+                                      </p:to>
+                                    </p:set>
+                                  </p:childTnLst>
+                                </p:cTn>
+                              </p:par>
+                              <p:par>
+                                <p:cTn id="27" presetID="1" presetClass="entr" presetSubtype="0" fill="hold" nodeType="withEffect">
+                                  <p:stCondLst>
+                                    <p:cond delay="0"/>
+                                  </p:stCondLst>
+                                  <p:childTnLst>
+                                    <p:set>
+                                      <p:cBhvr>
+                                        <p:cTn id="28" dur="1" fill="hold">
+                                          <p:stCondLst>
+                                            <p:cond delay="0"/>
+                                          </p:stCondLst>
+                                        </p:cTn>
+                                        <p:tgtEl>
+                                          <p:spTgt spid="3">
+                                            <p:txEl>
+                                              <p:pRg st="11" end="11"/>
+                                            </p:txEl>
+                                          </p:spTgt>
+                                        </p:tgtEl>
+                                        <p:attrNameLst>
+                                          <p:attrName>style.visibility</p:attrName>
+                                        </p:attrNameLst>
+                                      </p:cBhvr>
+                                      <p:to>
+                                        <p:strVal val="visible"/>
+                                      </p:to>
+                                    </p:set>
+                                  </p:childTnLst>
+                                </p:cTn>
+                              </p:par>
+                              <p:par>
+                                <p:cTn id="29" presetID="1" presetClass="entr" presetSubtype="0" fill="hold" nodeType="withEffect">
+                                  <p:stCondLst>
+                                    <p:cond delay="0"/>
+                                  </p:stCondLst>
+                                  <p:childTnLst>
+                                    <p:set>
+                                      <p:cBhvr>
+                                        <p:cTn id="30" dur="1" fill="hold">
+                                          <p:stCondLst>
+                                            <p:cond delay="0"/>
+                                          </p:stCondLst>
+                                        </p:cTn>
+                                        <p:tgtEl>
+                                          <p:spTgt spid="3">
+                                            <p:txEl>
+                                              <p:pRg st="12" end="12"/>
+                                            </p:txEl>
+                                          </p:spTgt>
+                                        </p:tgtEl>
+                                        <p:attrNameLst>
+                                          <p:attrName>style.visibility</p:attrName>
+                                        </p:attrNameLst>
+                                      </p:cBhvr>
+                                      <p:to>
+                                        <p:strVal val="visible"/>
+                                      </p:to>
+                                    </p:set>
+                                  </p:childTnLst>
+                                </p:cTn>
+                              </p:par>
+                              <p:par>
+                                <p:cTn id="31" presetID="1" presetClass="entr" presetSubtype="0" fill="hold" nodeType="withEffect">
+                                  <p:stCondLst>
+                                    <p:cond delay="0"/>
+                                  </p:stCondLst>
+                                  <p:childTnLst>
+                                    <p:set>
+                                      <p:cBhvr>
+                                        <p:cTn id="32" dur="1" fill="hold">
+                                          <p:stCondLst>
+                                            <p:cond delay="0"/>
+                                          </p:stCondLst>
+                                        </p:cTn>
+                                        <p:tgtEl>
+                                          <p:spTgt spid="3">
+                                            <p:txEl>
+                                              <p:pRg st="13" end="13"/>
+                                            </p:txEl>
+                                          </p:spTgt>
+                                        </p:tgtEl>
+                                        <p:attrNameLst>
+                                          <p:attrName>style.visibility</p:attrName>
+                                        </p:attrNameLst>
+                                      </p:cBhvr>
+                                      <p:to>
+                                        <p:strVal val="visible"/>
+                                      </p:to>
+                                    </p:set>
+                                  </p:childTnLst>
+                                </p:cTn>
+                              </p:par>
+                              <p:par>
+                                <p:cTn id="33" presetID="1" presetClass="entr" presetSubtype="0" fill="hold" nodeType="withEffect">
+                                  <p:stCondLst>
+                                    <p:cond delay="0"/>
+                                  </p:stCondLst>
+                                  <p:childTnLst>
+                                    <p:set>
+                                      <p:cBhvr>
+                                        <p:cTn id="34" dur="1" fill="hold">
+                                          <p:stCondLst>
+                                            <p:cond delay="0"/>
+                                          </p:stCondLst>
+                                        </p:cTn>
+                                        <p:tgtEl>
+                                          <p:spTgt spid="3">
+                                            <p:txEl>
+                                              <p:pRg st="14" end="14"/>
+                                            </p:txEl>
+                                          </p:spTgt>
+                                        </p:tgtEl>
+                                        <p:attrNameLst>
+                                          <p:attrName>style.visibility</p:attrName>
+                                        </p:attrNameLst>
+                                      </p:cBhvr>
+                                      <p:to>
+                                        <p:strVal val="visible"/>
+                                      </p:to>
+                                    </p:set>
+                                  </p:childTnLst>
+                                </p:cTn>
+                              </p:par>
+                            </p:childTnLst>
+                          </p:cTn>
+                        </p:par>
+                      </p:childTnLst>
+                    </p:cTn>
+                  </p:par>
+                </p:childTnLst>
+              </p:cTn>
+              <p:prevCondLst>
+                <p:cond evt="onPrev" delay="0">
+                  <p:tgtEl>
+                    <p:sldTgt/>
+                  </p:tgtEl>
+                </p:cond>
+              </p:prevCondLst>
+              <p:nextCondLst>
+                <p:cond evt="onNext" delay="0">
+                  <p:tgtEl>
+                    <p:sldTgt/>
+                  </p:tgtEl>
+                </p:cond>
+              </p:nextCondLst>
+            </p:seq>
+          </p:childTnLst>
+        </p:cTn>
+      </p:par>
+    </p:tnLst>
+  </p:timing>
 </p:sld>
 </file>
 
@@ -10544,13 +10831,296 @@
     </p:spTree>
     <p:extLst>
       <p:ext uri="{BB962C8B-B14F-4D97-AF65-F5344CB8AC3E}">
-        <p14:creationId xmlns:p14="http://schemas.microsoft.com/office/powerpoint/2010/main" val="4050566619"/>
+        <p14:creationId xmlns:p14="http://schemas.microsoft.com/office/powerpoint/2010/main" val="653936539"/>
       </p:ext>
     </p:extLst>
   </p:cSld>
   <p:clrMapOvr>
     <a:masterClrMapping/>
   </p:clrMapOvr>
+  <p:timing>
+    <p:tnLst>
+      <p:par>
+        <p:cTn id="1" dur="indefinite" restart="never" nodeType="tmRoot">
+          <p:childTnLst>
+            <p:seq concurrent="1" nextAc="seek">
+              <p:cTn id="2" dur="indefinite" nodeType="mainSeq">
+                <p:childTnLst>
+                  <p:par>
+                    <p:cTn id="3" fill="hold">
+                      <p:stCondLst>
+                        <p:cond delay="indefinite"/>
+                      </p:stCondLst>
+                      <p:childTnLst>
+                        <p:par>
+                          <p:cTn id="4" fill="hold">
+                            <p:stCondLst>
+                              <p:cond delay="0"/>
+                            </p:stCondLst>
+                            <p:childTnLst>
+                              <p:par>
+                                <p:cTn id="5" presetID="1" presetClass="entr" presetSubtype="0" fill="hold" nodeType="clickEffect">
+                                  <p:stCondLst>
+                                    <p:cond delay="0"/>
+                                  </p:stCondLst>
+                                  <p:childTnLst>
+                                    <p:set>
+                                      <p:cBhvr>
+                                        <p:cTn id="6" dur="1" fill="hold">
+                                          <p:stCondLst>
+                                            <p:cond delay="0"/>
+                                          </p:stCondLst>
+                                        </p:cTn>
+                                        <p:tgtEl>
+                                          <p:spTgt spid="3">
+                                            <p:txEl>
+                                              <p:pRg st="0" end="0"/>
+                                            </p:txEl>
+                                          </p:spTgt>
+                                        </p:tgtEl>
+                                        <p:attrNameLst>
+                                          <p:attrName>style.visibility</p:attrName>
+                                        </p:attrNameLst>
+                                      </p:cBhvr>
+                                      <p:to>
+                                        <p:strVal val="visible"/>
+                                      </p:to>
+                                    </p:set>
+                                  </p:childTnLst>
+                                </p:cTn>
+                              </p:par>
+                              <p:par>
+                                <p:cTn id="7" presetID="1" presetClass="entr" presetSubtype="0" fill="hold" nodeType="withEffect">
+                                  <p:stCondLst>
+                                    <p:cond delay="0"/>
+                                  </p:stCondLst>
+                                  <p:childTnLst>
+                                    <p:set>
+                                      <p:cBhvr>
+                                        <p:cTn id="8" dur="1" fill="hold">
+                                          <p:stCondLst>
+                                            <p:cond delay="0"/>
+                                          </p:stCondLst>
+                                        </p:cTn>
+                                        <p:tgtEl>
+                                          <p:spTgt spid="3">
+                                            <p:txEl>
+                                              <p:pRg st="1" end="1"/>
+                                            </p:txEl>
+                                          </p:spTgt>
+                                        </p:tgtEl>
+                                        <p:attrNameLst>
+                                          <p:attrName>style.visibility</p:attrName>
+                                        </p:attrNameLst>
+                                      </p:cBhvr>
+                                      <p:to>
+                                        <p:strVal val="visible"/>
+                                      </p:to>
+                                    </p:set>
+                                  </p:childTnLst>
+                                </p:cTn>
+                              </p:par>
+                              <p:par>
+                                <p:cTn id="9" presetID="1" presetClass="entr" presetSubtype="0" fill="hold" nodeType="withEffect">
+                                  <p:stCondLst>
+                                    <p:cond delay="0"/>
+                                  </p:stCondLst>
+                                  <p:childTnLst>
+                                    <p:set>
+                                      <p:cBhvr>
+                                        <p:cTn id="10" dur="1" fill="hold">
+                                          <p:stCondLst>
+                                            <p:cond delay="0"/>
+                                          </p:stCondLst>
+                                        </p:cTn>
+                                        <p:tgtEl>
+                                          <p:spTgt spid="3">
+                                            <p:txEl>
+                                              <p:pRg st="2" end="2"/>
+                                            </p:txEl>
+                                          </p:spTgt>
+                                        </p:tgtEl>
+                                        <p:attrNameLst>
+                                          <p:attrName>style.visibility</p:attrName>
+                                        </p:attrNameLst>
+                                      </p:cBhvr>
+                                      <p:to>
+                                        <p:strVal val="visible"/>
+                                      </p:to>
+                                    </p:set>
+                                  </p:childTnLst>
+                                </p:cTn>
+                              </p:par>
+                              <p:par>
+                                <p:cTn id="11" presetID="1" presetClass="entr" presetSubtype="0" fill="hold" nodeType="withEffect">
+                                  <p:stCondLst>
+                                    <p:cond delay="0"/>
+                                  </p:stCondLst>
+                                  <p:childTnLst>
+                                    <p:set>
+                                      <p:cBhvr>
+                                        <p:cTn id="12" dur="1" fill="hold">
+                                          <p:stCondLst>
+                                            <p:cond delay="0"/>
+                                          </p:stCondLst>
+                                        </p:cTn>
+                                        <p:tgtEl>
+                                          <p:spTgt spid="3">
+                                            <p:txEl>
+                                              <p:pRg st="3" end="3"/>
+                                            </p:txEl>
+                                          </p:spTgt>
+                                        </p:tgtEl>
+                                        <p:attrNameLst>
+                                          <p:attrName>style.visibility</p:attrName>
+                                        </p:attrNameLst>
+                                      </p:cBhvr>
+                                      <p:to>
+                                        <p:strVal val="visible"/>
+                                      </p:to>
+                                    </p:set>
+                                  </p:childTnLst>
+                                </p:cTn>
+                              </p:par>
+                            </p:childTnLst>
+                          </p:cTn>
+                        </p:par>
+                      </p:childTnLst>
+                    </p:cTn>
+                  </p:par>
+                  <p:par>
+                    <p:cTn id="13" fill="hold">
+                      <p:stCondLst>
+                        <p:cond delay="indefinite"/>
+                      </p:stCondLst>
+                      <p:childTnLst>
+                        <p:par>
+                          <p:cTn id="14" fill="hold">
+                            <p:stCondLst>
+                              <p:cond delay="0"/>
+                            </p:stCondLst>
+                            <p:childTnLst>
+                              <p:par>
+                                <p:cTn id="15" presetID="1" presetClass="entr" presetSubtype="0" fill="hold" nodeType="clickEffect">
+                                  <p:stCondLst>
+                                    <p:cond delay="0"/>
+                                  </p:stCondLst>
+                                  <p:childTnLst>
+                                    <p:set>
+                                      <p:cBhvr>
+                                        <p:cTn id="16" dur="1" fill="hold">
+                                          <p:stCondLst>
+                                            <p:cond delay="0"/>
+                                          </p:stCondLst>
+                                        </p:cTn>
+                                        <p:tgtEl>
+                                          <p:spTgt spid="3">
+                                            <p:txEl>
+                                              <p:pRg st="5" end="5"/>
+                                            </p:txEl>
+                                          </p:spTgt>
+                                        </p:tgtEl>
+                                        <p:attrNameLst>
+                                          <p:attrName>style.visibility</p:attrName>
+                                        </p:attrNameLst>
+                                      </p:cBhvr>
+                                      <p:to>
+                                        <p:strVal val="visible"/>
+                                      </p:to>
+                                    </p:set>
+                                  </p:childTnLst>
+                                </p:cTn>
+                              </p:par>
+                              <p:par>
+                                <p:cTn id="17" presetID="1" presetClass="entr" presetSubtype="0" fill="hold" nodeType="withEffect">
+                                  <p:stCondLst>
+                                    <p:cond delay="0"/>
+                                  </p:stCondLst>
+                                  <p:childTnLst>
+                                    <p:set>
+                                      <p:cBhvr>
+                                        <p:cTn id="18" dur="1" fill="hold">
+                                          <p:stCondLst>
+                                            <p:cond delay="0"/>
+                                          </p:stCondLst>
+                                        </p:cTn>
+                                        <p:tgtEl>
+                                          <p:spTgt spid="3">
+                                            <p:txEl>
+                                              <p:pRg st="6" end="6"/>
+                                            </p:txEl>
+                                          </p:spTgt>
+                                        </p:tgtEl>
+                                        <p:attrNameLst>
+                                          <p:attrName>style.visibility</p:attrName>
+                                        </p:attrNameLst>
+                                      </p:cBhvr>
+                                      <p:to>
+                                        <p:strVal val="visible"/>
+                                      </p:to>
+                                    </p:set>
+                                  </p:childTnLst>
+                                </p:cTn>
+                              </p:par>
+                              <p:par>
+                                <p:cTn id="19" presetID="1" presetClass="entr" presetSubtype="0" fill="hold" nodeType="withEffect">
+                                  <p:stCondLst>
+                                    <p:cond delay="0"/>
+                                  </p:stCondLst>
+                                  <p:childTnLst>
+                                    <p:set>
+                                      <p:cBhvr>
+                                        <p:cTn id="20" dur="1" fill="hold">
+                                          <p:stCondLst>
+                                            <p:cond delay="0"/>
+                                          </p:stCondLst>
+                                        </p:cTn>
+                                        <p:tgtEl>
+                                          <p:spTgt spid="3">
+                                            <p:txEl>
+                                              <p:pRg st="7" end="7"/>
+                                            </p:txEl>
+                                          </p:spTgt>
+                                        </p:tgtEl>
+                                        <p:attrNameLst>
+                                          <p:attrName>style.visibility</p:attrName>
+                                        </p:attrNameLst>
+                                      </p:cBhvr>
+                                      <p:to>
+                                        <p:strVal val="visible"/>
+                                      </p:to>
+                                    </p:set>
+                                  </p:childTnLst>
+                                </p:cTn>
+                              </p:par>
+                            </p:childTnLst>
+                          </p:cTn>
+                        </p:par>
+                      </p:childTnLst>
+                    </p:cTn>
+                  </p:par>
+                </p:childTnLst>
+              </p:cTn>
+              <p:prevCondLst>
+                <p:cond evt="onPrev" delay="0">
+                  <p:tgtEl>
+                    <p:sldTgt/>
+                  </p:tgtEl>
+                </p:cond>
+              </p:prevCondLst>
+              <p:nextCondLst>
+                <p:cond evt="onNext" delay="0">
+                  <p:tgtEl>
+                    <p:sldTgt/>
+                  </p:tgtEl>
+                </p:cond>
+              </p:nextCondLst>
+            </p:seq>
+          </p:childTnLst>
+        </p:cTn>
+      </p:par>
+    </p:tnLst>
+  </p:timing>
 </p:sld>
 </file>
 
@@ -10925,7 +11495,7 @@
         </p:nvSpPr>
         <p:spPr>
           <a:xfrm>
-            <a:off x="8097833" y="2961446"/>
+            <a:off x="4771061" y="2961446"/>
             <a:ext cx="1742739" cy="1861062"/>
           </a:xfrm>
           <a:prstGeom prst="downArrowCallout">
@@ -11138,7 +11708,7 @@
         </p:nvSpPr>
         <p:spPr>
           <a:xfrm>
-            <a:off x="5663695" y="2961446"/>
+            <a:off x="6773403" y="2961446"/>
             <a:ext cx="2009342" cy="1861062"/>
           </a:xfrm>
           <a:prstGeom prst="downArrowCallout">
@@ -11315,7 +11885,7 @@
         </p:nvSpPr>
         <p:spPr>
           <a:xfrm>
-            <a:off x="3312267" y="2961446"/>
+            <a:off x="2723983" y="2961446"/>
             <a:ext cx="1742739" cy="1861062"/>
           </a:xfrm>
           <a:prstGeom prst="downArrowCallout">
@@ -11438,7 +12008,23 @@
                   <a:schemeClr val="bg1"/>
                 </a:solidFill>
               </a:rPr>
-              <a:t>		</a:t>
+              <a:t>		May					June			</a:t>
+            </a:r>
+            <a:r>
+              <a:rPr lang="de-DE" sz="1600" dirty="0" err="1">
+                <a:solidFill>
+                  <a:schemeClr val="bg1"/>
+                </a:solidFill>
+              </a:rPr>
+              <a:t>July</a:t>
+            </a:r>
+            <a:r>
+              <a:rPr lang="de-DE" sz="1600" dirty="0">
+                <a:solidFill>
+                  <a:schemeClr val="bg1"/>
+                </a:solidFill>
+              </a:rPr>
+              <a:t>	</a:t>
             </a:r>
           </a:p>
         </p:txBody>
@@ -11475,7 +12061,7 @@
     </p:spTree>
     <p:extLst>
       <p:ext uri="{BB962C8B-B14F-4D97-AF65-F5344CB8AC3E}">
-        <p14:creationId xmlns:p14="http://schemas.microsoft.com/office/powerpoint/2010/main" val="804228219"/>
+        <p14:creationId xmlns:p14="http://schemas.microsoft.com/office/powerpoint/2010/main" val="3684962579"/>
       </p:ext>
     </p:extLst>
   </p:cSld>
@@ -11810,7 +12396,22 @@
           <a:bodyPr/>
           <a:lstStyle/>
           <a:p>
-            <a:endParaRPr lang="de-DE"/>
+            <a:r>
+              <a:rPr lang="de-DE" dirty="0" err="1"/>
+              <a:t>Thank</a:t>
+            </a:r>
+            <a:r>
+              <a:rPr lang="de-DE" dirty="0"/>
+              <a:t> </a:t>
+            </a:r>
+            <a:r>
+              <a:rPr lang="de-DE" dirty="0" err="1"/>
+              <a:t>you</a:t>
+            </a:r>
+            <a:r>
+              <a:rPr lang="de-DE" dirty="0"/>
+              <a:t>!</a:t>
+            </a:r>
           </a:p>
         </p:txBody>
       </p:sp>
@@ -11927,10 +12528,6 @@
           <a:bodyPr/>
           <a:lstStyle/>
           <a:p>
-            <a:r>
-              <a:rPr lang="de-DE" dirty="0"/>
-              <a:t>3 </a:t>
-            </a:r>
             <a:r>
               <a:rPr lang="de-DE" dirty="0" err="1"/>
               <a:t>benefits</a:t>
@@ -12357,12 +12954,7 @@
             <p:ph type="title"/>
           </p:nvPr>
         </p:nvSpPr>
-        <p:spPr>
-          <a:xfrm>
-            <a:off x="0" y="334645"/>
-            <a:ext cx="12192000" cy="830629"/>
-          </a:xfrm>
-        </p:spPr>
+        <p:spPr/>
         <p:txBody>
           <a:bodyPr/>
           <a:lstStyle/>
@@ -12405,10 +12997,10 @@
       </p:sp>
       <p:sp>
         <p:nvSpPr>
-          <p:cNvPr id="3" name="Inhaltsplatzhalter 2">
+          <p:cNvPr id="8" name="Inhaltsplatzhalter 7">
             <a:extLst>
               <a:ext uri="{FF2B5EF4-FFF2-40B4-BE49-F238E27FC236}">
-                <a16:creationId xmlns:a16="http://schemas.microsoft.com/office/drawing/2014/main" id="{1DDCD100-DAB5-3DA9-A978-0BD6311771F9}"/>
+                <a16:creationId xmlns:a16="http://schemas.microsoft.com/office/drawing/2014/main" id="{2EA5830F-582B-D019-74C9-63DE7334087F}"/>
               </a:ext>
             </a:extLst>
           </p:cNvPr>
@@ -12419,24 +13011,19 @@
             <p:ph idx="1"/>
           </p:nvPr>
         </p:nvSpPr>
-        <p:spPr>
-          <a:xfrm>
-            <a:off x="838200" y="1556238"/>
-            <a:ext cx="10515600" cy="4620725"/>
-          </a:xfrm>
-        </p:spPr>
+        <p:spPr/>
         <p:txBody>
           <a:bodyPr/>
           <a:lstStyle/>
           <a:p>
-            <a:endParaRPr lang="de-DE" dirty="0"/>
+            <a:endParaRPr lang="en-US"/>
           </a:p>
         </p:txBody>
       </p:sp>
     </p:spTree>
     <p:extLst>
       <p:ext uri="{BB962C8B-B14F-4D97-AF65-F5344CB8AC3E}">
-        <p14:creationId xmlns:p14="http://schemas.microsoft.com/office/powerpoint/2010/main" val="1877245081"/>
+        <p14:creationId xmlns:p14="http://schemas.microsoft.com/office/powerpoint/2010/main" val="411454881"/>
       </p:ext>
     </p:extLst>
   </p:cSld>
@@ -12802,7 +13389,7 @@
 </file>
 
 <file path=ppt/slides/slide6.xml><?xml version="1.0" encoding="utf-8"?>
-<p:sld xmlns:a="http://schemas.openxmlformats.org/drawingml/2006/main" xmlns:r="http://schemas.openxmlformats.org/officeDocument/2006/relationships" xmlns:p="http://schemas.openxmlformats.org/presentationml/2006/main" show="0">
+<p:sld xmlns:a="http://schemas.openxmlformats.org/drawingml/2006/main" xmlns:r="http://schemas.openxmlformats.org/officeDocument/2006/relationships" xmlns:p="http://schemas.openxmlformats.org/presentationml/2006/main">
   <p:cSld>
     <p:spTree>
       <p:nvGrpSpPr>
@@ -13401,16 +13988,174 @@
           </a:prstGeom>
         </p:spPr>
       </p:pic>
+      <p:pic>
+        <p:nvPicPr>
+          <p:cNvPr id="8" name="Grafik 7">
+            <a:extLst>
+              <a:ext uri="{FF2B5EF4-FFF2-40B4-BE49-F238E27FC236}">
+                <a16:creationId xmlns:a16="http://schemas.microsoft.com/office/drawing/2014/main" id="{552EFC60-4D5C-88C3-FC43-FCE6FA6DF38D}"/>
+              </a:ext>
+            </a:extLst>
+          </p:cNvPr>
+          <p:cNvPicPr>
+            <a:picLocks noChangeAspect="1"/>
+          </p:cNvPicPr>
+          <p:nvPr/>
+        </p:nvPicPr>
+        <p:blipFill>
+          <a:blip r:embed="rId4"/>
+          <a:stretch>
+            <a:fillRect/>
+          </a:stretch>
+        </p:blipFill>
+        <p:spPr>
+          <a:xfrm>
+            <a:off x="7242337" y="1556238"/>
+            <a:ext cx="4760732" cy="3209931"/>
+          </a:xfrm>
+          <a:prstGeom prst="rect">
+            <a:avLst/>
+          </a:prstGeom>
+        </p:spPr>
+      </p:pic>
+      <p:sp>
+        <p:nvSpPr>
+          <p:cNvPr id="10" name="Textfeld 9">
+            <a:extLst>
+              <a:ext uri="{FF2B5EF4-FFF2-40B4-BE49-F238E27FC236}">
+                <a16:creationId xmlns:a16="http://schemas.microsoft.com/office/drawing/2014/main" id="{3575F64A-C363-3CC8-0AC0-DA1841C099F0}"/>
+              </a:ext>
+            </a:extLst>
+          </p:cNvPr>
+          <p:cNvSpPr txBox="1"/>
+          <p:nvPr/>
+        </p:nvSpPr>
+        <p:spPr>
+          <a:xfrm>
+            <a:off x="4687409" y="1983040"/>
+            <a:ext cx="325730" cy="261610"/>
+          </a:xfrm>
+          <a:prstGeom prst="rect">
+            <a:avLst/>
+          </a:prstGeom>
+          <a:noFill/>
+        </p:spPr>
+        <p:txBody>
+          <a:bodyPr wrap="none" rtlCol="0">
+            <a:spAutoFit/>
+          </a:bodyPr>
+          <a:lstStyle/>
+          <a:p>
+            <a:r>
+              <a:rPr lang="en-GB" sz="1050" b="0" i="0" dirty="0">
+                <a:solidFill>
+                  <a:schemeClr val="bg1">
+                    <a:lumMod val="75000"/>
+                  </a:schemeClr>
+                </a:solidFill>
+                <a:effectLst/>
+                <a:latin typeface="Times New Roman" panose="02020603050405020304" pitchFamily="18" charset="0"/>
+              </a:rPr>
+              <a:t>ⓘ</a:t>
+            </a:r>
+            <a:endParaRPr lang="en-US" sz="1050" dirty="0">
+              <a:solidFill>
+                <a:schemeClr val="bg1">
+                  <a:lumMod val="75000"/>
+                </a:schemeClr>
+              </a:solidFill>
+            </a:endParaRPr>
+          </a:p>
+        </p:txBody>
+      </p:sp>
     </p:spTree>
     <p:extLst>
       <p:ext uri="{BB962C8B-B14F-4D97-AF65-F5344CB8AC3E}">
-        <p14:creationId xmlns:p14="http://schemas.microsoft.com/office/powerpoint/2010/main" val="635235447"/>
+        <p14:creationId xmlns:p14="http://schemas.microsoft.com/office/powerpoint/2010/main" val="3183901885"/>
       </p:ext>
     </p:extLst>
   </p:cSld>
   <p:clrMapOvr>
     <a:masterClrMapping/>
   </p:clrMapOvr>
+  <p:timing>
+    <p:tnLst>
+      <p:par>
+        <p:cTn id="1" dur="indefinite" restart="never" nodeType="tmRoot">
+          <p:childTnLst>
+            <p:seq concurrent="1" nextAc="seek">
+              <p:cTn id="2" restart="whenNotActive" fill="hold" evtFilter="cancelBubble" nodeType="interactiveSeq">
+                <p:stCondLst>
+                  <p:cond evt="onClick" delay="0">
+                    <p:tgtEl>
+                      <p:spTgt spid="10"/>
+                    </p:tgtEl>
+                  </p:cond>
+                </p:stCondLst>
+                <p:endSync evt="end" delay="0">
+                  <p:rtn val="all"/>
+                </p:endSync>
+                <p:childTnLst>
+                  <p:par>
+                    <p:cTn id="3" fill="hold">
+                      <p:stCondLst>
+                        <p:cond delay="0"/>
+                      </p:stCondLst>
+                      <p:childTnLst>
+                        <p:par>
+                          <p:cTn id="4" fill="hold">
+                            <p:stCondLst>
+                              <p:cond delay="0"/>
+                            </p:stCondLst>
+                            <p:childTnLst>
+                              <p:par>
+                                <p:cTn id="5" presetID="1" presetClass="entr" presetSubtype="0" fill="hold" nodeType="clickEffect">
+                                  <p:stCondLst>
+                                    <p:cond delay="0"/>
+                                  </p:stCondLst>
+                                  <p:childTnLst>
+                                    <p:set>
+                                      <p:cBhvr>
+                                        <p:cTn id="6" dur="1" fill="hold">
+                                          <p:stCondLst>
+                                            <p:cond delay="0"/>
+                                          </p:stCondLst>
+                                        </p:cTn>
+                                        <p:tgtEl>
+                                          <p:spTgt spid="8"/>
+                                        </p:tgtEl>
+                                        <p:attrNameLst>
+                                          <p:attrName>style.visibility</p:attrName>
+                                        </p:attrNameLst>
+                                      </p:cBhvr>
+                                      <p:to>
+                                        <p:strVal val="visible"/>
+                                      </p:to>
+                                    </p:set>
+                                  </p:childTnLst>
+                                </p:cTn>
+                              </p:par>
+                            </p:childTnLst>
+                          </p:cTn>
+                        </p:par>
+                      </p:childTnLst>
+                    </p:cTn>
+                  </p:par>
+                </p:childTnLst>
+              </p:cTn>
+              <p:nextCondLst>
+                <p:cond evt="onClick" delay="0">
+                  <p:tgtEl>
+                    <p:spTgt spid="10"/>
+                  </p:tgtEl>
+                </p:cond>
+              </p:nextCondLst>
+            </p:seq>
+          </p:childTnLst>
+        </p:cTn>
+      </p:par>
+    </p:tnLst>
+  </p:timing>
 </p:sld>
 </file>
 
@@ -13472,13 +14217,7 @@
           <p:cNvGraphicFramePr>
             <a:graphicFrameLocks/>
           </p:cNvGraphicFramePr>
-          <p:nvPr>
-            <p:extLst>
-              <p:ext uri="{D42A27DB-BD31-4B8C-83A1-F6EECF244321}">
-                <p14:modId xmlns:p14="http://schemas.microsoft.com/office/powerpoint/2010/main" val="1282893959"/>
-              </p:ext>
-            </p:extLst>
-          </p:nvPr>
+          <p:nvPr/>
         </p:nvGraphicFramePr>
         <p:xfrm>
           <a:off x="431800" y="1556237"/>
@@ -13671,7 +14410,7 @@
         </p:blipFill>
         <p:spPr>
           <a:xfrm>
-            <a:off x="6780122" y="817258"/>
+            <a:off x="6780122" y="743475"/>
             <a:ext cx="4980078" cy="1477958"/>
           </a:xfrm>
           <a:prstGeom prst="rect">
@@ -13764,8 +14503,8 @@
         </p:blipFill>
         <p:spPr>
           <a:xfrm>
-            <a:off x="5442857" y="2460668"/>
-            <a:ext cx="6508432" cy="4021572"/>
+            <a:off x="6060288" y="2829192"/>
+            <a:ext cx="5850043" cy="3614752"/>
           </a:xfrm>
           <a:prstGeom prst="rect">
             <a:avLst/>
@@ -13805,18 +14544,64 @@
         </p:blipFill>
         <p:spPr>
           <a:xfrm>
-            <a:off x="281669" y="2732609"/>
-            <a:ext cx="5161188" cy="4100361"/>
+            <a:off x="281669" y="2553745"/>
+            <a:ext cx="5386328" cy="4279226"/>
           </a:xfrm>
           <a:prstGeom prst="rect">
             <a:avLst/>
           </a:prstGeom>
         </p:spPr>
       </p:pic>
+      <p:sp>
+        <p:nvSpPr>
+          <p:cNvPr id="6" name="Textfeld 5">
+            <a:extLst>
+              <a:ext uri="{FF2B5EF4-FFF2-40B4-BE49-F238E27FC236}">
+                <a16:creationId xmlns:a16="http://schemas.microsoft.com/office/drawing/2014/main" id="{5D55DA68-474E-50E5-181D-14520EFB67C3}"/>
+              </a:ext>
+            </a:extLst>
+          </p:cNvPr>
+          <p:cNvSpPr txBox="1"/>
+          <p:nvPr/>
+        </p:nvSpPr>
+        <p:spPr>
+          <a:xfrm>
+            <a:off x="3906175" y="743475"/>
+            <a:ext cx="325730" cy="261610"/>
+          </a:xfrm>
+          <a:prstGeom prst="rect">
+            <a:avLst/>
+          </a:prstGeom>
+          <a:noFill/>
+        </p:spPr>
+        <p:txBody>
+          <a:bodyPr wrap="none" rtlCol="0">
+            <a:spAutoFit/>
+          </a:bodyPr>
+          <a:lstStyle/>
+          <a:p>
+            <a:r>
+              <a:rPr lang="en-GB" sz="1050" b="0" i="0" dirty="0">
+                <a:solidFill>
+                  <a:srgbClr val="A30D0D"/>
+                </a:solidFill>
+                <a:effectLst/>
+                <a:latin typeface="Times New Roman" panose="02020603050405020304" pitchFamily="18" charset="0"/>
+              </a:rPr>
+              <a:t>ⓘ</a:t>
+            </a:r>
+            <a:endParaRPr lang="en-US" sz="1050" dirty="0">
+              <a:solidFill>
+                <a:srgbClr val="A30D0D"/>
+              </a:solidFill>
+            </a:endParaRPr>
+          </a:p>
+        </p:txBody>
+      </p:sp>
     </p:spTree>
     <p:extLst>
       <p:ext uri="{BB962C8B-B14F-4D97-AF65-F5344CB8AC3E}">
-        <p14:creationId xmlns:p14="http://schemas.microsoft.com/office/powerpoint/2010/main" val="1030708482"/>
+        <p14:creationId xmlns:p14="http://schemas.microsoft.com/office/powerpoint/2010/main" val="2440926916"/>
       </p:ext>
     </p:extLst>
   </p:cSld>
@@ -13833,7 +14618,7 @@
                 <p:stCondLst>
                   <p:cond evt="onClick" delay="0">
                     <p:tgtEl>
-                      <p:spTgt spid="2"/>
+                      <p:spTgt spid="6"/>
                     </p:tgtEl>
                   </p:cond>
                 </p:stCondLst>
@@ -13891,7 +14676,7 @@
               <p:nextCondLst>
                 <p:cond evt="onClick" delay="0">
                   <p:tgtEl>
-                    <p:spTgt spid="2"/>
+                    <p:spTgt spid="6"/>
                   </p:tgtEl>
                 </p:cond>
               </p:nextCondLst>
